--- a/2023-11-09-JetBrains-TDDWithBlazor/TDD with Blazor.pptx
+++ b/2023-11-09-JetBrains-TDDWithBlazor/TDD with Blazor.pptx
@@ -5,7 +5,7 @@
     <p:sldMasterId id="2147483690" r:id="rId1"/>
   </p:sldMasterIdLst>
   <p:notesMasterIdLst>
-    <p:notesMasterId r:id="rId39"/>
+    <p:notesMasterId r:id="rId43"/>
   </p:notesMasterIdLst>
   <p:sldIdLst>
     <p:sldId id="257" r:id="rId2"/>
@@ -15,36 +15,40 @@
     <p:sldId id="327" r:id="rId6"/>
     <p:sldId id="372" r:id="rId7"/>
     <p:sldId id="375" r:id="rId8"/>
-    <p:sldId id="330" r:id="rId9"/>
-    <p:sldId id="376" r:id="rId10"/>
-    <p:sldId id="370" r:id="rId11"/>
-    <p:sldId id="394" r:id="rId12"/>
-    <p:sldId id="381" r:id="rId13"/>
-    <p:sldId id="396" r:id="rId14"/>
-    <p:sldId id="384" r:id="rId15"/>
-    <p:sldId id="405" r:id="rId16"/>
-    <p:sldId id="403" r:id="rId17"/>
-    <p:sldId id="409" r:id="rId18"/>
-    <p:sldId id="404" r:id="rId19"/>
-    <p:sldId id="387" r:id="rId20"/>
-    <p:sldId id="406" r:id="rId21"/>
-    <p:sldId id="407" r:id="rId22"/>
-    <p:sldId id="408" r:id="rId23"/>
-    <p:sldId id="377" r:id="rId24"/>
-    <p:sldId id="398" r:id="rId25"/>
-    <p:sldId id="402" r:id="rId26"/>
-    <p:sldId id="391" r:id="rId27"/>
-    <p:sldId id="399" r:id="rId28"/>
-    <p:sldId id="379" r:id="rId29"/>
-    <p:sldId id="380" r:id="rId30"/>
-    <p:sldId id="338" r:id="rId31"/>
-    <p:sldId id="392" r:id="rId32"/>
-    <p:sldId id="378" r:id="rId33"/>
-    <p:sldId id="395" r:id="rId34"/>
-    <p:sldId id="368" r:id="rId35"/>
-    <p:sldId id="336" r:id="rId36"/>
-    <p:sldId id="337" r:id="rId37"/>
-    <p:sldId id="393" r:id="rId38"/>
+    <p:sldId id="411" r:id="rId9"/>
+    <p:sldId id="410" r:id="rId10"/>
+    <p:sldId id="330" r:id="rId11"/>
+    <p:sldId id="513" r:id="rId12"/>
+    <p:sldId id="376" r:id="rId13"/>
+    <p:sldId id="511" r:id="rId14"/>
+    <p:sldId id="394" r:id="rId15"/>
+    <p:sldId id="381" r:id="rId16"/>
+    <p:sldId id="396" r:id="rId17"/>
+    <p:sldId id="384" r:id="rId18"/>
+    <p:sldId id="405" r:id="rId19"/>
+    <p:sldId id="403" r:id="rId20"/>
+    <p:sldId id="409" r:id="rId21"/>
+    <p:sldId id="404" r:id="rId22"/>
+    <p:sldId id="387" r:id="rId23"/>
+    <p:sldId id="406" r:id="rId24"/>
+    <p:sldId id="407" r:id="rId25"/>
+    <p:sldId id="408" r:id="rId26"/>
+    <p:sldId id="514" r:id="rId27"/>
+    <p:sldId id="377" r:id="rId28"/>
+    <p:sldId id="398" r:id="rId29"/>
+    <p:sldId id="402" r:id="rId30"/>
+    <p:sldId id="391" r:id="rId31"/>
+    <p:sldId id="399" r:id="rId32"/>
+    <p:sldId id="379" r:id="rId33"/>
+    <p:sldId id="380" r:id="rId34"/>
+    <p:sldId id="338" r:id="rId35"/>
+    <p:sldId id="392" r:id="rId36"/>
+    <p:sldId id="378" r:id="rId37"/>
+    <p:sldId id="395" r:id="rId38"/>
+    <p:sldId id="368" r:id="rId39"/>
+    <p:sldId id="336" r:id="rId40"/>
+    <p:sldId id="337" r:id="rId41"/>
+    <p:sldId id="393" r:id="rId42"/>
   </p:sldIdLst>
   <p:sldSz cx="12192000" cy="6858000"/>
   <p:notesSz cx="6858000" cy="9144000"/>
@@ -658,7 +662,7 @@
     </p:spTree>
     <p:extLst>
       <p:ext uri="{BB962C8B-B14F-4D97-AF65-F5344CB8AC3E}">
-        <p14:creationId xmlns:p14="http://schemas.microsoft.com/office/powerpoint/2010/main" val="4250178494"/>
+        <p14:creationId xmlns:p14="http://schemas.microsoft.com/office/powerpoint/2010/main" val="2206107397"/>
       </p:ext>
     </p:extLst>
   </p:cSld>
@@ -731,7 +735,7 @@
           <a:bodyPr/>
           <a:lstStyle/>
           <a:p>
-            <a:fld id="{EC074461-D808-4EBD-B8B3-953FBFCC6ED3}" type="slidenum">
+            <a:fld id="{EACEE071-6BA9-400B-8DDD-7178D39C29B3}" type="slidenum">
               <a:rPr lang="en-US" smtClean="0"/>
               <a:t>11</a:t>
             </a:fld>
@@ -742,7 +746,7 @@
     </p:spTree>
     <p:extLst>
       <p:ext uri="{BB962C8B-B14F-4D97-AF65-F5344CB8AC3E}">
-        <p14:creationId xmlns:p14="http://schemas.microsoft.com/office/powerpoint/2010/main" val="3865344287"/>
+        <p14:creationId xmlns:p14="http://schemas.microsoft.com/office/powerpoint/2010/main" val="2112064581"/>
       </p:ext>
     </p:extLst>
   </p:cSld>
@@ -826,7 +830,7 @@
     </p:spTree>
     <p:extLst>
       <p:ext uri="{BB962C8B-B14F-4D97-AF65-F5344CB8AC3E}">
-        <p14:creationId xmlns:p14="http://schemas.microsoft.com/office/powerpoint/2010/main" val="887675971"/>
+        <p14:creationId xmlns:p14="http://schemas.microsoft.com/office/powerpoint/2010/main" val="3973158290"/>
       </p:ext>
     </p:extLst>
   </p:cSld>
@@ -910,7 +914,7 @@
     </p:spTree>
     <p:extLst>
       <p:ext uri="{BB962C8B-B14F-4D97-AF65-F5344CB8AC3E}">
-        <p14:creationId xmlns:p14="http://schemas.microsoft.com/office/powerpoint/2010/main" val="2505205922"/>
+        <p14:creationId xmlns:p14="http://schemas.microsoft.com/office/powerpoint/2010/main" val="4053013183"/>
       </p:ext>
     </p:extLst>
   </p:cSld>
@@ -975,7 +979,7 @@
             <a:spLocks noGrp="1"/>
           </p:cNvSpPr>
           <p:nvPr>
-            <p:ph type="sldNum" sz="quarter" idx="10"/>
+            <p:ph type="sldNum" sz="quarter" idx="5"/>
           </p:nvPr>
         </p:nvSpPr>
         <p:spPr/>
@@ -983,7 +987,7 @@
           <a:bodyPr/>
           <a:lstStyle/>
           <a:p>
-            <a:fld id="{2B57EC6A-F5A4-441D-B3C5-D1EF8312AF7C}" type="slidenum">
+            <a:fld id="{EC074461-D808-4EBD-B8B3-953FBFCC6ED3}" type="slidenum">
               <a:rPr lang="en-US" smtClean="0"/>
               <a:t>14</a:t>
             </a:fld>
@@ -994,7 +998,7 @@
     </p:spTree>
     <p:extLst>
       <p:ext uri="{BB962C8B-B14F-4D97-AF65-F5344CB8AC3E}">
-        <p14:creationId xmlns:p14="http://schemas.microsoft.com/office/powerpoint/2010/main" val="4196132018"/>
+        <p14:creationId xmlns:p14="http://schemas.microsoft.com/office/powerpoint/2010/main" val="3865344287"/>
       </p:ext>
     </p:extLst>
   </p:cSld>
@@ -1078,7 +1082,7 @@
     </p:spTree>
     <p:extLst>
       <p:ext uri="{BB962C8B-B14F-4D97-AF65-F5344CB8AC3E}">
-        <p14:creationId xmlns:p14="http://schemas.microsoft.com/office/powerpoint/2010/main" val="2426229890"/>
+        <p14:creationId xmlns:p14="http://schemas.microsoft.com/office/powerpoint/2010/main" val="887675971"/>
       </p:ext>
     </p:extLst>
   </p:cSld>
@@ -1162,7 +1166,7 @@
     </p:spTree>
     <p:extLst>
       <p:ext uri="{BB962C8B-B14F-4D97-AF65-F5344CB8AC3E}">
-        <p14:creationId xmlns:p14="http://schemas.microsoft.com/office/powerpoint/2010/main" val="1511526874"/>
+        <p14:creationId xmlns:p14="http://schemas.microsoft.com/office/powerpoint/2010/main" val="2505205922"/>
       </p:ext>
     </p:extLst>
   </p:cSld>
@@ -1246,7 +1250,7 @@
     </p:spTree>
     <p:extLst>
       <p:ext uri="{BB962C8B-B14F-4D97-AF65-F5344CB8AC3E}">
-        <p14:creationId xmlns:p14="http://schemas.microsoft.com/office/powerpoint/2010/main" val="3852839039"/>
+        <p14:creationId xmlns:p14="http://schemas.microsoft.com/office/powerpoint/2010/main" val="4196132018"/>
       </p:ext>
     </p:extLst>
   </p:cSld>
@@ -1330,7 +1334,7 @@
     </p:spTree>
     <p:extLst>
       <p:ext uri="{BB962C8B-B14F-4D97-AF65-F5344CB8AC3E}">
-        <p14:creationId xmlns:p14="http://schemas.microsoft.com/office/powerpoint/2010/main" val="3978999588"/>
+        <p14:creationId xmlns:p14="http://schemas.microsoft.com/office/powerpoint/2010/main" val="2426229890"/>
       </p:ext>
     </p:extLst>
   </p:cSld>
@@ -1414,7 +1418,7 @@
     </p:spTree>
     <p:extLst>
       <p:ext uri="{BB962C8B-B14F-4D97-AF65-F5344CB8AC3E}">
-        <p14:creationId xmlns:p14="http://schemas.microsoft.com/office/powerpoint/2010/main" val="1522027177"/>
+        <p14:creationId xmlns:p14="http://schemas.microsoft.com/office/powerpoint/2010/main" val="1511526874"/>
       </p:ext>
     </p:extLst>
   </p:cSld>
@@ -1582,7 +1586,7 @@
     </p:spTree>
     <p:extLst>
       <p:ext uri="{BB962C8B-B14F-4D97-AF65-F5344CB8AC3E}">
-        <p14:creationId xmlns:p14="http://schemas.microsoft.com/office/powerpoint/2010/main" val="3487483801"/>
+        <p14:creationId xmlns:p14="http://schemas.microsoft.com/office/powerpoint/2010/main" val="3852839039"/>
       </p:ext>
     </p:extLst>
   </p:cSld>
@@ -1666,7 +1670,7 @@
     </p:spTree>
     <p:extLst>
       <p:ext uri="{BB962C8B-B14F-4D97-AF65-F5344CB8AC3E}">
-        <p14:creationId xmlns:p14="http://schemas.microsoft.com/office/powerpoint/2010/main" val="1497884193"/>
+        <p14:creationId xmlns:p14="http://schemas.microsoft.com/office/powerpoint/2010/main" val="3978999588"/>
       </p:ext>
     </p:extLst>
   </p:cSld>
@@ -1750,7 +1754,7 @@
     </p:spTree>
     <p:extLst>
       <p:ext uri="{BB962C8B-B14F-4D97-AF65-F5344CB8AC3E}">
-        <p14:creationId xmlns:p14="http://schemas.microsoft.com/office/powerpoint/2010/main" val="3230617363"/>
+        <p14:creationId xmlns:p14="http://schemas.microsoft.com/office/powerpoint/2010/main" val="1522027177"/>
       </p:ext>
     </p:extLst>
   </p:cSld>
@@ -1815,7 +1819,7 @@
             <a:spLocks noGrp="1"/>
           </p:cNvSpPr>
           <p:nvPr>
-            <p:ph type="sldNum" sz="quarter" idx="5"/>
+            <p:ph type="sldNum" sz="quarter" idx="10"/>
           </p:nvPr>
         </p:nvSpPr>
         <p:spPr/>
@@ -1823,7 +1827,7 @@
           <a:bodyPr/>
           <a:lstStyle/>
           <a:p>
-            <a:fld id="{EC074461-D808-4EBD-B8B3-953FBFCC6ED3}" type="slidenum">
+            <a:fld id="{2B57EC6A-F5A4-441D-B3C5-D1EF8312AF7C}" type="slidenum">
               <a:rPr lang="en-US" smtClean="0"/>
               <a:t>23</a:t>
             </a:fld>
@@ -1834,7 +1838,7 @@
     </p:spTree>
     <p:extLst>
       <p:ext uri="{BB962C8B-B14F-4D97-AF65-F5344CB8AC3E}">
-        <p14:creationId xmlns:p14="http://schemas.microsoft.com/office/powerpoint/2010/main" val="2972305803"/>
+        <p14:creationId xmlns:p14="http://schemas.microsoft.com/office/powerpoint/2010/main" val="3487483801"/>
       </p:ext>
     </p:extLst>
   </p:cSld>
@@ -1918,7 +1922,7 @@
     </p:spTree>
     <p:extLst>
       <p:ext uri="{BB962C8B-B14F-4D97-AF65-F5344CB8AC3E}">
-        <p14:creationId xmlns:p14="http://schemas.microsoft.com/office/powerpoint/2010/main" val="3132692802"/>
+        <p14:creationId xmlns:p14="http://schemas.microsoft.com/office/powerpoint/2010/main" val="1497884193"/>
       </p:ext>
     </p:extLst>
   </p:cSld>
@@ -2002,7 +2006,7 @@
     </p:spTree>
     <p:extLst>
       <p:ext uri="{BB962C8B-B14F-4D97-AF65-F5344CB8AC3E}">
-        <p14:creationId xmlns:p14="http://schemas.microsoft.com/office/powerpoint/2010/main" val="3846574318"/>
+        <p14:creationId xmlns:p14="http://schemas.microsoft.com/office/powerpoint/2010/main" val="3230617363"/>
       </p:ext>
     </p:extLst>
   </p:cSld>
@@ -2067,7 +2071,7 @@
             <a:spLocks noGrp="1"/>
           </p:cNvSpPr>
           <p:nvPr>
-            <p:ph type="sldNum" sz="quarter" idx="5"/>
+            <p:ph type="sldNum" sz="quarter" idx="10"/>
           </p:nvPr>
         </p:nvSpPr>
         <p:spPr/>
@@ -2075,7 +2079,7 @@
           <a:bodyPr/>
           <a:lstStyle/>
           <a:p>
-            <a:fld id="{EC074461-D808-4EBD-B8B3-953FBFCC6ED3}" type="slidenum">
+            <a:fld id="{2B57EC6A-F5A4-441D-B3C5-D1EF8312AF7C}" type="slidenum">
               <a:rPr lang="en-US" smtClean="0"/>
               <a:t>26</a:t>
             </a:fld>
@@ -2086,7 +2090,7 @@
     </p:spTree>
     <p:extLst>
       <p:ext uri="{BB962C8B-B14F-4D97-AF65-F5344CB8AC3E}">
-        <p14:creationId xmlns:p14="http://schemas.microsoft.com/office/powerpoint/2010/main" val="1254634592"/>
+        <p14:creationId xmlns:p14="http://schemas.microsoft.com/office/powerpoint/2010/main" val="4130385709"/>
       </p:ext>
     </p:extLst>
   </p:cSld>
@@ -2151,7 +2155,7 @@
             <a:spLocks noGrp="1"/>
           </p:cNvSpPr>
           <p:nvPr>
-            <p:ph type="sldNum" sz="quarter" idx="10"/>
+            <p:ph type="sldNum" sz="quarter" idx="5"/>
           </p:nvPr>
         </p:nvSpPr>
         <p:spPr/>
@@ -2159,7 +2163,7 @@
           <a:bodyPr/>
           <a:lstStyle/>
           <a:p>
-            <a:fld id="{2B57EC6A-F5A4-441D-B3C5-D1EF8312AF7C}" type="slidenum">
+            <a:fld id="{EC074461-D808-4EBD-B8B3-953FBFCC6ED3}" type="slidenum">
               <a:rPr lang="en-US" smtClean="0"/>
               <a:t>27</a:t>
             </a:fld>
@@ -2170,7 +2174,7 @@
     </p:spTree>
     <p:extLst>
       <p:ext uri="{BB962C8B-B14F-4D97-AF65-F5344CB8AC3E}">
-        <p14:creationId xmlns:p14="http://schemas.microsoft.com/office/powerpoint/2010/main" val="2442105547"/>
+        <p14:creationId xmlns:p14="http://schemas.microsoft.com/office/powerpoint/2010/main" val="2972305803"/>
       </p:ext>
     </p:extLst>
   </p:cSld>
@@ -2254,7 +2258,7 @@
     </p:spTree>
     <p:extLst>
       <p:ext uri="{BB962C8B-B14F-4D97-AF65-F5344CB8AC3E}">
-        <p14:creationId xmlns:p14="http://schemas.microsoft.com/office/powerpoint/2010/main" val="976359061"/>
+        <p14:creationId xmlns:p14="http://schemas.microsoft.com/office/powerpoint/2010/main" val="3132692802"/>
       </p:ext>
     </p:extLst>
   </p:cSld>
@@ -2319,7 +2323,7 @@
             <a:spLocks noGrp="1"/>
           </p:cNvSpPr>
           <p:nvPr>
-            <p:ph type="sldNum" sz="quarter" idx="5"/>
+            <p:ph type="sldNum" sz="quarter" idx="10"/>
           </p:nvPr>
         </p:nvSpPr>
         <p:spPr/>
@@ -2327,7 +2331,7 @@
           <a:bodyPr/>
           <a:lstStyle/>
           <a:p>
-            <a:fld id="{EC074461-D808-4EBD-B8B3-953FBFCC6ED3}" type="slidenum">
+            <a:fld id="{2B57EC6A-F5A4-441D-B3C5-D1EF8312AF7C}" type="slidenum">
               <a:rPr lang="en-US" smtClean="0"/>
               <a:t>29</a:t>
             </a:fld>
@@ -2338,7 +2342,7 @@
     </p:spTree>
     <p:extLst>
       <p:ext uri="{BB962C8B-B14F-4D97-AF65-F5344CB8AC3E}">
-        <p14:creationId xmlns:p14="http://schemas.microsoft.com/office/powerpoint/2010/main" val="3341481556"/>
+        <p14:creationId xmlns:p14="http://schemas.microsoft.com/office/powerpoint/2010/main" val="3846574318"/>
       </p:ext>
     </p:extLst>
   </p:cSld>
@@ -2476,24 +2480,7 @@
           <a:bodyPr/>
           <a:lstStyle/>
           <a:p>
-            <a:pPr marL="171450" indent="-171450">
-              <a:buFontTx/>
-              <a:buChar char="-"/>
-            </a:pPr>
-            <a:r>
-              <a:rPr lang="en-US" dirty="0"/>
-              <a:t>Too understaffed</a:t>
-            </a:r>
-          </a:p>
-          <a:p>
-            <a:pPr marL="171450" indent="-171450">
-              <a:buFontTx/>
-              <a:buChar char="-"/>
-            </a:pPr>
-            <a:r>
-              <a:rPr lang="en-US" dirty="0"/>
-              <a:t>Too much support work fixing bugs</a:t>
-            </a:r>
+            <a:endParaRPr lang="en-US" dirty="0"/>
           </a:p>
         </p:txBody>
       </p:sp>
@@ -2523,7 +2510,7 @@
     </p:spTree>
     <p:extLst>
       <p:ext uri="{BB962C8B-B14F-4D97-AF65-F5344CB8AC3E}">
-        <p14:creationId xmlns:p14="http://schemas.microsoft.com/office/powerpoint/2010/main" val="1429263364"/>
+        <p14:creationId xmlns:p14="http://schemas.microsoft.com/office/powerpoint/2010/main" val="1254634592"/>
       </p:ext>
     </p:extLst>
   </p:cSld>
@@ -2588,7 +2575,7 @@
             <a:spLocks noGrp="1"/>
           </p:cNvSpPr>
           <p:nvPr>
-            <p:ph type="sldNum" sz="quarter" idx="5"/>
+            <p:ph type="sldNum" sz="quarter" idx="10"/>
           </p:nvPr>
         </p:nvSpPr>
         <p:spPr/>
@@ -2596,7 +2583,7 @@
           <a:bodyPr/>
           <a:lstStyle/>
           <a:p>
-            <a:fld id="{EC074461-D808-4EBD-B8B3-953FBFCC6ED3}" type="slidenum">
+            <a:fld id="{2B57EC6A-F5A4-441D-B3C5-D1EF8312AF7C}" type="slidenum">
               <a:rPr lang="en-US" smtClean="0"/>
               <a:t>31</a:t>
             </a:fld>
@@ -2607,7 +2594,7 @@
     </p:spTree>
     <p:extLst>
       <p:ext uri="{BB962C8B-B14F-4D97-AF65-F5344CB8AC3E}">
-        <p14:creationId xmlns:p14="http://schemas.microsoft.com/office/powerpoint/2010/main" val="1262940559"/>
+        <p14:creationId xmlns:p14="http://schemas.microsoft.com/office/powerpoint/2010/main" val="2442105547"/>
       </p:ext>
     </p:extLst>
   </p:cSld>
@@ -2661,19 +2648,7 @@
           <a:bodyPr/>
           <a:lstStyle/>
           <a:p>
-            <a:r>
-              <a:rPr lang="en-US" dirty="0"/>
-              <a:t>What if you went to your surgeon and said “Hey I need this operation done” and he goes “Okay it’ll take 24 hours.” And if you respond “Okay but can you do it in 4?” …would you want to get surgery from the surgeon who agrees to that?</a:t>
-            </a:r>
-          </a:p>
-          <a:p>
             <a:endParaRPr lang="en-US" dirty="0"/>
-          </a:p>
-          <a:p>
-            <a:r>
-              <a:rPr lang="en-US" dirty="0"/>
-              <a:t>“Oh yeah I can totally do that surgery in 4 hours, I just need to not wash my hands, not wash the tools from the last surgery, and I’ll just use 5 stitches to sew you up instead of 50.”</a:t>
-            </a:r>
           </a:p>
         </p:txBody>
       </p:sp>
@@ -2684,7 +2659,7 @@
             <a:spLocks noGrp="1"/>
           </p:cNvSpPr>
           <p:nvPr>
-            <p:ph type="sldNum" sz="quarter" idx="5"/>
+            <p:ph type="sldNum" sz="quarter" idx="10"/>
           </p:nvPr>
         </p:nvSpPr>
         <p:spPr/>
@@ -2692,7 +2667,7 @@
           <a:bodyPr/>
           <a:lstStyle/>
           <a:p>
-            <a:fld id="{EC074461-D808-4EBD-B8B3-953FBFCC6ED3}" type="slidenum">
+            <a:fld id="{2B57EC6A-F5A4-441D-B3C5-D1EF8312AF7C}" type="slidenum">
               <a:rPr lang="en-US" smtClean="0"/>
               <a:t>32</a:t>
             </a:fld>
@@ -2703,7 +2678,7 @@
     </p:spTree>
     <p:extLst>
       <p:ext uri="{BB962C8B-B14F-4D97-AF65-F5344CB8AC3E}">
-        <p14:creationId xmlns:p14="http://schemas.microsoft.com/office/powerpoint/2010/main" val="143723785"/>
+        <p14:creationId xmlns:p14="http://schemas.microsoft.com/office/powerpoint/2010/main" val="976359061"/>
       </p:ext>
     </p:extLst>
   </p:cSld>
@@ -2787,7 +2762,7 @@
     </p:spTree>
     <p:extLst>
       <p:ext uri="{BB962C8B-B14F-4D97-AF65-F5344CB8AC3E}">
-        <p14:creationId xmlns:p14="http://schemas.microsoft.com/office/powerpoint/2010/main" val="1014298612"/>
+        <p14:creationId xmlns:p14="http://schemas.microsoft.com/office/powerpoint/2010/main" val="3341481556"/>
       </p:ext>
     </p:extLst>
   </p:cSld>
@@ -2841,7 +2816,24 @@
           <a:bodyPr/>
           <a:lstStyle/>
           <a:p>
-            <a:endParaRPr lang="en-US" dirty="0"/>
+            <a:pPr marL="171450" indent="-171450">
+              <a:buFontTx/>
+              <a:buChar char="-"/>
+            </a:pPr>
+            <a:r>
+              <a:rPr lang="en-US" dirty="0"/>
+              <a:t>Too understaffed</a:t>
+            </a:r>
+          </a:p>
+          <a:p>
+            <a:pPr marL="171450" indent="-171450">
+              <a:buFontTx/>
+              <a:buChar char="-"/>
+            </a:pPr>
+            <a:r>
+              <a:rPr lang="en-US" dirty="0"/>
+              <a:t>Too much support work fixing bugs</a:t>
+            </a:r>
           </a:p>
         </p:txBody>
       </p:sp>
@@ -2852,7 +2844,7 @@
             <a:spLocks noGrp="1"/>
           </p:cNvSpPr>
           <p:nvPr>
-            <p:ph type="sldNum" sz="quarter" idx="10"/>
+            <p:ph type="sldNum" sz="quarter" idx="5"/>
           </p:nvPr>
         </p:nvSpPr>
         <p:spPr/>
@@ -2860,7 +2852,7 @@
           <a:bodyPr/>
           <a:lstStyle/>
           <a:p>
-            <a:fld id="{2B57EC6A-F5A4-441D-B3C5-D1EF8312AF7C}" type="slidenum">
+            <a:fld id="{EC074461-D808-4EBD-B8B3-953FBFCC6ED3}" type="slidenum">
               <a:rPr lang="en-US" smtClean="0"/>
               <a:t>34</a:t>
             </a:fld>
@@ -2871,7 +2863,7 @@
     </p:spTree>
     <p:extLst>
       <p:ext uri="{BB962C8B-B14F-4D97-AF65-F5344CB8AC3E}">
-        <p14:creationId xmlns:p14="http://schemas.microsoft.com/office/powerpoint/2010/main" val="3610301256"/>
+        <p14:creationId xmlns:p14="http://schemas.microsoft.com/office/powerpoint/2010/main" val="1429263364"/>
       </p:ext>
     </p:extLst>
   </p:cSld>
@@ -2936,6 +2928,270 @@
             <a:spLocks noGrp="1"/>
           </p:cNvSpPr>
           <p:nvPr>
+            <p:ph type="sldNum" sz="quarter" idx="5"/>
+          </p:nvPr>
+        </p:nvSpPr>
+        <p:spPr/>
+        <p:txBody>
+          <a:bodyPr/>
+          <a:lstStyle/>
+          <a:p>
+            <a:fld id="{EC074461-D808-4EBD-B8B3-953FBFCC6ED3}" type="slidenum">
+              <a:rPr lang="en-US" smtClean="0"/>
+              <a:t>35</a:t>
+            </a:fld>
+            <a:endParaRPr lang="en-US"/>
+          </a:p>
+        </p:txBody>
+      </p:sp>
+    </p:spTree>
+    <p:extLst>
+      <p:ext uri="{BB962C8B-B14F-4D97-AF65-F5344CB8AC3E}">
+        <p14:creationId xmlns:p14="http://schemas.microsoft.com/office/powerpoint/2010/main" val="1262940559"/>
+      </p:ext>
+    </p:extLst>
+  </p:cSld>
+  <p:clrMapOvr>
+    <a:masterClrMapping/>
+  </p:clrMapOvr>
+</p:notes>
+</file>
+
+<file path=ppt/notesSlides/notesSlide36.xml><?xml version="1.0" encoding="utf-8"?>
+<p:notes xmlns:a="http://schemas.openxmlformats.org/drawingml/2006/main" xmlns:r="http://schemas.openxmlformats.org/officeDocument/2006/relationships" xmlns:p="http://schemas.openxmlformats.org/presentationml/2006/main">
+  <p:cSld>
+    <p:spTree>
+      <p:nvGrpSpPr>
+        <p:cNvPr id="1" name=""/>
+        <p:cNvGrpSpPr/>
+        <p:nvPr/>
+      </p:nvGrpSpPr>
+      <p:grpSpPr>
+        <a:xfrm>
+          <a:off x="0" y="0"/>
+          <a:ext cx="0" cy="0"/>
+          <a:chOff x="0" y="0"/>
+          <a:chExt cx="0" cy="0"/>
+        </a:xfrm>
+      </p:grpSpPr>
+      <p:sp>
+        <p:nvSpPr>
+          <p:cNvPr id="2" name="Slide Image Placeholder 1"/>
+          <p:cNvSpPr>
+            <a:spLocks noGrp="1" noRot="1" noChangeAspect="1"/>
+          </p:cNvSpPr>
+          <p:nvPr>
+            <p:ph type="sldImg"/>
+          </p:nvPr>
+        </p:nvSpPr>
+        <p:spPr/>
+      </p:sp>
+      <p:sp>
+        <p:nvSpPr>
+          <p:cNvPr id="3" name="Notes Placeholder 2"/>
+          <p:cNvSpPr>
+            <a:spLocks noGrp="1"/>
+          </p:cNvSpPr>
+          <p:nvPr>
+            <p:ph type="body" idx="1"/>
+          </p:nvPr>
+        </p:nvSpPr>
+        <p:spPr/>
+        <p:txBody>
+          <a:bodyPr/>
+          <a:lstStyle/>
+          <a:p>
+            <a:r>
+              <a:rPr lang="en-US" dirty="0"/>
+              <a:t>What if you went to your surgeon and said “Hey I need this operation done” and he goes “Okay it’ll take 24 hours.” And if you respond “Okay but can you do it in 4?” …would you want to get surgery from the surgeon who agrees to that?</a:t>
+            </a:r>
+          </a:p>
+          <a:p>
+            <a:endParaRPr lang="en-US" dirty="0"/>
+          </a:p>
+          <a:p>
+            <a:r>
+              <a:rPr lang="en-US" dirty="0"/>
+              <a:t>“Oh yeah I can totally do that surgery in 4 hours, I just need to not wash my hands, not wash the tools from the last surgery, and I’ll just use 5 stitches to sew you up instead of 50.”</a:t>
+            </a:r>
+          </a:p>
+        </p:txBody>
+      </p:sp>
+      <p:sp>
+        <p:nvSpPr>
+          <p:cNvPr id="4" name="Slide Number Placeholder 3"/>
+          <p:cNvSpPr>
+            <a:spLocks noGrp="1"/>
+          </p:cNvSpPr>
+          <p:nvPr>
+            <p:ph type="sldNum" sz="quarter" idx="5"/>
+          </p:nvPr>
+        </p:nvSpPr>
+        <p:spPr/>
+        <p:txBody>
+          <a:bodyPr/>
+          <a:lstStyle/>
+          <a:p>
+            <a:fld id="{EC074461-D808-4EBD-B8B3-953FBFCC6ED3}" type="slidenum">
+              <a:rPr lang="en-US" smtClean="0"/>
+              <a:t>36</a:t>
+            </a:fld>
+            <a:endParaRPr lang="en-US"/>
+          </a:p>
+        </p:txBody>
+      </p:sp>
+    </p:spTree>
+    <p:extLst>
+      <p:ext uri="{BB962C8B-B14F-4D97-AF65-F5344CB8AC3E}">
+        <p14:creationId xmlns:p14="http://schemas.microsoft.com/office/powerpoint/2010/main" val="143723785"/>
+      </p:ext>
+    </p:extLst>
+  </p:cSld>
+  <p:clrMapOvr>
+    <a:masterClrMapping/>
+  </p:clrMapOvr>
+</p:notes>
+</file>
+
+<file path=ppt/notesSlides/notesSlide37.xml><?xml version="1.0" encoding="utf-8"?>
+<p:notes xmlns:a="http://schemas.openxmlformats.org/drawingml/2006/main" xmlns:r="http://schemas.openxmlformats.org/officeDocument/2006/relationships" xmlns:p="http://schemas.openxmlformats.org/presentationml/2006/main">
+  <p:cSld>
+    <p:spTree>
+      <p:nvGrpSpPr>
+        <p:cNvPr id="1" name=""/>
+        <p:cNvGrpSpPr/>
+        <p:nvPr/>
+      </p:nvGrpSpPr>
+      <p:grpSpPr>
+        <a:xfrm>
+          <a:off x="0" y="0"/>
+          <a:ext cx="0" cy="0"/>
+          <a:chOff x="0" y="0"/>
+          <a:chExt cx="0" cy="0"/>
+        </a:xfrm>
+      </p:grpSpPr>
+      <p:sp>
+        <p:nvSpPr>
+          <p:cNvPr id="2" name="Slide Image Placeholder 1"/>
+          <p:cNvSpPr>
+            <a:spLocks noGrp="1" noRot="1" noChangeAspect="1"/>
+          </p:cNvSpPr>
+          <p:nvPr>
+            <p:ph type="sldImg"/>
+          </p:nvPr>
+        </p:nvSpPr>
+        <p:spPr/>
+      </p:sp>
+      <p:sp>
+        <p:nvSpPr>
+          <p:cNvPr id="3" name="Notes Placeholder 2"/>
+          <p:cNvSpPr>
+            <a:spLocks noGrp="1"/>
+          </p:cNvSpPr>
+          <p:nvPr>
+            <p:ph type="body" idx="1"/>
+          </p:nvPr>
+        </p:nvSpPr>
+        <p:spPr/>
+        <p:txBody>
+          <a:bodyPr/>
+          <a:lstStyle/>
+          <a:p>
+            <a:endParaRPr lang="en-US" dirty="0"/>
+          </a:p>
+        </p:txBody>
+      </p:sp>
+      <p:sp>
+        <p:nvSpPr>
+          <p:cNvPr id="4" name="Slide Number Placeholder 3"/>
+          <p:cNvSpPr>
+            <a:spLocks noGrp="1"/>
+          </p:cNvSpPr>
+          <p:nvPr>
+            <p:ph type="sldNum" sz="quarter" idx="5"/>
+          </p:nvPr>
+        </p:nvSpPr>
+        <p:spPr/>
+        <p:txBody>
+          <a:bodyPr/>
+          <a:lstStyle/>
+          <a:p>
+            <a:fld id="{EC074461-D808-4EBD-B8B3-953FBFCC6ED3}" type="slidenum">
+              <a:rPr lang="en-US" smtClean="0"/>
+              <a:t>37</a:t>
+            </a:fld>
+            <a:endParaRPr lang="en-US"/>
+          </a:p>
+        </p:txBody>
+      </p:sp>
+    </p:spTree>
+    <p:extLst>
+      <p:ext uri="{BB962C8B-B14F-4D97-AF65-F5344CB8AC3E}">
+        <p14:creationId xmlns:p14="http://schemas.microsoft.com/office/powerpoint/2010/main" val="1014298612"/>
+      </p:ext>
+    </p:extLst>
+  </p:cSld>
+  <p:clrMapOvr>
+    <a:masterClrMapping/>
+  </p:clrMapOvr>
+</p:notes>
+</file>
+
+<file path=ppt/notesSlides/notesSlide38.xml><?xml version="1.0" encoding="utf-8"?>
+<p:notes xmlns:a="http://schemas.openxmlformats.org/drawingml/2006/main" xmlns:r="http://schemas.openxmlformats.org/officeDocument/2006/relationships" xmlns:p="http://schemas.openxmlformats.org/presentationml/2006/main">
+  <p:cSld>
+    <p:spTree>
+      <p:nvGrpSpPr>
+        <p:cNvPr id="1" name=""/>
+        <p:cNvGrpSpPr/>
+        <p:nvPr/>
+      </p:nvGrpSpPr>
+      <p:grpSpPr>
+        <a:xfrm>
+          <a:off x="0" y="0"/>
+          <a:ext cx="0" cy="0"/>
+          <a:chOff x="0" y="0"/>
+          <a:chExt cx="0" cy="0"/>
+        </a:xfrm>
+      </p:grpSpPr>
+      <p:sp>
+        <p:nvSpPr>
+          <p:cNvPr id="2" name="Slide Image Placeholder 1"/>
+          <p:cNvSpPr>
+            <a:spLocks noGrp="1" noRot="1" noChangeAspect="1"/>
+          </p:cNvSpPr>
+          <p:nvPr>
+            <p:ph type="sldImg"/>
+          </p:nvPr>
+        </p:nvSpPr>
+        <p:spPr/>
+      </p:sp>
+      <p:sp>
+        <p:nvSpPr>
+          <p:cNvPr id="3" name="Notes Placeholder 2"/>
+          <p:cNvSpPr>
+            <a:spLocks noGrp="1"/>
+          </p:cNvSpPr>
+          <p:nvPr>
+            <p:ph type="body" idx="1"/>
+          </p:nvPr>
+        </p:nvSpPr>
+        <p:spPr/>
+        <p:txBody>
+          <a:bodyPr/>
+          <a:lstStyle/>
+          <a:p>
+            <a:endParaRPr lang="en-US" dirty="0"/>
+          </a:p>
+        </p:txBody>
+      </p:sp>
+      <p:sp>
+        <p:nvSpPr>
+          <p:cNvPr id="4" name="Slide Number Placeholder 3"/>
+          <p:cNvSpPr>
+            <a:spLocks noGrp="1"/>
+          </p:cNvSpPr>
+          <p:nvPr>
             <p:ph type="sldNum" sz="quarter" idx="10"/>
           </p:nvPr>
         </p:nvSpPr>
@@ -2946,7 +3202,91 @@
           <a:p>
             <a:fld id="{2B57EC6A-F5A4-441D-B3C5-D1EF8312AF7C}" type="slidenum">
               <a:rPr lang="en-US" smtClean="0"/>
-              <a:t>35</a:t>
+              <a:t>38</a:t>
+            </a:fld>
+            <a:endParaRPr lang="en-US"/>
+          </a:p>
+        </p:txBody>
+      </p:sp>
+    </p:spTree>
+    <p:extLst>
+      <p:ext uri="{BB962C8B-B14F-4D97-AF65-F5344CB8AC3E}">
+        <p14:creationId xmlns:p14="http://schemas.microsoft.com/office/powerpoint/2010/main" val="3610301256"/>
+      </p:ext>
+    </p:extLst>
+  </p:cSld>
+  <p:clrMapOvr>
+    <a:masterClrMapping/>
+  </p:clrMapOvr>
+</p:notes>
+</file>
+
+<file path=ppt/notesSlides/notesSlide39.xml><?xml version="1.0" encoding="utf-8"?>
+<p:notes xmlns:a="http://schemas.openxmlformats.org/drawingml/2006/main" xmlns:r="http://schemas.openxmlformats.org/officeDocument/2006/relationships" xmlns:p="http://schemas.openxmlformats.org/presentationml/2006/main">
+  <p:cSld>
+    <p:spTree>
+      <p:nvGrpSpPr>
+        <p:cNvPr id="1" name=""/>
+        <p:cNvGrpSpPr/>
+        <p:nvPr/>
+      </p:nvGrpSpPr>
+      <p:grpSpPr>
+        <a:xfrm>
+          <a:off x="0" y="0"/>
+          <a:ext cx="0" cy="0"/>
+          <a:chOff x="0" y="0"/>
+          <a:chExt cx="0" cy="0"/>
+        </a:xfrm>
+      </p:grpSpPr>
+      <p:sp>
+        <p:nvSpPr>
+          <p:cNvPr id="2" name="Slide Image Placeholder 1"/>
+          <p:cNvSpPr>
+            <a:spLocks noGrp="1" noRot="1" noChangeAspect="1"/>
+          </p:cNvSpPr>
+          <p:nvPr>
+            <p:ph type="sldImg"/>
+          </p:nvPr>
+        </p:nvSpPr>
+        <p:spPr/>
+      </p:sp>
+      <p:sp>
+        <p:nvSpPr>
+          <p:cNvPr id="3" name="Notes Placeholder 2"/>
+          <p:cNvSpPr>
+            <a:spLocks noGrp="1"/>
+          </p:cNvSpPr>
+          <p:nvPr>
+            <p:ph type="body" idx="1"/>
+          </p:nvPr>
+        </p:nvSpPr>
+        <p:spPr/>
+        <p:txBody>
+          <a:bodyPr/>
+          <a:lstStyle/>
+          <a:p>
+            <a:endParaRPr lang="en-US" dirty="0"/>
+          </a:p>
+        </p:txBody>
+      </p:sp>
+      <p:sp>
+        <p:nvSpPr>
+          <p:cNvPr id="4" name="Slide Number Placeholder 3"/>
+          <p:cNvSpPr>
+            <a:spLocks noGrp="1"/>
+          </p:cNvSpPr>
+          <p:nvPr>
+            <p:ph type="sldNum" sz="quarter" idx="10"/>
+          </p:nvPr>
+        </p:nvSpPr>
+        <p:spPr/>
+        <p:txBody>
+          <a:bodyPr/>
+          <a:lstStyle/>
+          <a:p>
+            <a:fld id="{2B57EC6A-F5A4-441D-B3C5-D1EF8312AF7C}" type="slidenum">
+              <a:rPr lang="en-US" smtClean="0"/>
+              <a:t>39</a:t>
             </a:fld>
             <a:endParaRPr lang="en-US"/>
           </a:p>
@@ -3375,7 +3715,7 @@
     </p:spTree>
     <p:extLst>
       <p:ext uri="{BB962C8B-B14F-4D97-AF65-F5344CB8AC3E}">
-        <p14:creationId xmlns:p14="http://schemas.microsoft.com/office/powerpoint/2010/main" val="2206107397"/>
+        <p14:creationId xmlns:p14="http://schemas.microsoft.com/office/powerpoint/2010/main" val="1799211970"/>
       </p:ext>
     </p:extLst>
   </p:cSld>
@@ -3459,7 +3799,7 @@
     </p:spTree>
     <p:extLst>
       <p:ext uri="{BB962C8B-B14F-4D97-AF65-F5344CB8AC3E}">
-        <p14:creationId xmlns:p14="http://schemas.microsoft.com/office/powerpoint/2010/main" val="3973158290"/>
+        <p14:creationId xmlns:p14="http://schemas.microsoft.com/office/powerpoint/2010/main" val="4236119688"/>
       </p:ext>
     </p:extLst>
   </p:cSld>
@@ -7191,18 +7531,586 @@
                   </a:schemeClr>
                 </a:solidFill>
               </a:rPr>
-              <a:t>What is </a:t>
+              <a:t>How to TDD?</a:t>
+            </a:r>
+          </a:p>
+        </p:txBody>
+      </p:sp>
+      <p:pic>
+        <p:nvPicPr>
+          <p:cNvPr id="3" name="Picture 6" descr="What is Test Driven Development (TDD)? – Kaizenko">
+            <a:extLst>
+              <a:ext uri="{FF2B5EF4-FFF2-40B4-BE49-F238E27FC236}">
+                <a16:creationId xmlns:a16="http://schemas.microsoft.com/office/drawing/2014/main" id="{3D992B7F-4A2C-E8C9-551E-3E8185EF25E1}"/>
+              </a:ext>
+            </a:extLst>
+          </p:cNvPr>
+          <p:cNvPicPr>
+            <a:picLocks noChangeAspect="1" noChangeArrowheads="1"/>
+          </p:cNvPicPr>
+          <p:nvPr/>
+        </p:nvPicPr>
+        <p:blipFill>
+          <a:blip r:embed="rId3">
+            <a:extLst>
+              <a:ext uri="{28A0092B-C50C-407E-A947-70E740481C1C}">
+                <a14:useLocalDpi xmlns:a14="http://schemas.microsoft.com/office/drawing/2010/main" val="0"/>
+              </a:ext>
+            </a:extLst>
+          </a:blip>
+          <a:srcRect/>
+          <a:stretch>
+            <a:fillRect/>
+          </a:stretch>
+        </p:blipFill>
+        <p:spPr bwMode="auto">
+          <a:xfrm>
+            <a:off x="3094701" y="1600253"/>
+            <a:ext cx="6353175" cy="4629150"/>
+          </a:xfrm>
+          <a:prstGeom prst="rect">
+            <a:avLst/>
+          </a:prstGeom>
+          <a:noFill/>
+          <a:extLst>
+            <a:ext uri="{909E8E84-426E-40DD-AFC4-6F175D3DCCD1}">
+              <a14:hiddenFill xmlns:a14="http://schemas.microsoft.com/office/drawing/2010/main">
+                <a:solidFill>
+                  <a:srgbClr val="FFFFFF"/>
+                </a:solidFill>
+              </a14:hiddenFill>
+            </a:ext>
+          </a:extLst>
+        </p:spPr>
+      </p:pic>
+    </p:spTree>
+    <p:extLst>
+      <p:ext uri="{BB962C8B-B14F-4D97-AF65-F5344CB8AC3E}">
+        <p14:creationId xmlns:p14="http://schemas.microsoft.com/office/powerpoint/2010/main" val="857008222"/>
+      </p:ext>
+    </p:extLst>
+  </p:cSld>
+  <p:clrMapOvr>
+    <a:masterClrMapping/>
+  </p:clrMapOvr>
+  <p:timing>
+    <p:tnLst>
+      <p:par>
+        <p:cTn id="1" dur="indefinite" restart="never" nodeType="tmRoot">
+          <p:childTnLst>
+            <p:seq concurrent="1" nextAc="seek">
+              <p:cTn id="2" dur="indefinite" nodeType="mainSeq">
+                <p:childTnLst>
+                  <p:par>
+                    <p:cTn id="3" fill="hold">
+                      <p:stCondLst>
+                        <p:cond delay="indefinite"/>
+                      </p:stCondLst>
+                      <p:childTnLst>
+                        <p:par>
+                          <p:cTn id="4" fill="hold">
+                            <p:stCondLst>
+                              <p:cond delay="0"/>
+                            </p:stCondLst>
+                            <p:childTnLst>
+                              <p:par>
+                                <p:cTn id="5" presetID="10" presetClass="entr" presetSubtype="0" fill="hold" nodeType="clickEffect">
+                                  <p:stCondLst>
+                                    <p:cond delay="0"/>
+                                  </p:stCondLst>
+                                  <p:childTnLst>
+                                    <p:set>
+                                      <p:cBhvr>
+                                        <p:cTn id="6" dur="1" fill="hold">
+                                          <p:stCondLst>
+                                            <p:cond delay="0"/>
+                                          </p:stCondLst>
+                                        </p:cTn>
+                                        <p:tgtEl>
+                                          <p:spTgt spid="3"/>
+                                        </p:tgtEl>
+                                        <p:attrNameLst>
+                                          <p:attrName>style.visibility</p:attrName>
+                                        </p:attrNameLst>
+                                      </p:cBhvr>
+                                      <p:to>
+                                        <p:strVal val="visible"/>
+                                      </p:to>
+                                    </p:set>
+                                    <p:animEffect transition="in" filter="fade">
+                                      <p:cBhvr>
+                                        <p:cTn id="7" dur="500"/>
+                                        <p:tgtEl>
+                                          <p:spTgt spid="3"/>
+                                        </p:tgtEl>
+                                      </p:cBhvr>
+                                    </p:animEffect>
+                                  </p:childTnLst>
+                                </p:cTn>
+                              </p:par>
+                            </p:childTnLst>
+                          </p:cTn>
+                        </p:par>
+                      </p:childTnLst>
+                    </p:cTn>
+                  </p:par>
+                </p:childTnLst>
+              </p:cTn>
+              <p:prevCondLst>
+                <p:cond evt="onPrev" delay="0">
+                  <p:tgtEl>
+                    <p:sldTgt/>
+                  </p:tgtEl>
+                </p:cond>
+              </p:prevCondLst>
+              <p:nextCondLst>
+                <p:cond evt="onNext" delay="0">
+                  <p:tgtEl>
+                    <p:sldTgt/>
+                  </p:tgtEl>
+                </p:cond>
+              </p:nextCondLst>
+            </p:seq>
+          </p:childTnLst>
+        </p:cTn>
+      </p:par>
+    </p:tnLst>
+  </p:timing>
+</p:sld>
+</file>
+
+<file path=ppt/slides/slide11.xml><?xml version="1.0" encoding="utf-8"?>
+<p:sld xmlns:a="http://schemas.openxmlformats.org/drawingml/2006/main" xmlns:r="http://schemas.openxmlformats.org/officeDocument/2006/relationships" xmlns:p="http://schemas.openxmlformats.org/presentationml/2006/main">
+  <p:cSld>
+    <p:bg>
+      <p:bgPr>
+        <a:solidFill>
+          <a:srgbClr val="0F69B6"/>
+        </a:solidFill>
+        <a:effectLst/>
+      </p:bgPr>
+    </p:bg>
+    <p:spTree>
+      <p:nvGrpSpPr>
+        <p:cNvPr id="1" name=""/>
+        <p:cNvGrpSpPr/>
+        <p:nvPr/>
+      </p:nvGrpSpPr>
+      <p:grpSpPr>
+        <a:xfrm>
+          <a:off x="0" y="0"/>
+          <a:ext cx="0" cy="0"/>
+          <a:chOff x="0" y="0"/>
+          <a:chExt cx="0" cy="0"/>
+        </a:xfrm>
+      </p:grpSpPr>
+      <p:sp>
+        <p:nvSpPr>
+          <p:cNvPr id="6" name="Rectangle 3">
+            <a:extLst>
+              <a:ext uri="{FF2B5EF4-FFF2-40B4-BE49-F238E27FC236}">
+                <a16:creationId xmlns:a16="http://schemas.microsoft.com/office/drawing/2014/main" id="{BB283152-FBC1-C977-C049-07878CAA1033}"/>
+              </a:ext>
+            </a:extLst>
+          </p:cNvPr>
+          <p:cNvSpPr>
+            <a:spLocks noChangeArrowheads="1"/>
+          </p:cNvSpPr>
+          <p:nvPr/>
+        </p:nvSpPr>
+        <p:spPr bwMode="auto">
+          <a:xfrm>
+            <a:off x="741680" y="1420247"/>
+            <a:ext cx="11002907" cy="4647426"/>
+          </a:xfrm>
+          <a:prstGeom prst="rect">
+            <a:avLst/>
+          </a:prstGeom>
+          <a:noFill/>
+          <a:ln>
+            <a:noFill/>
+          </a:ln>
+          <a:effectLst/>
+          <a:extLst>
+            <a:ext uri="{909E8E84-426E-40DD-AFC4-6F175D3DCCD1}">
+              <a14:hiddenFill xmlns:a14="http://schemas.microsoft.com/office/drawing/2010/main">
+                <a:solidFill>
+                  <a:schemeClr val="accent1"/>
+                </a:solidFill>
+              </a14:hiddenFill>
+            </a:ext>
+            <a:ext uri="{91240B29-F687-4F45-9708-019B960494DF}">
+              <a14:hiddenLine xmlns:a14="http://schemas.microsoft.com/office/drawing/2010/main" w="9525">
+                <a:solidFill>
+                  <a:schemeClr val="tx1"/>
+                </a:solidFill>
+                <a:miter lim="800000"/>
+                <a:headEnd/>
+                <a:tailEnd/>
+              </a14:hiddenLine>
+            </a:ext>
+            <a:ext uri="{AF507438-7753-43E0-B8FC-AC1667EBCBE1}">
+              <a14:hiddenEffects xmlns:a14="http://schemas.microsoft.com/office/drawing/2010/main">
+                <a:effectLst>
+                  <a:outerShdw dist="35921" dir="2700000" algn="ctr" rotWithShape="0">
+                    <a:schemeClr val="bg2"/>
+                  </a:outerShdw>
+                </a:effectLst>
+              </a14:hiddenEffects>
+            </a:ext>
+          </a:extLst>
+        </p:spPr>
+        <p:txBody>
+          <a:bodyPr vert="horz" wrap="square" lIns="91440" tIns="45720" rIns="91440" bIns="45720" numCol="1" anchor="ctr" anchorCtr="0" compatLnSpc="1">
+            <a:prstTxWarp prst="textNoShape">
+              <a:avLst/>
+            </a:prstTxWarp>
+            <a:spAutoFit/>
+          </a:bodyPr>
+          <a:lstStyle/>
+          <a:p>
+            <a:pPr marL="0" marR="0" lvl="0" indent="0" algn="l" defTabSz="914400" rtl="0" eaLnBrk="0" fontAlgn="base" latinLnBrk="0" hangingPunct="0">
+              <a:lnSpc>
+                <a:spcPct val="100000"/>
+              </a:lnSpc>
+              <a:spcBef>
+                <a:spcPct val="0"/>
+              </a:spcBef>
+              <a:spcAft>
+                <a:spcPct val="0"/>
+              </a:spcAft>
+              <a:buClrTx/>
+              <a:buSzTx/>
+              <a:buFontTx/>
+              <a:buNone/>
+              <a:tabLst/>
+            </a:pPr>
+            <a:r>
+              <a:rPr lang="en-US" altLang="en-US" sz="6500" b="1" dirty="0">
+                <a:solidFill>
+                  <a:srgbClr val="FFFFFF"/>
+                </a:solidFill>
+              </a:rPr>
+              <a:t>“</a:t>
             </a:r>
             <a:r>
-              <a:rPr lang="en-US" i="1" u="sng" dirty="0">
+              <a:rPr kumimoji="0" lang="en-US" altLang="en-US" sz="6500" b="1" i="0" u="none" strike="noStrike" cap="none" normalizeH="0" baseline="0" dirty="0">
+                <a:ln>
+                  <a:noFill/>
+                </a:ln>
                 <a:solidFill>
-                  <a:schemeClr val="bg1">
-                    <a:lumMod val="65000"/>
-                  </a:schemeClr>
+                  <a:srgbClr val="FFFFFF"/>
+                </a:solidFill>
+                <a:effectLst/>
+              </a:rPr>
+              <a:t>If you haven’t seen a test fail, you don’t know if it works.”    </a:t>
+            </a:r>
+            <a:endParaRPr kumimoji="0" lang="en-US" altLang="en-US" sz="6500" b="0" i="0" u="none" strike="noStrike" cap="none" normalizeH="0" baseline="0" dirty="0">
+              <a:ln>
+                <a:noFill/>
+              </a:ln>
+              <a:solidFill>
+                <a:schemeClr val="tx1"/>
+              </a:solidFill>
+              <a:effectLst/>
+            </a:endParaRPr>
+          </a:p>
+          <a:p>
+            <a:pPr marL="0" marR="0" lvl="0" indent="0" algn="l" defTabSz="914400" rtl="0" eaLnBrk="0" fontAlgn="base" latinLnBrk="0" hangingPunct="0">
+              <a:lnSpc>
+                <a:spcPct val="100000"/>
+              </a:lnSpc>
+              <a:spcBef>
+                <a:spcPct val="0"/>
+              </a:spcBef>
+              <a:spcAft>
+                <a:spcPct val="0"/>
+              </a:spcAft>
+              <a:buClrTx/>
+              <a:buSzTx/>
+              <a:buFontTx/>
+              <a:buNone/>
+              <a:tabLst/>
+            </a:pPr>
+            <a:r>
+              <a:rPr kumimoji="0" lang="en-US" altLang="en-US" sz="3000" b="1" i="0" u="none" strike="noStrike" cap="none" normalizeH="0" baseline="0" dirty="0">
+                <a:ln>
+                  <a:noFill/>
+                </a:ln>
+                <a:solidFill>
+                  <a:srgbClr val="FFFFFF"/>
+                </a:solidFill>
+                <a:effectLst/>
+              </a:rPr>
+              <a:t>         </a:t>
+            </a:r>
+          </a:p>
+          <a:p>
+            <a:pPr marL="0" marR="0" lvl="0" indent="0" algn="l" defTabSz="914400" rtl="0" eaLnBrk="0" fontAlgn="base" latinLnBrk="0" hangingPunct="0">
+              <a:lnSpc>
+                <a:spcPct val="100000"/>
+              </a:lnSpc>
+              <a:spcBef>
+                <a:spcPct val="0"/>
+              </a:spcBef>
+              <a:spcAft>
+                <a:spcPct val="0"/>
+              </a:spcAft>
+              <a:buClrTx/>
+              <a:buSzTx/>
+              <a:buFontTx/>
+              <a:buNone/>
+              <a:tabLst/>
+            </a:pPr>
+            <a:endParaRPr lang="en-US" altLang="en-US" sz="3000" b="1" dirty="0">
+              <a:solidFill>
+                <a:srgbClr val="FFFFFF"/>
+              </a:solidFill>
+            </a:endParaRPr>
+          </a:p>
+          <a:p>
+            <a:pPr marL="0" marR="0" lvl="0" indent="0" algn="l" defTabSz="914400" rtl="0" eaLnBrk="0" fontAlgn="base" latinLnBrk="0" hangingPunct="0">
+              <a:lnSpc>
+                <a:spcPct val="100000"/>
+              </a:lnSpc>
+              <a:spcBef>
+                <a:spcPct val="0"/>
+              </a:spcBef>
+              <a:spcAft>
+                <a:spcPct val="0"/>
+              </a:spcAft>
+              <a:buClrTx/>
+              <a:buSzTx/>
+              <a:buFontTx/>
+              <a:buNone/>
+              <a:tabLst/>
+            </a:pPr>
+            <a:endParaRPr kumimoji="0" lang="en-US" altLang="en-US" sz="400" b="0" i="0" u="none" strike="noStrike" cap="none" normalizeH="0" baseline="0" dirty="0">
+              <a:ln>
+                <a:noFill/>
+              </a:ln>
+              <a:solidFill>
+                <a:schemeClr val="tx1"/>
+              </a:solidFill>
+              <a:effectLst/>
+            </a:endParaRPr>
+          </a:p>
+          <a:p>
+            <a:pPr marL="0" marR="0" lvl="0" indent="0" algn="l" defTabSz="914400" rtl="0" eaLnBrk="0" fontAlgn="base" latinLnBrk="0" hangingPunct="0">
+              <a:lnSpc>
+                <a:spcPct val="100000"/>
+              </a:lnSpc>
+              <a:spcBef>
+                <a:spcPct val="0"/>
+              </a:spcBef>
+              <a:spcAft>
+                <a:spcPct val="0"/>
+              </a:spcAft>
+              <a:buClrTx/>
+              <a:buSzTx/>
+              <a:buFontTx/>
+              <a:buNone/>
+              <a:tabLst/>
+            </a:pPr>
+            <a:br>
+              <a:rPr kumimoji="0" lang="en-US" altLang="en-US" sz="1800" b="0" i="0" u="none" strike="noStrike" cap="none" normalizeH="0" baseline="0" dirty="0">
+                <a:ln>
+                  <a:noFill/>
+                </a:ln>
+                <a:solidFill>
+                  <a:schemeClr val="tx1"/>
+                </a:solidFill>
+                <a:effectLst/>
+              </a:rPr>
+            </a:br>
+            <a:endParaRPr kumimoji="0" lang="en-US" altLang="en-US" sz="1800" b="0" i="0" u="none" strike="noStrike" cap="none" normalizeH="0" baseline="0" dirty="0">
+              <a:ln>
+                <a:noFill/>
+              </a:ln>
+              <a:solidFill>
+                <a:schemeClr val="tx1"/>
+              </a:solidFill>
+              <a:effectLst/>
+            </a:endParaRPr>
+          </a:p>
+          <a:p>
+            <a:pPr marL="0" marR="0" lvl="0" indent="0" algn="l" defTabSz="914400" rtl="0" eaLnBrk="0" fontAlgn="base" latinLnBrk="0" hangingPunct="0">
+              <a:lnSpc>
+                <a:spcPct val="100000"/>
+              </a:lnSpc>
+              <a:spcBef>
+                <a:spcPct val="0"/>
+              </a:spcBef>
+              <a:spcAft>
+                <a:spcPct val="0"/>
+              </a:spcAft>
+              <a:buClrTx/>
+              <a:buSzTx/>
+              <a:buFontTx/>
+              <a:buNone/>
+              <a:tabLst/>
+            </a:pPr>
+            <a:r>
+              <a:rPr kumimoji="0" lang="en-US" altLang="en-US" sz="3000" b="1" i="0" u="none" strike="noStrike" cap="none" normalizeH="0" baseline="0" dirty="0">
+                <a:ln>
+                  <a:noFill/>
+                </a:ln>
+                <a:solidFill>
+                  <a:srgbClr val="FFFFFF"/>
+                </a:solidFill>
+                <a:effectLst/>
+              </a:rPr>
+              <a:t>      						  </a:t>
+            </a:r>
+          </a:p>
+          <a:p>
+            <a:pPr marL="0" marR="0" lvl="0" indent="0" algn="l" defTabSz="914400" rtl="0" eaLnBrk="0" fontAlgn="base" latinLnBrk="0" hangingPunct="0">
+              <a:lnSpc>
+                <a:spcPct val="100000"/>
+              </a:lnSpc>
+              <a:spcBef>
+                <a:spcPct val="0"/>
+              </a:spcBef>
+              <a:spcAft>
+                <a:spcPct val="0"/>
+              </a:spcAft>
+              <a:buClrTx/>
+              <a:buSzTx/>
+              <a:buFontTx/>
+              <a:buNone/>
+              <a:tabLst/>
+            </a:pPr>
+            <a:r>
+              <a:rPr lang="en-US" altLang="en-US" sz="3000" b="1" dirty="0">
+                <a:solidFill>
+                  <a:srgbClr val="FFFFFF"/>
                 </a:solidFill>
               </a:rPr>
-              <a:t>NOT</a:t>
+              <a:t>						     </a:t>
             </a:r>
+            <a:r>
+              <a:rPr kumimoji="0" lang="en-US" altLang="en-US" sz="3600" b="1" i="0" u="none" strike="noStrike" cap="none" normalizeH="0" baseline="0" dirty="0">
+                <a:ln>
+                  <a:noFill/>
+                </a:ln>
+                <a:solidFill>
+                  <a:srgbClr val="FFFFFF"/>
+                </a:solidFill>
+                <a:effectLst/>
+              </a:rPr>
+              <a:t>Eric Evans</a:t>
+            </a:r>
+            <a:endParaRPr kumimoji="0" lang="en-US" altLang="en-US" sz="3600" b="0" i="0" u="none" strike="noStrike" cap="none" normalizeH="0" baseline="0" dirty="0">
+              <a:ln>
+                <a:noFill/>
+              </a:ln>
+              <a:solidFill>
+                <a:schemeClr val="tx1"/>
+              </a:solidFill>
+              <a:effectLst/>
+            </a:endParaRPr>
+          </a:p>
+        </p:txBody>
+      </p:sp>
+      <p:pic>
+        <p:nvPicPr>
+          <p:cNvPr id="1026" name="Picture 2">
+            <a:extLst>
+              <a:ext uri="{FF2B5EF4-FFF2-40B4-BE49-F238E27FC236}">
+                <a16:creationId xmlns:a16="http://schemas.microsoft.com/office/drawing/2014/main" id="{92449862-2455-B2FF-E8BF-E9600AFBAD33}"/>
+              </a:ext>
+            </a:extLst>
+          </p:cNvPr>
+          <p:cNvPicPr>
+            <a:picLocks noChangeAspect="1" noChangeArrowheads="1"/>
+          </p:cNvPicPr>
+          <p:nvPr/>
+        </p:nvPicPr>
+        <p:blipFill>
+          <a:blip r:embed="rId3">
+            <a:duotone>
+              <a:schemeClr val="accent5">
+                <a:shade val="45000"/>
+                <a:satMod val="135000"/>
+              </a:schemeClr>
+              <a:prstClr val="white"/>
+            </a:duotone>
+            <a:extLst>
+              <a:ext uri="{28A0092B-C50C-407E-A947-70E740481C1C}">
+                <a14:useLocalDpi xmlns:a14="http://schemas.microsoft.com/office/drawing/2010/main" val="0"/>
+              </a:ext>
+            </a:extLst>
+          </a:blip>
+          <a:srcRect/>
+          <a:stretch>
+            <a:fillRect/>
+          </a:stretch>
+        </p:blipFill>
+        <p:spPr bwMode="auto">
+          <a:xfrm>
+            <a:off x="8593503" y="3612874"/>
+            <a:ext cx="4547683" cy="3461924"/>
+          </a:xfrm>
+          <a:prstGeom prst="rect">
+            <a:avLst/>
+          </a:prstGeom>
+          <a:noFill/>
+          <a:extLst>
+            <a:ext uri="{909E8E84-426E-40DD-AFC4-6F175D3DCCD1}">
+              <a14:hiddenFill xmlns:a14="http://schemas.microsoft.com/office/drawing/2010/main">
+                <a:solidFill>
+                  <a:srgbClr val="FFFFFF"/>
+                </a:solidFill>
+              </a14:hiddenFill>
+            </a:ext>
+          </a:extLst>
+        </p:spPr>
+      </p:pic>
+    </p:spTree>
+    <p:extLst>
+      <p:ext uri="{BB962C8B-B14F-4D97-AF65-F5344CB8AC3E}">
+        <p14:creationId xmlns:p14="http://schemas.microsoft.com/office/powerpoint/2010/main" val="2693434650"/>
+      </p:ext>
+    </p:extLst>
+  </p:cSld>
+  <p:clrMapOvr>
+    <a:masterClrMapping/>
+  </p:clrMapOvr>
+</p:sld>
+</file>
+
+<file path=ppt/slides/slide12.xml><?xml version="1.0" encoding="utf-8"?>
+<p:sld xmlns:a="http://schemas.openxmlformats.org/drawingml/2006/main" xmlns:r="http://schemas.openxmlformats.org/officeDocument/2006/relationships" xmlns:p="http://schemas.openxmlformats.org/presentationml/2006/main">
+  <p:cSld>
+    <p:spTree>
+      <p:nvGrpSpPr>
+        <p:cNvPr id="1" name=""/>
+        <p:cNvGrpSpPr/>
+        <p:nvPr/>
+      </p:nvGrpSpPr>
+      <p:grpSpPr>
+        <a:xfrm>
+          <a:off x="0" y="0"/>
+          <a:ext cx="0" cy="0"/>
+          <a:chOff x="0" y="0"/>
+          <a:chExt cx="0" cy="0"/>
+        </a:xfrm>
+      </p:grpSpPr>
+      <p:sp>
+        <p:nvSpPr>
+          <p:cNvPr id="2" name="Title 1"/>
+          <p:cNvSpPr>
+            <a:spLocks noGrp="1"/>
+          </p:cNvSpPr>
+          <p:nvPr>
+            <p:ph type="title"/>
+          </p:nvPr>
+        </p:nvSpPr>
+        <p:spPr/>
+        <p:txBody>
+          <a:bodyPr/>
+          <a:lstStyle/>
+          <a:p>
             <a:r>
               <a:rPr lang="en-US" dirty="0">
                 <a:solidFill>
@@ -7211,7 +8119,7 @@
                   </a:schemeClr>
                 </a:solidFill>
               </a:rPr>
-              <a:t> TDD?</a:t>
+              <a:t>Why Test Driven Development?</a:t>
             </a:r>
           </a:p>
         </p:txBody>
@@ -7240,25 +8148,43 @@
           <a:p>
             <a:r>
               <a:rPr lang="en-US" dirty="0"/>
-              <a:t>TDD is not a synonym for writing tests</a:t>
+              <a:t>Work in small steps (minimizes waste, minimizes WIP)</a:t>
             </a:r>
           </a:p>
           <a:p>
             <a:r>
               <a:rPr lang="en-US" dirty="0"/>
-              <a:t>TDD is not writing ALL the tests up front</a:t>
+              <a:t>Focus</a:t>
             </a:r>
           </a:p>
           <a:p>
             <a:r>
               <a:rPr lang="en-US" dirty="0"/>
-              <a:t>TDD does not mean no bugs ever (just less)</a:t>
+              <a:t>Much less time in the debugger</a:t>
             </a:r>
           </a:p>
           <a:p>
             <a:r>
               <a:rPr lang="en-US" dirty="0"/>
-              <a:t>TDD zealots are harmful</a:t>
+              <a:t>Thinking through failure states</a:t>
+            </a:r>
+          </a:p>
+          <a:p>
+            <a:r>
+              <a:rPr lang="en-US" dirty="0"/>
+              <a:t>Confidence</a:t>
+            </a:r>
+          </a:p>
+          <a:p>
+            <a:r>
+              <a:rPr lang="en-US" dirty="0"/>
+              <a:t>Design feedback, hard to write test? Design might be wrong</a:t>
+            </a:r>
+          </a:p>
+          <a:p>
+            <a:r>
+              <a:rPr lang="en-US" dirty="0"/>
+              <a:t>Oh yeah… regression tests are nice too</a:t>
             </a:r>
           </a:p>
         </p:txBody>
@@ -7557,7 +8483,7 @@
     </p:spTree>
     <p:extLst>
       <p:ext uri="{BB962C8B-B14F-4D97-AF65-F5344CB8AC3E}">
-        <p14:creationId xmlns:p14="http://schemas.microsoft.com/office/powerpoint/2010/main" val="4211300229"/>
+        <p14:creationId xmlns:p14="http://schemas.microsoft.com/office/powerpoint/2010/main" val="670335804"/>
       </p:ext>
     </p:extLst>
   </p:cSld>
@@ -7896,6 +8822,249 @@
                       </p:childTnLst>
                     </p:cTn>
                   </p:par>
+                  <p:par>
+                    <p:cTn id="23" fill="hold">
+                      <p:stCondLst>
+                        <p:cond delay="indefinite"/>
+                      </p:stCondLst>
+                      <p:childTnLst>
+                        <p:par>
+                          <p:cTn id="24" fill="hold">
+                            <p:stCondLst>
+                              <p:cond delay="0"/>
+                            </p:stCondLst>
+                            <p:childTnLst>
+                              <p:par>
+                                <p:cTn id="25" presetID="10" presetClass="entr" presetSubtype="0" fill="hold" grpId="0" nodeType="clickEffect">
+                                  <p:stCondLst>
+                                    <p:cond delay="0"/>
+                                  </p:stCondLst>
+                                  <p:childTnLst>
+                                    <p:set>
+                                      <p:cBhvr>
+                                        <p:cTn id="26" dur="1" fill="hold">
+                                          <p:stCondLst>
+                                            <p:cond delay="0"/>
+                                          </p:stCondLst>
+                                        </p:cTn>
+                                        <p:tgtEl>
+                                          <p:spTgt spid="3">
+                                            <p:txEl>
+                                              <p:pRg st="4" end="4"/>
+                                            </p:txEl>
+                                          </p:spTgt>
+                                        </p:tgtEl>
+                                        <p:attrNameLst>
+                                          <p:attrName>style.visibility</p:attrName>
+                                        </p:attrNameLst>
+                                      </p:cBhvr>
+                                      <p:to>
+                                        <p:strVal val="visible"/>
+                                      </p:to>
+                                    </p:set>
+                                    <p:animEffect transition="in" filter="fade">
+                                      <p:cBhvr>
+                                        <p:cTn id="27" dur="500"/>
+                                        <p:tgtEl>
+                                          <p:spTgt spid="3">
+                                            <p:txEl>
+                                              <p:pRg st="4" end="4"/>
+                                            </p:txEl>
+                                          </p:spTgt>
+                                        </p:tgtEl>
+                                      </p:cBhvr>
+                                    </p:animEffect>
+                                  </p:childTnLst>
+                                  <p:subTnLst>
+                                    <p:animClr clrSpc="rgb" dir="cw">
+                                      <p:cBhvr override="childStyle">
+                                        <p:cTn dur="1" fill="hold" display="0" masterRel="nextClick" afterEffect="1"/>
+                                        <p:tgtEl>
+                                          <p:spTgt spid="3">
+                                            <p:txEl>
+                                              <p:pRg st="4" end="4"/>
+                                            </p:txEl>
+                                          </p:spTgt>
+                                        </p:tgtEl>
+                                        <p:attrNameLst>
+                                          <p:attrName>ppt_c</p:attrName>
+                                        </p:attrNameLst>
+                                      </p:cBhvr>
+                                      <p:to>
+                                        <a:srgbClr val="B2B2B2"/>
+                                      </p:to>
+                                    </p:animClr>
+                                  </p:subTnLst>
+                                </p:cTn>
+                              </p:par>
+                            </p:childTnLst>
+                          </p:cTn>
+                        </p:par>
+                      </p:childTnLst>
+                    </p:cTn>
+                  </p:par>
+                  <p:par>
+                    <p:cTn id="28" fill="hold">
+                      <p:stCondLst>
+                        <p:cond delay="indefinite"/>
+                      </p:stCondLst>
+                      <p:childTnLst>
+                        <p:par>
+                          <p:cTn id="29" fill="hold">
+                            <p:stCondLst>
+                              <p:cond delay="0"/>
+                            </p:stCondLst>
+                            <p:childTnLst>
+                              <p:par>
+                                <p:cTn id="30" presetID="10" presetClass="entr" presetSubtype="0" fill="hold" grpId="0" nodeType="clickEffect">
+                                  <p:stCondLst>
+                                    <p:cond delay="0"/>
+                                  </p:stCondLst>
+                                  <p:childTnLst>
+                                    <p:set>
+                                      <p:cBhvr>
+                                        <p:cTn id="31" dur="1" fill="hold">
+                                          <p:stCondLst>
+                                            <p:cond delay="0"/>
+                                          </p:stCondLst>
+                                        </p:cTn>
+                                        <p:tgtEl>
+                                          <p:spTgt spid="3">
+                                            <p:txEl>
+                                              <p:pRg st="5" end="5"/>
+                                            </p:txEl>
+                                          </p:spTgt>
+                                        </p:tgtEl>
+                                        <p:attrNameLst>
+                                          <p:attrName>style.visibility</p:attrName>
+                                        </p:attrNameLst>
+                                      </p:cBhvr>
+                                      <p:to>
+                                        <p:strVal val="visible"/>
+                                      </p:to>
+                                    </p:set>
+                                    <p:animEffect transition="in" filter="fade">
+                                      <p:cBhvr>
+                                        <p:cTn id="32" dur="500"/>
+                                        <p:tgtEl>
+                                          <p:spTgt spid="3">
+                                            <p:txEl>
+                                              <p:pRg st="5" end="5"/>
+                                            </p:txEl>
+                                          </p:spTgt>
+                                        </p:tgtEl>
+                                      </p:cBhvr>
+                                    </p:animEffect>
+                                  </p:childTnLst>
+                                  <p:subTnLst>
+                                    <p:animClr clrSpc="rgb" dir="cw">
+                                      <p:cBhvr override="childStyle">
+                                        <p:cTn dur="1" fill="hold" display="0" masterRel="nextClick" afterEffect="1"/>
+                                        <p:tgtEl>
+                                          <p:spTgt spid="3">
+                                            <p:txEl>
+                                              <p:pRg st="5" end="5"/>
+                                            </p:txEl>
+                                          </p:spTgt>
+                                        </p:tgtEl>
+                                        <p:attrNameLst>
+                                          <p:attrName>ppt_c</p:attrName>
+                                        </p:attrNameLst>
+                                      </p:cBhvr>
+                                      <p:to>
+                                        <a:srgbClr val="B2B2B2"/>
+                                      </p:to>
+                                    </p:animClr>
+                                  </p:subTnLst>
+                                </p:cTn>
+                              </p:par>
+                            </p:childTnLst>
+                          </p:cTn>
+                        </p:par>
+                      </p:childTnLst>
+                    </p:cTn>
+                  </p:par>
+                  <p:par>
+                    <p:cTn id="33" fill="hold">
+                      <p:stCondLst>
+                        <p:cond delay="indefinite"/>
+                      </p:stCondLst>
+                      <p:childTnLst>
+                        <p:par>
+                          <p:cTn id="34" fill="hold">
+                            <p:stCondLst>
+                              <p:cond delay="0"/>
+                            </p:stCondLst>
+                            <p:childTnLst>
+                              <p:par>
+                                <p:cTn id="35" presetID="10" presetClass="entr" presetSubtype="0" fill="hold" grpId="0" nodeType="clickEffect">
+                                  <p:stCondLst>
+                                    <p:cond delay="0"/>
+                                  </p:stCondLst>
+                                  <p:childTnLst>
+                                    <p:set>
+                                      <p:cBhvr>
+                                        <p:cTn id="36" dur="1" fill="hold">
+                                          <p:stCondLst>
+                                            <p:cond delay="0"/>
+                                          </p:stCondLst>
+                                        </p:cTn>
+                                        <p:tgtEl>
+                                          <p:spTgt spid="3">
+                                            <p:txEl>
+                                              <p:pRg st="6" end="6"/>
+                                            </p:txEl>
+                                          </p:spTgt>
+                                        </p:tgtEl>
+                                        <p:attrNameLst>
+                                          <p:attrName>style.visibility</p:attrName>
+                                        </p:attrNameLst>
+                                      </p:cBhvr>
+                                      <p:to>
+                                        <p:strVal val="visible"/>
+                                      </p:to>
+                                    </p:set>
+                                    <p:animEffect transition="in" filter="fade">
+                                      <p:cBhvr>
+                                        <p:cTn id="37" dur="500"/>
+                                        <p:tgtEl>
+                                          <p:spTgt spid="3">
+                                            <p:txEl>
+                                              <p:pRg st="6" end="6"/>
+                                            </p:txEl>
+                                          </p:spTgt>
+                                        </p:tgtEl>
+                                      </p:cBhvr>
+                                    </p:animEffect>
+                                  </p:childTnLst>
+                                  <p:subTnLst>
+                                    <p:animClr clrSpc="rgb" dir="cw">
+                                      <p:cBhvr override="childStyle">
+                                        <p:cTn dur="1" fill="hold" display="0" masterRel="nextClick" afterEffect="1"/>
+                                        <p:tgtEl>
+                                          <p:spTgt spid="3">
+                                            <p:txEl>
+                                              <p:pRg st="6" end="6"/>
+                                            </p:txEl>
+                                          </p:spTgt>
+                                        </p:tgtEl>
+                                        <p:attrNameLst>
+                                          <p:attrName>ppt_c</p:attrName>
+                                        </p:attrNameLst>
+                                      </p:cBhvr>
+                                      <p:to>
+                                        <a:srgbClr val="B2B2B2"/>
+                                      </p:to>
+                                    </p:animClr>
+                                  </p:subTnLst>
+                                </p:cTn>
+                              </p:par>
+                            </p:childTnLst>
+                          </p:cTn>
+                        </p:par>
+                      </p:childTnLst>
+                    </p:cTn>
+                  </p:par>
                 </p:childTnLst>
               </p:cTn>
               <p:prevCondLst>
@@ -7924,7 +9093,847 @@
 </p:sld>
 </file>
 
-<file path=ppt/slides/slide11.xml><?xml version="1.0" encoding="utf-8"?>
+<file path=ppt/slides/slide13.xml><?xml version="1.0" encoding="utf-8"?>
+<p:sld xmlns:a="http://schemas.openxmlformats.org/drawingml/2006/main" xmlns:r="http://schemas.openxmlformats.org/officeDocument/2006/relationships" xmlns:p="http://schemas.openxmlformats.org/presentationml/2006/main">
+  <p:cSld>
+    <p:spTree>
+      <p:nvGrpSpPr>
+        <p:cNvPr id="1" name=""/>
+        <p:cNvGrpSpPr/>
+        <p:nvPr/>
+      </p:nvGrpSpPr>
+      <p:grpSpPr>
+        <a:xfrm>
+          <a:off x="0" y="0"/>
+          <a:ext cx="0" cy="0"/>
+          <a:chOff x="0" y="0"/>
+          <a:chExt cx="0" cy="0"/>
+        </a:xfrm>
+      </p:grpSpPr>
+      <p:sp>
+        <p:nvSpPr>
+          <p:cNvPr id="2" name="Title 1"/>
+          <p:cNvSpPr>
+            <a:spLocks noGrp="1"/>
+          </p:cNvSpPr>
+          <p:nvPr>
+            <p:ph type="title"/>
+          </p:nvPr>
+        </p:nvSpPr>
+        <p:spPr/>
+        <p:txBody>
+          <a:bodyPr/>
+          <a:lstStyle/>
+          <a:p>
+            <a:r>
+              <a:rPr lang="en-US" dirty="0">
+                <a:solidFill>
+                  <a:schemeClr val="bg1">
+                    <a:lumMod val="65000"/>
+                  </a:schemeClr>
+                </a:solidFill>
+              </a:rPr>
+              <a:t>What is NOT TDD?</a:t>
+            </a:r>
+          </a:p>
+        </p:txBody>
+      </p:sp>
+      <p:sp>
+        <p:nvSpPr>
+          <p:cNvPr id="3" name="Content Placeholder 2"/>
+          <p:cNvSpPr>
+            <a:spLocks noGrp="1"/>
+          </p:cNvSpPr>
+          <p:nvPr>
+            <p:ph idx="1"/>
+          </p:nvPr>
+        </p:nvSpPr>
+        <p:spPr>
+          <a:xfrm>
+            <a:off x="838200" y="1825625"/>
+            <a:ext cx="10515600" cy="4749836"/>
+          </a:xfrm>
+        </p:spPr>
+        <p:txBody>
+          <a:bodyPr>
+            <a:normAutofit/>
+          </a:bodyPr>
+          <a:lstStyle/>
+          <a:p>
+            <a:r>
+              <a:rPr lang="en-US" dirty="0"/>
+              <a:t>TDD is NOT a synonym for writing tests</a:t>
+            </a:r>
+          </a:p>
+          <a:p>
+            <a:r>
+              <a:rPr lang="en-US" dirty="0"/>
+              <a:t>TDD is NOT writing multiple tests up front before writing any production code</a:t>
+            </a:r>
+          </a:p>
+          <a:p>
+            <a:r>
+              <a:rPr lang="en-US" dirty="0"/>
+              <a:t>TDD does NOT mean no bugs ever (just less)</a:t>
+            </a:r>
+          </a:p>
+          <a:p>
+            <a:r>
+              <a:rPr lang="en-US" dirty="0"/>
+              <a:t>TDD is not good for adding tests to existing production code</a:t>
+            </a:r>
+          </a:p>
+          <a:p>
+            <a:r>
+              <a:rPr lang="en-US" dirty="0"/>
+              <a:t>TDD zealots do more harm than good</a:t>
+            </a:r>
+          </a:p>
+        </p:txBody>
+      </p:sp>
+      <p:grpSp>
+        <p:nvGrpSpPr>
+          <p:cNvPr id="4" name="Group 3">
+            <a:extLst>
+              <a:ext uri="{FF2B5EF4-FFF2-40B4-BE49-F238E27FC236}">
+                <a16:creationId xmlns:a16="http://schemas.microsoft.com/office/drawing/2014/main" id="{62B5E2B8-6DB5-E579-DCF6-CEA0B73209AC}"/>
+              </a:ext>
+            </a:extLst>
+          </p:cNvPr>
+          <p:cNvGrpSpPr/>
+          <p:nvPr/>
+        </p:nvGrpSpPr>
+        <p:grpSpPr>
+          <a:xfrm>
+            <a:off x="9970651" y="6185410"/>
+            <a:ext cx="2130724" cy="474323"/>
+            <a:chOff x="9970651" y="6185410"/>
+            <a:chExt cx="2130724" cy="474323"/>
+          </a:xfrm>
+        </p:grpSpPr>
+        <p:sp>
+          <p:nvSpPr>
+            <p:cNvPr id="5" name="Subtitle 2">
+              <a:extLst>
+                <a:ext uri="{FF2B5EF4-FFF2-40B4-BE49-F238E27FC236}">
+                  <a16:creationId xmlns:a16="http://schemas.microsoft.com/office/drawing/2014/main" id="{39E6DB0C-F73B-398E-DF73-1948DD15BB43}"/>
+                </a:ext>
+              </a:extLst>
+            </p:cNvPr>
+            <p:cNvSpPr txBox="1">
+              <a:spLocks/>
+            </p:cNvSpPr>
+            <p:nvPr/>
+          </p:nvSpPr>
+          <p:spPr>
+            <a:xfrm>
+              <a:off x="10041147" y="6185410"/>
+              <a:ext cx="2060228" cy="474323"/>
+            </a:xfrm>
+            <a:prstGeom prst="rect">
+              <a:avLst/>
+            </a:prstGeom>
+          </p:spPr>
+          <p:txBody>
+            <a:bodyPr vert="horz" lIns="91440" tIns="45720" rIns="91440" bIns="45720" rtlCol="0">
+              <a:normAutofit/>
+            </a:bodyPr>
+            <a:lstStyle>
+              <a:lvl1pPr marL="0" indent="0" algn="ctr" defTabSz="914400" rtl="0" eaLnBrk="1" latinLnBrk="0" hangingPunct="1">
+                <a:lnSpc>
+                  <a:spcPct val="90000"/>
+                </a:lnSpc>
+                <a:spcBef>
+                  <a:spcPts val="1000"/>
+                </a:spcBef>
+                <a:buFont typeface="Arial" panose="020B0604020202020204" pitchFamily="34" charset="0"/>
+                <a:buNone/>
+                <a:defRPr sz="2400" kern="1200">
+                  <a:solidFill>
+                    <a:schemeClr val="tx1"/>
+                  </a:solidFill>
+                  <a:latin typeface="+mn-lt"/>
+                  <a:ea typeface="+mn-ea"/>
+                  <a:cs typeface="+mn-cs"/>
+                </a:defRPr>
+              </a:lvl1pPr>
+              <a:lvl2pPr marL="457200" indent="0" algn="ctr" defTabSz="914400" rtl="0" eaLnBrk="1" latinLnBrk="0" hangingPunct="1">
+                <a:lnSpc>
+                  <a:spcPct val="90000"/>
+                </a:lnSpc>
+                <a:spcBef>
+                  <a:spcPts val="500"/>
+                </a:spcBef>
+                <a:buFont typeface="Arial" panose="020B0604020202020204" pitchFamily="34" charset="0"/>
+                <a:buNone/>
+                <a:defRPr sz="2000" kern="1200">
+                  <a:solidFill>
+                    <a:schemeClr val="tx1"/>
+                  </a:solidFill>
+                  <a:latin typeface="+mn-lt"/>
+                  <a:ea typeface="+mn-ea"/>
+                  <a:cs typeface="+mn-cs"/>
+                </a:defRPr>
+              </a:lvl2pPr>
+              <a:lvl3pPr marL="914400" indent="0" algn="ctr" defTabSz="914400" rtl="0" eaLnBrk="1" latinLnBrk="0" hangingPunct="1">
+                <a:lnSpc>
+                  <a:spcPct val="90000"/>
+                </a:lnSpc>
+                <a:spcBef>
+                  <a:spcPts val="500"/>
+                </a:spcBef>
+                <a:buFont typeface="Arial" panose="020B0604020202020204" pitchFamily="34" charset="0"/>
+                <a:buNone/>
+                <a:defRPr sz="1800" kern="1200">
+                  <a:solidFill>
+                    <a:schemeClr val="tx1"/>
+                  </a:solidFill>
+                  <a:latin typeface="+mn-lt"/>
+                  <a:ea typeface="+mn-ea"/>
+                  <a:cs typeface="+mn-cs"/>
+                </a:defRPr>
+              </a:lvl3pPr>
+              <a:lvl4pPr marL="1371600" indent="0" algn="ctr" defTabSz="914400" rtl="0" eaLnBrk="1" latinLnBrk="0" hangingPunct="1">
+                <a:lnSpc>
+                  <a:spcPct val="90000"/>
+                </a:lnSpc>
+                <a:spcBef>
+                  <a:spcPts val="500"/>
+                </a:spcBef>
+                <a:buFont typeface="Arial" panose="020B0604020202020204" pitchFamily="34" charset="0"/>
+                <a:buNone/>
+                <a:defRPr sz="1600" kern="1200">
+                  <a:solidFill>
+                    <a:schemeClr val="tx1"/>
+                  </a:solidFill>
+                  <a:latin typeface="+mn-lt"/>
+                  <a:ea typeface="+mn-ea"/>
+                  <a:cs typeface="+mn-cs"/>
+                </a:defRPr>
+              </a:lvl4pPr>
+              <a:lvl5pPr marL="1828800" indent="0" algn="ctr" defTabSz="914400" rtl="0" eaLnBrk="1" latinLnBrk="0" hangingPunct="1">
+                <a:lnSpc>
+                  <a:spcPct val="90000"/>
+                </a:lnSpc>
+                <a:spcBef>
+                  <a:spcPts val="500"/>
+                </a:spcBef>
+                <a:buFont typeface="Arial" panose="020B0604020202020204" pitchFamily="34" charset="0"/>
+                <a:buNone/>
+                <a:defRPr sz="1600" kern="1200">
+                  <a:solidFill>
+                    <a:schemeClr val="tx1"/>
+                  </a:solidFill>
+                  <a:latin typeface="+mn-lt"/>
+                  <a:ea typeface="+mn-ea"/>
+                  <a:cs typeface="+mn-cs"/>
+                </a:defRPr>
+              </a:lvl5pPr>
+              <a:lvl6pPr marL="2286000" indent="0" algn="ctr" defTabSz="914400" rtl="0" eaLnBrk="1" latinLnBrk="0" hangingPunct="1">
+                <a:lnSpc>
+                  <a:spcPct val="90000"/>
+                </a:lnSpc>
+                <a:spcBef>
+                  <a:spcPts val="500"/>
+                </a:spcBef>
+                <a:buFont typeface="Arial" panose="020B0604020202020204" pitchFamily="34" charset="0"/>
+                <a:buNone/>
+                <a:defRPr sz="1600" kern="1200">
+                  <a:solidFill>
+                    <a:schemeClr val="tx1"/>
+                  </a:solidFill>
+                  <a:latin typeface="+mn-lt"/>
+                  <a:ea typeface="+mn-ea"/>
+                  <a:cs typeface="+mn-cs"/>
+                </a:defRPr>
+              </a:lvl6pPr>
+              <a:lvl7pPr marL="2743200" indent="0" algn="ctr" defTabSz="914400" rtl="0" eaLnBrk="1" latinLnBrk="0" hangingPunct="1">
+                <a:lnSpc>
+                  <a:spcPct val="90000"/>
+                </a:lnSpc>
+                <a:spcBef>
+                  <a:spcPts val="500"/>
+                </a:spcBef>
+                <a:buFont typeface="Arial" panose="020B0604020202020204" pitchFamily="34" charset="0"/>
+                <a:buNone/>
+                <a:defRPr sz="1600" kern="1200">
+                  <a:solidFill>
+                    <a:schemeClr val="tx1"/>
+                  </a:solidFill>
+                  <a:latin typeface="+mn-lt"/>
+                  <a:ea typeface="+mn-ea"/>
+                  <a:cs typeface="+mn-cs"/>
+                </a:defRPr>
+              </a:lvl7pPr>
+              <a:lvl8pPr marL="3200400" indent="0" algn="ctr" defTabSz="914400" rtl="0" eaLnBrk="1" latinLnBrk="0" hangingPunct="1">
+                <a:lnSpc>
+                  <a:spcPct val="90000"/>
+                </a:lnSpc>
+                <a:spcBef>
+                  <a:spcPts val="500"/>
+                </a:spcBef>
+                <a:buFont typeface="Arial" panose="020B0604020202020204" pitchFamily="34" charset="0"/>
+                <a:buNone/>
+                <a:defRPr sz="1600" kern="1200">
+                  <a:solidFill>
+                    <a:schemeClr val="tx1"/>
+                  </a:solidFill>
+                  <a:latin typeface="+mn-lt"/>
+                  <a:ea typeface="+mn-ea"/>
+                  <a:cs typeface="+mn-cs"/>
+                </a:defRPr>
+              </a:lvl8pPr>
+              <a:lvl9pPr marL="3657600" indent="0" algn="ctr" defTabSz="914400" rtl="0" eaLnBrk="1" latinLnBrk="0" hangingPunct="1">
+                <a:lnSpc>
+                  <a:spcPct val="90000"/>
+                </a:lnSpc>
+                <a:spcBef>
+                  <a:spcPts val="500"/>
+                </a:spcBef>
+                <a:buFont typeface="Arial" panose="020B0604020202020204" pitchFamily="34" charset="0"/>
+                <a:buNone/>
+                <a:defRPr sz="1600" kern="1200">
+                  <a:solidFill>
+                    <a:schemeClr val="tx1"/>
+                  </a:solidFill>
+                  <a:latin typeface="+mn-lt"/>
+                  <a:ea typeface="+mn-ea"/>
+                  <a:cs typeface="+mn-cs"/>
+                </a:defRPr>
+              </a:lvl9pPr>
+            </a:lstStyle>
+            <a:p>
+              <a:r>
+                <a:rPr lang="en-US" dirty="0" err="1">
+                  <a:solidFill>
+                    <a:schemeClr val="bg1">
+                      <a:lumMod val="65000"/>
+                    </a:schemeClr>
+                  </a:solidFill>
+                </a:rPr>
+                <a:t>scottsauber</a:t>
+              </a:r>
+              <a:endParaRPr lang="en-US" dirty="0">
+                <a:solidFill>
+                  <a:schemeClr val="bg1">
+                    <a:lumMod val="65000"/>
+                  </a:schemeClr>
+                </a:solidFill>
+              </a:endParaRPr>
+            </a:p>
+          </p:txBody>
+        </p:sp>
+        <p:sp>
+          <p:nvSpPr>
+            <p:cNvPr id="6" name="Rectangle 5">
+              <a:extLst>
+                <a:ext uri="{FF2B5EF4-FFF2-40B4-BE49-F238E27FC236}">
+                  <a16:creationId xmlns:a16="http://schemas.microsoft.com/office/drawing/2014/main" id="{32CF94CF-02D6-634F-37FE-EDC871002EE5}"/>
+                </a:ext>
+              </a:extLst>
+            </p:cNvPr>
+            <p:cNvSpPr/>
+            <p:nvPr/>
+          </p:nvSpPr>
+          <p:spPr>
+            <a:xfrm>
+              <a:off x="9970651" y="6285411"/>
+              <a:ext cx="347472" cy="274320"/>
+            </a:xfrm>
+            <a:prstGeom prst="rect">
+              <a:avLst/>
+            </a:prstGeom>
+            <a:blipFill dpi="0" rotWithShape="1">
+              <a:blip r:embed="rId3">
+                <a:alphaModFix amt="50000"/>
+              </a:blip>
+              <a:srcRect/>
+              <a:stretch>
+                <a:fillRect/>
+              </a:stretch>
+            </a:blipFill>
+            <a:ln>
+              <a:noFill/>
+            </a:ln>
+          </p:spPr>
+          <p:style>
+            <a:lnRef idx="2">
+              <a:schemeClr val="accent1">
+                <a:shade val="50000"/>
+              </a:schemeClr>
+            </a:lnRef>
+            <a:fillRef idx="1">
+              <a:schemeClr val="accent1"/>
+            </a:fillRef>
+            <a:effectRef idx="0">
+              <a:schemeClr val="accent1"/>
+            </a:effectRef>
+            <a:fontRef idx="minor">
+              <a:schemeClr val="lt1"/>
+            </a:fontRef>
+          </p:style>
+          <p:txBody>
+            <a:bodyPr rtlCol="0" anchor="ctr"/>
+            <a:lstStyle/>
+            <a:p>
+              <a:pPr algn="ctr"/>
+              <a:endParaRPr lang="en-US"/>
+            </a:p>
+          </p:txBody>
+        </p:sp>
+      </p:grpSp>
+    </p:spTree>
+    <p:extLst>
+      <p:ext uri="{BB962C8B-B14F-4D97-AF65-F5344CB8AC3E}">
+        <p14:creationId xmlns:p14="http://schemas.microsoft.com/office/powerpoint/2010/main" val="1666889419"/>
+      </p:ext>
+    </p:extLst>
+  </p:cSld>
+  <p:clrMapOvr>
+    <a:masterClrMapping/>
+  </p:clrMapOvr>
+  <p:timing>
+    <p:tnLst>
+      <p:par>
+        <p:cTn id="1" dur="indefinite" restart="never" nodeType="tmRoot">
+          <p:childTnLst>
+            <p:seq concurrent="1" nextAc="seek">
+              <p:cTn id="2" dur="indefinite" nodeType="mainSeq">
+                <p:childTnLst>
+                  <p:par>
+                    <p:cTn id="3" fill="hold">
+                      <p:stCondLst>
+                        <p:cond delay="indefinite"/>
+                      </p:stCondLst>
+                      <p:childTnLst>
+                        <p:par>
+                          <p:cTn id="4" fill="hold">
+                            <p:stCondLst>
+                              <p:cond delay="0"/>
+                            </p:stCondLst>
+                            <p:childTnLst>
+                              <p:par>
+                                <p:cTn id="5" presetID="10" presetClass="entr" presetSubtype="0" fill="hold" grpId="0" nodeType="clickEffect">
+                                  <p:stCondLst>
+                                    <p:cond delay="0"/>
+                                  </p:stCondLst>
+                                  <p:childTnLst>
+                                    <p:set>
+                                      <p:cBhvr>
+                                        <p:cTn id="6" dur="1" fill="hold">
+                                          <p:stCondLst>
+                                            <p:cond delay="0"/>
+                                          </p:stCondLst>
+                                        </p:cTn>
+                                        <p:tgtEl>
+                                          <p:spTgt spid="3">
+                                            <p:txEl>
+                                              <p:pRg st="0" end="0"/>
+                                            </p:txEl>
+                                          </p:spTgt>
+                                        </p:tgtEl>
+                                        <p:attrNameLst>
+                                          <p:attrName>style.visibility</p:attrName>
+                                        </p:attrNameLst>
+                                      </p:cBhvr>
+                                      <p:to>
+                                        <p:strVal val="visible"/>
+                                      </p:to>
+                                    </p:set>
+                                    <p:animEffect transition="in" filter="fade">
+                                      <p:cBhvr>
+                                        <p:cTn id="7" dur="500"/>
+                                        <p:tgtEl>
+                                          <p:spTgt spid="3">
+                                            <p:txEl>
+                                              <p:pRg st="0" end="0"/>
+                                            </p:txEl>
+                                          </p:spTgt>
+                                        </p:tgtEl>
+                                      </p:cBhvr>
+                                    </p:animEffect>
+                                  </p:childTnLst>
+                                  <p:subTnLst>
+                                    <p:animClr clrSpc="rgb" dir="cw">
+                                      <p:cBhvr override="childStyle">
+                                        <p:cTn dur="1" fill="hold" display="0" masterRel="nextClick" afterEffect="1"/>
+                                        <p:tgtEl>
+                                          <p:spTgt spid="3">
+                                            <p:txEl>
+                                              <p:pRg st="0" end="0"/>
+                                            </p:txEl>
+                                          </p:spTgt>
+                                        </p:tgtEl>
+                                        <p:attrNameLst>
+                                          <p:attrName>ppt_c</p:attrName>
+                                        </p:attrNameLst>
+                                      </p:cBhvr>
+                                      <p:to>
+                                        <a:srgbClr val="A6A6A6"/>
+                                      </p:to>
+                                    </p:animClr>
+                                  </p:subTnLst>
+                                </p:cTn>
+                              </p:par>
+                            </p:childTnLst>
+                          </p:cTn>
+                        </p:par>
+                      </p:childTnLst>
+                    </p:cTn>
+                  </p:par>
+                  <p:par>
+                    <p:cTn id="8" fill="hold">
+                      <p:stCondLst>
+                        <p:cond delay="indefinite"/>
+                      </p:stCondLst>
+                      <p:childTnLst>
+                        <p:par>
+                          <p:cTn id="9" fill="hold">
+                            <p:stCondLst>
+                              <p:cond delay="0"/>
+                            </p:stCondLst>
+                            <p:childTnLst>
+                              <p:par>
+                                <p:cTn id="10" presetID="10" presetClass="entr" presetSubtype="0" fill="hold" grpId="0" nodeType="clickEffect">
+                                  <p:stCondLst>
+                                    <p:cond delay="0"/>
+                                  </p:stCondLst>
+                                  <p:childTnLst>
+                                    <p:set>
+                                      <p:cBhvr>
+                                        <p:cTn id="11" dur="1" fill="hold">
+                                          <p:stCondLst>
+                                            <p:cond delay="0"/>
+                                          </p:stCondLst>
+                                        </p:cTn>
+                                        <p:tgtEl>
+                                          <p:spTgt spid="3">
+                                            <p:txEl>
+                                              <p:pRg st="1" end="1"/>
+                                            </p:txEl>
+                                          </p:spTgt>
+                                        </p:tgtEl>
+                                        <p:attrNameLst>
+                                          <p:attrName>style.visibility</p:attrName>
+                                        </p:attrNameLst>
+                                      </p:cBhvr>
+                                      <p:to>
+                                        <p:strVal val="visible"/>
+                                      </p:to>
+                                    </p:set>
+                                    <p:animEffect transition="in" filter="fade">
+                                      <p:cBhvr>
+                                        <p:cTn id="12" dur="500"/>
+                                        <p:tgtEl>
+                                          <p:spTgt spid="3">
+                                            <p:txEl>
+                                              <p:pRg st="1" end="1"/>
+                                            </p:txEl>
+                                          </p:spTgt>
+                                        </p:tgtEl>
+                                      </p:cBhvr>
+                                    </p:animEffect>
+                                  </p:childTnLst>
+                                  <p:subTnLst>
+                                    <p:animClr clrSpc="rgb" dir="cw">
+                                      <p:cBhvr override="childStyle">
+                                        <p:cTn dur="1" fill="hold" display="0" masterRel="nextClick" afterEffect="1"/>
+                                        <p:tgtEl>
+                                          <p:spTgt spid="3">
+                                            <p:txEl>
+                                              <p:pRg st="1" end="1"/>
+                                            </p:txEl>
+                                          </p:spTgt>
+                                        </p:tgtEl>
+                                        <p:attrNameLst>
+                                          <p:attrName>ppt_c</p:attrName>
+                                        </p:attrNameLst>
+                                      </p:cBhvr>
+                                      <p:to>
+                                        <a:srgbClr val="A6A6A6"/>
+                                      </p:to>
+                                    </p:animClr>
+                                  </p:subTnLst>
+                                </p:cTn>
+                              </p:par>
+                            </p:childTnLst>
+                          </p:cTn>
+                        </p:par>
+                      </p:childTnLst>
+                    </p:cTn>
+                  </p:par>
+                  <p:par>
+                    <p:cTn id="13" fill="hold">
+                      <p:stCondLst>
+                        <p:cond delay="indefinite"/>
+                      </p:stCondLst>
+                      <p:childTnLst>
+                        <p:par>
+                          <p:cTn id="14" fill="hold">
+                            <p:stCondLst>
+                              <p:cond delay="0"/>
+                            </p:stCondLst>
+                            <p:childTnLst>
+                              <p:par>
+                                <p:cTn id="15" presetID="10" presetClass="entr" presetSubtype="0" fill="hold" grpId="0" nodeType="clickEffect">
+                                  <p:stCondLst>
+                                    <p:cond delay="0"/>
+                                  </p:stCondLst>
+                                  <p:childTnLst>
+                                    <p:set>
+                                      <p:cBhvr>
+                                        <p:cTn id="16" dur="1" fill="hold">
+                                          <p:stCondLst>
+                                            <p:cond delay="0"/>
+                                          </p:stCondLst>
+                                        </p:cTn>
+                                        <p:tgtEl>
+                                          <p:spTgt spid="3">
+                                            <p:txEl>
+                                              <p:pRg st="2" end="2"/>
+                                            </p:txEl>
+                                          </p:spTgt>
+                                        </p:tgtEl>
+                                        <p:attrNameLst>
+                                          <p:attrName>style.visibility</p:attrName>
+                                        </p:attrNameLst>
+                                      </p:cBhvr>
+                                      <p:to>
+                                        <p:strVal val="visible"/>
+                                      </p:to>
+                                    </p:set>
+                                    <p:animEffect transition="in" filter="fade">
+                                      <p:cBhvr>
+                                        <p:cTn id="17" dur="500"/>
+                                        <p:tgtEl>
+                                          <p:spTgt spid="3">
+                                            <p:txEl>
+                                              <p:pRg st="2" end="2"/>
+                                            </p:txEl>
+                                          </p:spTgt>
+                                        </p:tgtEl>
+                                      </p:cBhvr>
+                                    </p:animEffect>
+                                  </p:childTnLst>
+                                  <p:subTnLst>
+                                    <p:animClr clrSpc="rgb" dir="cw">
+                                      <p:cBhvr override="childStyle">
+                                        <p:cTn dur="1" fill="hold" display="0" masterRel="nextClick" afterEffect="1"/>
+                                        <p:tgtEl>
+                                          <p:spTgt spid="3">
+                                            <p:txEl>
+                                              <p:pRg st="2" end="2"/>
+                                            </p:txEl>
+                                          </p:spTgt>
+                                        </p:tgtEl>
+                                        <p:attrNameLst>
+                                          <p:attrName>ppt_c</p:attrName>
+                                        </p:attrNameLst>
+                                      </p:cBhvr>
+                                      <p:to>
+                                        <a:srgbClr val="A6A6A6"/>
+                                      </p:to>
+                                    </p:animClr>
+                                  </p:subTnLst>
+                                </p:cTn>
+                              </p:par>
+                            </p:childTnLst>
+                          </p:cTn>
+                        </p:par>
+                      </p:childTnLst>
+                    </p:cTn>
+                  </p:par>
+                  <p:par>
+                    <p:cTn id="18" fill="hold">
+                      <p:stCondLst>
+                        <p:cond delay="indefinite"/>
+                      </p:stCondLst>
+                      <p:childTnLst>
+                        <p:par>
+                          <p:cTn id="19" fill="hold">
+                            <p:stCondLst>
+                              <p:cond delay="0"/>
+                            </p:stCondLst>
+                            <p:childTnLst>
+                              <p:par>
+                                <p:cTn id="20" presetID="10" presetClass="entr" presetSubtype="0" fill="hold" grpId="0" nodeType="clickEffect">
+                                  <p:stCondLst>
+                                    <p:cond delay="0"/>
+                                  </p:stCondLst>
+                                  <p:childTnLst>
+                                    <p:set>
+                                      <p:cBhvr>
+                                        <p:cTn id="21" dur="1" fill="hold">
+                                          <p:stCondLst>
+                                            <p:cond delay="0"/>
+                                          </p:stCondLst>
+                                        </p:cTn>
+                                        <p:tgtEl>
+                                          <p:spTgt spid="3">
+                                            <p:txEl>
+                                              <p:pRg st="3" end="3"/>
+                                            </p:txEl>
+                                          </p:spTgt>
+                                        </p:tgtEl>
+                                        <p:attrNameLst>
+                                          <p:attrName>style.visibility</p:attrName>
+                                        </p:attrNameLst>
+                                      </p:cBhvr>
+                                      <p:to>
+                                        <p:strVal val="visible"/>
+                                      </p:to>
+                                    </p:set>
+                                    <p:animEffect transition="in" filter="fade">
+                                      <p:cBhvr>
+                                        <p:cTn id="22" dur="500"/>
+                                        <p:tgtEl>
+                                          <p:spTgt spid="3">
+                                            <p:txEl>
+                                              <p:pRg st="3" end="3"/>
+                                            </p:txEl>
+                                          </p:spTgt>
+                                        </p:tgtEl>
+                                      </p:cBhvr>
+                                    </p:animEffect>
+                                  </p:childTnLst>
+                                  <p:subTnLst>
+                                    <p:animClr clrSpc="rgb" dir="cw">
+                                      <p:cBhvr override="childStyle">
+                                        <p:cTn dur="1" fill="hold" display="0" masterRel="nextClick" afterEffect="1"/>
+                                        <p:tgtEl>
+                                          <p:spTgt spid="3">
+                                            <p:txEl>
+                                              <p:pRg st="3" end="3"/>
+                                            </p:txEl>
+                                          </p:spTgt>
+                                        </p:tgtEl>
+                                        <p:attrNameLst>
+                                          <p:attrName>ppt_c</p:attrName>
+                                        </p:attrNameLst>
+                                      </p:cBhvr>
+                                      <p:to>
+                                        <a:srgbClr val="A6A6A6"/>
+                                      </p:to>
+                                    </p:animClr>
+                                  </p:subTnLst>
+                                </p:cTn>
+                              </p:par>
+                            </p:childTnLst>
+                          </p:cTn>
+                        </p:par>
+                      </p:childTnLst>
+                    </p:cTn>
+                  </p:par>
+                  <p:par>
+                    <p:cTn id="23" fill="hold">
+                      <p:stCondLst>
+                        <p:cond delay="indefinite"/>
+                      </p:stCondLst>
+                      <p:childTnLst>
+                        <p:par>
+                          <p:cTn id="24" fill="hold">
+                            <p:stCondLst>
+                              <p:cond delay="0"/>
+                            </p:stCondLst>
+                            <p:childTnLst>
+                              <p:par>
+                                <p:cTn id="25" presetID="10" presetClass="entr" presetSubtype="0" fill="hold" grpId="0" nodeType="clickEffect">
+                                  <p:stCondLst>
+                                    <p:cond delay="0"/>
+                                  </p:stCondLst>
+                                  <p:childTnLst>
+                                    <p:set>
+                                      <p:cBhvr>
+                                        <p:cTn id="26" dur="1" fill="hold">
+                                          <p:stCondLst>
+                                            <p:cond delay="0"/>
+                                          </p:stCondLst>
+                                        </p:cTn>
+                                        <p:tgtEl>
+                                          <p:spTgt spid="3">
+                                            <p:txEl>
+                                              <p:pRg st="4" end="4"/>
+                                            </p:txEl>
+                                          </p:spTgt>
+                                        </p:tgtEl>
+                                        <p:attrNameLst>
+                                          <p:attrName>style.visibility</p:attrName>
+                                        </p:attrNameLst>
+                                      </p:cBhvr>
+                                      <p:to>
+                                        <p:strVal val="visible"/>
+                                      </p:to>
+                                    </p:set>
+                                    <p:animEffect transition="in" filter="fade">
+                                      <p:cBhvr>
+                                        <p:cTn id="27" dur="500"/>
+                                        <p:tgtEl>
+                                          <p:spTgt spid="3">
+                                            <p:txEl>
+                                              <p:pRg st="4" end="4"/>
+                                            </p:txEl>
+                                          </p:spTgt>
+                                        </p:tgtEl>
+                                      </p:cBhvr>
+                                    </p:animEffect>
+                                  </p:childTnLst>
+                                  <p:subTnLst>
+                                    <p:animClr clrSpc="rgb" dir="cw">
+                                      <p:cBhvr override="childStyle">
+                                        <p:cTn dur="1" fill="hold" display="0" masterRel="nextClick" afterEffect="1"/>
+                                        <p:tgtEl>
+                                          <p:spTgt spid="3">
+                                            <p:txEl>
+                                              <p:pRg st="4" end="4"/>
+                                            </p:txEl>
+                                          </p:spTgt>
+                                        </p:tgtEl>
+                                        <p:attrNameLst>
+                                          <p:attrName>ppt_c</p:attrName>
+                                        </p:attrNameLst>
+                                      </p:cBhvr>
+                                      <p:to>
+                                        <a:srgbClr val="A6A6A6"/>
+                                      </p:to>
+                                    </p:animClr>
+                                  </p:subTnLst>
+                                </p:cTn>
+                              </p:par>
+                            </p:childTnLst>
+                          </p:cTn>
+                        </p:par>
+                      </p:childTnLst>
+                    </p:cTn>
+                  </p:par>
+                </p:childTnLst>
+              </p:cTn>
+              <p:prevCondLst>
+                <p:cond evt="onPrev" delay="0">
+                  <p:tgtEl>
+                    <p:sldTgt/>
+                  </p:tgtEl>
+                </p:cond>
+              </p:prevCondLst>
+              <p:nextCondLst>
+                <p:cond evt="onNext" delay="0">
+                  <p:tgtEl>
+                    <p:sldTgt/>
+                  </p:tgtEl>
+                </p:cond>
+              </p:nextCondLst>
+            </p:seq>
+          </p:childTnLst>
+        </p:cTn>
+      </p:par>
+    </p:tnLst>
+    <p:bldLst>
+      <p:bldP spid="3" grpId="0" uiExpand="1" build="p"/>
+    </p:bldLst>
+  </p:timing>
+</p:sld>
+</file>
+
+<file path=ppt/slides/slide14.xml><?xml version="1.0" encoding="utf-8"?>
 <p:sld xmlns:a="http://schemas.openxmlformats.org/drawingml/2006/main" xmlns:r="http://schemas.openxmlformats.org/officeDocument/2006/relationships" xmlns:p="http://schemas.openxmlformats.org/presentationml/2006/main">
   <p:cSld>
     <p:bg>
@@ -8144,7 +10153,7 @@
 </p:sld>
 </file>
 
-<file path=ppt/slides/slide12.xml><?xml version="1.0" encoding="utf-8"?>
+<file path=ppt/slides/slide15.xml><?xml version="1.0" encoding="utf-8"?>
 <p:sld xmlns:a="http://schemas.openxmlformats.org/drawingml/2006/main" xmlns:r="http://schemas.openxmlformats.org/officeDocument/2006/relationships" xmlns:p="http://schemas.openxmlformats.org/presentationml/2006/main">
   <p:cSld>
     <p:spTree>
@@ -8537,7 +10546,7 @@
 </p:sld>
 </file>
 
-<file path=ppt/slides/slide13.xml><?xml version="1.0" encoding="utf-8"?>
+<file path=ppt/slides/slide16.xml><?xml version="1.0" encoding="utf-8"?>
 <p:sld xmlns:a="http://schemas.openxmlformats.org/drawingml/2006/main" xmlns:r="http://schemas.openxmlformats.org/officeDocument/2006/relationships" xmlns:p="http://schemas.openxmlformats.org/presentationml/2006/main">
   <p:cSld>
     <p:spTree>
@@ -9123,7 +11132,7 @@
 </p:sld>
 </file>
 
-<file path=ppt/slides/slide14.xml><?xml version="1.0" encoding="utf-8"?>
+<file path=ppt/slides/slide17.xml><?xml version="1.0" encoding="utf-8"?>
 <p:sld xmlns:a="http://schemas.openxmlformats.org/drawingml/2006/main" xmlns:r="http://schemas.openxmlformats.org/officeDocument/2006/relationships" xmlns:p="http://schemas.openxmlformats.org/presentationml/2006/main">
   <p:cSld>
     <p:spTree>
@@ -9553,7 +11562,7 @@
 </p:sld>
 </file>
 
-<file path=ppt/slides/slide15.xml><?xml version="1.0" encoding="utf-8"?>
+<file path=ppt/slides/slide18.xml><?xml version="1.0" encoding="utf-8"?>
 <p:sld xmlns:a="http://schemas.openxmlformats.org/drawingml/2006/main" xmlns:r="http://schemas.openxmlformats.org/officeDocument/2006/relationships" xmlns:p="http://schemas.openxmlformats.org/presentationml/2006/main">
   <p:cSld>
     <p:spTree>
@@ -10308,7 +12317,7 @@
 </p:sld>
 </file>
 
-<file path=ppt/slides/slide16.xml><?xml version="1.0" encoding="utf-8"?>
+<file path=ppt/slides/slide19.xml><?xml version="1.0" encoding="utf-8"?>
 <p:sld xmlns:a="http://schemas.openxmlformats.org/drawingml/2006/main" xmlns:r="http://schemas.openxmlformats.org/officeDocument/2006/relationships" xmlns:p="http://schemas.openxmlformats.org/presentationml/2006/main">
   <p:cSld>
     <p:spTree>
@@ -10738,7 +12747,410 @@
 </p:sld>
 </file>
 
-<file path=ppt/slides/slide17.xml><?xml version="1.0" encoding="utf-8"?>
+<file path=ppt/slides/slide2.xml><?xml version="1.0" encoding="utf-8"?>
+<p:sld xmlns:a="http://schemas.openxmlformats.org/drawingml/2006/main" xmlns:r="http://schemas.openxmlformats.org/officeDocument/2006/relationships" xmlns:p="http://schemas.openxmlformats.org/presentationml/2006/main">
+  <p:cSld>
+    <p:spTree>
+      <p:nvGrpSpPr>
+        <p:cNvPr id="1" name=""/>
+        <p:cNvGrpSpPr/>
+        <p:nvPr/>
+      </p:nvGrpSpPr>
+      <p:grpSpPr>
+        <a:xfrm>
+          <a:off x="0" y="0"/>
+          <a:ext cx="0" cy="0"/>
+          <a:chOff x="0" y="0"/>
+          <a:chExt cx="0" cy="0"/>
+        </a:xfrm>
+      </p:grpSpPr>
+      <p:sp>
+        <p:nvSpPr>
+          <p:cNvPr id="2" name="Title 1"/>
+          <p:cNvSpPr>
+            <a:spLocks noGrp="1"/>
+          </p:cNvSpPr>
+          <p:nvPr>
+            <p:ph type="title"/>
+          </p:nvPr>
+        </p:nvSpPr>
+        <p:spPr/>
+        <p:txBody>
+          <a:bodyPr/>
+          <a:lstStyle/>
+          <a:p>
+            <a:r>
+              <a:rPr lang="en-US" dirty="0">
+                <a:solidFill>
+                  <a:schemeClr val="bg1">
+                    <a:lumMod val="65000"/>
+                  </a:schemeClr>
+                </a:solidFill>
+                <a:ea typeface="Open Sans" panose="020B0606030504020204" pitchFamily="34" charset="0"/>
+                <a:cs typeface="Open Sans" panose="020B0606030504020204" pitchFamily="34" charset="0"/>
+              </a:rPr>
+              <a:t>Audience</a:t>
+            </a:r>
+          </a:p>
+        </p:txBody>
+      </p:sp>
+      <p:sp>
+        <p:nvSpPr>
+          <p:cNvPr id="3" name="Content Placeholder 2"/>
+          <p:cNvSpPr>
+            <a:spLocks noGrp="1"/>
+          </p:cNvSpPr>
+          <p:nvPr>
+            <p:ph idx="1"/>
+          </p:nvPr>
+        </p:nvSpPr>
+        <p:spPr>
+          <a:xfrm>
+            <a:off x="838200" y="1825624"/>
+            <a:ext cx="10515600" cy="4779637"/>
+          </a:xfrm>
+        </p:spPr>
+        <p:txBody>
+          <a:bodyPr>
+            <a:normAutofit/>
+          </a:bodyPr>
+          <a:lstStyle/>
+          <a:p>
+            <a:r>
+              <a:rPr lang="en-US" dirty="0">
+                <a:ea typeface="Open Sans" panose="020B0606030504020204" pitchFamily="34" charset="0"/>
+                <a:cs typeface="Open Sans" panose="020B0606030504020204" pitchFamily="34" charset="0"/>
+              </a:rPr>
+              <a:t>Familiar with </a:t>
+            </a:r>
+            <a:r>
+              <a:rPr lang="en-US" dirty="0" err="1">
+                <a:ea typeface="Open Sans" panose="020B0606030504020204" pitchFamily="34" charset="0"/>
+                <a:cs typeface="Open Sans" panose="020B0606030504020204" pitchFamily="34" charset="0"/>
+              </a:rPr>
+              <a:t>Blazor</a:t>
+            </a:r>
+            <a:endParaRPr lang="en-US" dirty="0">
+              <a:ea typeface="Open Sans" panose="020B0606030504020204" pitchFamily="34" charset="0"/>
+              <a:cs typeface="Open Sans" panose="020B0606030504020204" pitchFamily="34" charset="0"/>
+            </a:endParaRPr>
+          </a:p>
+          <a:p>
+            <a:r>
+              <a:rPr lang="en-US" dirty="0">
+                <a:ea typeface="Open Sans" panose="020B0606030504020204" pitchFamily="34" charset="0"/>
+                <a:cs typeface="Open Sans" panose="020B0606030504020204" pitchFamily="34" charset="0"/>
+              </a:rPr>
+              <a:t>Interested in learning TDD</a:t>
+            </a:r>
+          </a:p>
+        </p:txBody>
+      </p:sp>
+      <p:grpSp>
+        <p:nvGrpSpPr>
+          <p:cNvPr id="9" name="Group 8">
+            <a:extLst>
+              <a:ext uri="{FF2B5EF4-FFF2-40B4-BE49-F238E27FC236}">
+                <a16:creationId xmlns:a16="http://schemas.microsoft.com/office/drawing/2014/main" id="{7DE5378A-6FF0-4624-8085-FEF4C35499EF}"/>
+              </a:ext>
+            </a:extLst>
+          </p:cNvPr>
+          <p:cNvGrpSpPr/>
+          <p:nvPr/>
+        </p:nvGrpSpPr>
+        <p:grpSpPr>
+          <a:xfrm>
+            <a:off x="9970651" y="6185410"/>
+            <a:ext cx="2130724" cy="474323"/>
+            <a:chOff x="9970651" y="6185410"/>
+            <a:chExt cx="2130724" cy="474323"/>
+          </a:xfrm>
+        </p:grpSpPr>
+        <p:sp>
+          <p:nvSpPr>
+            <p:cNvPr id="6" name="Subtitle 2">
+              <a:extLst>
+                <a:ext uri="{FF2B5EF4-FFF2-40B4-BE49-F238E27FC236}">
+                  <a16:creationId xmlns:a16="http://schemas.microsoft.com/office/drawing/2014/main" id="{9DA2B4CB-38FE-4C6E-8BEE-075F81D8685C}"/>
+                </a:ext>
+              </a:extLst>
+            </p:cNvPr>
+            <p:cNvSpPr txBox="1">
+              <a:spLocks/>
+            </p:cNvSpPr>
+            <p:nvPr/>
+          </p:nvSpPr>
+          <p:spPr>
+            <a:xfrm>
+              <a:off x="10041147" y="6185410"/>
+              <a:ext cx="2060228" cy="474323"/>
+            </a:xfrm>
+            <a:prstGeom prst="rect">
+              <a:avLst/>
+            </a:prstGeom>
+          </p:spPr>
+          <p:txBody>
+            <a:bodyPr vert="horz" lIns="91440" tIns="45720" rIns="91440" bIns="45720" rtlCol="0">
+              <a:normAutofit/>
+            </a:bodyPr>
+            <a:lstStyle>
+              <a:lvl1pPr marL="0" indent="0" algn="ctr" defTabSz="914400" rtl="0" eaLnBrk="1" latinLnBrk="0" hangingPunct="1">
+                <a:lnSpc>
+                  <a:spcPct val="90000"/>
+                </a:lnSpc>
+                <a:spcBef>
+                  <a:spcPts val="1000"/>
+                </a:spcBef>
+                <a:buFont typeface="Arial" panose="020B0604020202020204" pitchFamily="34" charset="0"/>
+                <a:buNone/>
+                <a:defRPr sz="2400" kern="1200">
+                  <a:solidFill>
+                    <a:schemeClr val="tx1"/>
+                  </a:solidFill>
+                  <a:latin typeface="+mn-lt"/>
+                  <a:ea typeface="+mn-ea"/>
+                  <a:cs typeface="+mn-cs"/>
+                </a:defRPr>
+              </a:lvl1pPr>
+              <a:lvl2pPr marL="457200" indent="0" algn="ctr" defTabSz="914400" rtl="0" eaLnBrk="1" latinLnBrk="0" hangingPunct="1">
+                <a:lnSpc>
+                  <a:spcPct val="90000"/>
+                </a:lnSpc>
+                <a:spcBef>
+                  <a:spcPts val="500"/>
+                </a:spcBef>
+                <a:buFont typeface="Arial" panose="020B0604020202020204" pitchFamily="34" charset="0"/>
+                <a:buNone/>
+                <a:defRPr sz="2000" kern="1200">
+                  <a:solidFill>
+                    <a:schemeClr val="tx1"/>
+                  </a:solidFill>
+                  <a:latin typeface="+mn-lt"/>
+                  <a:ea typeface="+mn-ea"/>
+                  <a:cs typeface="+mn-cs"/>
+                </a:defRPr>
+              </a:lvl2pPr>
+              <a:lvl3pPr marL="914400" indent="0" algn="ctr" defTabSz="914400" rtl="0" eaLnBrk="1" latinLnBrk="0" hangingPunct="1">
+                <a:lnSpc>
+                  <a:spcPct val="90000"/>
+                </a:lnSpc>
+                <a:spcBef>
+                  <a:spcPts val="500"/>
+                </a:spcBef>
+                <a:buFont typeface="Arial" panose="020B0604020202020204" pitchFamily="34" charset="0"/>
+                <a:buNone/>
+                <a:defRPr sz="1800" kern="1200">
+                  <a:solidFill>
+                    <a:schemeClr val="tx1"/>
+                  </a:solidFill>
+                  <a:latin typeface="+mn-lt"/>
+                  <a:ea typeface="+mn-ea"/>
+                  <a:cs typeface="+mn-cs"/>
+                </a:defRPr>
+              </a:lvl3pPr>
+              <a:lvl4pPr marL="1371600" indent="0" algn="ctr" defTabSz="914400" rtl="0" eaLnBrk="1" latinLnBrk="0" hangingPunct="1">
+                <a:lnSpc>
+                  <a:spcPct val="90000"/>
+                </a:lnSpc>
+                <a:spcBef>
+                  <a:spcPts val="500"/>
+                </a:spcBef>
+                <a:buFont typeface="Arial" panose="020B0604020202020204" pitchFamily="34" charset="0"/>
+                <a:buNone/>
+                <a:defRPr sz="1600" kern="1200">
+                  <a:solidFill>
+                    <a:schemeClr val="tx1"/>
+                  </a:solidFill>
+                  <a:latin typeface="+mn-lt"/>
+                  <a:ea typeface="+mn-ea"/>
+                  <a:cs typeface="+mn-cs"/>
+                </a:defRPr>
+              </a:lvl4pPr>
+              <a:lvl5pPr marL="1828800" indent="0" algn="ctr" defTabSz="914400" rtl="0" eaLnBrk="1" latinLnBrk="0" hangingPunct="1">
+                <a:lnSpc>
+                  <a:spcPct val="90000"/>
+                </a:lnSpc>
+                <a:spcBef>
+                  <a:spcPts val="500"/>
+                </a:spcBef>
+                <a:buFont typeface="Arial" panose="020B0604020202020204" pitchFamily="34" charset="0"/>
+                <a:buNone/>
+                <a:defRPr sz="1600" kern="1200">
+                  <a:solidFill>
+                    <a:schemeClr val="tx1"/>
+                  </a:solidFill>
+                  <a:latin typeface="+mn-lt"/>
+                  <a:ea typeface="+mn-ea"/>
+                  <a:cs typeface="+mn-cs"/>
+                </a:defRPr>
+              </a:lvl5pPr>
+              <a:lvl6pPr marL="2286000" indent="0" algn="ctr" defTabSz="914400" rtl="0" eaLnBrk="1" latinLnBrk="0" hangingPunct="1">
+                <a:lnSpc>
+                  <a:spcPct val="90000"/>
+                </a:lnSpc>
+                <a:spcBef>
+                  <a:spcPts val="500"/>
+                </a:spcBef>
+                <a:buFont typeface="Arial" panose="020B0604020202020204" pitchFamily="34" charset="0"/>
+                <a:buNone/>
+                <a:defRPr sz="1600" kern="1200">
+                  <a:solidFill>
+                    <a:schemeClr val="tx1"/>
+                  </a:solidFill>
+                  <a:latin typeface="+mn-lt"/>
+                  <a:ea typeface="+mn-ea"/>
+                  <a:cs typeface="+mn-cs"/>
+                </a:defRPr>
+              </a:lvl6pPr>
+              <a:lvl7pPr marL="2743200" indent="0" algn="ctr" defTabSz="914400" rtl="0" eaLnBrk="1" latinLnBrk="0" hangingPunct="1">
+                <a:lnSpc>
+                  <a:spcPct val="90000"/>
+                </a:lnSpc>
+                <a:spcBef>
+                  <a:spcPts val="500"/>
+                </a:spcBef>
+                <a:buFont typeface="Arial" panose="020B0604020202020204" pitchFamily="34" charset="0"/>
+                <a:buNone/>
+                <a:defRPr sz="1600" kern="1200">
+                  <a:solidFill>
+                    <a:schemeClr val="tx1"/>
+                  </a:solidFill>
+                  <a:latin typeface="+mn-lt"/>
+                  <a:ea typeface="+mn-ea"/>
+                  <a:cs typeface="+mn-cs"/>
+                </a:defRPr>
+              </a:lvl7pPr>
+              <a:lvl8pPr marL="3200400" indent="0" algn="ctr" defTabSz="914400" rtl="0" eaLnBrk="1" latinLnBrk="0" hangingPunct="1">
+                <a:lnSpc>
+                  <a:spcPct val="90000"/>
+                </a:lnSpc>
+                <a:spcBef>
+                  <a:spcPts val="500"/>
+                </a:spcBef>
+                <a:buFont typeface="Arial" panose="020B0604020202020204" pitchFamily="34" charset="0"/>
+                <a:buNone/>
+                <a:defRPr sz="1600" kern="1200">
+                  <a:solidFill>
+                    <a:schemeClr val="tx1"/>
+                  </a:solidFill>
+                  <a:latin typeface="+mn-lt"/>
+                  <a:ea typeface="+mn-ea"/>
+                  <a:cs typeface="+mn-cs"/>
+                </a:defRPr>
+              </a:lvl8pPr>
+              <a:lvl9pPr marL="3657600" indent="0" algn="ctr" defTabSz="914400" rtl="0" eaLnBrk="1" latinLnBrk="0" hangingPunct="1">
+                <a:lnSpc>
+                  <a:spcPct val="90000"/>
+                </a:lnSpc>
+                <a:spcBef>
+                  <a:spcPts val="500"/>
+                </a:spcBef>
+                <a:buFont typeface="Arial" panose="020B0604020202020204" pitchFamily="34" charset="0"/>
+                <a:buNone/>
+                <a:defRPr sz="1600" kern="1200">
+                  <a:solidFill>
+                    <a:schemeClr val="tx1"/>
+                  </a:solidFill>
+                  <a:latin typeface="+mn-lt"/>
+                  <a:ea typeface="+mn-ea"/>
+                  <a:cs typeface="+mn-cs"/>
+                </a:defRPr>
+              </a:lvl9pPr>
+            </a:lstStyle>
+            <a:p>
+              <a:r>
+                <a:rPr lang="en-US" dirty="0" err="1">
+                  <a:solidFill>
+                    <a:schemeClr val="bg1">
+                      <a:lumMod val="65000"/>
+                    </a:schemeClr>
+                  </a:solidFill>
+                </a:rPr>
+                <a:t>scottsauber</a:t>
+              </a:r>
+              <a:endParaRPr lang="en-US" dirty="0">
+                <a:solidFill>
+                  <a:schemeClr val="bg1">
+                    <a:lumMod val="65000"/>
+                  </a:schemeClr>
+                </a:solidFill>
+              </a:endParaRPr>
+            </a:p>
+          </p:txBody>
+        </p:sp>
+        <p:sp>
+          <p:nvSpPr>
+            <p:cNvPr id="8" name="Rectangle 7">
+              <a:extLst>
+                <a:ext uri="{FF2B5EF4-FFF2-40B4-BE49-F238E27FC236}">
+                  <a16:creationId xmlns:a16="http://schemas.microsoft.com/office/drawing/2014/main" id="{2CC1E2DB-378E-4A94-AC9A-4A7142A30669}"/>
+                </a:ext>
+              </a:extLst>
+            </p:cNvPr>
+            <p:cNvSpPr/>
+            <p:nvPr/>
+          </p:nvSpPr>
+          <p:spPr>
+            <a:xfrm>
+              <a:off x="9970651" y="6285411"/>
+              <a:ext cx="347472" cy="274320"/>
+            </a:xfrm>
+            <a:prstGeom prst="rect">
+              <a:avLst/>
+            </a:prstGeom>
+            <a:blipFill dpi="0" rotWithShape="1">
+              <a:blip r:embed="rId3">
+                <a:alphaModFix amt="50000"/>
+              </a:blip>
+              <a:srcRect/>
+              <a:stretch>
+                <a:fillRect/>
+              </a:stretch>
+            </a:blipFill>
+            <a:ln>
+              <a:noFill/>
+            </a:ln>
+          </p:spPr>
+          <p:style>
+            <a:lnRef idx="2">
+              <a:schemeClr val="accent1">
+                <a:shade val="50000"/>
+              </a:schemeClr>
+            </a:lnRef>
+            <a:fillRef idx="1">
+              <a:schemeClr val="accent1"/>
+            </a:fillRef>
+            <a:effectRef idx="0">
+              <a:schemeClr val="accent1"/>
+            </a:effectRef>
+            <a:fontRef idx="minor">
+              <a:schemeClr val="lt1"/>
+            </a:fontRef>
+          </p:style>
+          <p:txBody>
+            <a:bodyPr rtlCol="0" anchor="ctr"/>
+            <a:lstStyle/>
+            <a:p>
+              <a:pPr algn="ctr"/>
+              <a:endParaRPr lang="en-US"/>
+            </a:p>
+          </p:txBody>
+        </p:sp>
+      </p:grpSp>
+    </p:spTree>
+    <p:extLst>
+      <p:ext uri="{BB962C8B-B14F-4D97-AF65-F5344CB8AC3E}">
+        <p14:creationId xmlns:p14="http://schemas.microsoft.com/office/powerpoint/2010/main" val="2764105882"/>
+      </p:ext>
+    </p:extLst>
+  </p:cSld>
+  <p:clrMapOvr>
+    <a:masterClrMapping/>
+  </p:clrMapOvr>
+</p:sld>
+</file>
+
+<file path=ppt/slides/slide20.xml><?xml version="1.0" encoding="utf-8"?>
 <p:sld xmlns:a="http://schemas.openxmlformats.org/drawingml/2006/main" xmlns:r="http://schemas.openxmlformats.org/officeDocument/2006/relationships" xmlns:p="http://schemas.openxmlformats.org/presentationml/2006/main">
   <p:cSld>
     <p:spTree>
@@ -11598,7 +14010,7 @@
 </p:sld>
 </file>
 
-<file path=ppt/slides/slide18.xml><?xml version="1.0" encoding="utf-8"?>
+<file path=ppt/slides/slide21.xml><?xml version="1.0" encoding="utf-8"?>
 <p:sld xmlns:a="http://schemas.openxmlformats.org/drawingml/2006/main" xmlns:r="http://schemas.openxmlformats.org/officeDocument/2006/relationships" xmlns:p="http://schemas.openxmlformats.org/presentationml/2006/main">
   <p:cSld>
     <p:spTree>
@@ -12036,7 +14448,7 @@
 </p:sld>
 </file>
 
-<file path=ppt/slides/slide19.xml><?xml version="1.0" encoding="utf-8"?>
+<file path=ppt/slides/slide22.xml><?xml version="1.0" encoding="utf-8"?>
 <p:sld xmlns:a="http://schemas.openxmlformats.org/drawingml/2006/main" xmlns:r="http://schemas.openxmlformats.org/officeDocument/2006/relationships" xmlns:p="http://schemas.openxmlformats.org/presentationml/2006/main">
   <p:cSld>
     <p:spTree>
@@ -12117,6 +14529,12 @@
           <a:p>
             <a:r>
               <a:rPr lang="en-US" dirty="0"/>
+              <a:t>You can’t prove your app looks good with tests</a:t>
+            </a:r>
+          </a:p>
+          <a:p>
+            <a:r>
+              <a:rPr lang="en-US" dirty="0"/>
               <a:t>Behavior</a:t>
             </a:r>
           </a:p>
@@ -12130,6 +14548,20 @@
             <a:r>
               <a:rPr lang="en-US" dirty="0"/>
               <a:t>If my tests break but my application isn’t broken - that’s a problem</a:t>
+            </a:r>
+          </a:p>
+          <a:p>
+            <a:pPr lvl="1"/>
+            <a:r>
+              <a:rPr lang="en-US" dirty="0"/>
+              <a:t>Flaky Test?</a:t>
+            </a:r>
+          </a:p>
+          <a:p>
+            <a:pPr lvl="1"/>
+            <a:r>
+              <a:rPr lang="en-US" dirty="0"/>
+              <a:t>Implementation detail?</a:t>
             </a:r>
           </a:p>
         </p:txBody>
@@ -12848,6 +15280,213 @@
                       </p:childTnLst>
                     </p:cTn>
                   </p:par>
+                  <p:par>
+                    <p:cTn id="28" fill="hold">
+                      <p:stCondLst>
+                        <p:cond delay="indefinite"/>
+                      </p:stCondLst>
+                      <p:childTnLst>
+                        <p:par>
+                          <p:cTn id="29" fill="hold">
+                            <p:stCondLst>
+                              <p:cond delay="0"/>
+                            </p:stCondLst>
+                            <p:childTnLst>
+                              <p:par>
+                                <p:cTn id="30" presetID="10" presetClass="entr" presetSubtype="0" fill="hold" grpId="0" nodeType="clickEffect">
+                                  <p:stCondLst>
+                                    <p:cond delay="0"/>
+                                  </p:stCondLst>
+                                  <p:childTnLst>
+                                    <p:set>
+                                      <p:cBhvr>
+                                        <p:cTn id="31" dur="1" fill="hold">
+                                          <p:stCondLst>
+                                            <p:cond delay="0"/>
+                                          </p:stCondLst>
+                                        </p:cTn>
+                                        <p:tgtEl>
+                                          <p:spTgt spid="3">
+                                            <p:txEl>
+                                              <p:pRg st="5" end="5"/>
+                                            </p:txEl>
+                                          </p:spTgt>
+                                        </p:tgtEl>
+                                        <p:attrNameLst>
+                                          <p:attrName>style.visibility</p:attrName>
+                                        </p:attrNameLst>
+                                      </p:cBhvr>
+                                      <p:to>
+                                        <p:strVal val="visible"/>
+                                      </p:to>
+                                    </p:set>
+                                    <p:animEffect transition="in" filter="fade">
+                                      <p:cBhvr>
+                                        <p:cTn id="32" dur="500"/>
+                                        <p:tgtEl>
+                                          <p:spTgt spid="3">
+                                            <p:txEl>
+                                              <p:pRg st="5" end="5"/>
+                                            </p:txEl>
+                                          </p:spTgt>
+                                        </p:tgtEl>
+                                      </p:cBhvr>
+                                    </p:animEffect>
+                                  </p:childTnLst>
+                                  <p:subTnLst>
+                                    <p:animClr clrSpc="rgb" dir="cw">
+                                      <p:cBhvr override="childStyle">
+                                        <p:cTn dur="1" fill="hold" display="0" masterRel="nextClick" afterEffect="1"/>
+                                        <p:tgtEl>
+                                          <p:spTgt spid="3">
+                                            <p:txEl>
+                                              <p:pRg st="5" end="5"/>
+                                            </p:txEl>
+                                          </p:spTgt>
+                                        </p:tgtEl>
+                                        <p:attrNameLst>
+                                          <p:attrName>ppt_c</p:attrName>
+                                        </p:attrNameLst>
+                                      </p:cBhvr>
+                                      <p:to>
+                                        <a:srgbClr val="B2B2B2"/>
+                                      </p:to>
+                                    </p:animClr>
+                                  </p:subTnLst>
+                                </p:cTn>
+                              </p:par>
+                              <p:par>
+                                <p:cTn id="33" presetID="10" presetClass="entr" presetSubtype="0" fill="hold" grpId="0" nodeType="withEffect">
+                                  <p:stCondLst>
+                                    <p:cond delay="0"/>
+                                  </p:stCondLst>
+                                  <p:childTnLst>
+                                    <p:set>
+                                      <p:cBhvr>
+                                        <p:cTn id="34" dur="1" fill="hold">
+                                          <p:stCondLst>
+                                            <p:cond delay="0"/>
+                                          </p:stCondLst>
+                                        </p:cTn>
+                                        <p:tgtEl>
+                                          <p:spTgt spid="3">
+                                            <p:txEl>
+                                              <p:pRg st="6" end="6"/>
+                                            </p:txEl>
+                                          </p:spTgt>
+                                        </p:tgtEl>
+                                        <p:attrNameLst>
+                                          <p:attrName>style.visibility</p:attrName>
+                                        </p:attrNameLst>
+                                      </p:cBhvr>
+                                      <p:to>
+                                        <p:strVal val="visible"/>
+                                      </p:to>
+                                    </p:set>
+                                    <p:animEffect transition="in" filter="fade">
+                                      <p:cBhvr>
+                                        <p:cTn id="35" dur="500"/>
+                                        <p:tgtEl>
+                                          <p:spTgt spid="3">
+                                            <p:txEl>
+                                              <p:pRg st="6" end="6"/>
+                                            </p:txEl>
+                                          </p:spTgt>
+                                        </p:tgtEl>
+                                      </p:cBhvr>
+                                    </p:animEffect>
+                                  </p:childTnLst>
+                                  <p:subTnLst>
+                                    <p:animClr clrSpc="rgb" dir="cw">
+                                      <p:cBhvr override="childStyle">
+                                        <p:cTn dur="1" fill="hold" display="0" masterRel="nextClick" afterEffect="1"/>
+                                        <p:tgtEl>
+                                          <p:spTgt spid="3">
+                                            <p:txEl>
+                                              <p:pRg st="6" end="6"/>
+                                            </p:txEl>
+                                          </p:spTgt>
+                                        </p:tgtEl>
+                                        <p:attrNameLst>
+                                          <p:attrName>ppt_c</p:attrName>
+                                        </p:attrNameLst>
+                                      </p:cBhvr>
+                                      <p:to>
+                                        <a:srgbClr val="B2B2B2"/>
+                                      </p:to>
+                                    </p:animClr>
+                                  </p:subTnLst>
+                                </p:cTn>
+                              </p:par>
+                              <p:par>
+                                <p:cTn id="36" presetID="10" presetClass="entr" presetSubtype="0" fill="hold" grpId="0" nodeType="withEffect">
+                                  <p:stCondLst>
+                                    <p:cond delay="0"/>
+                                  </p:stCondLst>
+                                  <p:childTnLst>
+                                    <p:set>
+                                      <p:cBhvr>
+                                        <p:cTn id="37" dur="1" fill="hold">
+                                          <p:stCondLst>
+                                            <p:cond delay="0"/>
+                                          </p:stCondLst>
+                                        </p:cTn>
+                                        <p:tgtEl>
+                                          <p:spTgt spid="3">
+                                            <p:txEl>
+                                              <p:pRg st="7" end="7"/>
+                                            </p:txEl>
+                                          </p:spTgt>
+                                        </p:tgtEl>
+                                        <p:attrNameLst>
+                                          <p:attrName>style.visibility</p:attrName>
+                                        </p:attrNameLst>
+                                      </p:cBhvr>
+                                      <p:to>
+                                        <p:strVal val="visible"/>
+                                      </p:to>
+                                    </p:set>
+                                    <p:animEffect transition="in" filter="fade">
+                                      <p:cBhvr>
+                                        <p:cTn id="38" dur="500"/>
+                                        <p:tgtEl>
+                                          <p:spTgt spid="3">
+                                            <p:txEl>
+                                              <p:pRg st="7" end="7"/>
+                                            </p:txEl>
+                                          </p:spTgt>
+                                        </p:tgtEl>
+                                      </p:cBhvr>
+                                    </p:animEffect>
+                                  </p:childTnLst>
+                                  <p:subTnLst>
+                                    <p:animClr clrSpc="rgb" dir="cw">
+                                      <p:cBhvr override="childStyle">
+                                        <p:cTn dur="1" fill="hold" display="0" masterRel="nextClick" afterEffect="1"/>
+                                        <p:tgtEl>
+                                          <p:spTgt spid="3">
+                                            <p:txEl>
+                                              <p:pRg st="7" end="7"/>
+                                            </p:txEl>
+                                          </p:spTgt>
+                                        </p:tgtEl>
+                                        <p:attrNameLst>
+                                          <p:attrName>ppt_c</p:attrName>
+                                        </p:attrNameLst>
+                                      </p:cBhvr>
+                                      <p:to>
+                                        <a:srgbClr val="B2B2B2"/>
+                                      </p:to>
+                                    </p:animClr>
+                                  </p:subTnLst>
+                                </p:cTn>
+                              </p:par>
+                            </p:childTnLst>
+                          </p:cTn>
+                        </p:par>
+                      </p:childTnLst>
+                    </p:cTn>
+                  </p:par>
                 </p:childTnLst>
               </p:cTn>
               <p:prevCondLst>
@@ -12876,410 +15515,7 @@
 </p:sld>
 </file>
 
-<file path=ppt/slides/slide2.xml><?xml version="1.0" encoding="utf-8"?>
-<p:sld xmlns:a="http://schemas.openxmlformats.org/drawingml/2006/main" xmlns:r="http://schemas.openxmlformats.org/officeDocument/2006/relationships" xmlns:p="http://schemas.openxmlformats.org/presentationml/2006/main">
-  <p:cSld>
-    <p:spTree>
-      <p:nvGrpSpPr>
-        <p:cNvPr id="1" name=""/>
-        <p:cNvGrpSpPr/>
-        <p:nvPr/>
-      </p:nvGrpSpPr>
-      <p:grpSpPr>
-        <a:xfrm>
-          <a:off x="0" y="0"/>
-          <a:ext cx="0" cy="0"/>
-          <a:chOff x="0" y="0"/>
-          <a:chExt cx="0" cy="0"/>
-        </a:xfrm>
-      </p:grpSpPr>
-      <p:sp>
-        <p:nvSpPr>
-          <p:cNvPr id="2" name="Title 1"/>
-          <p:cNvSpPr>
-            <a:spLocks noGrp="1"/>
-          </p:cNvSpPr>
-          <p:nvPr>
-            <p:ph type="title"/>
-          </p:nvPr>
-        </p:nvSpPr>
-        <p:spPr/>
-        <p:txBody>
-          <a:bodyPr/>
-          <a:lstStyle/>
-          <a:p>
-            <a:r>
-              <a:rPr lang="en-US" dirty="0">
-                <a:solidFill>
-                  <a:schemeClr val="bg1">
-                    <a:lumMod val="65000"/>
-                  </a:schemeClr>
-                </a:solidFill>
-                <a:ea typeface="Open Sans" panose="020B0606030504020204" pitchFamily="34" charset="0"/>
-                <a:cs typeface="Open Sans" panose="020B0606030504020204" pitchFamily="34" charset="0"/>
-              </a:rPr>
-              <a:t>Audience</a:t>
-            </a:r>
-          </a:p>
-        </p:txBody>
-      </p:sp>
-      <p:sp>
-        <p:nvSpPr>
-          <p:cNvPr id="3" name="Content Placeholder 2"/>
-          <p:cNvSpPr>
-            <a:spLocks noGrp="1"/>
-          </p:cNvSpPr>
-          <p:nvPr>
-            <p:ph idx="1"/>
-          </p:nvPr>
-        </p:nvSpPr>
-        <p:spPr>
-          <a:xfrm>
-            <a:off x="838200" y="1825624"/>
-            <a:ext cx="10515600" cy="4779637"/>
-          </a:xfrm>
-        </p:spPr>
-        <p:txBody>
-          <a:bodyPr>
-            <a:normAutofit/>
-          </a:bodyPr>
-          <a:lstStyle/>
-          <a:p>
-            <a:r>
-              <a:rPr lang="en-US" dirty="0">
-                <a:ea typeface="Open Sans" panose="020B0606030504020204" pitchFamily="34" charset="0"/>
-                <a:cs typeface="Open Sans" panose="020B0606030504020204" pitchFamily="34" charset="0"/>
-              </a:rPr>
-              <a:t>Familiar with </a:t>
-            </a:r>
-            <a:r>
-              <a:rPr lang="en-US" dirty="0" err="1">
-                <a:ea typeface="Open Sans" panose="020B0606030504020204" pitchFamily="34" charset="0"/>
-                <a:cs typeface="Open Sans" panose="020B0606030504020204" pitchFamily="34" charset="0"/>
-              </a:rPr>
-              <a:t>Blazor</a:t>
-            </a:r>
-            <a:endParaRPr lang="en-US" dirty="0">
-              <a:ea typeface="Open Sans" panose="020B0606030504020204" pitchFamily="34" charset="0"/>
-              <a:cs typeface="Open Sans" panose="020B0606030504020204" pitchFamily="34" charset="0"/>
-            </a:endParaRPr>
-          </a:p>
-          <a:p>
-            <a:r>
-              <a:rPr lang="en-US" dirty="0">
-                <a:ea typeface="Open Sans" panose="020B0606030504020204" pitchFamily="34" charset="0"/>
-                <a:cs typeface="Open Sans" panose="020B0606030504020204" pitchFamily="34" charset="0"/>
-              </a:rPr>
-              <a:t>Interested in learning TDD</a:t>
-            </a:r>
-          </a:p>
-        </p:txBody>
-      </p:sp>
-      <p:grpSp>
-        <p:nvGrpSpPr>
-          <p:cNvPr id="9" name="Group 8">
-            <a:extLst>
-              <a:ext uri="{FF2B5EF4-FFF2-40B4-BE49-F238E27FC236}">
-                <a16:creationId xmlns:a16="http://schemas.microsoft.com/office/drawing/2014/main" id="{7DE5378A-6FF0-4624-8085-FEF4C35499EF}"/>
-              </a:ext>
-            </a:extLst>
-          </p:cNvPr>
-          <p:cNvGrpSpPr/>
-          <p:nvPr/>
-        </p:nvGrpSpPr>
-        <p:grpSpPr>
-          <a:xfrm>
-            <a:off x="9970651" y="6185410"/>
-            <a:ext cx="2130724" cy="474323"/>
-            <a:chOff x="9970651" y="6185410"/>
-            <a:chExt cx="2130724" cy="474323"/>
-          </a:xfrm>
-        </p:grpSpPr>
-        <p:sp>
-          <p:nvSpPr>
-            <p:cNvPr id="6" name="Subtitle 2">
-              <a:extLst>
-                <a:ext uri="{FF2B5EF4-FFF2-40B4-BE49-F238E27FC236}">
-                  <a16:creationId xmlns:a16="http://schemas.microsoft.com/office/drawing/2014/main" id="{9DA2B4CB-38FE-4C6E-8BEE-075F81D8685C}"/>
-                </a:ext>
-              </a:extLst>
-            </p:cNvPr>
-            <p:cNvSpPr txBox="1">
-              <a:spLocks/>
-            </p:cNvSpPr>
-            <p:nvPr/>
-          </p:nvSpPr>
-          <p:spPr>
-            <a:xfrm>
-              <a:off x="10041147" y="6185410"/>
-              <a:ext cx="2060228" cy="474323"/>
-            </a:xfrm>
-            <a:prstGeom prst="rect">
-              <a:avLst/>
-            </a:prstGeom>
-          </p:spPr>
-          <p:txBody>
-            <a:bodyPr vert="horz" lIns="91440" tIns="45720" rIns="91440" bIns="45720" rtlCol="0">
-              <a:normAutofit/>
-            </a:bodyPr>
-            <a:lstStyle>
-              <a:lvl1pPr marL="0" indent="0" algn="ctr" defTabSz="914400" rtl="0" eaLnBrk="1" latinLnBrk="0" hangingPunct="1">
-                <a:lnSpc>
-                  <a:spcPct val="90000"/>
-                </a:lnSpc>
-                <a:spcBef>
-                  <a:spcPts val="1000"/>
-                </a:spcBef>
-                <a:buFont typeface="Arial" panose="020B0604020202020204" pitchFamily="34" charset="0"/>
-                <a:buNone/>
-                <a:defRPr sz="2400" kern="1200">
-                  <a:solidFill>
-                    <a:schemeClr val="tx1"/>
-                  </a:solidFill>
-                  <a:latin typeface="+mn-lt"/>
-                  <a:ea typeface="+mn-ea"/>
-                  <a:cs typeface="+mn-cs"/>
-                </a:defRPr>
-              </a:lvl1pPr>
-              <a:lvl2pPr marL="457200" indent="0" algn="ctr" defTabSz="914400" rtl="0" eaLnBrk="1" latinLnBrk="0" hangingPunct="1">
-                <a:lnSpc>
-                  <a:spcPct val="90000"/>
-                </a:lnSpc>
-                <a:spcBef>
-                  <a:spcPts val="500"/>
-                </a:spcBef>
-                <a:buFont typeface="Arial" panose="020B0604020202020204" pitchFamily="34" charset="0"/>
-                <a:buNone/>
-                <a:defRPr sz="2000" kern="1200">
-                  <a:solidFill>
-                    <a:schemeClr val="tx1"/>
-                  </a:solidFill>
-                  <a:latin typeface="+mn-lt"/>
-                  <a:ea typeface="+mn-ea"/>
-                  <a:cs typeface="+mn-cs"/>
-                </a:defRPr>
-              </a:lvl2pPr>
-              <a:lvl3pPr marL="914400" indent="0" algn="ctr" defTabSz="914400" rtl="0" eaLnBrk="1" latinLnBrk="0" hangingPunct="1">
-                <a:lnSpc>
-                  <a:spcPct val="90000"/>
-                </a:lnSpc>
-                <a:spcBef>
-                  <a:spcPts val="500"/>
-                </a:spcBef>
-                <a:buFont typeface="Arial" panose="020B0604020202020204" pitchFamily="34" charset="0"/>
-                <a:buNone/>
-                <a:defRPr sz="1800" kern="1200">
-                  <a:solidFill>
-                    <a:schemeClr val="tx1"/>
-                  </a:solidFill>
-                  <a:latin typeface="+mn-lt"/>
-                  <a:ea typeface="+mn-ea"/>
-                  <a:cs typeface="+mn-cs"/>
-                </a:defRPr>
-              </a:lvl3pPr>
-              <a:lvl4pPr marL="1371600" indent="0" algn="ctr" defTabSz="914400" rtl="0" eaLnBrk="1" latinLnBrk="0" hangingPunct="1">
-                <a:lnSpc>
-                  <a:spcPct val="90000"/>
-                </a:lnSpc>
-                <a:spcBef>
-                  <a:spcPts val="500"/>
-                </a:spcBef>
-                <a:buFont typeface="Arial" panose="020B0604020202020204" pitchFamily="34" charset="0"/>
-                <a:buNone/>
-                <a:defRPr sz="1600" kern="1200">
-                  <a:solidFill>
-                    <a:schemeClr val="tx1"/>
-                  </a:solidFill>
-                  <a:latin typeface="+mn-lt"/>
-                  <a:ea typeface="+mn-ea"/>
-                  <a:cs typeface="+mn-cs"/>
-                </a:defRPr>
-              </a:lvl4pPr>
-              <a:lvl5pPr marL="1828800" indent="0" algn="ctr" defTabSz="914400" rtl="0" eaLnBrk="1" latinLnBrk="0" hangingPunct="1">
-                <a:lnSpc>
-                  <a:spcPct val="90000"/>
-                </a:lnSpc>
-                <a:spcBef>
-                  <a:spcPts val="500"/>
-                </a:spcBef>
-                <a:buFont typeface="Arial" panose="020B0604020202020204" pitchFamily="34" charset="0"/>
-                <a:buNone/>
-                <a:defRPr sz="1600" kern="1200">
-                  <a:solidFill>
-                    <a:schemeClr val="tx1"/>
-                  </a:solidFill>
-                  <a:latin typeface="+mn-lt"/>
-                  <a:ea typeface="+mn-ea"/>
-                  <a:cs typeface="+mn-cs"/>
-                </a:defRPr>
-              </a:lvl5pPr>
-              <a:lvl6pPr marL="2286000" indent="0" algn="ctr" defTabSz="914400" rtl="0" eaLnBrk="1" latinLnBrk="0" hangingPunct="1">
-                <a:lnSpc>
-                  <a:spcPct val="90000"/>
-                </a:lnSpc>
-                <a:spcBef>
-                  <a:spcPts val="500"/>
-                </a:spcBef>
-                <a:buFont typeface="Arial" panose="020B0604020202020204" pitchFamily="34" charset="0"/>
-                <a:buNone/>
-                <a:defRPr sz="1600" kern="1200">
-                  <a:solidFill>
-                    <a:schemeClr val="tx1"/>
-                  </a:solidFill>
-                  <a:latin typeface="+mn-lt"/>
-                  <a:ea typeface="+mn-ea"/>
-                  <a:cs typeface="+mn-cs"/>
-                </a:defRPr>
-              </a:lvl6pPr>
-              <a:lvl7pPr marL="2743200" indent="0" algn="ctr" defTabSz="914400" rtl="0" eaLnBrk="1" latinLnBrk="0" hangingPunct="1">
-                <a:lnSpc>
-                  <a:spcPct val="90000"/>
-                </a:lnSpc>
-                <a:spcBef>
-                  <a:spcPts val="500"/>
-                </a:spcBef>
-                <a:buFont typeface="Arial" panose="020B0604020202020204" pitchFamily="34" charset="0"/>
-                <a:buNone/>
-                <a:defRPr sz="1600" kern="1200">
-                  <a:solidFill>
-                    <a:schemeClr val="tx1"/>
-                  </a:solidFill>
-                  <a:latin typeface="+mn-lt"/>
-                  <a:ea typeface="+mn-ea"/>
-                  <a:cs typeface="+mn-cs"/>
-                </a:defRPr>
-              </a:lvl7pPr>
-              <a:lvl8pPr marL="3200400" indent="0" algn="ctr" defTabSz="914400" rtl="0" eaLnBrk="1" latinLnBrk="0" hangingPunct="1">
-                <a:lnSpc>
-                  <a:spcPct val="90000"/>
-                </a:lnSpc>
-                <a:spcBef>
-                  <a:spcPts val="500"/>
-                </a:spcBef>
-                <a:buFont typeface="Arial" panose="020B0604020202020204" pitchFamily="34" charset="0"/>
-                <a:buNone/>
-                <a:defRPr sz="1600" kern="1200">
-                  <a:solidFill>
-                    <a:schemeClr val="tx1"/>
-                  </a:solidFill>
-                  <a:latin typeface="+mn-lt"/>
-                  <a:ea typeface="+mn-ea"/>
-                  <a:cs typeface="+mn-cs"/>
-                </a:defRPr>
-              </a:lvl8pPr>
-              <a:lvl9pPr marL="3657600" indent="0" algn="ctr" defTabSz="914400" rtl="0" eaLnBrk="1" latinLnBrk="0" hangingPunct="1">
-                <a:lnSpc>
-                  <a:spcPct val="90000"/>
-                </a:lnSpc>
-                <a:spcBef>
-                  <a:spcPts val="500"/>
-                </a:spcBef>
-                <a:buFont typeface="Arial" panose="020B0604020202020204" pitchFamily="34" charset="0"/>
-                <a:buNone/>
-                <a:defRPr sz="1600" kern="1200">
-                  <a:solidFill>
-                    <a:schemeClr val="tx1"/>
-                  </a:solidFill>
-                  <a:latin typeface="+mn-lt"/>
-                  <a:ea typeface="+mn-ea"/>
-                  <a:cs typeface="+mn-cs"/>
-                </a:defRPr>
-              </a:lvl9pPr>
-            </a:lstStyle>
-            <a:p>
-              <a:r>
-                <a:rPr lang="en-US" dirty="0" err="1">
-                  <a:solidFill>
-                    <a:schemeClr val="bg1">
-                      <a:lumMod val="65000"/>
-                    </a:schemeClr>
-                  </a:solidFill>
-                </a:rPr>
-                <a:t>scottsauber</a:t>
-              </a:r>
-              <a:endParaRPr lang="en-US" dirty="0">
-                <a:solidFill>
-                  <a:schemeClr val="bg1">
-                    <a:lumMod val="65000"/>
-                  </a:schemeClr>
-                </a:solidFill>
-              </a:endParaRPr>
-            </a:p>
-          </p:txBody>
-        </p:sp>
-        <p:sp>
-          <p:nvSpPr>
-            <p:cNvPr id="8" name="Rectangle 7">
-              <a:extLst>
-                <a:ext uri="{FF2B5EF4-FFF2-40B4-BE49-F238E27FC236}">
-                  <a16:creationId xmlns:a16="http://schemas.microsoft.com/office/drawing/2014/main" id="{2CC1E2DB-378E-4A94-AC9A-4A7142A30669}"/>
-                </a:ext>
-              </a:extLst>
-            </p:cNvPr>
-            <p:cNvSpPr/>
-            <p:nvPr/>
-          </p:nvSpPr>
-          <p:spPr>
-            <a:xfrm>
-              <a:off x="9970651" y="6285411"/>
-              <a:ext cx="347472" cy="274320"/>
-            </a:xfrm>
-            <a:prstGeom prst="rect">
-              <a:avLst/>
-            </a:prstGeom>
-            <a:blipFill dpi="0" rotWithShape="1">
-              <a:blip r:embed="rId3">
-                <a:alphaModFix amt="50000"/>
-              </a:blip>
-              <a:srcRect/>
-              <a:stretch>
-                <a:fillRect/>
-              </a:stretch>
-            </a:blipFill>
-            <a:ln>
-              <a:noFill/>
-            </a:ln>
-          </p:spPr>
-          <p:style>
-            <a:lnRef idx="2">
-              <a:schemeClr val="accent1">
-                <a:shade val="50000"/>
-              </a:schemeClr>
-            </a:lnRef>
-            <a:fillRef idx="1">
-              <a:schemeClr val="accent1"/>
-            </a:fillRef>
-            <a:effectRef idx="0">
-              <a:schemeClr val="accent1"/>
-            </a:effectRef>
-            <a:fontRef idx="minor">
-              <a:schemeClr val="lt1"/>
-            </a:fontRef>
-          </p:style>
-          <p:txBody>
-            <a:bodyPr rtlCol="0" anchor="ctr"/>
-            <a:lstStyle/>
-            <a:p>
-              <a:pPr algn="ctr"/>
-              <a:endParaRPr lang="en-US"/>
-            </a:p>
-          </p:txBody>
-        </p:sp>
-      </p:grpSp>
-    </p:spTree>
-    <p:extLst>
-      <p:ext uri="{BB962C8B-B14F-4D97-AF65-F5344CB8AC3E}">
-        <p14:creationId xmlns:p14="http://schemas.microsoft.com/office/powerpoint/2010/main" val="2764105882"/>
-      </p:ext>
-    </p:extLst>
-  </p:cSld>
-  <p:clrMapOvr>
-    <a:masterClrMapping/>
-  </p:clrMapOvr>
-</p:sld>
-</file>
-
-<file path=ppt/slides/slide20.xml><?xml version="1.0" encoding="utf-8"?>
+<file path=ppt/slides/slide23.xml><?xml version="1.0" encoding="utf-8"?>
 <p:sld xmlns:a="http://schemas.openxmlformats.org/drawingml/2006/main" xmlns:r="http://schemas.openxmlformats.org/officeDocument/2006/relationships" xmlns:p="http://schemas.openxmlformats.org/presentationml/2006/main">
   <p:cSld>
     <p:spTree>
@@ -13796,7 +16032,7 @@
 </p:sld>
 </file>
 
-<file path=ppt/slides/slide21.xml><?xml version="1.0" encoding="utf-8"?>
+<file path=ppt/slides/slide24.xml><?xml version="1.0" encoding="utf-8"?>
 <p:sld xmlns:a="http://schemas.openxmlformats.org/drawingml/2006/main" xmlns:r="http://schemas.openxmlformats.org/officeDocument/2006/relationships" xmlns:p="http://schemas.openxmlformats.org/presentationml/2006/main">
   <p:cSld>
     <p:spTree>
@@ -14313,7 +16549,7 @@
 </p:sld>
 </file>
 
-<file path=ppt/slides/slide22.xml><?xml version="1.0" encoding="utf-8"?>
+<file path=ppt/slides/slide25.xml><?xml version="1.0" encoding="utf-8"?>
 <p:sld xmlns:a="http://schemas.openxmlformats.org/drawingml/2006/main" xmlns:r="http://schemas.openxmlformats.org/officeDocument/2006/relationships" xmlns:p="http://schemas.openxmlformats.org/presentationml/2006/main">
   <p:cSld>
     <p:spTree>
@@ -14855,7 +17091,677 @@
 </p:sld>
 </file>
 
-<file path=ppt/slides/slide23.xml><?xml version="1.0" encoding="utf-8"?>
+<file path=ppt/slides/slide26.xml><?xml version="1.0" encoding="utf-8"?>
+<p:sld xmlns:a="http://schemas.openxmlformats.org/drawingml/2006/main" xmlns:r="http://schemas.openxmlformats.org/officeDocument/2006/relationships" xmlns:p="http://schemas.openxmlformats.org/presentationml/2006/main">
+  <p:cSld>
+    <p:spTree>
+      <p:nvGrpSpPr>
+        <p:cNvPr id="1" name=""/>
+        <p:cNvGrpSpPr/>
+        <p:nvPr/>
+      </p:nvGrpSpPr>
+      <p:grpSpPr>
+        <a:xfrm>
+          <a:off x="0" y="0"/>
+          <a:ext cx="0" cy="0"/>
+          <a:chOff x="0" y="0"/>
+          <a:chExt cx="0" cy="0"/>
+        </a:xfrm>
+      </p:grpSpPr>
+      <p:grpSp>
+        <p:nvGrpSpPr>
+          <p:cNvPr id="9" name="Group 8">
+            <a:extLst>
+              <a:ext uri="{FF2B5EF4-FFF2-40B4-BE49-F238E27FC236}">
+                <a16:creationId xmlns:a16="http://schemas.microsoft.com/office/drawing/2014/main" id="{7DE5378A-6FF0-4624-8085-FEF4C35499EF}"/>
+              </a:ext>
+            </a:extLst>
+          </p:cNvPr>
+          <p:cNvGrpSpPr/>
+          <p:nvPr/>
+        </p:nvGrpSpPr>
+        <p:grpSpPr>
+          <a:xfrm>
+            <a:off x="9970651" y="6185410"/>
+            <a:ext cx="2130724" cy="474323"/>
+            <a:chOff x="9970651" y="6185410"/>
+            <a:chExt cx="2130724" cy="474323"/>
+          </a:xfrm>
+        </p:grpSpPr>
+        <p:sp>
+          <p:nvSpPr>
+            <p:cNvPr id="6" name="Subtitle 2">
+              <a:extLst>
+                <a:ext uri="{FF2B5EF4-FFF2-40B4-BE49-F238E27FC236}">
+                  <a16:creationId xmlns:a16="http://schemas.microsoft.com/office/drawing/2014/main" id="{9DA2B4CB-38FE-4C6E-8BEE-075F81D8685C}"/>
+                </a:ext>
+              </a:extLst>
+            </p:cNvPr>
+            <p:cNvSpPr txBox="1">
+              <a:spLocks/>
+            </p:cNvSpPr>
+            <p:nvPr/>
+          </p:nvSpPr>
+          <p:spPr>
+            <a:xfrm>
+              <a:off x="10041147" y="6185410"/>
+              <a:ext cx="2060228" cy="474323"/>
+            </a:xfrm>
+            <a:prstGeom prst="rect">
+              <a:avLst/>
+            </a:prstGeom>
+          </p:spPr>
+          <p:txBody>
+            <a:bodyPr vert="horz" lIns="91440" tIns="45720" rIns="91440" bIns="45720" rtlCol="0">
+              <a:normAutofit/>
+            </a:bodyPr>
+            <a:lstStyle>
+              <a:lvl1pPr marL="0" indent="0" algn="ctr" defTabSz="914400" rtl="0" eaLnBrk="1" latinLnBrk="0" hangingPunct="1">
+                <a:lnSpc>
+                  <a:spcPct val="90000"/>
+                </a:lnSpc>
+                <a:spcBef>
+                  <a:spcPts val="1000"/>
+                </a:spcBef>
+                <a:buFont typeface="Arial" panose="020B0604020202020204" pitchFamily="34" charset="0"/>
+                <a:buNone/>
+                <a:defRPr sz="2400" kern="1200">
+                  <a:solidFill>
+                    <a:schemeClr val="tx1"/>
+                  </a:solidFill>
+                  <a:latin typeface="+mn-lt"/>
+                  <a:ea typeface="+mn-ea"/>
+                  <a:cs typeface="+mn-cs"/>
+                </a:defRPr>
+              </a:lvl1pPr>
+              <a:lvl2pPr marL="457200" indent="0" algn="ctr" defTabSz="914400" rtl="0" eaLnBrk="1" latinLnBrk="0" hangingPunct="1">
+                <a:lnSpc>
+                  <a:spcPct val="90000"/>
+                </a:lnSpc>
+                <a:spcBef>
+                  <a:spcPts val="500"/>
+                </a:spcBef>
+                <a:buFont typeface="Arial" panose="020B0604020202020204" pitchFamily="34" charset="0"/>
+                <a:buNone/>
+                <a:defRPr sz="2000" kern="1200">
+                  <a:solidFill>
+                    <a:schemeClr val="tx1"/>
+                  </a:solidFill>
+                  <a:latin typeface="+mn-lt"/>
+                  <a:ea typeface="+mn-ea"/>
+                  <a:cs typeface="+mn-cs"/>
+                </a:defRPr>
+              </a:lvl2pPr>
+              <a:lvl3pPr marL="914400" indent="0" algn="ctr" defTabSz="914400" rtl="0" eaLnBrk="1" latinLnBrk="0" hangingPunct="1">
+                <a:lnSpc>
+                  <a:spcPct val="90000"/>
+                </a:lnSpc>
+                <a:spcBef>
+                  <a:spcPts val="500"/>
+                </a:spcBef>
+                <a:buFont typeface="Arial" panose="020B0604020202020204" pitchFamily="34" charset="0"/>
+                <a:buNone/>
+                <a:defRPr sz="1800" kern="1200">
+                  <a:solidFill>
+                    <a:schemeClr val="tx1"/>
+                  </a:solidFill>
+                  <a:latin typeface="+mn-lt"/>
+                  <a:ea typeface="+mn-ea"/>
+                  <a:cs typeface="+mn-cs"/>
+                </a:defRPr>
+              </a:lvl3pPr>
+              <a:lvl4pPr marL="1371600" indent="0" algn="ctr" defTabSz="914400" rtl="0" eaLnBrk="1" latinLnBrk="0" hangingPunct="1">
+                <a:lnSpc>
+                  <a:spcPct val="90000"/>
+                </a:lnSpc>
+                <a:spcBef>
+                  <a:spcPts val="500"/>
+                </a:spcBef>
+                <a:buFont typeface="Arial" panose="020B0604020202020204" pitchFamily="34" charset="0"/>
+                <a:buNone/>
+                <a:defRPr sz="1600" kern="1200">
+                  <a:solidFill>
+                    <a:schemeClr val="tx1"/>
+                  </a:solidFill>
+                  <a:latin typeface="+mn-lt"/>
+                  <a:ea typeface="+mn-ea"/>
+                  <a:cs typeface="+mn-cs"/>
+                </a:defRPr>
+              </a:lvl4pPr>
+              <a:lvl5pPr marL="1828800" indent="0" algn="ctr" defTabSz="914400" rtl="0" eaLnBrk="1" latinLnBrk="0" hangingPunct="1">
+                <a:lnSpc>
+                  <a:spcPct val="90000"/>
+                </a:lnSpc>
+                <a:spcBef>
+                  <a:spcPts val="500"/>
+                </a:spcBef>
+                <a:buFont typeface="Arial" panose="020B0604020202020204" pitchFamily="34" charset="0"/>
+                <a:buNone/>
+                <a:defRPr sz="1600" kern="1200">
+                  <a:solidFill>
+                    <a:schemeClr val="tx1"/>
+                  </a:solidFill>
+                  <a:latin typeface="+mn-lt"/>
+                  <a:ea typeface="+mn-ea"/>
+                  <a:cs typeface="+mn-cs"/>
+                </a:defRPr>
+              </a:lvl5pPr>
+              <a:lvl6pPr marL="2286000" indent="0" algn="ctr" defTabSz="914400" rtl="0" eaLnBrk="1" latinLnBrk="0" hangingPunct="1">
+                <a:lnSpc>
+                  <a:spcPct val="90000"/>
+                </a:lnSpc>
+                <a:spcBef>
+                  <a:spcPts val="500"/>
+                </a:spcBef>
+                <a:buFont typeface="Arial" panose="020B0604020202020204" pitchFamily="34" charset="0"/>
+                <a:buNone/>
+                <a:defRPr sz="1600" kern="1200">
+                  <a:solidFill>
+                    <a:schemeClr val="tx1"/>
+                  </a:solidFill>
+                  <a:latin typeface="+mn-lt"/>
+                  <a:ea typeface="+mn-ea"/>
+                  <a:cs typeface="+mn-cs"/>
+                </a:defRPr>
+              </a:lvl6pPr>
+              <a:lvl7pPr marL="2743200" indent="0" algn="ctr" defTabSz="914400" rtl="0" eaLnBrk="1" latinLnBrk="0" hangingPunct="1">
+                <a:lnSpc>
+                  <a:spcPct val="90000"/>
+                </a:lnSpc>
+                <a:spcBef>
+                  <a:spcPts val="500"/>
+                </a:spcBef>
+                <a:buFont typeface="Arial" panose="020B0604020202020204" pitchFamily="34" charset="0"/>
+                <a:buNone/>
+                <a:defRPr sz="1600" kern="1200">
+                  <a:solidFill>
+                    <a:schemeClr val="tx1"/>
+                  </a:solidFill>
+                  <a:latin typeface="+mn-lt"/>
+                  <a:ea typeface="+mn-ea"/>
+                  <a:cs typeface="+mn-cs"/>
+                </a:defRPr>
+              </a:lvl7pPr>
+              <a:lvl8pPr marL="3200400" indent="0" algn="ctr" defTabSz="914400" rtl="0" eaLnBrk="1" latinLnBrk="0" hangingPunct="1">
+                <a:lnSpc>
+                  <a:spcPct val="90000"/>
+                </a:lnSpc>
+                <a:spcBef>
+                  <a:spcPts val="500"/>
+                </a:spcBef>
+                <a:buFont typeface="Arial" panose="020B0604020202020204" pitchFamily="34" charset="0"/>
+                <a:buNone/>
+                <a:defRPr sz="1600" kern="1200">
+                  <a:solidFill>
+                    <a:schemeClr val="tx1"/>
+                  </a:solidFill>
+                  <a:latin typeface="+mn-lt"/>
+                  <a:ea typeface="+mn-ea"/>
+                  <a:cs typeface="+mn-cs"/>
+                </a:defRPr>
+              </a:lvl8pPr>
+              <a:lvl9pPr marL="3657600" indent="0" algn="ctr" defTabSz="914400" rtl="0" eaLnBrk="1" latinLnBrk="0" hangingPunct="1">
+                <a:lnSpc>
+                  <a:spcPct val="90000"/>
+                </a:lnSpc>
+                <a:spcBef>
+                  <a:spcPts val="500"/>
+                </a:spcBef>
+                <a:buFont typeface="Arial" panose="020B0604020202020204" pitchFamily="34" charset="0"/>
+                <a:buNone/>
+                <a:defRPr sz="1600" kern="1200">
+                  <a:solidFill>
+                    <a:schemeClr val="tx1"/>
+                  </a:solidFill>
+                  <a:latin typeface="+mn-lt"/>
+                  <a:ea typeface="+mn-ea"/>
+                  <a:cs typeface="+mn-cs"/>
+                </a:defRPr>
+              </a:lvl9pPr>
+            </a:lstStyle>
+            <a:p>
+              <a:r>
+                <a:rPr lang="en-US" dirty="0" err="1">
+                  <a:solidFill>
+                    <a:schemeClr val="bg1">
+                      <a:lumMod val="65000"/>
+                    </a:schemeClr>
+                  </a:solidFill>
+                </a:rPr>
+                <a:t>scottsauber</a:t>
+              </a:r>
+              <a:endParaRPr lang="en-US" dirty="0">
+                <a:solidFill>
+                  <a:schemeClr val="bg1">
+                    <a:lumMod val="65000"/>
+                  </a:schemeClr>
+                </a:solidFill>
+              </a:endParaRPr>
+            </a:p>
+          </p:txBody>
+        </p:sp>
+        <p:sp>
+          <p:nvSpPr>
+            <p:cNvPr id="8" name="Rectangle 7">
+              <a:extLst>
+                <a:ext uri="{FF2B5EF4-FFF2-40B4-BE49-F238E27FC236}">
+                  <a16:creationId xmlns:a16="http://schemas.microsoft.com/office/drawing/2014/main" id="{2CC1E2DB-378E-4A94-AC9A-4A7142A30669}"/>
+                </a:ext>
+              </a:extLst>
+            </p:cNvPr>
+            <p:cNvSpPr/>
+            <p:nvPr/>
+          </p:nvSpPr>
+          <p:spPr>
+            <a:xfrm>
+              <a:off x="9970651" y="6285411"/>
+              <a:ext cx="347472" cy="274320"/>
+            </a:xfrm>
+            <a:prstGeom prst="rect">
+              <a:avLst/>
+            </a:prstGeom>
+            <a:blipFill dpi="0" rotWithShape="1">
+              <a:blip r:embed="rId3">
+                <a:alphaModFix amt="50000"/>
+              </a:blip>
+              <a:srcRect/>
+              <a:stretch>
+                <a:fillRect/>
+              </a:stretch>
+            </a:blipFill>
+            <a:ln>
+              <a:noFill/>
+            </a:ln>
+          </p:spPr>
+          <p:style>
+            <a:lnRef idx="2">
+              <a:schemeClr val="accent1">
+                <a:shade val="50000"/>
+              </a:schemeClr>
+            </a:lnRef>
+            <a:fillRef idx="1">
+              <a:schemeClr val="accent1"/>
+            </a:fillRef>
+            <a:effectRef idx="0">
+              <a:schemeClr val="accent1"/>
+            </a:effectRef>
+            <a:fontRef idx="minor">
+              <a:schemeClr val="lt1"/>
+            </a:fontRef>
+          </p:style>
+          <p:txBody>
+            <a:bodyPr rtlCol="0" anchor="ctr"/>
+            <a:lstStyle/>
+            <a:p>
+              <a:pPr algn="ctr"/>
+              <a:endParaRPr lang="en-US"/>
+            </a:p>
+          </p:txBody>
+        </p:sp>
+      </p:grpSp>
+      <p:grpSp>
+        <p:nvGrpSpPr>
+          <p:cNvPr id="2" name="Group 1">
+            <a:extLst>
+              <a:ext uri="{FF2B5EF4-FFF2-40B4-BE49-F238E27FC236}">
+                <a16:creationId xmlns:a16="http://schemas.microsoft.com/office/drawing/2014/main" id="{5F7F7958-544D-5CAE-9C35-6D64AFDAAA78}"/>
+              </a:ext>
+            </a:extLst>
+          </p:cNvPr>
+          <p:cNvGrpSpPr/>
+          <p:nvPr/>
+        </p:nvGrpSpPr>
+        <p:grpSpPr>
+          <a:xfrm>
+            <a:off x="2450813" y="3333179"/>
+            <a:ext cx="8720937" cy="4476992"/>
+            <a:chOff x="1064141" y="1042154"/>
+            <a:chExt cx="8720937" cy="4476992"/>
+          </a:xfrm>
+        </p:grpSpPr>
+        <p:pic>
+          <p:nvPicPr>
+            <p:cNvPr id="7" name="Picture 6">
+              <a:extLst>
+                <a:ext uri="{FF2B5EF4-FFF2-40B4-BE49-F238E27FC236}">
+                  <a16:creationId xmlns:a16="http://schemas.microsoft.com/office/drawing/2014/main" id="{4ACC0E85-103C-AE60-7D9C-6D041BA41A50}"/>
+                </a:ext>
+              </a:extLst>
+            </p:cNvPr>
+            <p:cNvPicPr>
+              <a:picLocks noChangeAspect="1"/>
+            </p:cNvPicPr>
+            <p:nvPr/>
+          </p:nvPicPr>
+          <p:blipFill>
+            <a:blip r:embed="rId4"/>
+            <a:stretch>
+              <a:fillRect/>
+            </a:stretch>
+          </p:blipFill>
+          <p:spPr>
+            <a:xfrm>
+              <a:off x="1157513" y="1042154"/>
+              <a:ext cx="6227064" cy="2743200"/>
+            </a:xfrm>
+            <a:prstGeom prst="rect">
+              <a:avLst/>
+            </a:prstGeom>
+          </p:spPr>
+        </p:pic>
+        <p:sp>
+          <p:nvSpPr>
+            <p:cNvPr id="10" name="Title 1">
+              <a:extLst>
+                <a:ext uri="{FF2B5EF4-FFF2-40B4-BE49-F238E27FC236}">
+                  <a16:creationId xmlns:a16="http://schemas.microsoft.com/office/drawing/2014/main" id="{A007C0E2-0F27-1F92-FBA8-5923C1CCF770}"/>
+                </a:ext>
+              </a:extLst>
+            </p:cNvPr>
+            <p:cNvSpPr txBox="1">
+              <a:spLocks/>
+            </p:cNvSpPr>
+            <p:nvPr/>
+          </p:nvSpPr>
+          <p:spPr>
+            <a:xfrm>
+              <a:off x="1064141" y="2051562"/>
+              <a:ext cx="8720937" cy="3467584"/>
+            </a:xfrm>
+            <a:prstGeom prst="rect">
+              <a:avLst/>
+            </a:prstGeom>
+          </p:spPr>
+          <p:txBody>
+            <a:bodyPr vert="horz" lIns="91440" tIns="45720" rIns="91440" bIns="45720" rtlCol="0" anchor="ctr">
+              <a:normAutofit/>
+            </a:bodyPr>
+            <a:lstStyle>
+              <a:lvl1pPr algn="l" defTabSz="914400" rtl="0" eaLnBrk="1" latinLnBrk="0" hangingPunct="1">
+                <a:lnSpc>
+                  <a:spcPct val="90000"/>
+                </a:lnSpc>
+                <a:spcBef>
+                  <a:spcPct val="0"/>
+                </a:spcBef>
+                <a:buNone/>
+                <a:defRPr sz="4400" kern="1200">
+                  <a:solidFill>
+                    <a:schemeClr val="tx1"/>
+                  </a:solidFill>
+                  <a:latin typeface="+mj-lt"/>
+                  <a:ea typeface="+mj-ea"/>
+                  <a:cs typeface="+mj-cs"/>
+                </a:defRPr>
+              </a:lvl1pPr>
+            </a:lstStyle>
+            <a:p>
+              <a:r>
+                <a:rPr lang="en-US" sz="2400" dirty="0">
+                  <a:solidFill>
+                    <a:schemeClr val="bg1">
+                      <a:lumMod val="65000"/>
+                    </a:schemeClr>
+                  </a:solidFill>
+                  <a:latin typeface="+mn-lt"/>
+                </a:rPr>
+                <a:t>✅</a:t>
+              </a:r>
+              <a:br>
+                <a:rPr lang="en-US" sz="2400" dirty="0">
+                  <a:solidFill>
+                    <a:schemeClr val="bg1">
+                      <a:lumMod val="65000"/>
+                    </a:schemeClr>
+                  </a:solidFill>
+                  <a:latin typeface="+mn-lt"/>
+                </a:rPr>
+              </a:br>
+              <a:br>
+                <a:rPr lang="en-US" sz="2400" dirty="0">
+                  <a:solidFill>
+                    <a:schemeClr val="bg1">
+                      <a:lumMod val="65000"/>
+                    </a:schemeClr>
+                  </a:solidFill>
+                  <a:latin typeface="+mn-lt"/>
+                </a:rPr>
+              </a:br>
+              <a:endParaRPr lang="en-US" sz="2800" dirty="0">
+                <a:solidFill>
+                  <a:schemeClr val="bg1">
+                    <a:lumMod val="65000"/>
+                  </a:schemeClr>
+                </a:solidFill>
+                <a:latin typeface="+mn-lt"/>
+              </a:endParaRPr>
+            </a:p>
+          </p:txBody>
+        </p:sp>
+      </p:grpSp>
+      <p:pic>
+        <p:nvPicPr>
+          <p:cNvPr id="3" name="Picture 2">
+            <a:extLst>
+              <a:ext uri="{FF2B5EF4-FFF2-40B4-BE49-F238E27FC236}">
+                <a16:creationId xmlns:a16="http://schemas.microsoft.com/office/drawing/2014/main" id="{30B400E3-A835-A281-1BF8-2124019BCE09}"/>
+              </a:ext>
+            </a:extLst>
+          </p:cNvPr>
+          <p:cNvPicPr>
+            <a:picLocks noChangeAspect="1"/>
+          </p:cNvPicPr>
+          <p:nvPr/>
+        </p:nvPicPr>
+        <p:blipFill>
+          <a:blip r:embed="rId5"/>
+          <a:stretch>
+            <a:fillRect/>
+          </a:stretch>
+        </p:blipFill>
+        <p:spPr>
+          <a:xfrm>
+            <a:off x="0" y="257811"/>
+            <a:ext cx="5493936" cy="2743200"/>
+          </a:xfrm>
+          <a:prstGeom prst="rect">
+            <a:avLst/>
+          </a:prstGeom>
+        </p:spPr>
+      </p:pic>
+      <p:sp>
+        <p:nvSpPr>
+          <p:cNvPr id="4" name="Title 1">
+            <a:extLst>
+              <a:ext uri="{FF2B5EF4-FFF2-40B4-BE49-F238E27FC236}">
+                <a16:creationId xmlns:a16="http://schemas.microsoft.com/office/drawing/2014/main" id="{4D89D62C-DD49-47A9-E539-8BEDD77A0B0C}"/>
+              </a:ext>
+            </a:extLst>
+          </p:cNvPr>
+          <p:cNvSpPr>
+            <a:spLocks noGrp="1"/>
+          </p:cNvSpPr>
+          <p:nvPr>
+            <p:ph type="title"/>
+          </p:nvPr>
+        </p:nvSpPr>
+        <p:spPr>
+          <a:xfrm>
+            <a:off x="-100483" y="1142549"/>
+            <a:ext cx="8720937" cy="3467584"/>
+          </a:xfrm>
+        </p:spPr>
+        <p:txBody>
+          <a:bodyPr>
+            <a:normAutofit/>
+          </a:bodyPr>
+          <a:lstStyle/>
+          <a:p>
+            <a:r>
+              <a:rPr lang="en-US" sz="2400" dirty="0">
+                <a:solidFill>
+                  <a:schemeClr val="bg1">
+                    <a:lumMod val="65000"/>
+                  </a:schemeClr>
+                </a:solidFill>
+                <a:latin typeface="+mn-lt"/>
+              </a:rPr>
+              <a:t>❌</a:t>
+            </a:r>
+            <a:br>
+              <a:rPr lang="en-US" sz="2400" dirty="0">
+                <a:solidFill>
+                  <a:schemeClr val="bg1">
+                    <a:lumMod val="65000"/>
+                  </a:schemeClr>
+                </a:solidFill>
+                <a:latin typeface="+mn-lt"/>
+              </a:rPr>
+            </a:br>
+            <a:endParaRPr lang="en-US" sz="2800" dirty="0">
+              <a:solidFill>
+                <a:schemeClr val="bg1">
+                  <a:lumMod val="65000"/>
+                </a:schemeClr>
+              </a:solidFill>
+              <a:latin typeface="+mn-lt"/>
+            </a:endParaRPr>
+          </a:p>
+        </p:txBody>
+      </p:sp>
+      <p:pic>
+        <p:nvPicPr>
+          <p:cNvPr id="5" name="Picture 4">
+            <a:extLst>
+              <a:ext uri="{FF2B5EF4-FFF2-40B4-BE49-F238E27FC236}">
+                <a16:creationId xmlns:a16="http://schemas.microsoft.com/office/drawing/2014/main" id="{F1EEEA22-05ED-ADBC-1BC8-3F3622048F2A}"/>
+              </a:ext>
+            </a:extLst>
+          </p:cNvPr>
+          <p:cNvPicPr>
+            <a:picLocks noChangeAspect="1"/>
+          </p:cNvPicPr>
+          <p:nvPr/>
+        </p:nvPicPr>
+        <p:blipFill>
+          <a:blip r:embed="rId6"/>
+          <a:stretch>
+            <a:fillRect/>
+          </a:stretch>
+        </p:blipFill>
+        <p:spPr>
+          <a:xfrm>
+            <a:off x="5657717" y="279936"/>
+            <a:ext cx="6398564" cy="2743200"/>
+          </a:xfrm>
+          <a:prstGeom prst="rect">
+            <a:avLst/>
+          </a:prstGeom>
+        </p:spPr>
+      </p:pic>
+      <p:sp>
+        <p:nvSpPr>
+          <p:cNvPr id="11" name="Title 1">
+            <a:extLst>
+              <a:ext uri="{FF2B5EF4-FFF2-40B4-BE49-F238E27FC236}">
+                <a16:creationId xmlns:a16="http://schemas.microsoft.com/office/drawing/2014/main" id="{860BC049-6206-7793-702D-7D4357E3A248}"/>
+              </a:ext>
+            </a:extLst>
+          </p:cNvPr>
+          <p:cNvSpPr txBox="1">
+            <a:spLocks/>
+          </p:cNvSpPr>
+          <p:nvPr/>
+        </p:nvSpPr>
+        <p:spPr>
+          <a:xfrm>
+            <a:off x="5550295" y="1217219"/>
+            <a:ext cx="5701842" cy="3467584"/>
+          </a:xfrm>
+          <a:prstGeom prst="rect">
+            <a:avLst/>
+          </a:prstGeom>
+        </p:spPr>
+        <p:txBody>
+          <a:bodyPr vert="horz" lIns="91440" tIns="45720" rIns="91440" bIns="45720" rtlCol="0" anchor="ctr">
+            <a:normAutofit/>
+          </a:bodyPr>
+          <a:lstStyle>
+            <a:lvl1pPr algn="l" defTabSz="914400" rtl="0" eaLnBrk="1" latinLnBrk="0" hangingPunct="1">
+              <a:lnSpc>
+                <a:spcPct val="90000"/>
+              </a:lnSpc>
+              <a:spcBef>
+                <a:spcPct val="0"/>
+              </a:spcBef>
+              <a:buNone/>
+              <a:defRPr sz="4400" kern="1200">
+                <a:solidFill>
+                  <a:schemeClr val="tx1"/>
+                </a:solidFill>
+                <a:latin typeface="+mj-lt"/>
+                <a:ea typeface="+mj-ea"/>
+                <a:cs typeface="+mj-cs"/>
+              </a:defRPr>
+            </a:lvl1pPr>
+          </a:lstStyle>
+          <a:p>
+            <a:r>
+              <a:rPr lang="en-US" sz="2400" dirty="0">
+                <a:solidFill>
+                  <a:schemeClr val="bg1">
+                    <a:lumMod val="65000"/>
+                  </a:schemeClr>
+                </a:solidFill>
+                <a:latin typeface="+mn-lt"/>
+              </a:rPr>
+              <a:t>❌</a:t>
+            </a:r>
+            <a:br>
+              <a:rPr lang="en-US" sz="2400" dirty="0">
+                <a:solidFill>
+                  <a:schemeClr val="bg1">
+                    <a:lumMod val="65000"/>
+                  </a:schemeClr>
+                </a:solidFill>
+                <a:latin typeface="+mn-lt"/>
+              </a:rPr>
+            </a:br>
+            <a:br>
+              <a:rPr lang="en-US" sz="2400" dirty="0">
+                <a:solidFill>
+                  <a:schemeClr val="bg1">
+                    <a:lumMod val="65000"/>
+                  </a:schemeClr>
+                </a:solidFill>
+                <a:latin typeface="+mn-lt"/>
+              </a:rPr>
+            </a:br>
+            <a:endParaRPr lang="en-US" sz="2800" dirty="0">
+              <a:solidFill>
+                <a:schemeClr val="bg1">
+                  <a:lumMod val="65000"/>
+                </a:schemeClr>
+              </a:solidFill>
+              <a:latin typeface="+mn-lt"/>
+            </a:endParaRPr>
+          </a:p>
+        </p:txBody>
+      </p:sp>
+    </p:spTree>
+    <p:extLst>
+      <p:ext uri="{BB962C8B-B14F-4D97-AF65-F5344CB8AC3E}">
+        <p14:creationId xmlns:p14="http://schemas.microsoft.com/office/powerpoint/2010/main" val="1121760211"/>
+      </p:ext>
+    </p:extLst>
+  </p:cSld>
+  <p:clrMapOvr>
+    <a:masterClrMapping/>
+  </p:clrMapOvr>
+</p:sld>
+</file>
+
+<file path=ppt/slides/slide27.xml><?xml version="1.0" encoding="utf-8"?>
 <p:sld xmlns:a="http://schemas.openxmlformats.org/drawingml/2006/main" xmlns:r="http://schemas.openxmlformats.org/officeDocument/2006/relationships" xmlns:p="http://schemas.openxmlformats.org/presentationml/2006/main">
   <p:cSld>
     <p:spTree>
@@ -15157,7 +18063,7 @@
 </p:sld>
 </file>
 
-<file path=ppt/slides/slide24.xml><?xml version="1.0" encoding="utf-8"?>
+<file path=ppt/slides/slide28.xml><?xml version="1.0" encoding="utf-8"?>
 <p:sld xmlns:a="http://schemas.openxmlformats.org/drawingml/2006/main" xmlns:r="http://schemas.openxmlformats.org/officeDocument/2006/relationships" xmlns:p="http://schemas.openxmlformats.org/presentationml/2006/main">
   <p:cSld>
     <p:spTree>
@@ -15261,7 +18167,7 @@
           <a:p>
             <a:r>
               <a:rPr lang="en-US" dirty="0"/>
-              <a:t>Too many implementation details (i.e. Property, Parameter, etc.)</a:t>
+              <a:t>Too many implementation details (i.e. Property, Methods, etc.)</a:t>
             </a:r>
           </a:p>
         </p:txBody>
@@ -16089,7 +18995,7 @@
 </p:sld>
 </file>
 
-<file path=ppt/slides/slide25.xml><?xml version="1.0" encoding="utf-8"?>
+<file path=ppt/slides/slide29.xml><?xml version="1.0" encoding="utf-8"?>
 <p:sld xmlns:a="http://schemas.openxmlformats.org/drawingml/2006/main" xmlns:r="http://schemas.openxmlformats.org/officeDocument/2006/relationships" xmlns:p="http://schemas.openxmlformats.org/presentationml/2006/main">
   <p:cSld>
     <p:spTree>
@@ -16179,6 +19085,26 @@
             <a:r>
               <a:rPr lang="en-US" dirty="0"/>
               <a:t>Too many implementation details (i.e. classes, DOM nodes, etc.)</a:t>
+            </a:r>
+          </a:p>
+          <a:p>
+            <a:r>
+              <a:rPr lang="en-US"/>
+              <a:t>Results in I </a:t>
+            </a:r>
+            <a:r>
+              <a:rPr lang="en-US" dirty="0"/>
+              <a:t>see people start blindly accepting changes </a:t>
+            </a:r>
+          </a:p>
+          <a:p>
+            <a:r>
+              <a:rPr lang="en-US"/>
+              <a:t>Can’t </a:t>
+            </a:r>
+            <a:r>
+              <a:rPr lang="en-US" dirty="0"/>
+              <a:t>TDD it because it relies on the final output</a:t>
             </a:r>
           </a:p>
           <a:p>
@@ -16909,6 +19835,168 @@
                       </p:childTnLst>
                     </p:cTn>
                   </p:par>
+                  <p:par>
+                    <p:cTn id="28" fill="hold">
+                      <p:stCondLst>
+                        <p:cond delay="indefinite"/>
+                      </p:stCondLst>
+                      <p:childTnLst>
+                        <p:par>
+                          <p:cTn id="29" fill="hold">
+                            <p:stCondLst>
+                              <p:cond delay="0"/>
+                            </p:stCondLst>
+                            <p:childTnLst>
+                              <p:par>
+                                <p:cTn id="30" presetID="10" presetClass="entr" presetSubtype="0" fill="hold" grpId="0" nodeType="clickEffect">
+                                  <p:stCondLst>
+                                    <p:cond delay="0"/>
+                                  </p:stCondLst>
+                                  <p:childTnLst>
+                                    <p:set>
+                                      <p:cBhvr>
+                                        <p:cTn id="31" dur="1" fill="hold">
+                                          <p:stCondLst>
+                                            <p:cond delay="0"/>
+                                          </p:stCondLst>
+                                        </p:cTn>
+                                        <p:tgtEl>
+                                          <p:spTgt spid="3">
+                                            <p:txEl>
+                                              <p:pRg st="5" end="5"/>
+                                            </p:txEl>
+                                          </p:spTgt>
+                                        </p:tgtEl>
+                                        <p:attrNameLst>
+                                          <p:attrName>style.visibility</p:attrName>
+                                        </p:attrNameLst>
+                                      </p:cBhvr>
+                                      <p:to>
+                                        <p:strVal val="visible"/>
+                                      </p:to>
+                                    </p:set>
+                                    <p:animEffect transition="in" filter="fade">
+                                      <p:cBhvr>
+                                        <p:cTn id="32" dur="500"/>
+                                        <p:tgtEl>
+                                          <p:spTgt spid="3">
+                                            <p:txEl>
+                                              <p:pRg st="5" end="5"/>
+                                            </p:txEl>
+                                          </p:spTgt>
+                                        </p:tgtEl>
+                                      </p:cBhvr>
+                                    </p:animEffect>
+                                  </p:childTnLst>
+                                  <p:subTnLst>
+                                    <p:animClr clrSpc="rgb" dir="cw">
+                                      <p:cBhvr override="childStyle">
+                                        <p:cTn dur="1" fill="hold" display="0" masterRel="nextClick" afterEffect="1"/>
+                                        <p:tgtEl>
+                                          <p:spTgt spid="3">
+                                            <p:txEl>
+                                              <p:pRg st="5" end="5"/>
+                                            </p:txEl>
+                                          </p:spTgt>
+                                        </p:tgtEl>
+                                        <p:attrNameLst>
+                                          <p:attrName>ppt_c</p:attrName>
+                                        </p:attrNameLst>
+                                      </p:cBhvr>
+                                      <p:to>
+                                        <a:srgbClr val="B2B2B2"/>
+                                      </p:to>
+                                    </p:animClr>
+                                  </p:subTnLst>
+                                </p:cTn>
+                              </p:par>
+                            </p:childTnLst>
+                          </p:cTn>
+                        </p:par>
+                      </p:childTnLst>
+                    </p:cTn>
+                  </p:par>
+                  <p:par>
+                    <p:cTn id="33" fill="hold">
+                      <p:stCondLst>
+                        <p:cond delay="indefinite"/>
+                      </p:stCondLst>
+                      <p:childTnLst>
+                        <p:par>
+                          <p:cTn id="34" fill="hold">
+                            <p:stCondLst>
+                              <p:cond delay="0"/>
+                            </p:stCondLst>
+                            <p:childTnLst>
+                              <p:par>
+                                <p:cTn id="35" presetID="10" presetClass="entr" presetSubtype="0" fill="hold" grpId="0" nodeType="clickEffect">
+                                  <p:stCondLst>
+                                    <p:cond delay="0"/>
+                                  </p:stCondLst>
+                                  <p:childTnLst>
+                                    <p:set>
+                                      <p:cBhvr>
+                                        <p:cTn id="36" dur="1" fill="hold">
+                                          <p:stCondLst>
+                                            <p:cond delay="0"/>
+                                          </p:stCondLst>
+                                        </p:cTn>
+                                        <p:tgtEl>
+                                          <p:spTgt spid="3">
+                                            <p:txEl>
+                                              <p:pRg st="6" end="6"/>
+                                            </p:txEl>
+                                          </p:spTgt>
+                                        </p:tgtEl>
+                                        <p:attrNameLst>
+                                          <p:attrName>style.visibility</p:attrName>
+                                        </p:attrNameLst>
+                                      </p:cBhvr>
+                                      <p:to>
+                                        <p:strVal val="visible"/>
+                                      </p:to>
+                                    </p:set>
+                                    <p:animEffect transition="in" filter="fade">
+                                      <p:cBhvr>
+                                        <p:cTn id="37" dur="500"/>
+                                        <p:tgtEl>
+                                          <p:spTgt spid="3">
+                                            <p:txEl>
+                                              <p:pRg st="6" end="6"/>
+                                            </p:txEl>
+                                          </p:spTgt>
+                                        </p:tgtEl>
+                                      </p:cBhvr>
+                                    </p:animEffect>
+                                  </p:childTnLst>
+                                  <p:subTnLst>
+                                    <p:animClr clrSpc="rgb" dir="cw">
+                                      <p:cBhvr override="childStyle">
+                                        <p:cTn dur="1" fill="hold" display="0" masterRel="nextClick" afterEffect="1"/>
+                                        <p:tgtEl>
+                                          <p:spTgt spid="3">
+                                            <p:txEl>
+                                              <p:pRg st="6" end="6"/>
+                                            </p:txEl>
+                                          </p:spTgt>
+                                        </p:tgtEl>
+                                        <p:attrNameLst>
+                                          <p:attrName>ppt_c</p:attrName>
+                                        </p:attrNameLst>
+                                      </p:cBhvr>
+                                      <p:to>
+                                        <a:srgbClr val="B2B2B2"/>
+                                      </p:to>
+                                    </p:animClr>
+                                  </p:subTnLst>
+                                </p:cTn>
+                              </p:par>
+                            </p:childTnLst>
+                          </p:cTn>
+                        </p:par>
+                      </p:childTnLst>
+                    </p:cTn>
+                  </p:par>
                 </p:childTnLst>
               </p:cTn>
               <p:prevCondLst>
@@ -16937,7 +20025,409 @@
 </p:sld>
 </file>
 
-<file path=ppt/slides/slide26.xml><?xml version="1.0" encoding="utf-8"?>
+<file path=ppt/slides/slide3.xml><?xml version="1.0" encoding="utf-8"?>
+<p:sld xmlns:a="http://schemas.openxmlformats.org/drawingml/2006/main" xmlns:r="http://schemas.openxmlformats.org/officeDocument/2006/relationships" xmlns:p="http://schemas.openxmlformats.org/presentationml/2006/main">
+  <p:cSld>
+    <p:spTree>
+      <p:nvGrpSpPr>
+        <p:cNvPr id="1" name=""/>
+        <p:cNvGrpSpPr/>
+        <p:nvPr/>
+      </p:nvGrpSpPr>
+      <p:grpSpPr>
+        <a:xfrm>
+          <a:off x="0" y="0"/>
+          <a:ext cx="0" cy="0"/>
+          <a:chOff x="0" y="0"/>
+          <a:chExt cx="0" cy="0"/>
+        </a:xfrm>
+      </p:grpSpPr>
+      <p:sp>
+        <p:nvSpPr>
+          <p:cNvPr id="2" name="Title 1"/>
+          <p:cNvSpPr>
+            <a:spLocks noGrp="1"/>
+          </p:cNvSpPr>
+          <p:nvPr>
+            <p:ph type="title"/>
+          </p:nvPr>
+        </p:nvSpPr>
+        <p:spPr/>
+        <p:txBody>
+          <a:bodyPr/>
+          <a:lstStyle/>
+          <a:p>
+            <a:r>
+              <a:rPr lang="en-US" dirty="0">
+                <a:solidFill>
+                  <a:schemeClr val="bg1">
+                    <a:lumMod val="65000"/>
+                  </a:schemeClr>
+                </a:solidFill>
+              </a:rPr>
+              <a:t>Agenda</a:t>
+            </a:r>
+          </a:p>
+        </p:txBody>
+      </p:sp>
+      <p:sp>
+        <p:nvSpPr>
+          <p:cNvPr id="3" name="Content Placeholder 2"/>
+          <p:cNvSpPr>
+            <a:spLocks noGrp="1"/>
+          </p:cNvSpPr>
+          <p:nvPr>
+            <p:ph idx="1"/>
+          </p:nvPr>
+        </p:nvSpPr>
+        <p:spPr>
+          <a:xfrm>
+            <a:off x="838200" y="1825625"/>
+            <a:ext cx="10515600" cy="4834108"/>
+          </a:xfrm>
+        </p:spPr>
+        <p:txBody>
+          <a:bodyPr>
+            <a:normAutofit/>
+          </a:bodyPr>
+          <a:lstStyle/>
+          <a:p>
+            <a:r>
+              <a:rPr lang="en-US" dirty="0"/>
+              <a:t>What is TDD?</a:t>
+            </a:r>
+          </a:p>
+          <a:p>
+            <a:r>
+              <a:rPr lang="en-US" dirty="0"/>
+              <a:t>Why TDD? </a:t>
+            </a:r>
+          </a:p>
+          <a:p>
+            <a:r>
+              <a:rPr lang="en-US" dirty="0"/>
+              <a:t>Tools you can use</a:t>
+            </a:r>
+          </a:p>
+          <a:p>
+            <a:r>
+              <a:rPr lang="en-US" dirty="0"/>
+              <a:t>What do I test?</a:t>
+            </a:r>
+          </a:p>
+          <a:p>
+            <a:r>
+              <a:rPr lang="en-US" dirty="0"/>
+              <a:t>Live Demos</a:t>
+            </a:r>
+          </a:p>
+        </p:txBody>
+      </p:sp>
+      <p:grpSp>
+        <p:nvGrpSpPr>
+          <p:cNvPr id="8" name="Group 7">
+            <a:extLst>
+              <a:ext uri="{FF2B5EF4-FFF2-40B4-BE49-F238E27FC236}">
+                <a16:creationId xmlns:a16="http://schemas.microsoft.com/office/drawing/2014/main" id="{E239A9CE-C7EB-4E97-86E4-7038185B0547}"/>
+              </a:ext>
+            </a:extLst>
+          </p:cNvPr>
+          <p:cNvGrpSpPr/>
+          <p:nvPr/>
+        </p:nvGrpSpPr>
+        <p:grpSpPr>
+          <a:xfrm>
+            <a:off x="9970651" y="6185410"/>
+            <a:ext cx="2130724" cy="474323"/>
+            <a:chOff x="9970651" y="6185410"/>
+            <a:chExt cx="2130724" cy="474323"/>
+          </a:xfrm>
+        </p:grpSpPr>
+        <p:sp>
+          <p:nvSpPr>
+            <p:cNvPr id="9" name="Subtitle 2">
+              <a:extLst>
+                <a:ext uri="{FF2B5EF4-FFF2-40B4-BE49-F238E27FC236}">
+                  <a16:creationId xmlns:a16="http://schemas.microsoft.com/office/drawing/2014/main" id="{2229353B-AF80-4FA1-A290-889FFCA819EF}"/>
+                </a:ext>
+              </a:extLst>
+            </p:cNvPr>
+            <p:cNvSpPr txBox="1">
+              <a:spLocks/>
+            </p:cNvSpPr>
+            <p:nvPr/>
+          </p:nvSpPr>
+          <p:spPr>
+            <a:xfrm>
+              <a:off x="10041147" y="6185410"/>
+              <a:ext cx="2060228" cy="474323"/>
+            </a:xfrm>
+            <a:prstGeom prst="rect">
+              <a:avLst/>
+            </a:prstGeom>
+          </p:spPr>
+          <p:txBody>
+            <a:bodyPr vert="horz" lIns="91440" tIns="45720" rIns="91440" bIns="45720" rtlCol="0">
+              <a:normAutofit/>
+            </a:bodyPr>
+            <a:lstStyle>
+              <a:lvl1pPr marL="0" indent="0" algn="ctr" defTabSz="914400" rtl="0" eaLnBrk="1" latinLnBrk="0" hangingPunct="1">
+                <a:lnSpc>
+                  <a:spcPct val="90000"/>
+                </a:lnSpc>
+                <a:spcBef>
+                  <a:spcPts val="1000"/>
+                </a:spcBef>
+                <a:buFont typeface="Arial" panose="020B0604020202020204" pitchFamily="34" charset="0"/>
+                <a:buNone/>
+                <a:defRPr sz="2400" kern="1200">
+                  <a:solidFill>
+                    <a:schemeClr val="tx1"/>
+                  </a:solidFill>
+                  <a:latin typeface="+mn-lt"/>
+                  <a:ea typeface="+mn-ea"/>
+                  <a:cs typeface="+mn-cs"/>
+                </a:defRPr>
+              </a:lvl1pPr>
+              <a:lvl2pPr marL="457200" indent="0" algn="ctr" defTabSz="914400" rtl="0" eaLnBrk="1" latinLnBrk="0" hangingPunct="1">
+                <a:lnSpc>
+                  <a:spcPct val="90000"/>
+                </a:lnSpc>
+                <a:spcBef>
+                  <a:spcPts val="500"/>
+                </a:spcBef>
+                <a:buFont typeface="Arial" panose="020B0604020202020204" pitchFamily="34" charset="0"/>
+                <a:buNone/>
+                <a:defRPr sz="2000" kern="1200">
+                  <a:solidFill>
+                    <a:schemeClr val="tx1"/>
+                  </a:solidFill>
+                  <a:latin typeface="+mn-lt"/>
+                  <a:ea typeface="+mn-ea"/>
+                  <a:cs typeface="+mn-cs"/>
+                </a:defRPr>
+              </a:lvl2pPr>
+              <a:lvl3pPr marL="914400" indent="0" algn="ctr" defTabSz="914400" rtl="0" eaLnBrk="1" latinLnBrk="0" hangingPunct="1">
+                <a:lnSpc>
+                  <a:spcPct val="90000"/>
+                </a:lnSpc>
+                <a:spcBef>
+                  <a:spcPts val="500"/>
+                </a:spcBef>
+                <a:buFont typeface="Arial" panose="020B0604020202020204" pitchFamily="34" charset="0"/>
+                <a:buNone/>
+                <a:defRPr sz="1800" kern="1200">
+                  <a:solidFill>
+                    <a:schemeClr val="tx1"/>
+                  </a:solidFill>
+                  <a:latin typeface="+mn-lt"/>
+                  <a:ea typeface="+mn-ea"/>
+                  <a:cs typeface="+mn-cs"/>
+                </a:defRPr>
+              </a:lvl3pPr>
+              <a:lvl4pPr marL="1371600" indent="0" algn="ctr" defTabSz="914400" rtl="0" eaLnBrk="1" latinLnBrk="0" hangingPunct="1">
+                <a:lnSpc>
+                  <a:spcPct val="90000"/>
+                </a:lnSpc>
+                <a:spcBef>
+                  <a:spcPts val="500"/>
+                </a:spcBef>
+                <a:buFont typeface="Arial" panose="020B0604020202020204" pitchFamily="34" charset="0"/>
+                <a:buNone/>
+                <a:defRPr sz="1600" kern="1200">
+                  <a:solidFill>
+                    <a:schemeClr val="tx1"/>
+                  </a:solidFill>
+                  <a:latin typeface="+mn-lt"/>
+                  <a:ea typeface="+mn-ea"/>
+                  <a:cs typeface="+mn-cs"/>
+                </a:defRPr>
+              </a:lvl4pPr>
+              <a:lvl5pPr marL="1828800" indent="0" algn="ctr" defTabSz="914400" rtl="0" eaLnBrk="1" latinLnBrk="0" hangingPunct="1">
+                <a:lnSpc>
+                  <a:spcPct val="90000"/>
+                </a:lnSpc>
+                <a:spcBef>
+                  <a:spcPts val="500"/>
+                </a:spcBef>
+                <a:buFont typeface="Arial" panose="020B0604020202020204" pitchFamily="34" charset="0"/>
+                <a:buNone/>
+                <a:defRPr sz="1600" kern="1200">
+                  <a:solidFill>
+                    <a:schemeClr val="tx1"/>
+                  </a:solidFill>
+                  <a:latin typeface="+mn-lt"/>
+                  <a:ea typeface="+mn-ea"/>
+                  <a:cs typeface="+mn-cs"/>
+                </a:defRPr>
+              </a:lvl5pPr>
+              <a:lvl6pPr marL="2286000" indent="0" algn="ctr" defTabSz="914400" rtl="0" eaLnBrk="1" latinLnBrk="0" hangingPunct="1">
+                <a:lnSpc>
+                  <a:spcPct val="90000"/>
+                </a:lnSpc>
+                <a:spcBef>
+                  <a:spcPts val="500"/>
+                </a:spcBef>
+                <a:buFont typeface="Arial" panose="020B0604020202020204" pitchFamily="34" charset="0"/>
+                <a:buNone/>
+                <a:defRPr sz="1600" kern="1200">
+                  <a:solidFill>
+                    <a:schemeClr val="tx1"/>
+                  </a:solidFill>
+                  <a:latin typeface="+mn-lt"/>
+                  <a:ea typeface="+mn-ea"/>
+                  <a:cs typeface="+mn-cs"/>
+                </a:defRPr>
+              </a:lvl6pPr>
+              <a:lvl7pPr marL="2743200" indent="0" algn="ctr" defTabSz="914400" rtl="0" eaLnBrk="1" latinLnBrk="0" hangingPunct="1">
+                <a:lnSpc>
+                  <a:spcPct val="90000"/>
+                </a:lnSpc>
+                <a:spcBef>
+                  <a:spcPts val="500"/>
+                </a:spcBef>
+                <a:buFont typeface="Arial" panose="020B0604020202020204" pitchFamily="34" charset="0"/>
+                <a:buNone/>
+                <a:defRPr sz="1600" kern="1200">
+                  <a:solidFill>
+                    <a:schemeClr val="tx1"/>
+                  </a:solidFill>
+                  <a:latin typeface="+mn-lt"/>
+                  <a:ea typeface="+mn-ea"/>
+                  <a:cs typeface="+mn-cs"/>
+                </a:defRPr>
+              </a:lvl7pPr>
+              <a:lvl8pPr marL="3200400" indent="0" algn="ctr" defTabSz="914400" rtl="0" eaLnBrk="1" latinLnBrk="0" hangingPunct="1">
+                <a:lnSpc>
+                  <a:spcPct val="90000"/>
+                </a:lnSpc>
+                <a:spcBef>
+                  <a:spcPts val="500"/>
+                </a:spcBef>
+                <a:buFont typeface="Arial" panose="020B0604020202020204" pitchFamily="34" charset="0"/>
+                <a:buNone/>
+                <a:defRPr sz="1600" kern="1200">
+                  <a:solidFill>
+                    <a:schemeClr val="tx1"/>
+                  </a:solidFill>
+                  <a:latin typeface="+mn-lt"/>
+                  <a:ea typeface="+mn-ea"/>
+                  <a:cs typeface="+mn-cs"/>
+                </a:defRPr>
+              </a:lvl8pPr>
+              <a:lvl9pPr marL="3657600" indent="0" algn="ctr" defTabSz="914400" rtl="0" eaLnBrk="1" latinLnBrk="0" hangingPunct="1">
+                <a:lnSpc>
+                  <a:spcPct val="90000"/>
+                </a:lnSpc>
+                <a:spcBef>
+                  <a:spcPts val="500"/>
+                </a:spcBef>
+                <a:buFont typeface="Arial" panose="020B0604020202020204" pitchFamily="34" charset="0"/>
+                <a:buNone/>
+                <a:defRPr sz="1600" kern="1200">
+                  <a:solidFill>
+                    <a:schemeClr val="tx1"/>
+                  </a:solidFill>
+                  <a:latin typeface="+mn-lt"/>
+                  <a:ea typeface="+mn-ea"/>
+                  <a:cs typeface="+mn-cs"/>
+                </a:defRPr>
+              </a:lvl9pPr>
+            </a:lstStyle>
+            <a:p>
+              <a:r>
+                <a:rPr lang="en-US" dirty="0" err="1">
+                  <a:solidFill>
+                    <a:schemeClr val="bg1">
+                      <a:lumMod val="65000"/>
+                    </a:schemeClr>
+                  </a:solidFill>
+                </a:rPr>
+                <a:t>scottsauber</a:t>
+              </a:r>
+              <a:endParaRPr lang="en-US" dirty="0">
+                <a:solidFill>
+                  <a:schemeClr val="bg1">
+                    <a:lumMod val="65000"/>
+                  </a:schemeClr>
+                </a:solidFill>
+              </a:endParaRPr>
+            </a:p>
+          </p:txBody>
+        </p:sp>
+        <p:sp>
+          <p:nvSpPr>
+            <p:cNvPr id="10" name="Rectangle 9">
+              <a:extLst>
+                <a:ext uri="{FF2B5EF4-FFF2-40B4-BE49-F238E27FC236}">
+                  <a16:creationId xmlns:a16="http://schemas.microsoft.com/office/drawing/2014/main" id="{8AA5A6B6-4F71-4CAB-A81F-16ECC8919324}"/>
+                </a:ext>
+              </a:extLst>
+            </p:cNvPr>
+            <p:cNvSpPr/>
+            <p:nvPr/>
+          </p:nvSpPr>
+          <p:spPr>
+            <a:xfrm>
+              <a:off x="9970651" y="6285411"/>
+              <a:ext cx="347472" cy="274320"/>
+            </a:xfrm>
+            <a:prstGeom prst="rect">
+              <a:avLst/>
+            </a:prstGeom>
+            <a:blipFill dpi="0" rotWithShape="1">
+              <a:blip r:embed="rId3">
+                <a:alphaModFix amt="50000"/>
+              </a:blip>
+              <a:srcRect/>
+              <a:stretch>
+                <a:fillRect/>
+              </a:stretch>
+            </a:blipFill>
+            <a:ln>
+              <a:noFill/>
+            </a:ln>
+          </p:spPr>
+          <p:style>
+            <a:lnRef idx="2">
+              <a:schemeClr val="accent1">
+                <a:shade val="50000"/>
+              </a:schemeClr>
+            </a:lnRef>
+            <a:fillRef idx="1">
+              <a:schemeClr val="accent1"/>
+            </a:fillRef>
+            <a:effectRef idx="0">
+              <a:schemeClr val="accent1"/>
+            </a:effectRef>
+            <a:fontRef idx="minor">
+              <a:schemeClr val="lt1"/>
+            </a:fontRef>
+          </p:style>
+          <p:txBody>
+            <a:bodyPr rtlCol="0" anchor="ctr"/>
+            <a:lstStyle/>
+            <a:p>
+              <a:pPr algn="ctr"/>
+              <a:endParaRPr lang="en-US"/>
+            </a:p>
+          </p:txBody>
+        </p:sp>
+      </p:grpSp>
+    </p:spTree>
+    <p:extLst>
+      <p:ext uri="{BB962C8B-B14F-4D97-AF65-F5344CB8AC3E}">
+        <p14:creationId xmlns:p14="http://schemas.microsoft.com/office/powerpoint/2010/main" val="776743380"/>
+      </p:ext>
+    </p:extLst>
+  </p:cSld>
+  <p:clrMapOvr>
+    <a:masterClrMapping/>
+  </p:clrMapOvr>
+</p:sld>
+</file>
+
+<file path=ppt/slides/slide30.xml><?xml version="1.0" encoding="utf-8"?>
 <p:sld xmlns:a="http://schemas.openxmlformats.org/drawingml/2006/main" xmlns:r="http://schemas.openxmlformats.org/officeDocument/2006/relationships" xmlns:p="http://schemas.openxmlformats.org/presentationml/2006/main">
   <p:cSld>
     <p:spTree>
@@ -17117,7 +20607,7 @@
 </p:sld>
 </file>
 
-<file path=ppt/slides/slide27.xml><?xml version="1.0" encoding="utf-8"?>
+<file path=ppt/slides/slide31.xml><?xml version="1.0" encoding="utf-8"?>
 <p:sld xmlns:a="http://schemas.openxmlformats.org/drawingml/2006/main" xmlns:r="http://schemas.openxmlformats.org/officeDocument/2006/relationships" xmlns:p="http://schemas.openxmlformats.org/presentationml/2006/main">
   <p:cSld>
     <p:spTree>
@@ -17978,7 +21468,7 @@
 </p:sld>
 </file>
 
-<file path=ppt/slides/slide28.xml><?xml version="1.0" encoding="utf-8"?>
+<file path=ppt/slides/slide32.xml><?xml version="1.0" encoding="utf-8"?>
 <p:sld xmlns:a="http://schemas.openxmlformats.org/drawingml/2006/main" xmlns:r="http://schemas.openxmlformats.org/officeDocument/2006/relationships" xmlns:p="http://schemas.openxmlformats.org/presentationml/2006/main">
   <p:cSld>
     <p:spTree>
@@ -18644,7 +22134,7 @@
 </p:sld>
 </file>
 
-<file path=ppt/slides/slide29.xml><?xml version="1.0" encoding="utf-8"?>
+<file path=ppt/slides/slide33.xml><?xml version="1.0" encoding="utf-8"?>
 <p:sld xmlns:a="http://schemas.openxmlformats.org/drawingml/2006/main" xmlns:r="http://schemas.openxmlformats.org/officeDocument/2006/relationships" xmlns:p="http://schemas.openxmlformats.org/presentationml/2006/main">
   <p:cSld>
     <p:spTree>
@@ -18831,409 +22321,7 @@
 </p:sld>
 </file>
 
-<file path=ppt/slides/slide3.xml><?xml version="1.0" encoding="utf-8"?>
-<p:sld xmlns:a="http://schemas.openxmlformats.org/drawingml/2006/main" xmlns:r="http://schemas.openxmlformats.org/officeDocument/2006/relationships" xmlns:p="http://schemas.openxmlformats.org/presentationml/2006/main">
-  <p:cSld>
-    <p:spTree>
-      <p:nvGrpSpPr>
-        <p:cNvPr id="1" name=""/>
-        <p:cNvGrpSpPr/>
-        <p:nvPr/>
-      </p:nvGrpSpPr>
-      <p:grpSpPr>
-        <a:xfrm>
-          <a:off x="0" y="0"/>
-          <a:ext cx="0" cy="0"/>
-          <a:chOff x="0" y="0"/>
-          <a:chExt cx="0" cy="0"/>
-        </a:xfrm>
-      </p:grpSpPr>
-      <p:sp>
-        <p:nvSpPr>
-          <p:cNvPr id="2" name="Title 1"/>
-          <p:cNvSpPr>
-            <a:spLocks noGrp="1"/>
-          </p:cNvSpPr>
-          <p:nvPr>
-            <p:ph type="title"/>
-          </p:nvPr>
-        </p:nvSpPr>
-        <p:spPr/>
-        <p:txBody>
-          <a:bodyPr/>
-          <a:lstStyle/>
-          <a:p>
-            <a:r>
-              <a:rPr lang="en-US" dirty="0">
-                <a:solidFill>
-                  <a:schemeClr val="bg1">
-                    <a:lumMod val="65000"/>
-                  </a:schemeClr>
-                </a:solidFill>
-              </a:rPr>
-              <a:t>Agenda</a:t>
-            </a:r>
-          </a:p>
-        </p:txBody>
-      </p:sp>
-      <p:sp>
-        <p:nvSpPr>
-          <p:cNvPr id="3" name="Content Placeholder 2"/>
-          <p:cNvSpPr>
-            <a:spLocks noGrp="1"/>
-          </p:cNvSpPr>
-          <p:nvPr>
-            <p:ph idx="1"/>
-          </p:nvPr>
-        </p:nvSpPr>
-        <p:spPr>
-          <a:xfrm>
-            <a:off x="838200" y="1825625"/>
-            <a:ext cx="10515600" cy="4834108"/>
-          </a:xfrm>
-        </p:spPr>
-        <p:txBody>
-          <a:bodyPr>
-            <a:normAutofit/>
-          </a:bodyPr>
-          <a:lstStyle/>
-          <a:p>
-            <a:r>
-              <a:rPr lang="en-US" dirty="0"/>
-              <a:t>What is TDD?</a:t>
-            </a:r>
-          </a:p>
-          <a:p>
-            <a:r>
-              <a:rPr lang="en-US" dirty="0"/>
-              <a:t>Why TDD? </a:t>
-            </a:r>
-          </a:p>
-          <a:p>
-            <a:r>
-              <a:rPr lang="en-US" dirty="0"/>
-              <a:t>Tools you can use</a:t>
-            </a:r>
-          </a:p>
-          <a:p>
-            <a:r>
-              <a:rPr lang="en-US" dirty="0"/>
-              <a:t>What do I test?</a:t>
-            </a:r>
-          </a:p>
-          <a:p>
-            <a:r>
-              <a:rPr lang="en-US" dirty="0"/>
-              <a:t>Live Demos</a:t>
-            </a:r>
-          </a:p>
-        </p:txBody>
-      </p:sp>
-      <p:grpSp>
-        <p:nvGrpSpPr>
-          <p:cNvPr id="8" name="Group 7">
-            <a:extLst>
-              <a:ext uri="{FF2B5EF4-FFF2-40B4-BE49-F238E27FC236}">
-                <a16:creationId xmlns:a16="http://schemas.microsoft.com/office/drawing/2014/main" id="{E239A9CE-C7EB-4E97-86E4-7038185B0547}"/>
-              </a:ext>
-            </a:extLst>
-          </p:cNvPr>
-          <p:cNvGrpSpPr/>
-          <p:nvPr/>
-        </p:nvGrpSpPr>
-        <p:grpSpPr>
-          <a:xfrm>
-            <a:off x="9970651" y="6185410"/>
-            <a:ext cx="2130724" cy="474323"/>
-            <a:chOff x="9970651" y="6185410"/>
-            <a:chExt cx="2130724" cy="474323"/>
-          </a:xfrm>
-        </p:grpSpPr>
-        <p:sp>
-          <p:nvSpPr>
-            <p:cNvPr id="9" name="Subtitle 2">
-              <a:extLst>
-                <a:ext uri="{FF2B5EF4-FFF2-40B4-BE49-F238E27FC236}">
-                  <a16:creationId xmlns:a16="http://schemas.microsoft.com/office/drawing/2014/main" id="{2229353B-AF80-4FA1-A290-889FFCA819EF}"/>
-                </a:ext>
-              </a:extLst>
-            </p:cNvPr>
-            <p:cNvSpPr txBox="1">
-              <a:spLocks/>
-            </p:cNvSpPr>
-            <p:nvPr/>
-          </p:nvSpPr>
-          <p:spPr>
-            <a:xfrm>
-              <a:off x="10041147" y="6185410"/>
-              <a:ext cx="2060228" cy="474323"/>
-            </a:xfrm>
-            <a:prstGeom prst="rect">
-              <a:avLst/>
-            </a:prstGeom>
-          </p:spPr>
-          <p:txBody>
-            <a:bodyPr vert="horz" lIns="91440" tIns="45720" rIns="91440" bIns="45720" rtlCol="0">
-              <a:normAutofit/>
-            </a:bodyPr>
-            <a:lstStyle>
-              <a:lvl1pPr marL="0" indent="0" algn="ctr" defTabSz="914400" rtl="0" eaLnBrk="1" latinLnBrk="0" hangingPunct="1">
-                <a:lnSpc>
-                  <a:spcPct val="90000"/>
-                </a:lnSpc>
-                <a:spcBef>
-                  <a:spcPts val="1000"/>
-                </a:spcBef>
-                <a:buFont typeface="Arial" panose="020B0604020202020204" pitchFamily="34" charset="0"/>
-                <a:buNone/>
-                <a:defRPr sz="2400" kern="1200">
-                  <a:solidFill>
-                    <a:schemeClr val="tx1"/>
-                  </a:solidFill>
-                  <a:latin typeface="+mn-lt"/>
-                  <a:ea typeface="+mn-ea"/>
-                  <a:cs typeface="+mn-cs"/>
-                </a:defRPr>
-              </a:lvl1pPr>
-              <a:lvl2pPr marL="457200" indent="0" algn="ctr" defTabSz="914400" rtl="0" eaLnBrk="1" latinLnBrk="0" hangingPunct="1">
-                <a:lnSpc>
-                  <a:spcPct val="90000"/>
-                </a:lnSpc>
-                <a:spcBef>
-                  <a:spcPts val="500"/>
-                </a:spcBef>
-                <a:buFont typeface="Arial" panose="020B0604020202020204" pitchFamily="34" charset="0"/>
-                <a:buNone/>
-                <a:defRPr sz="2000" kern="1200">
-                  <a:solidFill>
-                    <a:schemeClr val="tx1"/>
-                  </a:solidFill>
-                  <a:latin typeface="+mn-lt"/>
-                  <a:ea typeface="+mn-ea"/>
-                  <a:cs typeface="+mn-cs"/>
-                </a:defRPr>
-              </a:lvl2pPr>
-              <a:lvl3pPr marL="914400" indent="0" algn="ctr" defTabSz="914400" rtl="0" eaLnBrk="1" latinLnBrk="0" hangingPunct="1">
-                <a:lnSpc>
-                  <a:spcPct val="90000"/>
-                </a:lnSpc>
-                <a:spcBef>
-                  <a:spcPts val="500"/>
-                </a:spcBef>
-                <a:buFont typeface="Arial" panose="020B0604020202020204" pitchFamily="34" charset="0"/>
-                <a:buNone/>
-                <a:defRPr sz="1800" kern="1200">
-                  <a:solidFill>
-                    <a:schemeClr val="tx1"/>
-                  </a:solidFill>
-                  <a:latin typeface="+mn-lt"/>
-                  <a:ea typeface="+mn-ea"/>
-                  <a:cs typeface="+mn-cs"/>
-                </a:defRPr>
-              </a:lvl3pPr>
-              <a:lvl4pPr marL="1371600" indent="0" algn="ctr" defTabSz="914400" rtl="0" eaLnBrk="1" latinLnBrk="0" hangingPunct="1">
-                <a:lnSpc>
-                  <a:spcPct val="90000"/>
-                </a:lnSpc>
-                <a:spcBef>
-                  <a:spcPts val="500"/>
-                </a:spcBef>
-                <a:buFont typeface="Arial" panose="020B0604020202020204" pitchFamily="34" charset="0"/>
-                <a:buNone/>
-                <a:defRPr sz="1600" kern="1200">
-                  <a:solidFill>
-                    <a:schemeClr val="tx1"/>
-                  </a:solidFill>
-                  <a:latin typeface="+mn-lt"/>
-                  <a:ea typeface="+mn-ea"/>
-                  <a:cs typeface="+mn-cs"/>
-                </a:defRPr>
-              </a:lvl4pPr>
-              <a:lvl5pPr marL="1828800" indent="0" algn="ctr" defTabSz="914400" rtl="0" eaLnBrk="1" latinLnBrk="0" hangingPunct="1">
-                <a:lnSpc>
-                  <a:spcPct val="90000"/>
-                </a:lnSpc>
-                <a:spcBef>
-                  <a:spcPts val="500"/>
-                </a:spcBef>
-                <a:buFont typeface="Arial" panose="020B0604020202020204" pitchFamily="34" charset="0"/>
-                <a:buNone/>
-                <a:defRPr sz="1600" kern="1200">
-                  <a:solidFill>
-                    <a:schemeClr val="tx1"/>
-                  </a:solidFill>
-                  <a:latin typeface="+mn-lt"/>
-                  <a:ea typeface="+mn-ea"/>
-                  <a:cs typeface="+mn-cs"/>
-                </a:defRPr>
-              </a:lvl5pPr>
-              <a:lvl6pPr marL="2286000" indent="0" algn="ctr" defTabSz="914400" rtl="0" eaLnBrk="1" latinLnBrk="0" hangingPunct="1">
-                <a:lnSpc>
-                  <a:spcPct val="90000"/>
-                </a:lnSpc>
-                <a:spcBef>
-                  <a:spcPts val="500"/>
-                </a:spcBef>
-                <a:buFont typeface="Arial" panose="020B0604020202020204" pitchFamily="34" charset="0"/>
-                <a:buNone/>
-                <a:defRPr sz="1600" kern="1200">
-                  <a:solidFill>
-                    <a:schemeClr val="tx1"/>
-                  </a:solidFill>
-                  <a:latin typeface="+mn-lt"/>
-                  <a:ea typeface="+mn-ea"/>
-                  <a:cs typeface="+mn-cs"/>
-                </a:defRPr>
-              </a:lvl6pPr>
-              <a:lvl7pPr marL="2743200" indent="0" algn="ctr" defTabSz="914400" rtl="0" eaLnBrk="1" latinLnBrk="0" hangingPunct="1">
-                <a:lnSpc>
-                  <a:spcPct val="90000"/>
-                </a:lnSpc>
-                <a:spcBef>
-                  <a:spcPts val="500"/>
-                </a:spcBef>
-                <a:buFont typeface="Arial" panose="020B0604020202020204" pitchFamily="34" charset="0"/>
-                <a:buNone/>
-                <a:defRPr sz="1600" kern="1200">
-                  <a:solidFill>
-                    <a:schemeClr val="tx1"/>
-                  </a:solidFill>
-                  <a:latin typeface="+mn-lt"/>
-                  <a:ea typeface="+mn-ea"/>
-                  <a:cs typeface="+mn-cs"/>
-                </a:defRPr>
-              </a:lvl7pPr>
-              <a:lvl8pPr marL="3200400" indent="0" algn="ctr" defTabSz="914400" rtl="0" eaLnBrk="1" latinLnBrk="0" hangingPunct="1">
-                <a:lnSpc>
-                  <a:spcPct val="90000"/>
-                </a:lnSpc>
-                <a:spcBef>
-                  <a:spcPts val="500"/>
-                </a:spcBef>
-                <a:buFont typeface="Arial" panose="020B0604020202020204" pitchFamily="34" charset="0"/>
-                <a:buNone/>
-                <a:defRPr sz="1600" kern="1200">
-                  <a:solidFill>
-                    <a:schemeClr val="tx1"/>
-                  </a:solidFill>
-                  <a:latin typeface="+mn-lt"/>
-                  <a:ea typeface="+mn-ea"/>
-                  <a:cs typeface="+mn-cs"/>
-                </a:defRPr>
-              </a:lvl8pPr>
-              <a:lvl9pPr marL="3657600" indent="0" algn="ctr" defTabSz="914400" rtl="0" eaLnBrk="1" latinLnBrk="0" hangingPunct="1">
-                <a:lnSpc>
-                  <a:spcPct val="90000"/>
-                </a:lnSpc>
-                <a:spcBef>
-                  <a:spcPts val="500"/>
-                </a:spcBef>
-                <a:buFont typeface="Arial" panose="020B0604020202020204" pitchFamily="34" charset="0"/>
-                <a:buNone/>
-                <a:defRPr sz="1600" kern="1200">
-                  <a:solidFill>
-                    <a:schemeClr val="tx1"/>
-                  </a:solidFill>
-                  <a:latin typeface="+mn-lt"/>
-                  <a:ea typeface="+mn-ea"/>
-                  <a:cs typeface="+mn-cs"/>
-                </a:defRPr>
-              </a:lvl9pPr>
-            </a:lstStyle>
-            <a:p>
-              <a:r>
-                <a:rPr lang="en-US" dirty="0" err="1">
-                  <a:solidFill>
-                    <a:schemeClr val="bg1">
-                      <a:lumMod val="65000"/>
-                    </a:schemeClr>
-                  </a:solidFill>
-                </a:rPr>
-                <a:t>scottsauber</a:t>
-              </a:r>
-              <a:endParaRPr lang="en-US" dirty="0">
-                <a:solidFill>
-                  <a:schemeClr val="bg1">
-                    <a:lumMod val="65000"/>
-                  </a:schemeClr>
-                </a:solidFill>
-              </a:endParaRPr>
-            </a:p>
-          </p:txBody>
-        </p:sp>
-        <p:sp>
-          <p:nvSpPr>
-            <p:cNvPr id="10" name="Rectangle 9">
-              <a:extLst>
-                <a:ext uri="{FF2B5EF4-FFF2-40B4-BE49-F238E27FC236}">
-                  <a16:creationId xmlns:a16="http://schemas.microsoft.com/office/drawing/2014/main" id="{8AA5A6B6-4F71-4CAB-A81F-16ECC8919324}"/>
-                </a:ext>
-              </a:extLst>
-            </p:cNvPr>
-            <p:cNvSpPr/>
-            <p:nvPr/>
-          </p:nvSpPr>
-          <p:spPr>
-            <a:xfrm>
-              <a:off x="9970651" y="6285411"/>
-              <a:ext cx="347472" cy="274320"/>
-            </a:xfrm>
-            <a:prstGeom prst="rect">
-              <a:avLst/>
-            </a:prstGeom>
-            <a:blipFill dpi="0" rotWithShape="1">
-              <a:blip r:embed="rId3">
-                <a:alphaModFix amt="50000"/>
-              </a:blip>
-              <a:srcRect/>
-              <a:stretch>
-                <a:fillRect/>
-              </a:stretch>
-            </a:blipFill>
-            <a:ln>
-              <a:noFill/>
-            </a:ln>
-          </p:spPr>
-          <p:style>
-            <a:lnRef idx="2">
-              <a:schemeClr val="accent1">
-                <a:shade val="50000"/>
-              </a:schemeClr>
-            </a:lnRef>
-            <a:fillRef idx="1">
-              <a:schemeClr val="accent1"/>
-            </a:fillRef>
-            <a:effectRef idx="0">
-              <a:schemeClr val="accent1"/>
-            </a:effectRef>
-            <a:fontRef idx="minor">
-              <a:schemeClr val="lt1"/>
-            </a:fontRef>
-          </p:style>
-          <p:txBody>
-            <a:bodyPr rtlCol="0" anchor="ctr"/>
-            <a:lstStyle/>
-            <a:p>
-              <a:pPr algn="ctr"/>
-              <a:endParaRPr lang="en-US"/>
-            </a:p>
-          </p:txBody>
-        </p:sp>
-      </p:grpSp>
-    </p:spTree>
-    <p:extLst>
-      <p:ext uri="{BB962C8B-B14F-4D97-AF65-F5344CB8AC3E}">
-        <p14:creationId xmlns:p14="http://schemas.microsoft.com/office/powerpoint/2010/main" val="776743380"/>
-      </p:ext>
-    </p:extLst>
-  </p:cSld>
-  <p:clrMapOvr>
-    <a:masterClrMapping/>
-  </p:clrMapOvr>
-</p:sld>
-</file>
-
-<file path=ppt/slides/slide30.xml><?xml version="1.0" encoding="utf-8"?>
+<file path=ppt/slides/slide34.xml><?xml version="1.0" encoding="utf-8"?>
 <p:sld xmlns:a="http://schemas.openxmlformats.org/drawingml/2006/main" xmlns:r="http://schemas.openxmlformats.org/officeDocument/2006/relationships" xmlns:p="http://schemas.openxmlformats.org/presentationml/2006/main">
   <p:cSld>
     <p:spTree>
@@ -19403,7 +22491,7 @@
 </p:sld>
 </file>
 
-<file path=ppt/slides/slide31.xml><?xml version="1.0" encoding="utf-8"?>
+<file path=ppt/slides/slide35.xml><?xml version="1.0" encoding="utf-8"?>
 <p:sld xmlns:a="http://schemas.openxmlformats.org/drawingml/2006/main" xmlns:r="http://schemas.openxmlformats.org/officeDocument/2006/relationships" xmlns:p="http://schemas.openxmlformats.org/presentationml/2006/main">
   <p:cSld>
     <p:spTree>
@@ -19571,7 +22659,7 @@
 </p:sld>
 </file>
 
-<file path=ppt/slides/slide32.xml><?xml version="1.0" encoding="utf-8"?>
+<file path=ppt/slides/slide36.xml><?xml version="1.0" encoding="utf-8"?>
 <p:sld xmlns:a="http://schemas.openxmlformats.org/drawingml/2006/main" xmlns:r="http://schemas.openxmlformats.org/officeDocument/2006/relationships" xmlns:p="http://schemas.openxmlformats.org/presentationml/2006/main">
   <p:cSld>
     <p:spTree>
@@ -19758,7 +22846,7 @@
 </p:sld>
 </file>
 
-<file path=ppt/slides/slide33.xml><?xml version="1.0" encoding="utf-8"?>
+<file path=ppt/slides/slide37.xml><?xml version="1.0" encoding="utf-8"?>
 <p:sld xmlns:a="http://schemas.openxmlformats.org/drawingml/2006/main" xmlns:r="http://schemas.openxmlformats.org/officeDocument/2006/relationships" xmlns:p="http://schemas.openxmlformats.org/presentationml/2006/main">
   <p:cSld>
     <p:spTree>
@@ -19915,7 +23003,7 @@
 </p:sld>
 </file>
 
-<file path=ppt/slides/slide34.xml><?xml version="1.0" encoding="utf-8"?>
+<file path=ppt/slides/slide38.xml><?xml version="1.0" encoding="utf-8"?>
 <p:sld xmlns:a="http://schemas.openxmlformats.org/drawingml/2006/main" xmlns:r="http://schemas.openxmlformats.org/officeDocument/2006/relationships" xmlns:p="http://schemas.openxmlformats.org/presentationml/2006/main">
   <p:cSld>
     <p:spTree>
@@ -20324,7 +23412,7 @@
 </p:sld>
 </file>
 
-<file path=ppt/slides/slide35.xml><?xml version="1.0" encoding="utf-8"?>
+<file path=ppt/slides/slide39.xml><?xml version="1.0" encoding="utf-8"?>
 <p:sld xmlns:a="http://schemas.openxmlformats.org/drawingml/2006/main" xmlns:r="http://schemas.openxmlformats.org/officeDocument/2006/relationships" xmlns:p="http://schemas.openxmlformats.org/presentationml/2006/main">
   <p:cSld>
     <p:spTree>
@@ -20784,7 +23872,443 @@
 </p:sld>
 </file>
 
-<file path=ppt/slides/slide36.xml><?xml version="1.0" encoding="utf-8"?>
+<file path=ppt/slides/slide4.xml><?xml version="1.0" encoding="utf-8"?>
+<p:sld xmlns:a="http://schemas.openxmlformats.org/drawingml/2006/main" xmlns:r="http://schemas.openxmlformats.org/officeDocument/2006/relationships" xmlns:p="http://schemas.openxmlformats.org/presentationml/2006/main">
+  <p:cSld>
+    <p:spTree>
+      <p:nvGrpSpPr>
+        <p:cNvPr id="1" name=""/>
+        <p:cNvGrpSpPr/>
+        <p:nvPr/>
+      </p:nvGrpSpPr>
+      <p:grpSpPr>
+        <a:xfrm>
+          <a:off x="0" y="0"/>
+          <a:ext cx="0" cy="0"/>
+          <a:chOff x="0" y="0"/>
+          <a:chExt cx="0" cy="0"/>
+        </a:xfrm>
+      </p:grpSpPr>
+      <p:sp>
+        <p:nvSpPr>
+          <p:cNvPr id="2" name="Title 1"/>
+          <p:cNvSpPr>
+            <a:spLocks noGrp="1"/>
+          </p:cNvSpPr>
+          <p:nvPr>
+            <p:ph type="title"/>
+          </p:nvPr>
+        </p:nvSpPr>
+        <p:spPr/>
+        <p:txBody>
+          <a:bodyPr/>
+          <a:lstStyle/>
+          <a:p>
+            <a:r>
+              <a:rPr lang="en-US" dirty="0">
+                <a:solidFill>
+                  <a:schemeClr val="bg1">
+                    <a:lumMod val="65000"/>
+                  </a:schemeClr>
+                </a:solidFill>
+              </a:rPr>
+              <a:t>Goals</a:t>
+            </a:r>
+          </a:p>
+        </p:txBody>
+      </p:sp>
+      <p:sp>
+        <p:nvSpPr>
+          <p:cNvPr id="3" name="Content Placeholder 2"/>
+          <p:cNvSpPr>
+            <a:spLocks noGrp="1"/>
+          </p:cNvSpPr>
+          <p:nvPr>
+            <p:ph idx="1"/>
+          </p:nvPr>
+        </p:nvSpPr>
+        <p:spPr>
+          <a:xfrm>
+            <a:off x="838200" y="1825625"/>
+            <a:ext cx="10515600" cy="4834108"/>
+          </a:xfrm>
+        </p:spPr>
+        <p:txBody>
+          <a:bodyPr>
+            <a:normAutofit/>
+          </a:bodyPr>
+          <a:lstStyle/>
+          <a:p>
+            <a:r>
+              <a:rPr lang="en-US" dirty="0"/>
+              <a:t>Learn “best practices</a:t>
+            </a:r>
+            <a:r>
+              <a:rPr lang="en-US" baseline="30000" dirty="0"/>
+              <a:t>*</a:t>
+            </a:r>
+            <a:r>
+              <a:rPr lang="en-US" dirty="0"/>
+              <a:t>” for writing frontend tests</a:t>
+            </a:r>
+          </a:p>
+          <a:p>
+            <a:r>
+              <a:rPr lang="en-US" dirty="0"/>
+              <a:t>Share with .NET community testing learnings from React community</a:t>
+            </a:r>
+          </a:p>
+          <a:p>
+            <a:r>
+              <a:rPr lang="en-US" dirty="0"/>
+              <a:t>Learn how to TDD (with </a:t>
+            </a:r>
+            <a:r>
+              <a:rPr lang="en-US" dirty="0" err="1"/>
+              <a:t>Blazor</a:t>
+            </a:r>
+            <a:r>
+              <a:rPr lang="en-US" dirty="0"/>
+              <a:t>!)</a:t>
+            </a:r>
+          </a:p>
+          <a:p>
+            <a:endParaRPr lang="en-US" dirty="0"/>
+          </a:p>
+          <a:p>
+            <a:endParaRPr lang="en-US" dirty="0"/>
+          </a:p>
+          <a:p>
+            <a:endParaRPr lang="en-US" dirty="0"/>
+          </a:p>
+          <a:p>
+            <a:endParaRPr lang="en-US" dirty="0"/>
+          </a:p>
+          <a:p>
+            <a:endParaRPr lang="en-US" dirty="0"/>
+          </a:p>
+          <a:p>
+            <a:pPr marL="0" indent="0">
+              <a:buNone/>
+            </a:pPr>
+            <a:endParaRPr lang="en-US" sz="1600" dirty="0"/>
+          </a:p>
+          <a:p>
+            <a:pPr marL="0" indent="0">
+              <a:buNone/>
+            </a:pPr>
+            <a:r>
+              <a:rPr lang="en-US" sz="1600" dirty="0"/>
+              <a:t>* Synonym for “Just My Opinions” and I’ll probably find a way I like better in the future</a:t>
+            </a:r>
+          </a:p>
+        </p:txBody>
+      </p:sp>
+      <p:grpSp>
+        <p:nvGrpSpPr>
+          <p:cNvPr id="8" name="Group 7">
+            <a:extLst>
+              <a:ext uri="{FF2B5EF4-FFF2-40B4-BE49-F238E27FC236}">
+                <a16:creationId xmlns:a16="http://schemas.microsoft.com/office/drawing/2014/main" id="{E239A9CE-C7EB-4E97-86E4-7038185B0547}"/>
+              </a:ext>
+            </a:extLst>
+          </p:cNvPr>
+          <p:cNvGrpSpPr/>
+          <p:nvPr/>
+        </p:nvGrpSpPr>
+        <p:grpSpPr>
+          <a:xfrm>
+            <a:off x="9970651" y="6185410"/>
+            <a:ext cx="2130724" cy="474323"/>
+            <a:chOff x="9970651" y="6185410"/>
+            <a:chExt cx="2130724" cy="474323"/>
+          </a:xfrm>
+        </p:grpSpPr>
+        <p:sp>
+          <p:nvSpPr>
+            <p:cNvPr id="9" name="Subtitle 2">
+              <a:extLst>
+                <a:ext uri="{FF2B5EF4-FFF2-40B4-BE49-F238E27FC236}">
+                  <a16:creationId xmlns:a16="http://schemas.microsoft.com/office/drawing/2014/main" id="{2229353B-AF80-4FA1-A290-889FFCA819EF}"/>
+                </a:ext>
+              </a:extLst>
+            </p:cNvPr>
+            <p:cNvSpPr txBox="1">
+              <a:spLocks/>
+            </p:cNvSpPr>
+            <p:nvPr/>
+          </p:nvSpPr>
+          <p:spPr>
+            <a:xfrm>
+              <a:off x="10041147" y="6185410"/>
+              <a:ext cx="2060228" cy="474323"/>
+            </a:xfrm>
+            <a:prstGeom prst="rect">
+              <a:avLst/>
+            </a:prstGeom>
+          </p:spPr>
+          <p:txBody>
+            <a:bodyPr vert="horz" lIns="91440" tIns="45720" rIns="91440" bIns="45720" rtlCol="0">
+              <a:normAutofit/>
+            </a:bodyPr>
+            <a:lstStyle>
+              <a:lvl1pPr marL="0" indent="0" algn="ctr" defTabSz="914400" rtl="0" eaLnBrk="1" latinLnBrk="0" hangingPunct="1">
+                <a:lnSpc>
+                  <a:spcPct val="90000"/>
+                </a:lnSpc>
+                <a:spcBef>
+                  <a:spcPts val="1000"/>
+                </a:spcBef>
+                <a:buFont typeface="Arial" panose="020B0604020202020204" pitchFamily="34" charset="0"/>
+                <a:buNone/>
+                <a:defRPr sz="2400" kern="1200">
+                  <a:solidFill>
+                    <a:schemeClr val="tx1"/>
+                  </a:solidFill>
+                  <a:latin typeface="+mn-lt"/>
+                  <a:ea typeface="+mn-ea"/>
+                  <a:cs typeface="+mn-cs"/>
+                </a:defRPr>
+              </a:lvl1pPr>
+              <a:lvl2pPr marL="457200" indent="0" algn="ctr" defTabSz="914400" rtl="0" eaLnBrk="1" latinLnBrk="0" hangingPunct="1">
+                <a:lnSpc>
+                  <a:spcPct val="90000"/>
+                </a:lnSpc>
+                <a:spcBef>
+                  <a:spcPts val="500"/>
+                </a:spcBef>
+                <a:buFont typeface="Arial" panose="020B0604020202020204" pitchFamily="34" charset="0"/>
+                <a:buNone/>
+                <a:defRPr sz="2000" kern="1200">
+                  <a:solidFill>
+                    <a:schemeClr val="tx1"/>
+                  </a:solidFill>
+                  <a:latin typeface="+mn-lt"/>
+                  <a:ea typeface="+mn-ea"/>
+                  <a:cs typeface="+mn-cs"/>
+                </a:defRPr>
+              </a:lvl2pPr>
+              <a:lvl3pPr marL="914400" indent="0" algn="ctr" defTabSz="914400" rtl="0" eaLnBrk="1" latinLnBrk="0" hangingPunct="1">
+                <a:lnSpc>
+                  <a:spcPct val="90000"/>
+                </a:lnSpc>
+                <a:spcBef>
+                  <a:spcPts val="500"/>
+                </a:spcBef>
+                <a:buFont typeface="Arial" panose="020B0604020202020204" pitchFamily="34" charset="0"/>
+                <a:buNone/>
+                <a:defRPr sz="1800" kern="1200">
+                  <a:solidFill>
+                    <a:schemeClr val="tx1"/>
+                  </a:solidFill>
+                  <a:latin typeface="+mn-lt"/>
+                  <a:ea typeface="+mn-ea"/>
+                  <a:cs typeface="+mn-cs"/>
+                </a:defRPr>
+              </a:lvl3pPr>
+              <a:lvl4pPr marL="1371600" indent="0" algn="ctr" defTabSz="914400" rtl="0" eaLnBrk="1" latinLnBrk="0" hangingPunct="1">
+                <a:lnSpc>
+                  <a:spcPct val="90000"/>
+                </a:lnSpc>
+                <a:spcBef>
+                  <a:spcPts val="500"/>
+                </a:spcBef>
+                <a:buFont typeface="Arial" panose="020B0604020202020204" pitchFamily="34" charset="0"/>
+                <a:buNone/>
+                <a:defRPr sz="1600" kern="1200">
+                  <a:solidFill>
+                    <a:schemeClr val="tx1"/>
+                  </a:solidFill>
+                  <a:latin typeface="+mn-lt"/>
+                  <a:ea typeface="+mn-ea"/>
+                  <a:cs typeface="+mn-cs"/>
+                </a:defRPr>
+              </a:lvl4pPr>
+              <a:lvl5pPr marL="1828800" indent="0" algn="ctr" defTabSz="914400" rtl="0" eaLnBrk="1" latinLnBrk="0" hangingPunct="1">
+                <a:lnSpc>
+                  <a:spcPct val="90000"/>
+                </a:lnSpc>
+                <a:spcBef>
+                  <a:spcPts val="500"/>
+                </a:spcBef>
+                <a:buFont typeface="Arial" panose="020B0604020202020204" pitchFamily="34" charset="0"/>
+                <a:buNone/>
+                <a:defRPr sz="1600" kern="1200">
+                  <a:solidFill>
+                    <a:schemeClr val="tx1"/>
+                  </a:solidFill>
+                  <a:latin typeface="+mn-lt"/>
+                  <a:ea typeface="+mn-ea"/>
+                  <a:cs typeface="+mn-cs"/>
+                </a:defRPr>
+              </a:lvl5pPr>
+              <a:lvl6pPr marL="2286000" indent="0" algn="ctr" defTabSz="914400" rtl="0" eaLnBrk="1" latinLnBrk="0" hangingPunct="1">
+                <a:lnSpc>
+                  <a:spcPct val="90000"/>
+                </a:lnSpc>
+                <a:spcBef>
+                  <a:spcPts val="500"/>
+                </a:spcBef>
+                <a:buFont typeface="Arial" panose="020B0604020202020204" pitchFamily="34" charset="0"/>
+                <a:buNone/>
+                <a:defRPr sz="1600" kern="1200">
+                  <a:solidFill>
+                    <a:schemeClr val="tx1"/>
+                  </a:solidFill>
+                  <a:latin typeface="+mn-lt"/>
+                  <a:ea typeface="+mn-ea"/>
+                  <a:cs typeface="+mn-cs"/>
+                </a:defRPr>
+              </a:lvl6pPr>
+              <a:lvl7pPr marL="2743200" indent="0" algn="ctr" defTabSz="914400" rtl="0" eaLnBrk="1" latinLnBrk="0" hangingPunct="1">
+                <a:lnSpc>
+                  <a:spcPct val="90000"/>
+                </a:lnSpc>
+                <a:spcBef>
+                  <a:spcPts val="500"/>
+                </a:spcBef>
+                <a:buFont typeface="Arial" panose="020B0604020202020204" pitchFamily="34" charset="0"/>
+                <a:buNone/>
+                <a:defRPr sz="1600" kern="1200">
+                  <a:solidFill>
+                    <a:schemeClr val="tx1"/>
+                  </a:solidFill>
+                  <a:latin typeface="+mn-lt"/>
+                  <a:ea typeface="+mn-ea"/>
+                  <a:cs typeface="+mn-cs"/>
+                </a:defRPr>
+              </a:lvl7pPr>
+              <a:lvl8pPr marL="3200400" indent="0" algn="ctr" defTabSz="914400" rtl="0" eaLnBrk="1" latinLnBrk="0" hangingPunct="1">
+                <a:lnSpc>
+                  <a:spcPct val="90000"/>
+                </a:lnSpc>
+                <a:spcBef>
+                  <a:spcPts val="500"/>
+                </a:spcBef>
+                <a:buFont typeface="Arial" panose="020B0604020202020204" pitchFamily="34" charset="0"/>
+                <a:buNone/>
+                <a:defRPr sz="1600" kern="1200">
+                  <a:solidFill>
+                    <a:schemeClr val="tx1"/>
+                  </a:solidFill>
+                  <a:latin typeface="+mn-lt"/>
+                  <a:ea typeface="+mn-ea"/>
+                  <a:cs typeface="+mn-cs"/>
+                </a:defRPr>
+              </a:lvl8pPr>
+              <a:lvl9pPr marL="3657600" indent="0" algn="ctr" defTabSz="914400" rtl="0" eaLnBrk="1" latinLnBrk="0" hangingPunct="1">
+                <a:lnSpc>
+                  <a:spcPct val="90000"/>
+                </a:lnSpc>
+                <a:spcBef>
+                  <a:spcPts val="500"/>
+                </a:spcBef>
+                <a:buFont typeface="Arial" panose="020B0604020202020204" pitchFamily="34" charset="0"/>
+                <a:buNone/>
+                <a:defRPr sz="1600" kern="1200">
+                  <a:solidFill>
+                    <a:schemeClr val="tx1"/>
+                  </a:solidFill>
+                  <a:latin typeface="+mn-lt"/>
+                  <a:ea typeface="+mn-ea"/>
+                  <a:cs typeface="+mn-cs"/>
+                </a:defRPr>
+              </a:lvl9pPr>
+            </a:lstStyle>
+            <a:p>
+              <a:r>
+                <a:rPr lang="en-US" dirty="0" err="1">
+                  <a:solidFill>
+                    <a:schemeClr val="bg1">
+                      <a:lumMod val="65000"/>
+                    </a:schemeClr>
+                  </a:solidFill>
+                </a:rPr>
+                <a:t>scottsauber</a:t>
+              </a:r>
+              <a:endParaRPr lang="en-US" dirty="0">
+                <a:solidFill>
+                  <a:schemeClr val="bg1">
+                    <a:lumMod val="65000"/>
+                  </a:schemeClr>
+                </a:solidFill>
+              </a:endParaRPr>
+            </a:p>
+          </p:txBody>
+        </p:sp>
+        <p:sp>
+          <p:nvSpPr>
+            <p:cNvPr id="10" name="Rectangle 9">
+              <a:extLst>
+                <a:ext uri="{FF2B5EF4-FFF2-40B4-BE49-F238E27FC236}">
+                  <a16:creationId xmlns:a16="http://schemas.microsoft.com/office/drawing/2014/main" id="{8AA5A6B6-4F71-4CAB-A81F-16ECC8919324}"/>
+                </a:ext>
+              </a:extLst>
+            </p:cNvPr>
+            <p:cNvSpPr/>
+            <p:nvPr/>
+          </p:nvSpPr>
+          <p:spPr>
+            <a:xfrm>
+              <a:off x="9970651" y="6285411"/>
+              <a:ext cx="347472" cy="274320"/>
+            </a:xfrm>
+            <a:prstGeom prst="rect">
+              <a:avLst/>
+            </a:prstGeom>
+            <a:blipFill dpi="0" rotWithShape="1">
+              <a:blip r:embed="rId3">
+                <a:alphaModFix amt="50000"/>
+              </a:blip>
+              <a:srcRect/>
+              <a:stretch>
+                <a:fillRect/>
+              </a:stretch>
+            </a:blipFill>
+            <a:ln>
+              <a:noFill/>
+            </a:ln>
+          </p:spPr>
+          <p:style>
+            <a:lnRef idx="2">
+              <a:schemeClr val="accent1">
+                <a:shade val="50000"/>
+              </a:schemeClr>
+            </a:lnRef>
+            <a:fillRef idx="1">
+              <a:schemeClr val="accent1"/>
+            </a:fillRef>
+            <a:effectRef idx="0">
+              <a:schemeClr val="accent1"/>
+            </a:effectRef>
+            <a:fontRef idx="minor">
+              <a:schemeClr val="lt1"/>
+            </a:fontRef>
+          </p:style>
+          <p:txBody>
+            <a:bodyPr rtlCol="0" anchor="ctr"/>
+            <a:lstStyle/>
+            <a:p>
+              <a:pPr algn="ctr"/>
+              <a:endParaRPr lang="en-US"/>
+            </a:p>
+          </p:txBody>
+        </p:sp>
+      </p:grpSp>
+    </p:spTree>
+    <p:extLst>
+      <p:ext uri="{BB962C8B-B14F-4D97-AF65-F5344CB8AC3E}">
+        <p14:creationId xmlns:p14="http://schemas.microsoft.com/office/powerpoint/2010/main" val="1047538425"/>
+      </p:ext>
+    </p:extLst>
+  </p:cSld>
+  <p:clrMapOvr>
+    <a:masterClrMapping/>
+  </p:clrMapOvr>
+</p:sld>
+</file>
+
+<file path=ppt/slides/slide40.xml><?xml version="1.0" encoding="utf-8"?>
 <p:sld xmlns:a="http://schemas.openxmlformats.org/drawingml/2006/main" xmlns:r="http://schemas.openxmlformats.org/officeDocument/2006/relationships" xmlns:p="http://schemas.openxmlformats.org/presentationml/2006/main">
   <p:cSld>
     <p:bg>
@@ -21409,7 +24933,7 @@
 </p:sld>
 </file>
 
-<file path=ppt/slides/slide37.xml><?xml version="1.0" encoding="utf-8"?>
+<file path=ppt/slides/slide41.xml><?xml version="1.0" encoding="utf-8"?>
 <p:sld xmlns:a="http://schemas.openxmlformats.org/drawingml/2006/main" xmlns:r="http://schemas.openxmlformats.org/officeDocument/2006/relationships" xmlns:p="http://schemas.openxmlformats.org/presentationml/2006/main">
   <p:cSld>
     <p:bg>
@@ -22034,442 +25558,6 @@
 </p:sld>
 </file>
 
-<file path=ppt/slides/slide4.xml><?xml version="1.0" encoding="utf-8"?>
-<p:sld xmlns:a="http://schemas.openxmlformats.org/drawingml/2006/main" xmlns:r="http://schemas.openxmlformats.org/officeDocument/2006/relationships" xmlns:p="http://schemas.openxmlformats.org/presentationml/2006/main">
-  <p:cSld>
-    <p:spTree>
-      <p:nvGrpSpPr>
-        <p:cNvPr id="1" name=""/>
-        <p:cNvGrpSpPr/>
-        <p:nvPr/>
-      </p:nvGrpSpPr>
-      <p:grpSpPr>
-        <a:xfrm>
-          <a:off x="0" y="0"/>
-          <a:ext cx="0" cy="0"/>
-          <a:chOff x="0" y="0"/>
-          <a:chExt cx="0" cy="0"/>
-        </a:xfrm>
-      </p:grpSpPr>
-      <p:sp>
-        <p:nvSpPr>
-          <p:cNvPr id="2" name="Title 1"/>
-          <p:cNvSpPr>
-            <a:spLocks noGrp="1"/>
-          </p:cNvSpPr>
-          <p:nvPr>
-            <p:ph type="title"/>
-          </p:nvPr>
-        </p:nvSpPr>
-        <p:spPr/>
-        <p:txBody>
-          <a:bodyPr/>
-          <a:lstStyle/>
-          <a:p>
-            <a:r>
-              <a:rPr lang="en-US" dirty="0">
-                <a:solidFill>
-                  <a:schemeClr val="bg1">
-                    <a:lumMod val="65000"/>
-                  </a:schemeClr>
-                </a:solidFill>
-              </a:rPr>
-              <a:t>Goals</a:t>
-            </a:r>
-          </a:p>
-        </p:txBody>
-      </p:sp>
-      <p:sp>
-        <p:nvSpPr>
-          <p:cNvPr id="3" name="Content Placeholder 2"/>
-          <p:cNvSpPr>
-            <a:spLocks noGrp="1"/>
-          </p:cNvSpPr>
-          <p:nvPr>
-            <p:ph idx="1"/>
-          </p:nvPr>
-        </p:nvSpPr>
-        <p:spPr>
-          <a:xfrm>
-            <a:off x="838200" y="1825625"/>
-            <a:ext cx="10515600" cy="4834108"/>
-          </a:xfrm>
-        </p:spPr>
-        <p:txBody>
-          <a:bodyPr>
-            <a:normAutofit/>
-          </a:bodyPr>
-          <a:lstStyle/>
-          <a:p>
-            <a:r>
-              <a:rPr lang="en-US" dirty="0"/>
-              <a:t>Learn “best practices</a:t>
-            </a:r>
-            <a:r>
-              <a:rPr lang="en-US" baseline="30000" dirty="0"/>
-              <a:t>*</a:t>
-            </a:r>
-            <a:r>
-              <a:rPr lang="en-US" dirty="0"/>
-              <a:t>” for writing frontend tests</a:t>
-            </a:r>
-          </a:p>
-          <a:p>
-            <a:r>
-              <a:rPr lang="en-US" dirty="0"/>
-              <a:t>Learn how to TDD (with </a:t>
-            </a:r>
-            <a:r>
-              <a:rPr lang="en-US" dirty="0" err="1"/>
-              <a:t>Blazor</a:t>
-            </a:r>
-            <a:r>
-              <a:rPr lang="en-US" dirty="0"/>
-              <a:t>!)</a:t>
-            </a:r>
-          </a:p>
-          <a:p>
-            <a:r>
-              <a:rPr lang="en-US" dirty="0"/>
-              <a:t>Share with .NET community testing learnings from React community</a:t>
-            </a:r>
-          </a:p>
-          <a:p>
-            <a:endParaRPr lang="en-US" dirty="0"/>
-          </a:p>
-          <a:p>
-            <a:endParaRPr lang="en-US" dirty="0"/>
-          </a:p>
-          <a:p>
-            <a:endParaRPr lang="en-US" dirty="0"/>
-          </a:p>
-          <a:p>
-            <a:endParaRPr lang="en-US" dirty="0"/>
-          </a:p>
-          <a:p>
-            <a:endParaRPr lang="en-US" dirty="0"/>
-          </a:p>
-          <a:p>
-            <a:pPr marL="0" indent="0">
-              <a:buNone/>
-            </a:pPr>
-            <a:endParaRPr lang="en-US" sz="1600" dirty="0"/>
-          </a:p>
-          <a:p>
-            <a:pPr marL="0" indent="0">
-              <a:buNone/>
-            </a:pPr>
-            <a:r>
-              <a:rPr lang="en-US" sz="1600" dirty="0"/>
-              <a:t>* Synonym for “Just My Opinions” and I’ll probably find a way I like better in the future</a:t>
-            </a:r>
-          </a:p>
-        </p:txBody>
-      </p:sp>
-      <p:grpSp>
-        <p:nvGrpSpPr>
-          <p:cNvPr id="8" name="Group 7">
-            <a:extLst>
-              <a:ext uri="{FF2B5EF4-FFF2-40B4-BE49-F238E27FC236}">
-                <a16:creationId xmlns:a16="http://schemas.microsoft.com/office/drawing/2014/main" id="{E239A9CE-C7EB-4E97-86E4-7038185B0547}"/>
-              </a:ext>
-            </a:extLst>
-          </p:cNvPr>
-          <p:cNvGrpSpPr/>
-          <p:nvPr/>
-        </p:nvGrpSpPr>
-        <p:grpSpPr>
-          <a:xfrm>
-            <a:off x="9970651" y="6185410"/>
-            <a:ext cx="2130724" cy="474323"/>
-            <a:chOff x="9970651" y="6185410"/>
-            <a:chExt cx="2130724" cy="474323"/>
-          </a:xfrm>
-        </p:grpSpPr>
-        <p:sp>
-          <p:nvSpPr>
-            <p:cNvPr id="9" name="Subtitle 2">
-              <a:extLst>
-                <a:ext uri="{FF2B5EF4-FFF2-40B4-BE49-F238E27FC236}">
-                  <a16:creationId xmlns:a16="http://schemas.microsoft.com/office/drawing/2014/main" id="{2229353B-AF80-4FA1-A290-889FFCA819EF}"/>
-                </a:ext>
-              </a:extLst>
-            </p:cNvPr>
-            <p:cNvSpPr txBox="1">
-              <a:spLocks/>
-            </p:cNvSpPr>
-            <p:nvPr/>
-          </p:nvSpPr>
-          <p:spPr>
-            <a:xfrm>
-              <a:off x="10041147" y="6185410"/>
-              <a:ext cx="2060228" cy="474323"/>
-            </a:xfrm>
-            <a:prstGeom prst="rect">
-              <a:avLst/>
-            </a:prstGeom>
-          </p:spPr>
-          <p:txBody>
-            <a:bodyPr vert="horz" lIns="91440" tIns="45720" rIns="91440" bIns="45720" rtlCol="0">
-              <a:normAutofit/>
-            </a:bodyPr>
-            <a:lstStyle>
-              <a:lvl1pPr marL="0" indent="0" algn="ctr" defTabSz="914400" rtl="0" eaLnBrk="1" latinLnBrk="0" hangingPunct="1">
-                <a:lnSpc>
-                  <a:spcPct val="90000"/>
-                </a:lnSpc>
-                <a:spcBef>
-                  <a:spcPts val="1000"/>
-                </a:spcBef>
-                <a:buFont typeface="Arial" panose="020B0604020202020204" pitchFamily="34" charset="0"/>
-                <a:buNone/>
-                <a:defRPr sz="2400" kern="1200">
-                  <a:solidFill>
-                    <a:schemeClr val="tx1"/>
-                  </a:solidFill>
-                  <a:latin typeface="+mn-lt"/>
-                  <a:ea typeface="+mn-ea"/>
-                  <a:cs typeface="+mn-cs"/>
-                </a:defRPr>
-              </a:lvl1pPr>
-              <a:lvl2pPr marL="457200" indent="0" algn="ctr" defTabSz="914400" rtl="0" eaLnBrk="1" latinLnBrk="0" hangingPunct="1">
-                <a:lnSpc>
-                  <a:spcPct val="90000"/>
-                </a:lnSpc>
-                <a:spcBef>
-                  <a:spcPts val="500"/>
-                </a:spcBef>
-                <a:buFont typeface="Arial" panose="020B0604020202020204" pitchFamily="34" charset="0"/>
-                <a:buNone/>
-                <a:defRPr sz="2000" kern="1200">
-                  <a:solidFill>
-                    <a:schemeClr val="tx1"/>
-                  </a:solidFill>
-                  <a:latin typeface="+mn-lt"/>
-                  <a:ea typeface="+mn-ea"/>
-                  <a:cs typeface="+mn-cs"/>
-                </a:defRPr>
-              </a:lvl2pPr>
-              <a:lvl3pPr marL="914400" indent="0" algn="ctr" defTabSz="914400" rtl="0" eaLnBrk="1" latinLnBrk="0" hangingPunct="1">
-                <a:lnSpc>
-                  <a:spcPct val="90000"/>
-                </a:lnSpc>
-                <a:spcBef>
-                  <a:spcPts val="500"/>
-                </a:spcBef>
-                <a:buFont typeface="Arial" panose="020B0604020202020204" pitchFamily="34" charset="0"/>
-                <a:buNone/>
-                <a:defRPr sz="1800" kern="1200">
-                  <a:solidFill>
-                    <a:schemeClr val="tx1"/>
-                  </a:solidFill>
-                  <a:latin typeface="+mn-lt"/>
-                  <a:ea typeface="+mn-ea"/>
-                  <a:cs typeface="+mn-cs"/>
-                </a:defRPr>
-              </a:lvl3pPr>
-              <a:lvl4pPr marL="1371600" indent="0" algn="ctr" defTabSz="914400" rtl="0" eaLnBrk="1" latinLnBrk="0" hangingPunct="1">
-                <a:lnSpc>
-                  <a:spcPct val="90000"/>
-                </a:lnSpc>
-                <a:spcBef>
-                  <a:spcPts val="500"/>
-                </a:spcBef>
-                <a:buFont typeface="Arial" panose="020B0604020202020204" pitchFamily="34" charset="0"/>
-                <a:buNone/>
-                <a:defRPr sz="1600" kern="1200">
-                  <a:solidFill>
-                    <a:schemeClr val="tx1"/>
-                  </a:solidFill>
-                  <a:latin typeface="+mn-lt"/>
-                  <a:ea typeface="+mn-ea"/>
-                  <a:cs typeface="+mn-cs"/>
-                </a:defRPr>
-              </a:lvl4pPr>
-              <a:lvl5pPr marL="1828800" indent="0" algn="ctr" defTabSz="914400" rtl="0" eaLnBrk="1" latinLnBrk="0" hangingPunct="1">
-                <a:lnSpc>
-                  <a:spcPct val="90000"/>
-                </a:lnSpc>
-                <a:spcBef>
-                  <a:spcPts val="500"/>
-                </a:spcBef>
-                <a:buFont typeface="Arial" panose="020B0604020202020204" pitchFamily="34" charset="0"/>
-                <a:buNone/>
-                <a:defRPr sz="1600" kern="1200">
-                  <a:solidFill>
-                    <a:schemeClr val="tx1"/>
-                  </a:solidFill>
-                  <a:latin typeface="+mn-lt"/>
-                  <a:ea typeface="+mn-ea"/>
-                  <a:cs typeface="+mn-cs"/>
-                </a:defRPr>
-              </a:lvl5pPr>
-              <a:lvl6pPr marL="2286000" indent="0" algn="ctr" defTabSz="914400" rtl="0" eaLnBrk="1" latinLnBrk="0" hangingPunct="1">
-                <a:lnSpc>
-                  <a:spcPct val="90000"/>
-                </a:lnSpc>
-                <a:spcBef>
-                  <a:spcPts val="500"/>
-                </a:spcBef>
-                <a:buFont typeface="Arial" panose="020B0604020202020204" pitchFamily="34" charset="0"/>
-                <a:buNone/>
-                <a:defRPr sz="1600" kern="1200">
-                  <a:solidFill>
-                    <a:schemeClr val="tx1"/>
-                  </a:solidFill>
-                  <a:latin typeface="+mn-lt"/>
-                  <a:ea typeface="+mn-ea"/>
-                  <a:cs typeface="+mn-cs"/>
-                </a:defRPr>
-              </a:lvl6pPr>
-              <a:lvl7pPr marL="2743200" indent="0" algn="ctr" defTabSz="914400" rtl="0" eaLnBrk="1" latinLnBrk="0" hangingPunct="1">
-                <a:lnSpc>
-                  <a:spcPct val="90000"/>
-                </a:lnSpc>
-                <a:spcBef>
-                  <a:spcPts val="500"/>
-                </a:spcBef>
-                <a:buFont typeface="Arial" panose="020B0604020202020204" pitchFamily="34" charset="0"/>
-                <a:buNone/>
-                <a:defRPr sz="1600" kern="1200">
-                  <a:solidFill>
-                    <a:schemeClr val="tx1"/>
-                  </a:solidFill>
-                  <a:latin typeface="+mn-lt"/>
-                  <a:ea typeface="+mn-ea"/>
-                  <a:cs typeface="+mn-cs"/>
-                </a:defRPr>
-              </a:lvl7pPr>
-              <a:lvl8pPr marL="3200400" indent="0" algn="ctr" defTabSz="914400" rtl="0" eaLnBrk="1" latinLnBrk="0" hangingPunct="1">
-                <a:lnSpc>
-                  <a:spcPct val="90000"/>
-                </a:lnSpc>
-                <a:spcBef>
-                  <a:spcPts val="500"/>
-                </a:spcBef>
-                <a:buFont typeface="Arial" panose="020B0604020202020204" pitchFamily="34" charset="0"/>
-                <a:buNone/>
-                <a:defRPr sz="1600" kern="1200">
-                  <a:solidFill>
-                    <a:schemeClr val="tx1"/>
-                  </a:solidFill>
-                  <a:latin typeface="+mn-lt"/>
-                  <a:ea typeface="+mn-ea"/>
-                  <a:cs typeface="+mn-cs"/>
-                </a:defRPr>
-              </a:lvl8pPr>
-              <a:lvl9pPr marL="3657600" indent="0" algn="ctr" defTabSz="914400" rtl="0" eaLnBrk="1" latinLnBrk="0" hangingPunct="1">
-                <a:lnSpc>
-                  <a:spcPct val="90000"/>
-                </a:lnSpc>
-                <a:spcBef>
-                  <a:spcPts val="500"/>
-                </a:spcBef>
-                <a:buFont typeface="Arial" panose="020B0604020202020204" pitchFamily="34" charset="0"/>
-                <a:buNone/>
-                <a:defRPr sz="1600" kern="1200">
-                  <a:solidFill>
-                    <a:schemeClr val="tx1"/>
-                  </a:solidFill>
-                  <a:latin typeface="+mn-lt"/>
-                  <a:ea typeface="+mn-ea"/>
-                  <a:cs typeface="+mn-cs"/>
-                </a:defRPr>
-              </a:lvl9pPr>
-            </a:lstStyle>
-            <a:p>
-              <a:r>
-                <a:rPr lang="en-US" dirty="0" err="1">
-                  <a:solidFill>
-                    <a:schemeClr val="bg1">
-                      <a:lumMod val="65000"/>
-                    </a:schemeClr>
-                  </a:solidFill>
-                </a:rPr>
-                <a:t>scottsauber</a:t>
-              </a:r>
-              <a:endParaRPr lang="en-US" dirty="0">
-                <a:solidFill>
-                  <a:schemeClr val="bg1">
-                    <a:lumMod val="65000"/>
-                  </a:schemeClr>
-                </a:solidFill>
-              </a:endParaRPr>
-            </a:p>
-          </p:txBody>
-        </p:sp>
-        <p:sp>
-          <p:nvSpPr>
-            <p:cNvPr id="10" name="Rectangle 9">
-              <a:extLst>
-                <a:ext uri="{FF2B5EF4-FFF2-40B4-BE49-F238E27FC236}">
-                  <a16:creationId xmlns:a16="http://schemas.microsoft.com/office/drawing/2014/main" id="{8AA5A6B6-4F71-4CAB-A81F-16ECC8919324}"/>
-                </a:ext>
-              </a:extLst>
-            </p:cNvPr>
-            <p:cNvSpPr/>
-            <p:nvPr/>
-          </p:nvSpPr>
-          <p:spPr>
-            <a:xfrm>
-              <a:off x="9970651" y="6285411"/>
-              <a:ext cx="347472" cy="274320"/>
-            </a:xfrm>
-            <a:prstGeom prst="rect">
-              <a:avLst/>
-            </a:prstGeom>
-            <a:blipFill dpi="0" rotWithShape="1">
-              <a:blip r:embed="rId3">
-                <a:alphaModFix amt="50000"/>
-              </a:blip>
-              <a:srcRect/>
-              <a:stretch>
-                <a:fillRect/>
-              </a:stretch>
-            </a:blipFill>
-            <a:ln>
-              <a:noFill/>
-            </a:ln>
-          </p:spPr>
-          <p:style>
-            <a:lnRef idx="2">
-              <a:schemeClr val="accent1">
-                <a:shade val="50000"/>
-              </a:schemeClr>
-            </a:lnRef>
-            <a:fillRef idx="1">
-              <a:schemeClr val="accent1"/>
-            </a:fillRef>
-            <a:effectRef idx="0">
-              <a:schemeClr val="accent1"/>
-            </a:effectRef>
-            <a:fontRef idx="minor">
-              <a:schemeClr val="lt1"/>
-            </a:fontRef>
-          </p:style>
-          <p:txBody>
-            <a:bodyPr rtlCol="0" anchor="ctr"/>
-            <a:lstStyle/>
-            <a:p>
-              <a:pPr algn="ctr"/>
-              <a:endParaRPr lang="en-US"/>
-            </a:p>
-          </p:txBody>
-        </p:sp>
-      </p:grpSp>
-    </p:spTree>
-    <p:extLst>
-      <p:ext uri="{BB962C8B-B14F-4D97-AF65-F5344CB8AC3E}">
-        <p14:creationId xmlns:p14="http://schemas.microsoft.com/office/powerpoint/2010/main" val="1047538425"/>
-      </p:ext>
-    </p:extLst>
-  </p:cSld>
-  <p:clrMapOvr>
-    <a:masterClrMapping/>
-  </p:clrMapOvr>
-</p:sld>
-</file>
-
 <file path=ppt/slides/slide5.xml><?xml version="1.0" encoding="utf-8"?>
 <p:sld xmlns:a="http://schemas.openxmlformats.org/drawingml/2006/main" xmlns:r="http://schemas.openxmlformats.org/officeDocument/2006/relationships" xmlns:p="http://schemas.openxmlformats.org/presentationml/2006/main">
   <p:cSld>
@@ -22558,14 +25646,17 @@
           </a:p>
           <a:p>
             <a:r>
-              <a:rPr lang="en-US" dirty="0"/>
+              <a:rPr lang="en-US" dirty="0">
+                <a:hlinkClick r:id="rId4"/>
+              </a:rPr>
               <a:t>Microsoft MVP</a:t>
             </a:r>
+            <a:endParaRPr lang="en-US" dirty="0"/>
           </a:p>
           <a:p>
             <a:r>
               <a:rPr lang="en-US" dirty="0">
-                <a:hlinkClick r:id="rId4"/>
+                <a:hlinkClick r:id="rId5"/>
               </a:rPr>
               <a:t>Friend of Redgate</a:t>
             </a:r>
@@ -22578,7 +25669,7 @@
             </a:r>
             <a:r>
               <a:rPr lang="en-US" dirty="0">
-                <a:hlinkClick r:id="rId5"/>
+                <a:hlinkClick r:id="rId6"/>
               </a:rPr>
               <a:t>scottsauber.com</a:t>
             </a:r>
@@ -22852,7 +25943,7 @@
               <a:avLst/>
             </a:prstGeom>
             <a:blipFill dpi="0" rotWithShape="1">
-              <a:blip r:embed="rId6">
+              <a:blip r:embed="rId7">
                 <a:alphaModFix amt="50000"/>
               </a:blip>
               <a:srcRect/>
@@ -22905,7 +25996,7 @@
           <p:nvPr/>
         </p:nvPicPr>
         <p:blipFill>
-          <a:blip r:embed="rId7">
+          <a:blip r:embed="rId8">
             <a:extLst>
               <a:ext uri="{28A0092B-C50C-407E-A947-70E740481C1C}">
                 <a14:useLocalDpi xmlns:a14="http://schemas.microsoft.com/office/drawing/2010/main" val="0"/>
@@ -22952,7 +26043,7 @@
           <p:nvPr/>
         </p:nvPicPr>
         <p:blipFill rotWithShape="1">
-          <a:blip r:embed="rId8">
+          <a:blip r:embed="rId9">
             <a:extLst>
               <a:ext uri="{28A0092B-C50C-407E-A947-70E740481C1C}">
                 <a14:useLocalDpi xmlns:a14="http://schemas.microsoft.com/office/drawing/2010/main" val="0"/>
@@ -24290,7 +27381,403 @@
                   </a:schemeClr>
                 </a:solidFill>
               </a:rPr>
-              <a:t>How to TDD?</a:t>
+              <a:t>What is TDD?</a:t>
+            </a:r>
+          </a:p>
+        </p:txBody>
+      </p:sp>
+      <p:grpSp>
+        <p:nvGrpSpPr>
+          <p:cNvPr id="9" name="Group 8">
+            <a:extLst>
+              <a:ext uri="{FF2B5EF4-FFF2-40B4-BE49-F238E27FC236}">
+                <a16:creationId xmlns:a16="http://schemas.microsoft.com/office/drawing/2014/main" id="{7DE5378A-6FF0-4624-8085-FEF4C35499EF}"/>
+              </a:ext>
+            </a:extLst>
+          </p:cNvPr>
+          <p:cNvGrpSpPr/>
+          <p:nvPr/>
+        </p:nvGrpSpPr>
+        <p:grpSpPr>
+          <a:xfrm>
+            <a:off x="9970651" y="6185410"/>
+            <a:ext cx="2130724" cy="474323"/>
+            <a:chOff x="9970651" y="6185410"/>
+            <a:chExt cx="2130724" cy="474323"/>
+          </a:xfrm>
+        </p:grpSpPr>
+        <p:sp>
+          <p:nvSpPr>
+            <p:cNvPr id="6" name="Subtitle 2">
+              <a:extLst>
+                <a:ext uri="{FF2B5EF4-FFF2-40B4-BE49-F238E27FC236}">
+                  <a16:creationId xmlns:a16="http://schemas.microsoft.com/office/drawing/2014/main" id="{9DA2B4CB-38FE-4C6E-8BEE-075F81D8685C}"/>
+                </a:ext>
+              </a:extLst>
+            </p:cNvPr>
+            <p:cNvSpPr txBox="1">
+              <a:spLocks/>
+            </p:cNvSpPr>
+            <p:nvPr/>
+          </p:nvSpPr>
+          <p:spPr>
+            <a:xfrm>
+              <a:off x="10041147" y="6185410"/>
+              <a:ext cx="2060228" cy="474323"/>
+            </a:xfrm>
+            <a:prstGeom prst="rect">
+              <a:avLst/>
+            </a:prstGeom>
+          </p:spPr>
+          <p:txBody>
+            <a:bodyPr vert="horz" lIns="91440" tIns="45720" rIns="91440" bIns="45720" rtlCol="0">
+              <a:normAutofit/>
+            </a:bodyPr>
+            <a:lstStyle>
+              <a:lvl1pPr marL="0" indent="0" algn="ctr" defTabSz="914400" rtl="0" eaLnBrk="1" latinLnBrk="0" hangingPunct="1">
+                <a:lnSpc>
+                  <a:spcPct val="90000"/>
+                </a:lnSpc>
+                <a:spcBef>
+                  <a:spcPts val="1000"/>
+                </a:spcBef>
+                <a:buFont typeface="Arial" panose="020B0604020202020204" pitchFamily="34" charset="0"/>
+                <a:buNone/>
+                <a:defRPr sz="2400" kern="1200">
+                  <a:solidFill>
+                    <a:schemeClr val="tx1"/>
+                  </a:solidFill>
+                  <a:latin typeface="+mn-lt"/>
+                  <a:ea typeface="+mn-ea"/>
+                  <a:cs typeface="+mn-cs"/>
+                </a:defRPr>
+              </a:lvl1pPr>
+              <a:lvl2pPr marL="457200" indent="0" algn="ctr" defTabSz="914400" rtl="0" eaLnBrk="1" latinLnBrk="0" hangingPunct="1">
+                <a:lnSpc>
+                  <a:spcPct val="90000"/>
+                </a:lnSpc>
+                <a:spcBef>
+                  <a:spcPts val="500"/>
+                </a:spcBef>
+                <a:buFont typeface="Arial" panose="020B0604020202020204" pitchFamily="34" charset="0"/>
+                <a:buNone/>
+                <a:defRPr sz="2000" kern="1200">
+                  <a:solidFill>
+                    <a:schemeClr val="tx1"/>
+                  </a:solidFill>
+                  <a:latin typeface="+mn-lt"/>
+                  <a:ea typeface="+mn-ea"/>
+                  <a:cs typeface="+mn-cs"/>
+                </a:defRPr>
+              </a:lvl2pPr>
+              <a:lvl3pPr marL="914400" indent="0" algn="ctr" defTabSz="914400" rtl="0" eaLnBrk="1" latinLnBrk="0" hangingPunct="1">
+                <a:lnSpc>
+                  <a:spcPct val="90000"/>
+                </a:lnSpc>
+                <a:spcBef>
+                  <a:spcPts val="500"/>
+                </a:spcBef>
+                <a:buFont typeface="Arial" panose="020B0604020202020204" pitchFamily="34" charset="0"/>
+                <a:buNone/>
+                <a:defRPr sz="1800" kern="1200">
+                  <a:solidFill>
+                    <a:schemeClr val="tx1"/>
+                  </a:solidFill>
+                  <a:latin typeface="+mn-lt"/>
+                  <a:ea typeface="+mn-ea"/>
+                  <a:cs typeface="+mn-cs"/>
+                </a:defRPr>
+              </a:lvl3pPr>
+              <a:lvl4pPr marL="1371600" indent="0" algn="ctr" defTabSz="914400" rtl="0" eaLnBrk="1" latinLnBrk="0" hangingPunct="1">
+                <a:lnSpc>
+                  <a:spcPct val="90000"/>
+                </a:lnSpc>
+                <a:spcBef>
+                  <a:spcPts val="500"/>
+                </a:spcBef>
+                <a:buFont typeface="Arial" panose="020B0604020202020204" pitchFamily="34" charset="0"/>
+                <a:buNone/>
+                <a:defRPr sz="1600" kern="1200">
+                  <a:solidFill>
+                    <a:schemeClr val="tx1"/>
+                  </a:solidFill>
+                  <a:latin typeface="+mn-lt"/>
+                  <a:ea typeface="+mn-ea"/>
+                  <a:cs typeface="+mn-cs"/>
+                </a:defRPr>
+              </a:lvl4pPr>
+              <a:lvl5pPr marL="1828800" indent="0" algn="ctr" defTabSz="914400" rtl="0" eaLnBrk="1" latinLnBrk="0" hangingPunct="1">
+                <a:lnSpc>
+                  <a:spcPct val="90000"/>
+                </a:lnSpc>
+                <a:spcBef>
+                  <a:spcPts val="500"/>
+                </a:spcBef>
+                <a:buFont typeface="Arial" panose="020B0604020202020204" pitchFamily="34" charset="0"/>
+                <a:buNone/>
+                <a:defRPr sz="1600" kern="1200">
+                  <a:solidFill>
+                    <a:schemeClr val="tx1"/>
+                  </a:solidFill>
+                  <a:latin typeface="+mn-lt"/>
+                  <a:ea typeface="+mn-ea"/>
+                  <a:cs typeface="+mn-cs"/>
+                </a:defRPr>
+              </a:lvl5pPr>
+              <a:lvl6pPr marL="2286000" indent="0" algn="ctr" defTabSz="914400" rtl="0" eaLnBrk="1" latinLnBrk="0" hangingPunct="1">
+                <a:lnSpc>
+                  <a:spcPct val="90000"/>
+                </a:lnSpc>
+                <a:spcBef>
+                  <a:spcPts val="500"/>
+                </a:spcBef>
+                <a:buFont typeface="Arial" panose="020B0604020202020204" pitchFamily="34" charset="0"/>
+                <a:buNone/>
+                <a:defRPr sz="1600" kern="1200">
+                  <a:solidFill>
+                    <a:schemeClr val="tx1"/>
+                  </a:solidFill>
+                  <a:latin typeface="+mn-lt"/>
+                  <a:ea typeface="+mn-ea"/>
+                  <a:cs typeface="+mn-cs"/>
+                </a:defRPr>
+              </a:lvl6pPr>
+              <a:lvl7pPr marL="2743200" indent="0" algn="ctr" defTabSz="914400" rtl="0" eaLnBrk="1" latinLnBrk="0" hangingPunct="1">
+                <a:lnSpc>
+                  <a:spcPct val="90000"/>
+                </a:lnSpc>
+                <a:spcBef>
+                  <a:spcPts val="500"/>
+                </a:spcBef>
+                <a:buFont typeface="Arial" panose="020B0604020202020204" pitchFamily="34" charset="0"/>
+                <a:buNone/>
+                <a:defRPr sz="1600" kern="1200">
+                  <a:solidFill>
+                    <a:schemeClr val="tx1"/>
+                  </a:solidFill>
+                  <a:latin typeface="+mn-lt"/>
+                  <a:ea typeface="+mn-ea"/>
+                  <a:cs typeface="+mn-cs"/>
+                </a:defRPr>
+              </a:lvl7pPr>
+              <a:lvl8pPr marL="3200400" indent="0" algn="ctr" defTabSz="914400" rtl="0" eaLnBrk="1" latinLnBrk="0" hangingPunct="1">
+                <a:lnSpc>
+                  <a:spcPct val="90000"/>
+                </a:lnSpc>
+                <a:spcBef>
+                  <a:spcPts val="500"/>
+                </a:spcBef>
+                <a:buFont typeface="Arial" panose="020B0604020202020204" pitchFamily="34" charset="0"/>
+                <a:buNone/>
+                <a:defRPr sz="1600" kern="1200">
+                  <a:solidFill>
+                    <a:schemeClr val="tx1"/>
+                  </a:solidFill>
+                  <a:latin typeface="+mn-lt"/>
+                  <a:ea typeface="+mn-ea"/>
+                  <a:cs typeface="+mn-cs"/>
+                </a:defRPr>
+              </a:lvl8pPr>
+              <a:lvl9pPr marL="3657600" indent="0" algn="ctr" defTabSz="914400" rtl="0" eaLnBrk="1" latinLnBrk="0" hangingPunct="1">
+                <a:lnSpc>
+                  <a:spcPct val="90000"/>
+                </a:lnSpc>
+                <a:spcBef>
+                  <a:spcPts val="500"/>
+                </a:spcBef>
+                <a:buFont typeface="Arial" panose="020B0604020202020204" pitchFamily="34" charset="0"/>
+                <a:buNone/>
+                <a:defRPr sz="1600" kern="1200">
+                  <a:solidFill>
+                    <a:schemeClr val="tx1"/>
+                  </a:solidFill>
+                  <a:latin typeface="+mn-lt"/>
+                  <a:ea typeface="+mn-ea"/>
+                  <a:cs typeface="+mn-cs"/>
+                </a:defRPr>
+              </a:lvl9pPr>
+            </a:lstStyle>
+            <a:p>
+              <a:r>
+                <a:rPr lang="en-US" dirty="0" err="1">
+                  <a:solidFill>
+                    <a:schemeClr val="bg1">
+                      <a:lumMod val="65000"/>
+                    </a:schemeClr>
+                  </a:solidFill>
+                </a:rPr>
+                <a:t>scottsauber</a:t>
+              </a:r>
+              <a:endParaRPr lang="en-US" dirty="0">
+                <a:solidFill>
+                  <a:schemeClr val="bg1">
+                    <a:lumMod val="65000"/>
+                  </a:schemeClr>
+                </a:solidFill>
+              </a:endParaRPr>
+            </a:p>
+          </p:txBody>
+        </p:sp>
+        <p:sp>
+          <p:nvSpPr>
+            <p:cNvPr id="8" name="Rectangle 7">
+              <a:extLst>
+                <a:ext uri="{FF2B5EF4-FFF2-40B4-BE49-F238E27FC236}">
+                  <a16:creationId xmlns:a16="http://schemas.microsoft.com/office/drawing/2014/main" id="{2CC1E2DB-378E-4A94-AC9A-4A7142A30669}"/>
+                </a:ext>
+              </a:extLst>
+            </p:cNvPr>
+            <p:cNvSpPr/>
+            <p:nvPr/>
+          </p:nvSpPr>
+          <p:spPr>
+            <a:xfrm>
+              <a:off x="9970651" y="6285411"/>
+              <a:ext cx="347472" cy="274320"/>
+            </a:xfrm>
+            <a:prstGeom prst="rect">
+              <a:avLst/>
+            </a:prstGeom>
+            <a:blipFill dpi="0" rotWithShape="1">
+              <a:blip r:embed="rId3">
+                <a:alphaModFix amt="50000"/>
+              </a:blip>
+              <a:srcRect/>
+              <a:stretch>
+                <a:fillRect/>
+              </a:stretch>
+            </a:blipFill>
+            <a:ln>
+              <a:noFill/>
+            </a:ln>
+          </p:spPr>
+          <p:style>
+            <a:lnRef idx="2">
+              <a:schemeClr val="accent1">
+                <a:shade val="50000"/>
+              </a:schemeClr>
+            </a:lnRef>
+            <a:fillRef idx="1">
+              <a:schemeClr val="accent1"/>
+            </a:fillRef>
+            <a:effectRef idx="0">
+              <a:schemeClr val="accent1"/>
+            </a:effectRef>
+            <a:fontRef idx="minor">
+              <a:schemeClr val="lt1"/>
+            </a:fontRef>
+          </p:style>
+          <p:txBody>
+            <a:bodyPr rtlCol="0" anchor="ctr"/>
+            <a:lstStyle/>
+            <a:p>
+              <a:pPr algn="ctr"/>
+              <a:endParaRPr lang="en-US"/>
+            </a:p>
+          </p:txBody>
+        </p:sp>
+      </p:grpSp>
+      <p:pic>
+        <p:nvPicPr>
+          <p:cNvPr id="7" name="Picture 2">
+            <a:extLst>
+              <a:ext uri="{FF2B5EF4-FFF2-40B4-BE49-F238E27FC236}">
+                <a16:creationId xmlns:a16="http://schemas.microsoft.com/office/drawing/2014/main" id="{7DFC0D24-D455-A020-8583-AA0B1D9FCEF6}"/>
+              </a:ext>
+            </a:extLst>
+          </p:cNvPr>
+          <p:cNvPicPr>
+            <a:picLocks noChangeAspect="1" noChangeArrowheads="1"/>
+          </p:cNvPicPr>
+          <p:nvPr/>
+        </p:nvPicPr>
+        <p:blipFill>
+          <a:blip r:embed="rId4">
+            <a:extLst>
+              <a:ext uri="{28A0092B-C50C-407E-A947-70E740481C1C}">
+                <a14:useLocalDpi xmlns:a14="http://schemas.microsoft.com/office/drawing/2010/main" val="0"/>
+              </a:ext>
+            </a:extLst>
+          </a:blip>
+          <a:srcRect/>
+          <a:stretch>
+            <a:fillRect/>
+          </a:stretch>
+        </p:blipFill>
+        <p:spPr bwMode="auto">
+          <a:xfrm>
+            <a:off x="4109124" y="1739900"/>
+            <a:ext cx="3800475" cy="4752975"/>
+          </a:xfrm>
+          <a:prstGeom prst="rect">
+            <a:avLst/>
+          </a:prstGeom>
+          <a:noFill/>
+          <a:extLst>
+            <a:ext uri="{909E8E84-426E-40DD-AFC4-6F175D3DCCD1}">
+              <a14:hiddenFill xmlns:a14="http://schemas.microsoft.com/office/drawing/2010/main">
+                <a:solidFill>
+                  <a:srgbClr val="FFFFFF"/>
+                </a:solidFill>
+              </a14:hiddenFill>
+            </a:ext>
+          </a:extLst>
+        </p:spPr>
+      </p:pic>
+    </p:spTree>
+    <p:extLst>
+      <p:ext uri="{BB962C8B-B14F-4D97-AF65-F5344CB8AC3E}">
+        <p14:creationId xmlns:p14="http://schemas.microsoft.com/office/powerpoint/2010/main" val="2656582101"/>
+      </p:ext>
+    </p:extLst>
+  </p:cSld>
+  <p:clrMapOvr>
+    <a:masterClrMapping/>
+  </p:clrMapOvr>
+</p:sld>
+</file>
+
+<file path=ppt/slides/slide8.xml><?xml version="1.0" encoding="utf-8"?>
+<p:sld xmlns:a="http://schemas.openxmlformats.org/drawingml/2006/main" xmlns:r="http://schemas.openxmlformats.org/officeDocument/2006/relationships" xmlns:p="http://schemas.openxmlformats.org/presentationml/2006/main">
+  <p:cSld>
+    <p:spTree>
+      <p:nvGrpSpPr>
+        <p:cNvPr id="1" name=""/>
+        <p:cNvGrpSpPr/>
+        <p:nvPr/>
+      </p:nvGrpSpPr>
+      <p:grpSpPr>
+        <a:xfrm>
+          <a:off x="0" y="0"/>
+          <a:ext cx="0" cy="0"/>
+          <a:chOff x="0" y="0"/>
+          <a:chExt cx="0" cy="0"/>
+        </a:xfrm>
+      </p:grpSpPr>
+      <p:sp>
+        <p:nvSpPr>
+          <p:cNvPr id="2" name="Title 1"/>
+          <p:cNvSpPr>
+            <a:spLocks noGrp="1"/>
+          </p:cNvSpPr>
+          <p:nvPr>
+            <p:ph type="title"/>
+          </p:nvPr>
+        </p:nvSpPr>
+        <p:spPr/>
+        <p:txBody>
+          <a:bodyPr/>
+          <a:lstStyle/>
+          <a:p>
+            <a:r>
+              <a:rPr lang="en-US" dirty="0">
+                <a:solidFill>
+                  <a:schemeClr val="bg1">
+                    <a:lumMod val="65000"/>
+                  </a:schemeClr>
+                </a:solidFill>
+              </a:rPr>
+              <a:t>What is TDD?</a:t>
             </a:r>
           </a:p>
         </p:txBody>
@@ -24317,61 +27804,15 @@
           </a:bodyPr>
           <a:lstStyle/>
           <a:p>
-            <a:pPr marL="514350" indent="-514350">
-              <a:buAutoNum type="arabicPeriod"/>
-            </a:pPr>
             <a:r>
               <a:rPr lang="en-US" dirty="0"/>
-              <a:t>Think</a:t>
+              <a:t>Methodology for writing code (not just tests)</a:t>
             </a:r>
           </a:p>
           <a:p>
-            <a:pPr marL="514350" indent="-514350">
-              <a:buAutoNum type="arabicPeriod"/>
-            </a:pPr>
             <a:r>
               <a:rPr lang="en-US" dirty="0"/>
-              <a:t>Write a test that describes the behavior you want to see</a:t>
-            </a:r>
-          </a:p>
-          <a:p>
-            <a:pPr marL="514350" indent="-514350">
-              <a:buAutoNum type="arabicPeriod"/>
-            </a:pPr>
-            <a:r>
-              <a:rPr lang="en-US" dirty="0"/>
-              <a:t>Run the test and watch it fail </a:t>
-            </a:r>
-            <a:r>
-              <a:rPr lang="en-US" i="1" dirty="0"/>
-              <a:t>for the right reason</a:t>
-            </a:r>
-          </a:p>
-          <a:p>
-            <a:pPr marL="514350" indent="-514350">
-              <a:buAutoNum type="arabicPeriod"/>
-            </a:pPr>
-            <a:r>
-              <a:rPr lang="en-US" dirty="0"/>
-              <a:t>Write code to make it pass</a:t>
-            </a:r>
-          </a:p>
-          <a:p>
-            <a:pPr marL="514350" indent="-514350">
-              <a:buAutoNum type="arabicPeriod"/>
-            </a:pPr>
-            <a:r>
-              <a:rPr lang="en-US" dirty="0"/>
-              <a:t>Refactor</a:t>
-            </a:r>
-          </a:p>
-          <a:p>
-            <a:pPr marL="514350" indent="-514350">
-              <a:buAutoNum type="arabicPeriod"/>
-            </a:pPr>
-            <a:r>
-              <a:rPr lang="en-US" dirty="0"/>
-              <a:t>Repeat</a:t>
+              <a:t>You write the test BEFORE you write the production code</a:t>
             </a:r>
           </a:p>
         </p:txBody>
@@ -24670,7 +28111,7 @@
     </p:spTree>
     <p:extLst>
       <p:ext uri="{BB962C8B-B14F-4D97-AF65-F5344CB8AC3E}">
-        <p14:creationId xmlns:p14="http://schemas.microsoft.com/office/powerpoint/2010/main" val="2656582101"/>
+        <p14:creationId xmlns:p14="http://schemas.microsoft.com/office/powerpoint/2010/main" val="3440618772"/>
       </p:ext>
     </p:extLst>
   </p:cSld>
@@ -24847,330 +28288,6 @@
                       </p:childTnLst>
                     </p:cTn>
                   </p:par>
-                  <p:par>
-                    <p:cTn id="13" fill="hold">
-                      <p:stCondLst>
-                        <p:cond delay="indefinite"/>
-                      </p:stCondLst>
-                      <p:childTnLst>
-                        <p:par>
-                          <p:cTn id="14" fill="hold">
-                            <p:stCondLst>
-                              <p:cond delay="0"/>
-                            </p:stCondLst>
-                            <p:childTnLst>
-                              <p:par>
-                                <p:cTn id="15" presetID="10" presetClass="entr" presetSubtype="0" fill="hold" grpId="0" nodeType="clickEffect">
-                                  <p:stCondLst>
-                                    <p:cond delay="0"/>
-                                  </p:stCondLst>
-                                  <p:childTnLst>
-                                    <p:set>
-                                      <p:cBhvr>
-                                        <p:cTn id="16" dur="1" fill="hold">
-                                          <p:stCondLst>
-                                            <p:cond delay="0"/>
-                                          </p:stCondLst>
-                                        </p:cTn>
-                                        <p:tgtEl>
-                                          <p:spTgt spid="3">
-                                            <p:txEl>
-                                              <p:pRg st="2" end="2"/>
-                                            </p:txEl>
-                                          </p:spTgt>
-                                        </p:tgtEl>
-                                        <p:attrNameLst>
-                                          <p:attrName>style.visibility</p:attrName>
-                                        </p:attrNameLst>
-                                      </p:cBhvr>
-                                      <p:to>
-                                        <p:strVal val="visible"/>
-                                      </p:to>
-                                    </p:set>
-                                    <p:animEffect transition="in" filter="fade">
-                                      <p:cBhvr>
-                                        <p:cTn id="17" dur="500"/>
-                                        <p:tgtEl>
-                                          <p:spTgt spid="3">
-                                            <p:txEl>
-                                              <p:pRg st="2" end="2"/>
-                                            </p:txEl>
-                                          </p:spTgt>
-                                        </p:tgtEl>
-                                      </p:cBhvr>
-                                    </p:animEffect>
-                                  </p:childTnLst>
-                                  <p:subTnLst>
-                                    <p:animClr clrSpc="rgb" dir="cw">
-                                      <p:cBhvr override="childStyle">
-                                        <p:cTn dur="1" fill="hold" display="0" masterRel="nextClick" afterEffect="1"/>
-                                        <p:tgtEl>
-                                          <p:spTgt spid="3">
-                                            <p:txEl>
-                                              <p:pRg st="2" end="2"/>
-                                            </p:txEl>
-                                          </p:spTgt>
-                                        </p:tgtEl>
-                                        <p:attrNameLst>
-                                          <p:attrName>ppt_c</p:attrName>
-                                        </p:attrNameLst>
-                                      </p:cBhvr>
-                                      <p:to>
-                                        <a:srgbClr val="B2B2B2"/>
-                                      </p:to>
-                                    </p:animClr>
-                                  </p:subTnLst>
-                                </p:cTn>
-                              </p:par>
-                            </p:childTnLst>
-                          </p:cTn>
-                        </p:par>
-                      </p:childTnLst>
-                    </p:cTn>
-                  </p:par>
-                  <p:par>
-                    <p:cTn id="18" fill="hold">
-                      <p:stCondLst>
-                        <p:cond delay="indefinite"/>
-                      </p:stCondLst>
-                      <p:childTnLst>
-                        <p:par>
-                          <p:cTn id="19" fill="hold">
-                            <p:stCondLst>
-                              <p:cond delay="0"/>
-                            </p:stCondLst>
-                            <p:childTnLst>
-                              <p:par>
-                                <p:cTn id="20" presetID="10" presetClass="entr" presetSubtype="0" fill="hold" grpId="0" nodeType="clickEffect">
-                                  <p:stCondLst>
-                                    <p:cond delay="0"/>
-                                  </p:stCondLst>
-                                  <p:childTnLst>
-                                    <p:set>
-                                      <p:cBhvr>
-                                        <p:cTn id="21" dur="1" fill="hold">
-                                          <p:stCondLst>
-                                            <p:cond delay="0"/>
-                                          </p:stCondLst>
-                                        </p:cTn>
-                                        <p:tgtEl>
-                                          <p:spTgt spid="3">
-                                            <p:txEl>
-                                              <p:pRg st="3" end="3"/>
-                                            </p:txEl>
-                                          </p:spTgt>
-                                        </p:tgtEl>
-                                        <p:attrNameLst>
-                                          <p:attrName>style.visibility</p:attrName>
-                                        </p:attrNameLst>
-                                      </p:cBhvr>
-                                      <p:to>
-                                        <p:strVal val="visible"/>
-                                      </p:to>
-                                    </p:set>
-                                    <p:animEffect transition="in" filter="fade">
-                                      <p:cBhvr>
-                                        <p:cTn id="22" dur="500"/>
-                                        <p:tgtEl>
-                                          <p:spTgt spid="3">
-                                            <p:txEl>
-                                              <p:pRg st="3" end="3"/>
-                                            </p:txEl>
-                                          </p:spTgt>
-                                        </p:tgtEl>
-                                      </p:cBhvr>
-                                    </p:animEffect>
-                                  </p:childTnLst>
-                                  <p:subTnLst>
-                                    <p:animClr clrSpc="rgb" dir="cw">
-                                      <p:cBhvr override="childStyle">
-                                        <p:cTn dur="1" fill="hold" display="0" masterRel="nextClick" afterEffect="1"/>
-                                        <p:tgtEl>
-                                          <p:spTgt spid="3">
-                                            <p:txEl>
-                                              <p:pRg st="3" end="3"/>
-                                            </p:txEl>
-                                          </p:spTgt>
-                                        </p:tgtEl>
-                                        <p:attrNameLst>
-                                          <p:attrName>ppt_c</p:attrName>
-                                        </p:attrNameLst>
-                                      </p:cBhvr>
-                                      <p:to>
-                                        <a:srgbClr val="B2B2B2"/>
-                                      </p:to>
-                                    </p:animClr>
-                                  </p:subTnLst>
-                                </p:cTn>
-                              </p:par>
-                            </p:childTnLst>
-                          </p:cTn>
-                        </p:par>
-                      </p:childTnLst>
-                    </p:cTn>
-                  </p:par>
-                  <p:par>
-                    <p:cTn id="23" fill="hold">
-                      <p:stCondLst>
-                        <p:cond delay="indefinite"/>
-                      </p:stCondLst>
-                      <p:childTnLst>
-                        <p:par>
-                          <p:cTn id="24" fill="hold">
-                            <p:stCondLst>
-                              <p:cond delay="0"/>
-                            </p:stCondLst>
-                            <p:childTnLst>
-                              <p:par>
-                                <p:cTn id="25" presetID="10" presetClass="entr" presetSubtype="0" fill="hold" grpId="0" nodeType="clickEffect">
-                                  <p:stCondLst>
-                                    <p:cond delay="0"/>
-                                  </p:stCondLst>
-                                  <p:childTnLst>
-                                    <p:set>
-                                      <p:cBhvr>
-                                        <p:cTn id="26" dur="1" fill="hold">
-                                          <p:stCondLst>
-                                            <p:cond delay="0"/>
-                                          </p:stCondLst>
-                                        </p:cTn>
-                                        <p:tgtEl>
-                                          <p:spTgt spid="3">
-                                            <p:txEl>
-                                              <p:pRg st="4" end="4"/>
-                                            </p:txEl>
-                                          </p:spTgt>
-                                        </p:tgtEl>
-                                        <p:attrNameLst>
-                                          <p:attrName>style.visibility</p:attrName>
-                                        </p:attrNameLst>
-                                      </p:cBhvr>
-                                      <p:to>
-                                        <p:strVal val="visible"/>
-                                      </p:to>
-                                    </p:set>
-                                    <p:animEffect transition="in" filter="fade">
-                                      <p:cBhvr>
-                                        <p:cTn id="27" dur="500"/>
-                                        <p:tgtEl>
-                                          <p:spTgt spid="3">
-                                            <p:txEl>
-                                              <p:pRg st="4" end="4"/>
-                                            </p:txEl>
-                                          </p:spTgt>
-                                        </p:tgtEl>
-                                      </p:cBhvr>
-                                    </p:animEffect>
-                                  </p:childTnLst>
-                                  <p:subTnLst>
-                                    <p:animClr clrSpc="rgb" dir="cw">
-                                      <p:cBhvr override="childStyle">
-                                        <p:cTn dur="1" fill="hold" display="0" masterRel="nextClick" afterEffect="1"/>
-                                        <p:tgtEl>
-                                          <p:spTgt spid="3">
-                                            <p:txEl>
-                                              <p:pRg st="4" end="4"/>
-                                            </p:txEl>
-                                          </p:spTgt>
-                                        </p:tgtEl>
-                                        <p:attrNameLst>
-                                          <p:attrName>ppt_c</p:attrName>
-                                        </p:attrNameLst>
-                                      </p:cBhvr>
-                                      <p:to>
-                                        <a:srgbClr val="B2B2B2"/>
-                                      </p:to>
-                                    </p:animClr>
-                                  </p:subTnLst>
-                                </p:cTn>
-                              </p:par>
-                            </p:childTnLst>
-                          </p:cTn>
-                        </p:par>
-                      </p:childTnLst>
-                    </p:cTn>
-                  </p:par>
-                  <p:par>
-                    <p:cTn id="28" fill="hold">
-                      <p:stCondLst>
-                        <p:cond delay="indefinite"/>
-                      </p:stCondLst>
-                      <p:childTnLst>
-                        <p:par>
-                          <p:cTn id="29" fill="hold">
-                            <p:stCondLst>
-                              <p:cond delay="0"/>
-                            </p:stCondLst>
-                            <p:childTnLst>
-                              <p:par>
-                                <p:cTn id="30" presetID="10" presetClass="entr" presetSubtype="0" fill="hold" grpId="0" nodeType="clickEffect">
-                                  <p:stCondLst>
-                                    <p:cond delay="0"/>
-                                  </p:stCondLst>
-                                  <p:childTnLst>
-                                    <p:set>
-                                      <p:cBhvr>
-                                        <p:cTn id="31" dur="1" fill="hold">
-                                          <p:stCondLst>
-                                            <p:cond delay="0"/>
-                                          </p:stCondLst>
-                                        </p:cTn>
-                                        <p:tgtEl>
-                                          <p:spTgt spid="3">
-                                            <p:txEl>
-                                              <p:pRg st="5" end="5"/>
-                                            </p:txEl>
-                                          </p:spTgt>
-                                        </p:tgtEl>
-                                        <p:attrNameLst>
-                                          <p:attrName>style.visibility</p:attrName>
-                                        </p:attrNameLst>
-                                      </p:cBhvr>
-                                      <p:to>
-                                        <p:strVal val="visible"/>
-                                      </p:to>
-                                    </p:set>
-                                    <p:animEffect transition="in" filter="fade">
-                                      <p:cBhvr>
-                                        <p:cTn id="32" dur="500"/>
-                                        <p:tgtEl>
-                                          <p:spTgt spid="3">
-                                            <p:txEl>
-                                              <p:pRg st="5" end="5"/>
-                                            </p:txEl>
-                                          </p:spTgt>
-                                        </p:tgtEl>
-                                      </p:cBhvr>
-                                    </p:animEffect>
-                                  </p:childTnLst>
-                                  <p:subTnLst>
-                                    <p:animClr clrSpc="rgb" dir="cw">
-                                      <p:cBhvr override="childStyle">
-                                        <p:cTn dur="1" fill="hold" display="0" masterRel="nextClick" afterEffect="1"/>
-                                        <p:tgtEl>
-                                          <p:spTgt spid="3">
-                                            <p:txEl>
-                                              <p:pRg st="5" end="5"/>
-                                            </p:txEl>
-                                          </p:spTgt>
-                                        </p:tgtEl>
-                                        <p:attrNameLst>
-                                          <p:attrName>ppt_c</p:attrName>
-                                        </p:attrNameLst>
-                                      </p:cBhvr>
-                                      <p:to>
-                                        <a:srgbClr val="B2B2B2"/>
-                                      </p:to>
-                                    </p:animClr>
-                                  </p:subTnLst>
-                                </p:cTn>
-                              </p:par>
-                            </p:childTnLst>
-                          </p:cTn>
-                        </p:par>
-                      </p:childTnLst>
-                    </p:cTn>
-                  </p:par>
                 </p:childTnLst>
               </p:cTn>
               <p:prevCondLst>
@@ -25196,111 +28313,6 @@
       <p:bldP spid="3" grpId="0" build="p"/>
     </p:bldLst>
   </p:timing>
-</p:sld>
-</file>
-
-<file path=ppt/slides/slide8.xml><?xml version="1.0" encoding="utf-8"?>
-<p:sld xmlns:a="http://schemas.openxmlformats.org/drawingml/2006/main" xmlns:r="http://schemas.openxmlformats.org/officeDocument/2006/relationships" xmlns:p="http://schemas.openxmlformats.org/presentationml/2006/main">
-  <p:cSld>
-    <p:spTree>
-      <p:nvGrpSpPr>
-        <p:cNvPr id="1" name=""/>
-        <p:cNvGrpSpPr/>
-        <p:nvPr/>
-      </p:nvGrpSpPr>
-      <p:grpSpPr>
-        <a:xfrm>
-          <a:off x="0" y="0"/>
-          <a:ext cx="0" cy="0"/>
-          <a:chOff x="0" y="0"/>
-          <a:chExt cx="0" cy="0"/>
-        </a:xfrm>
-      </p:grpSpPr>
-      <p:sp>
-        <p:nvSpPr>
-          <p:cNvPr id="2" name="Title 1"/>
-          <p:cNvSpPr>
-            <a:spLocks noGrp="1"/>
-          </p:cNvSpPr>
-          <p:nvPr>
-            <p:ph type="title"/>
-          </p:nvPr>
-        </p:nvSpPr>
-        <p:spPr/>
-        <p:txBody>
-          <a:bodyPr/>
-          <a:lstStyle/>
-          <a:p>
-            <a:r>
-              <a:rPr lang="en-US" dirty="0">
-                <a:solidFill>
-                  <a:schemeClr val="bg1">
-                    <a:lumMod val="65000"/>
-                  </a:schemeClr>
-                </a:solidFill>
-              </a:rPr>
-              <a:t>How to TDD?</a:t>
-            </a:r>
-          </a:p>
-        </p:txBody>
-      </p:sp>
-      <p:pic>
-        <p:nvPicPr>
-          <p:cNvPr id="2050" name="Picture 2" descr="Advantages of Test Driven Development | Codica">
-            <a:extLst>
-              <a:ext uri="{FF2B5EF4-FFF2-40B4-BE49-F238E27FC236}">
-                <a16:creationId xmlns:a16="http://schemas.microsoft.com/office/drawing/2014/main" id="{7D57AA74-531B-52A4-F7AF-1F705692D53C}"/>
-              </a:ext>
-            </a:extLst>
-          </p:cNvPr>
-          <p:cNvPicPr>
-            <a:picLocks noChangeAspect="1" noChangeArrowheads="1"/>
-          </p:cNvPicPr>
-          <p:nvPr/>
-        </p:nvPicPr>
-        <p:blipFill>
-          <a:blip r:embed="rId3">
-            <a:extLst>
-              <a:ext uri="{28A0092B-C50C-407E-A947-70E740481C1C}">
-                <a14:useLocalDpi xmlns:a14="http://schemas.microsoft.com/office/drawing/2010/main" val="0"/>
-              </a:ext>
-            </a:extLst>
-          </a:blip>
-          <a:srcRect/>
-          <a:stretch>
-            <a:fillRect/>
-          </a:stretch>
-        </p:blipFill>
-        <p:spPr bwMode="auto">
-          <a:xfrm>
-            <a:off x="2062162" y="1775075"/>
-            <a:ext cx="8067675" cy="4562475"/>
-          </a:xfrm>
-          <a:prstGeom prst="rect">
-            <a:avLst/>
-          </a:prstGeom>
-          <a:noFill/>
-          <a:extLst>
-            <a:ext uri="{909E8E84-426E-40DD-AFC4-6F175D3DCCD1}">
-              <a14:hiddenFill xmlns:a14="http://schemas.microsoft.com/office/drawing/2010/main">
-                <a:solidFill>
-                  <a:srgbClr val="FFFFFF"/>
-                </a:solidFill>
-              </a14:hiddenFill>
-            </a:ext>
-          </a:extLst>
-        </p:spPr>
-      </p:pic>
-    </p:spTree>
-    <p:extLst>
-      <p:ext uri="{BB962C8B-B14F-4D97-AF65-F5344CB8AC3E}">
-        <p14:creationId xmlns:p14="http://schemas.microsoft.com/office/powerpoint/2010/main" val="857008222"/>
-      </p:ext>
-    </p:extLst>
-  </p:cSld>
-  <p:clrMapOvr>
-    <a:masterClrMapping/>
-  </p:clrMapOvr>
 </p:sld>
 </file>
 
@@ -25344,7 +28356,7 @@
                   </a:schemeClr>
                 </a:solidFill>
               </a:rPr>
-              <a:t>Why Test Driven Development?</a:t>
+              <a:t>How to TDD?</a:t>
             </a:r>
           </a:p>
         </p:txBody>
@@ -25371,39 +28383,61 @@
           </a:bodyPr>
           <a:lstStyle/>
           <a:p>
+            <a:pPr marL="514350" indent="-514350">
+              <a:buAutoNum type="arabicPeriod"/>
+            </a:pPr>
             <a:r>
               <a:rPr lang="en-US" dirty="0"/>
-              <a:t>It’s a disciplined way of working</a:t>
+              <a:t>Think</a:t>
             </a:r>
           </a:p>
           <a:p>
+            <a:pPr marL="514350" indent="-514350">
+              <a:buAutoNum type="arabicPeriod"/>
+            </a:pPr>
             <a:r>
               <a:rPr lang="en-US" dirty="0"/>
-              <a:t>A great way to focus</a:t>
+              <a:t>Write a test that describes the behavior you want to see</a:t>
             </a:r>
           </a:p>
           <a:p>
+            <a:pPr marL="514350" indent="-514350">
+              <a:buAutoNum type="arabicPeriod"/>
+            </a:pPr>
             <a:r>
               <a:rPr lang="en-US" dirty="0"/>
-              <a:t>A great way to get feedback on if your code and design sucks</a:t>
+              <a:t>Run the test and watch it fail </a:t>
             </a:r>
-          </a:p>
-          <a:p>
+            <a:r>
+              <a:rPr lang="en-US" i="1" dirty="0"/>
+              <a:t>for the right reason</a:t>
+            </a:r>
+          </a:p>
+          <a:p>
+            <a:pPr marL="514350" indent="-514350">
+              <a:buAutoNum type="arabicPeriod"/>
+            </a:pPr>
             <a:r>
               <a:rPr lang="en-US" dirty="0"/>
-              <a:t>A great way to facilitate pair programming</a:t>
+              <a:t>Write code to make it pass</a:t>
             </a:r>
           </a:p>
           <a:p>
+            <a:pPr marL="514350" indent="-514350">
+              <a:buAutoNum type="arabicPeriod"/>
+            </a:pPr>
             <a:r>
               <a:rPr lang="en-US" dirty="0"/>
-              <a:t>Often leads to very little time in the debugger</a:t>
+              <a:t>Refactor</a:t>
             </a:r>
           </a:p>
           <a:p>
+            <a:pPr marL="514350" indent="-514350">
+              <a:buAutoNum type="arabicPeriod"/>
+            </a:pPr>
             <a:r>
               <a:rPr lang="en-US" dirty="0"/>
-              <a:t>Oh yeah… and the regression tests are nice too</a:t>
+              <a:t>Repeat</a:t>
             </a:r>
           </a:p>
         </p:txBody>
@@ -25702,7 +28736,7 @@
     </p:spTree>
     <p:extLst>
       <p:ext uri="{BB962C8B-B14F-4D97-AF65-F5344CB8AC3E}">
-        <p14:creationId xmlns:p14="http://schemas.microsoft.com/office/powerpoint/2010/main" val="670335804"/>
+        <p14:creationId xmlns:p14="http://schemas.microsoft.com/office/powerpoint/2010/main" val="2510801109"/>
       </p:ext>
     </p:extLst>
   </p:cSld>

--- a/2023-11-09-JetBrains-TDDWithBlazor/TDD with Blazor.pptx
+++ b/2023-11-09-JetBrains-TDDWithBlazor/TDD with Blazor.pptx
@@ -5,7 +5,7 @@
     <p:sldMasterId id="2147483690" r:id="rId1"/>
   </p:sldMasterIdLst>
   <p:notesMasterIdLst>
-    <p:notesMasterId r:id="rId43"/>
+    <p:notesMasterId r:id="rId52"/>
   </p:notesMasterIdLst>
   <p:sldIdLst>
     <p:sldId id="257" r:id="rId2"/>
@@ -38,17 +38,26 @@
     <p:sldId id="398" r:id="rId29"/>
     <p:sldId id="402" r:id="rId30"/>
     <p:sldId id="391" r:id="rId31"/>
-    <p:sldId id="399" r:id="rId32"/>
-    <p:sldId id="379" r:id="rId33"/>
-    <p:sldId id="380" r:id="rId34"/>
-    <p:sldId id="338" r:id="rId35"/>
-    <p:sldId id="392" r:id="rId36"/>
-    <p:sldId id="378" r:id="rId37"/>
-    <p:sldId id="395" r:id="rId38"/>
-    <p:sldId id="368" r:id="rId39"/>
-    <p:sldId id="336" r:id="rId40"/>
-    <p:sldId id="337" r:id="rId41"/>
-    <p:sldId id="393" r:id="rId42"/>
+    <p:sldId id="526" r:id="rId32"/>
+    <p:sldId id="520" r:id="rId33"/>
+    <p:sldId id="516" r:id="rId34"/>
+    <p:sldId id="522" r:id="rId35"/>
+    <p:sldId id="523" r:id="rId36"/>
+    <p:sldId id="524" r:id="rId37"/>
+    <p:sldId id="525" r:id="rId38"/>
+    <p:sldId id="399" r:id="rId39"/>
+    <p:sldId id="529" r:id="rId40"/>
+    <p:sldId id="528" r:id="rId41"/>
+    <p:sldId id="379" r:id="rId42"/>
+    <p:sldId id="380" r:id="rId43"/>
+    <p:sldId id="338" r:id="rId44"/>
+    <p:sldId id="392" r:id="rId45"/>
+    <p:sldId id="378" r:id="rId46"/>
+    <p:sldId id="395" r:id="rId47"/>
+    <p:sldId id="368" r:id="rId48"/>
+    <p:sldId id="336" r:id="rId49"/>
+    <p:sldId id="337" r:id="rId50"/>
+    <p:sldId id="393" r:id="rId51"/>
   </p:sldIdLst>
   <p:sldSz cx="12192000" cy="6858000"/>
   <p:notesSz cx="6858000" cy="9144000"/>
@@ -2575,7 +2584,7 @@
             <a:spLocks noGrp="1"/>
           </p:cNvSpPr>
           <p:nvPr>
-            <p:ph type="sldNum" sz="quarter" idx="10"/>
+            <p:ph type="sldNum" sz="quarter" idx="5"/>
           </p:nvPr>
         </p:nvSpPr>
         <p:spPr/>
@@ -2583,7 +2592,7 @@
           <a:bodyPr/>
           <a:lstStyle/>
           <a:p>
-            <a:fld id="{2B57EC6A-F5A4-441D-B3C5-D1EF8312AF7C}" type="slidenum">
+            <a:fld id="{EACEE071-6BA9-400B-8DDD-7178D39C29B3}" type="slidenum">
               <a:rPr lang="en-US" smtClean="0"/>
               <a:t>31</a:t>
             </a:fld>
@@ -2594,7 +2603,7 @@
     </p:spTree>
     <p:extLst>
       <p:ext uri="{BB962C8B-B14F-4D97-AF65-F5344CB8AC3E}">
-        <p14:creationId xmlns:p14="http://schemas.microsoft.com/office/powerpoint/2010/main" val="2442105547"/>
+        <p14:creationId xmlns:p14="http://schemas.microsoft.com/office/powerpoint/2010/main" val="3272652749"/>
       </p:ext>
     </p:extLst>
   </p:cSld>
@@ -2659,7 +2668,7 @@
             <a:spLocks noGrp="1"/>
           </p:cNvSpPr>
           <p:nvPr>
-            <p:ph type="sldNum" sz="quarter" idx="10"/>
+            <p:ph type="sldNum" sz="quarter" idx="5"/>
           </p:nvPr>
         </p:nvSpPr>
         <p:spPr/>
@@ -2667,7 +2676,7 @@
           <a:bodyPr/>
           <a:lstStyle/>
           <a:p>
-            <a:fld id="{2B57EC6A-F5A4-441D-B3C5-D1EF8312AF7C}" type="slidenum">
+            <a:fld id="{EACEE071-6BA9-400B-8DDD-7178D39C29B3}" type="slidenum">
               <a:rPr lang="en-US" smtClean="0"/>
               <a:t>32</a:t>
             </a:fld>
@@ -2678,7 +2687,7 @@
     </p:spTree>
     <p:extLst>
       <p:ext uri="{BB962C8B-B14F-4D97-AF65-F5344CB8AC3E}">
-        <p14:creationId xmlns:p14="http://schemas.microsoft.com/office/powerpoint/2010/main" val="976359061"/>
+        <p14:creationId xmlns:p14="http://schemas.microsoft.com/office/powerpoint/2010/main" val="490527279"/>
       </p:ext>
     </p:extLst>
   </p:cSld>
@@ -2743,7 +2752,7 @@
             <a:spLocks noGrp="1"/>
           </p:cNvSpPr>
           <p:nvPr>
-            <p:ph type="sldNum" sz="quarter" idx="5"/>
+            <p:ph type="sldNum" sz="quarter" idx="10"/>
           </p:nvPr>
         </p:nvSpPr>
         <p:spPr/>
@@ -2751,7 +2760,7 @@
           <a:bodyPr/>
           <a:lstStyle/>
           <a:p>
-            <a:fld id="{EC074461-D808-4EBD-B8B3-953FBFCC6ED3}" type="slidenum">
+            <a:fld id="{2B57EC6A-F5A4-441D-B3C5-D1EF8312AF7C}" type="slidenum">
               <a:rPr lang="en-US" smtClean="0"/>
               <a:t>33</a:t>
             </a:fld>
@@ -2762,7 +2771,7 @@
     </p:spTree>
     <p:extLst>
       <p:ext uri="{BB962C8B-B14F-4D97-AF65-F5344CB8AC3E}">
-        <p14:creationId xmlns:p14="http://schemas.microsoft.com/office/powerpoint/2010/main" val="3341481556"/>
+        <p14:creationId xmlns:p14="http://schemas.microsoft.com/office/powerpoint/2010/main" val="1962700055"/>
       </p:ext>
     </p:extLst>
   </p:cSld>
@@ -2816,24 +2825,7 @@
           <a:bodyPr/>
           <a:lstStyle/>
           <a:p>
-            <a:pPr marL="171450" indent="-171450">
-              <a:buFontTx/>
-              <a:buChar char="-"/>
-            </a:pPr>
-            <a:r>
-              <a:rPr lang="en-US" dirty="0"/>
-              <a:t>Too understaffed</a:t>
-            </a:r>
-          </a:p>
-          <a:p>
-            <a:pPr marL="171450" indent="-171450">
-              <a:buFontTx/>
-              <a:buChar char="-"/>
-            </a:pPr>
-            <a:r>
-              <a:rPr lang="en-US" dirty="0"/>
-              <a:t>Too much support work fixing bugs</a:t>
-            </a:r>
+            <a:endParaRPr lang="en-US" dirty="0"/>
           </a:p>
         </p:txBody>
       </p:sp>
@@ -2844,7 +2836,7 @@
             <a:spLocks noGrp="1"/>
           </p:cNvSpPr>
           <p:nvPr>
-            <p:ph type="sldNum" sz="quarter" idx="5"/>
+            <p:ph type="sldNum" sz="quarter" idx="10"/>
           </p:nvPr>
         </p:nvSpPr>
         <p:spPr/>
@@ -2852,7 +2844,7 @@
           <a:bodyPr/>
           <a:lstStyle/>
           <a:p>
-            <a:fld id="{EC074461-D808-4EBD-B8B3-953FBFCC6ED3}" type="slidenum">
+            <a:fld id="{2B57EC6A-F5A4-441D-B3C5-D1EF8312AF7C}" type="slidenum">
               <a:rPr lang="en-US" smtClean="0"/>
               <a:t>34</a:t>
             </a:fld>
@@ -2863,7 +2855,7 @@
     </p:spTree>
     <p:extLst>
       <p:ext uri="{BB962C8B-B14F-4D97-AF65-F5344CB8AC3E}">
-        <p14:creationId xmlns:p14="http://schemas.microsoft.com/office/powerpoint/2010/main" val="1429263364"/>
+        <p14:creationId xmlns:p14="http://schemas.microsoft.com/office/powerpoint/2010/main" val="3462722986"/>
       </p:ext>
     </p:extLst>
   </p:cSld>
@@ -2928,7 +2920,7 @@
             <a:spLocks noGrp="1"/>
           </p:cNvSpPr>
           <p:nvPr>
-            <p:ph type="sldNum" sz="quarter" idx="5"/>
+            <p:ph type="sldNum" sz="quarter" idx="10"/>
           </p:nvPr>
         </p:nvSpPr>
         <p:spPr/>
@@ -2936,7 +2928,7 @@
           <a:bodyPr/>
           <a:lstStyle/>
           <a:p>
-            <a:fld id="{EC074461-D808-4EBD-B8B3-953FBFCC6ED3}" type="slidenum">
+            <a:fld id="{2B57EC6A-F5A4-441D-B3C5-D1EF8312AF7C}" type="slidenum">
               <a:rPr lang="en-US" smtClean="0"/>
               <a:t>35</a:t>
             </a:fld>
@@ -2947,7 +2939,7 @@
     </p:spTree>
     <p:extLst>
       <p:ext uri="{BB962C8B-B14F-4D97-AF65-F5344CB8AC3E}">
-        <p14:creationId xmlns:p14="http://schemas.microsoft.com/office/powerpoint/2010/main" val="1262940559"/>
+        <p14:creationId xmlns:p14="http://schemas.microsoft.com/office/powerpoint/2010/main" val="2858402263"/>
       </p:ext>
     </p:extLst>
   </p:cSld>
@@ -3001,19 +2993,7 @@
           <a:bodyPr/>
           <a:lstStyle/>
           <a:p>
-            <a:r>
-              <a:rPr lang="en-US" dirty="0"/>
-              <a:t>What if you went to your surgeon and said “Hey I need this operation done” and he goes “Okay it’ll take 24 hours.” And if you respond “Okay but can you do it in 4?” …would you want to get surgery from the surgeon who agrees to that?</a:t>
-            </a:r>
-          </a:p>
-          <a:p>
             <a:endParaRPr lang="en-US" dirty="0"/>
-          </a:p>
-          <a:p>
-            <a:r>
-              <a:rPr lang="en-US" dirty="0"/>
-              <a:t>“Oh yeah I can totally do that surgery in 4 hours, I just need to not wash my hands, not wash the tools from the last surgery, and I’ll just use 5 stitches to sew you up instead of 50.”</a:t>
-            </a:r>
           </a:p>
         </p:txBody>
       </p:sp>
@@ -3024,7 +3004,7 @@
             <a:spLocks noGrp="1"/>
           </p:cNvSpPr>
           <p:nvPr>
-            <p:ph type="sldNum" sz="quarter" idx="5"/>
+            <p:ph type="sldNum" sz="quarter" idx="10"/>
           </p:nvPr>
         </p:nvSpPr>
         <p:spPr/>
@@ -3032,7 +3012,7 @@
           <a:bodyPr/>
           <a:lstStyle/>
           <a:p>
-            <a:fld id="{EC074461-D808-4EBD-B8B3-953FBFCC6ED3}" type="slidenum">
+            <a:fld id="{2B57EC6A-F5A4-441D-B3C5-D1EF8312AF7C}" type="slidenum">
               <a:rPr lang="en-US" smtClean="0"/>
               <a:t>36</a:t>
             </a:fld>
@@ -3043,7 +3023,7 @@
     </p:spTree>
     <p:extLst>
       <p:ext uri="{BB962C8B-B14F-4D97-AF65-F5344CB8AC3E}">
-        <p14:creationId xmlns:p14="http://schemas.microsoft.com/office/powerpoint/2010/main" val="143723785"/>
+        <p14:creationId xmlns:p14="http://schemas.microsoft.com/office/powerpoint/2010/main" val="3095228466"/>
       </p:ext>
     </p:extLst>
   </p:cSld>
@@ -3108,7 +3088,7 @@
             <a:spLocks noGrp="1"/>
           </p:cNvSpPr>
           <p:nvPr>
-            <p:ph type="sldNum" sz="quarter" idx="5"/>
+            <p:ph type="sldNum" sz="quarter" idx="10"/>
           </p:nvPr>
         </p:nvSpPr>
         <p:spPr/>
@@ -3116,7 +3096,7 @@
           <a:bodyPr/>
           <a:lstStyle/>
           <a:p>
-            <a:fld id="{EC074461-D808-4EBD-B8B3-953FBFCC6ED3}" type="slidenum">
+            <a:fld id="{2B57EC6A-F5A4-441D-B3C5-D1EF8312AF7C}" type="slidenum">
               <a:rPr lang="en-US" smtClean="0"/>
               <a:t>37</a:t>
             </a:fld>
@@ -3127,7 +3107,7 @@
     </p:spTree>
     <p:extLst>
       <p:ext uri="{BB962C8B-B14F-4D97-AF65-F5344CB8AC3E}">
-        <p14:creationId xmlns:p14="http://schemas.microsoft.com/office/powerpoint/2010/main" val="1014298612"/>
+        <p14:creationId xmlns:p14="http://schemas.microsoft.com/office/powerpoint/2010/main" val="589920032"/>
       </p:ext>
     </p:extLst>
   </p:cSld>
@@ -3211,7 +3191,7 @@
     </p:spTree>
     <p:extLst>
       <p:ext uri="{BB962C8B-B14F-4D97-AF65-F5344CB8AC3E}">
-        <p14:creationId xmlns:p14="http://schemas.microsoft.com/office/powerpoint/2010/main" val="3610301256"/>
+        <p14:creationId xmlns:p14="http://schemas.microsoft.com/office/powerpoint/2010/main" val="2442105547"/>
       </p:ext>
     </p:extLst>
   </p:cSld>
@@ -3276,7 +3256,7 @@
             <a:spLocks noGrp="1"/>
           </p:cNvSpPr>
           <p:nvPr>
-            <p:ph type="sldNum" sz="quarter" idx="10"/>
+            <p:ph type="sldNum" sz="quarter" idx="5"/>
           </p:nvPr>
         </p:nvSpPr>
         <p:spPr/>
@@ -3284,7 +3264,7 @@
           <a:bodyPr/>
           <a:lstStyle/>
           <a:p>
-            <a:fld id="{2B57EC6A-F5A4-441D-B3C5-D1EF8312AF7C}" type="slidenum">
+            <a:fld id="{EACEE071-6BA9-400B-8DDD-7178D39C29B3}" type="slidenum">
               <a:rPr lang="en-US" smtClean="0"/>
               <a:t>39</a:t>
             </a:fld>
@@ -3295,7 +3275,7 @@
     </p:spTree>
     <p:extLst>
       <p:ext uri="{BB962C8B-B14F-4D97-AF65-F5344CB8AC3E}">
-        <p14:creationId xmlns:p14="http://schemas.microsoft.com/office/powerpoint/2010/main" val="2378286796"/>
+        <p14:creationId xmlns:p14="http://schemas.microsoft.com/office/powerpoint/2010/main" val="2585994090"/>
       </p:ext>
     </p:extLst>
   </p:cSld>
@@ -3380,6 +3360,791 @@
     <p:extLst>
       <p:ext uri="{BB962C8B-B14F-4D97-AF65-F5344CB8AC3E}">
         <p14:creationId xmlns:p14="http://schemas.microsoft.com/office/powerpoint/2010/main" val="162705304"/>
+      </p:ext>
+    </p:extLst>
+  </p:cSld>
+  <p:clrMapOvr>
+    <a:masterClrMapping/>
+  </p:clrMapOvr>
+</p:notes>
+</file>
+
+<file path=ppt/notesSlides/notesSlide40.xml><?xml version="1.0" encoding="utf-8"?>
+<p:notes xmlns:a="http://schemas.openxmlformats.org/drawingml/2006/main" xmlns:r="http://schemas.openxmlformats.org/officeDocument/2006/relationships" xmlns:p="http://schemas.openxmlformats.org/presentationml/2006/main">
+  <p:cSld>
+    <p:spTree>
+      <p:nvGrpSpPr>
+        <p:cNvPr id="1" name=""/>
+        <p:cNvGrpSpPr/>
+        <p:nvPr/>
+      </p:nvGrpSpPr>
+      <p:grpSpPr>
+        <a:xfrm>
+          <a:off x="0" y="0"/>
+          <a:ext cx="0" cy="0"/>
+          <a:chOff x="0" y="0"/>
+          <a:chExt cx="0" cy="0"/>
+        </a:xfrm>
+      </p:grpSpPr>
+      <p:sp>
+        <p:nvSpPr>
+          <p:cNvPr id="2" name="Slide Image Placeholder 1"/>
+          <p:cNvSpPr>
+            <a:spLocks noGrp="1" noRot="1" noChangeAspect="1"/>
+          </p:cNvSpPr>
+          <p:nvPr>
+            <p:ph type="sldImg"/>
+          </p:nvPr>
+        </p:nvSpPr>
+        <p:spPr/>
+      </p:sp>
+      <p:sp>
+        <p:nvSpPr>
+          <p:cNvPr id="3" name="Notes Placeholder 2"/>
+          <p:cNvSpPr>
+            <a:spLocks noGrp="1"/>
+          </p:cNvSpPr>
+          <p:nvPr>
+            <p:ph type="body" idx="1"/>
+          </p:nvPr>
+        </p:nvSpPr>
+        <p:spPr/>
+        <p:txBody>
+          <a:bodyPr/>
+          <a:lstStyle/>
+          <a:p>
+            <a:endParaRPr lang="en-US" dirty="0"/>
+          </a:p>
+        </p:txBody>
+      </p:sp>
+      <p:sp>
+        <p:nvSpPr>
+          <p:cNvPr id="4" name="Slide Number Placeholder 3"/>
+          <p:cNvSpPr>
+            <a:spLocks noGrp="1"/>
+          </p:cNvSpPr>
+          <p:nvPr>
+            <p:ph type="sldNum" sz="quarter" idx="5"/>
+          </p:nvPr>
+        </p:nvSpPr>
+        <p:spPr/>
+        <p:txBody>
+          <a:bodyPr/>
+          <a:lstStyle/>
+          <a:p>
+            <a:fld id="{EC074461-D808-4EBD-B8B3-953FBFCC6ED3}" type="slidenum">
+              <a:rPr lang="en-US" smtClean="0"/>
+              <a:t>40</a:t>
+            </a:fld>
+            <a:endParaRPr lang="en-US"/>
+          </a:p>
+        </p:txBody>
+      </p:sp>
+    </p:spTree>
+    <p:extLst>
+      <p:ext uri="{BB962C8B-B14F-4D97-AF65-F5344CB8AC3E}">
+        <p14:creationId xmlns:p14="http://schemas.microsoft.com/office/powerpoint/2010/main" val="524955248"/>
+      </p:ext>
+    </p:extLst>
+  </p:cSld>
+  <p:clrMapOvr>
+    <a:masterClrMapping/>
+  </p:clrMapOvr>
+</p:notes>
+</file>
+
+<file path=ppt/notesSlides/notesSlide41.xml><?xml version="1.0" encoding="utf-8"?>
+<p:notes xmlns:a="http://schemas.openxmlformats.org/drawingml/2006/main" xmlns:r="http://schemas.openxmlformats.org/officeDocument/2006/relationships" xmlns:p="http://schemas.openxmlformats.org/presentationml/2006/main">
+  <p:cSld>
+    <p:spTree>
+      <p:nvGrpSpPr>
+        <p:cNvPr id="1" name=""/>
+        <p:cNvGrpSpPr/>
+        <p:nvPr/>
+      </p:nvGrpSpPr>
+      <p:grpSpPr>
+        <a:xfrm>
+          <a:off x="0" y="0"/>
+          <a:ext cx="0" cy="0"/>
+          <a:chOff x="0" y="0"/>
+          <a:chExt cx="0" cy="0"/>
+        </a:xfrm>
+      </p:grpSpPr>
+      <p:sp>
+        <p:nvSpPr>
+          <p:cNvPr id="2" name="Slide Image Placeholder 1"/>
+          <p:cNvSpPr>
+            <a:spLocks noGrp="1" noRot="1" noChangeAspect="1"/>
+          </p:cNvSpPr>
+          <p:nvPr>
+            <p:ph type="sldImg"/>
+          </p:nvPr>
+        </p:nvSpPr>
+        <p:spPr/>
+      </p:sp>
+      <p:sp>
+        <p:nvSpPr>
+          <p:cNvPr id="3" name="Notes Placeholder 2"/>
+          <p:cNvSpPr>
+            <a:spLocks noGrp="1"/>
+          </p:cNvSpPr>
+          <p:nvPr>
+            <p:ph type="body" idx="1"/>
+          </p:nvPr>
+        </p:nvSpPr>
+        <p:spPr/>
+        <p:txBody>
+          <a:bodyPr/>
+          <a:lstStyle/>
+          <a:p>
+            <a:endParaRPr lang="en-US" dirty="0"/>
+          </a:p>
+        </p:txBody>
+      </p:sp>
+      <p:sp>
+        <p:nvSpPr>
+          <p:cNvPr id="4" name="Slide Number Placeholder 3"/>
+          <p:cNvSpPr>
+            <a:spLocks noGrp="1"/>
+          </p:cNvSpPr>
+          <p:nvPr>
+            <p:ph type="sldNum" sz="quarter" idx="10"/>
+          </p:nvPr>
+        </p:nvSpPr>
+        <p:spPr/>
+        <p:txBody>
+          <a:bodyPr/>
+          <a:lstStyle/>
+          <a:p>
+            <a:fld id="{2B57EC6A-F5A4-441D-B3C5-D1EF8312AF7C}" type="slidenum">
+              <a:rPr lang="en-US" smtClean="0"/>
+              <a:t>41</a:t>
+            </a:fld>
+            <a:endParaRPr lang="en-US"/>
+          </a:p>
+        </p:txBody>
+      </p:sp>
+    </p:spTree>
+    <p:extLst>
+      <p:ext uri="{BB962C8B-B14F-4D97-AF65-F5344CB8AC3E}">
+        <p14:creationId xmlns:p14="http://schemas.microsoft.com/office/powerpoint/2010/main" val="976359061"/>
+      </p:ext>
+    </p:extLst>
+  </p:cSld>
+  <p:clrMapOvr>
+    <a:masterClrMapping/>
+  </p:clrMapOvr>
+</p:notes>
+</file>
+
+<file path=ppt/notesSlides/notesSlide42.xml><?xml version="1.0" encoding="utf-8"?>
+<p:notes xmlns:a="http://schemas.openxmlformats.org/drawingml/2006/main" xmlns:r="http://schemas.openxmlformats.org/officeDocument/2006/relationships" xmlns:p="http://schemas.openxmlformats.org/presentationml/2006/main">
+  <p:cSld>
+    <p:spTree>
+      <p:nvGrpSpPr>
+        <p:cNvPr id="1" name=""/>
+        <p:cNvGrpSpPr/>
+        <p:nvPr/>
+      </p:nvGrpSpPr>
+      <p:grpSpPr>
+        <a:xfrm>
+          <a:off x="0" y="0"/>
+          <a:ext cx="0" cy="0"/>
+          <a:chOff x="0" y="0"/>
+          <a:chExt cx="0" cy="0"/>
+        </a:xfrm>
+      </p:grpSpPr>
+      <p:sp>
+        <p:nvSpPr>
+          <p:cNvPr id="2" name="Slide Image Placeholder 1"/>
+          <p:cNvSpPr>
+            <a:spLocks noGrp="1" noRot="1" noChangeAspect="1"/>
+          </p:cNvSpPr>
+          <p:nvPr>
+            <p:ph type="sldImg"/>
+          </p:nvPr>
+        </p:nvSpPr>
+        <p:spPr/>
+      </p:sp>
+      <p:sp>
+        <p:nvSpPr>
+          <p:cNvPr id="3" name="Notes Placeholder 2"/>
+          <p:cNvSpPr>
+            <a:spLocks noGrp="1"/>
+          </p:cNvSpPr>
+          <p:nvPr>
+            <p:ph type="body" idx="1"/>
+          </p:nvPr>
+        </p:nvSpPr>
+        <p:spPr/>
+        <p:txBody>
+          <a:bodyPr/>
+          <a:lstStyle/>
+          <a:p>
+            <a:endParaRPr lang="en-US" dirty="0"/>
+          </a:p>
+        </p:txBody>
+      </p:sp>
+      <p:sp>
+        <p:nvSpPr>
+          <p:cNvPr id="4" name="Slide Number Placeholder 3"/>
+          <p:cNvSpPr>
+            <a:spLocks noGrp="1"/>
+          </p:cNvSpPr>
+          <p:nvPr>
+            <p:ph type="sldNum" sz="quarter" idx="5"/>
+          </p:nvPr>
+        </p:nvSpPr>
+        <p:spPr/>
+        <p:txBody>
+          <a:bodyPr/>
+          <a:lstStyle/>
+          <a:p>
+            <a:fld id="{EC074461-D808-4EBD-B8B3-953FBFCC6ED3}" type="slidenum">
+              <a:rPr lang="en-US" smtClean="0"/>
+              <a:t>42</a:t>
+            </a:fld>
+            <a:endParaRPr lang="en-US"/>
+          </a:p>
+        </p:txBody>
+      </p:sp>
+    </p:spTree>
+    <p:extLst>
+      <p:ext uri="{BB962C8B-B14F-4D97-AF65-F5344CB8AC3E}">
+        <p14:creationId xmlns:p14="http://schemas.microsoft.com/office/powerpoint/2010/main" val="3341481556"/>
+      </p:ext>
+    </p:extLst>
+  </p:cSld>
+  <p:clrMapOvr>
+    <a:masterClrMapping/>
+  </p:clrMapOvr>
+</p:notes>
+</file>
+
+<file path=ppt/notesSlides/notesSlide43.xml><?xml version="1.0" encoding="utf-8"?>
+<p:notes xmlns:a="http://schemas.openxmlformats.org/drawingml/2006/main" xmlns:r="http://schemas.openxmlformats.org/officeDocument/2006/relationships" xmlns:p="http://schemas.openxmlformats.org/presentationml/2006/main">
+  <p:cSld>
+    <p:spTree>
+      <p:nvGrpSpPr>
+        <p:cNvPr id="1" name=""/>
+        <p:cNvGrpSpPr/>
+        <p:nvPr/>
+      </p:nvGrpSpPr>
+      <p:grpSpPr>
+        <a:xfrm>
+          <a:off x="0" y="0"/>
+          <a:ext cx="0" cy="0"/>
+          <a:chOff x="0" y="0"/>
+          <a:chExt cx="0" cy="0"/>
+        </a:xfrm>
+      </p:grpSpPr>
+      <p:sp>
+        <p:nvSpPr>
+          <p:cNvPr id="2" name="Slide Image Placeholder 1"/>
+          <p:cNvSpPr>
+            <a:spLocks noGrp="1" noRot="1" noChangeAspect="1"/>
+          </p:cNvSpPr>
+          <p:nvPr>
+            <p:ph type="sldImg"/>
+          </p:nvPr>
+        </p:nvSpPr>
+        <p:spPr/>
+      </p:sp>
+      <p:sp>
+        <p:nvSpPr>
+          <p:cNvPr id="3" name="Notes Placeholder 2"/>
+          <p:cNvSpPr>
+            <a:spLocks noGrp="1"/>
+          </p:cNvSpPr>
+          <p:nvPr>
+            <p:ph type="body" idx="1"/>
+          </p:nvPr>
+        </p:nvSpPr>
+        <p:spPr/>
+        <p:txBody>
+          <a:bodyPr/>
+          <a:lstStyle/>
+          <a:p>
+            <a:pPr marL="171450" indent="-171450">
+              <a:buFontTx/>
+              <a:buChar char="-"/>
+            </a:pPr>
+            <a:r>
+              <a:rPr lang="en-US" dirty="0"/>
+              <a:t>Too understaffed</a:t>
+            </a:r>
+          </a:p>
+          <a:p>
+            <a:pPr marL="171450" indent="-171450">
+              <a:buFontTx/>
+              <a:buChar char="-"/>
+            </a:pPr>
+            <a:r>
+              <a:rPr lang="en-US" dirty="0"/>
+              <a:t>Too much support work fixing bugs</a:t>
+            </a:r>
+          </a:p>
+        </p:txBody>
+      </p:sp>
+      <p:sp>
+        <p:nvSpPr>
+          <p:cNvPr id="4" name="Slide Number Placeholder 3"/>
+          <p:cNvSpPr>
+            <a:spLocks noGrp="1"/>
+          </p:cNvSpPr>
+          <p:nvPr>
+            <p:ph type="sldNum" sz="quarter" idx="5"/>
+          </p:nvPr>
+        </p:nvSpPr>
+        <p:spPr/>
+        <p:txBody>
+          <a:bodyPr/>
+          <a:lstStyle/>
+          <a:p>
+            <a:fld id="{EC074461-D808-4EBD-B8B3-953FBFCC6ED3}" type="slidenum">
+              <a:rPr lang="en-US" smtClean="0"/>
+              <a:t>43</a:t>
+            </a:fld>
+            <a:endParaRPr lang="en-US"/>
+          </a:p>
+        </p:txBody>
+      </p:sp>
+    </p:spTree>
+    <p:extLst>
+      <p:ext uri="{BB962C8B-B14F-4D97-AF65-F5344CB8AC3E}">
+        <p14:creationId xmlns:p14="http://schemas.microsoft.com/office/powerpoint/2010/main" val="1429263364"/>
+      </p:ext>
+    </p:extLst>
+  </p:cSld>
+  <p:clrMapOvr>
+    <a:masterClrMapping/>
+  </p:clrMapOvr>
+</p:notes>
+</file>
+
+<file path=ppt/notesSlides/notesSlide44.xml><?xml version="1.0" encoding="utf-8"?>
+<p:notes xmlns:a="http://schemas.openxmlformats.org/drawingml/2006/main" xmlns:r="http://schemas.openxmlformats.org/officeDocument/2006/relationships" xmlns:p="http://schemas.openxmlformats.org/presentationml/2006/main">
+  <p:cSld>
+    <p:spTree>
+      <p:nvGrpSpPr>
+        <p:cNvPr id="1" name=""/>
+        <p:cNvGrpSpPr/>
+        <p:nvPr/>
+      </p:nvGrpSpPr>
+      <p:grpSpPr>
+        <a:xfrm>
+          <a:off x="0" y="0"/>
+          <a:ext cx="0" cy="0"/>
+          <a:chOff x="0" y="0"/>
+          <a:chExt cx="0" cy="0"/>
+        </a:xfrm>
+      </p:grpSpPr>
+      <p:sp>
+        <p:nvSpPr>
+          <p:cNvPr id="2" name="Slide Image Placeholder 1"/>
+          <p:cNvSpPr>
+            <a:spLocks noGrp="1" noRot="1" noChangeAspect="1"/>
+          </p:cNvSpPr>
+          <p:nvPr>
+            <p:ph type="sldImg"/>
+          </p:nvPr>
+        </p:nvSpPr>
+        <p:spPr/>
+      </p:sp>
+      <p:sp>
+        <p:nvSpPr>
+          <p:cNvPr id="3" name="Notes Placeholder 2"/>
+          <p:cNvSpPr>
+            <a:spLocks noGrp="1"/>
+          </p:cNvSpPr>
+          <p:nvPr>
+            <p:ph type="body" idx="1"/>
+          </p:nvPr>
+        </p:nvSpPr>
+        <p:spPr/>
+        <p:txBody>
+          <a:bodyPr/>
+          <a:lstStyle/>
+          <a:p>
+            <a:endParaRPr lang="en-US" dirty="0"/>
+          </a:p>
+        </p:txBody>
+      </p:sp>
+      <p:sp>
+        <p:nvSpPr>
+          <p:cNvPr id="4" name="Slide Number Placeholder 3"/>
+          <p:cNvSpPr>
+            <a:spLocks noGrp="1"/>
+          </p:cNvSpPr>
+          <p:nvPr>
+            <p:ph type="sldNum" sz="quarter" idx="5"/>
+          </p:nvPr>
+        </p:nvSpPr>
+        <p:spPr/>
+        <p:txBody>
+          <a:bodyPr/>
+          <a:lstStyle/>
+          <a:p>
+            <a:fld id="{EC074461-D808-4EBD-B8B3-953FBFCC6ED3}" type="slidenum">
+              <a:rPr lang="en-US" smtClean="0"/>
+              <a:t>44</a:t>
+            </a:fld>
+            <a:endParaRPr lang="en-US"/>
+          </a:p>
+        </p:txBody>
+      </p:sp>
+    </p:spTree>
+    <p:extLst>
+      <p:ext uri="{BB962C8B-B14F-4D97-AF65-F5344CB8AC3E}">
+        <p14:creationId xmlns:p14="http://schemas.microsoft.com/office/powerpoint/2010/main" val="1262940559"/>
+      </p:ext>
+    </p:extLst>
+  </p:cSld>
+  <p:clrMapOvr>
+    <a:masterClrMapping/>
+  </p:clrMapOvr>
+</p:notes>
+</file>
+
+<file path=ppt/notesSlides/notesSlide45.xml><?xml version="1.0" encoding="utf-8"?>
+<p:notes xmlns:a="http://schemas.openxmlformats.org/drawingml/2006/main" xmlns:r="http://schemas.openxmlformats.org/officeDocument/2006/relationships" xmlns:p="http://schemas.openxmlformats.org/presentationml/2006/main">
+  <p:cSld>
+    <p:spTree>
+      <p:nvGrpSpPr>
+        <p:cNvPr id="1" name=""/>
+        <p:cNvGrpSpPr/>
+        <p:nvPr/>
+      </p:nvGrpSpPr>
+      <p:grpSpPr>
+        <a:xfrm>
+          <a:off x="0" y="0"/>
+          <a:ext cx="0" cy="0"/>
+          <a:chOff x="0" y="0"/>
+          <a:chExt cx="0" cy="0"/>
+        </a:xfrm>
+      </p:grpSpPr>
+      <p:sp>
+        <p:nvSpPr>
+          <p:cNvPr id="2" name="Slide Image Placeholder 1"/>
+          <p:cNvSpPr>
+            <a:spLocks noGrp="1" noRot="1" noChangeAspect="1"/>
+          </p:cNvSpPr>
+          <p:nvPr>
+            <p:ph type="sldImg"/>
+          </p:nvPr>
+        </p:nvSpPr>
+        <p:spPr/>
+      </p:sp>
+      <p:sp>
+        <p:nvSpPr>
+          <p:cNvPr id="3" name="Notes Placeholder 2"/>
+          <p:cNvSpPr>
+            <a:spLocks noGrp="1"/>
+          </p:cNvSpPr>
+          <p:nvPr>
+            <p:ph type="body" idx="1"/>
+          </p:nvPr>
+        </p:nvSpPr>
+        <p:spPr/>
+        <p:txBody>
+          <a:bodyPr/>
+          <a:lstStyle/>
+          <a:p>
+            <a:r>
+              <a:rPr lang="en-US" dirty="0"/>
+              <a:t>What if you went to your surgeon and said “Hey I need this operation done” and he goes “Okay it’ll take 24 hours.” And if you respond “Okay but can you do it in 4?” …would you want to get surgery from the surgeon who agrees to that?</a:t>
+            </a:r>
+          </a:p>
+          <a:p>
+            <a:endParaRPr lang="en-US" dirty="0"/>
+          </a:p>
+          <a:p>
+            <a:r>
+              <a:rPr lang="en-US" dirty="0"/>
+              <a:t>“Oh yeah I can totally do that surgery in 4 hours, I just need to not wash my hands, not wash the tools from the last surgery, and I’ll just use 5 stitches to sew you up instead of 50.”</a:t>
+            </a:r>
+          </a:p>
+        </p:txBody>
+      </p:sp>
+      <p:sp>
+        <p:nvSpPr>
+          <p:cNvPr id="4" name="Slide Number Placeholder 3"/>
+          <p:cNvSpPr>
+            <a:spLocks noGrp="1"/>
+          </p:cNvSpPr>
+          <p:nvPr>
+            <p:ph type="sldNum" sz="quarter" idx="5"/>
+          </p:nvPr>
+        </p:nvSpPr>
+        <p:spPr/>
+        <p:txBody>
+          <a:bodyPr/>
+          <a:lstStyle/>
+          <a:p>
+            <a:fld id="{EC074461-D808-4EBD-B8B3-953FBFCC6ED3}" type="slidenum">
+              <a:rPr lang="en-US" smtClean="0"/>
+              <a:t>45</a:t>
+            </a:fld>
+            <a:endParaRPr lang="en-US"/>
+          </a:p>
+        </p:txBody>
+      </p:sp>
+    </p:spTree>
+    <p:extLst>
+      <p:ext uri="{BB962C8B-B14F-4D97-AF65-F5344CB8AC3E}">
+        <p14:creationId xmlns:p14="http://schemas.microsoft.com/office/powerpoint/2010/main" val="143723785"/>
+      </p:ext>
+    </p:extLst>
+  </p:cSld>
+  <p:clrMapOvr>
+    <a:masterClrMapping/>
+  </p:clrMapOvr>
+</p:notes>
+</file>
+
+<file path=ppt/notesSlides/notesSlide46.xml><?xml version="1.0" encoding="utf-8"?>
+<p:notes xmlns:a="http://schemas.openxmlformats.org/drawingml/2006/main" xmlns:r="http://schemas.openxmlformats.org/officeDocument/2006/relationships" xmlns:p="http://schemas.openxmlformats.org/presentationml/2006/main">
+  <p:cSld>
+    <p:spTree>
+      <p:nvGrpSpPr>
+        <p:cNvPr id="1" name=""/>
+        <p:cNvGrpSpPr/>
+        <p:nvPr/>
+      </p:nvGrpSpPr>
+      <p:grpSpPr>
+        <a:xfrm>
+          <a:off x="0" y="0"/>
+          <a:ext cx="0" cy="0"/>
+          <a:chOff x="0" y="0"/>
+          <a:chExt cx="0" cy="0"/>
+        </a:xfrm>
+      </p:grpSpPr>
+      <p:sp>
+        <p:nvSpPr>
+          <p:cNvPr id="2" name="Slide Image Placeholder 1"/>
+          <p:cNvSpPr>
+            <a:spLocks noGrp="1" noRot="1" noChangeAspect="1"/>
+          </p:cNvSpPr>
+          <p:nvPr>
+            <p:ph type="sldImg"/>
+          </p:nvPr>
+        </p:nvSpPr>
+        <p:spPr/>
+      </p:sp>
+      <p:sp>
+        <p:nvSpPr>
+          <p:cNvPr id="3" name="Notes Placeholder 2"/>
+          <p:cNvSpPr>
+            <a:spLocks noGrp="1"/>
+          </p:cNvSpPr>
+          <p:nvPr>
+            <p:ph type="body" idx="1"/>
+          </p:nvPr>
+        </p:nvSpPr>
+        <p:spPr/>
+        <p:txBody>
+          <a:bodyPr/>
+          <a:lstStyle/>
+          <a:p>
+            <a:endParaRPr lang="en-US" dirty="0"/>
+          </a:p>
+        </p:txBody>
+      </p:sp>
+      <p:sp>
+        <p:nvSpPr>
+          <p:cNvPr id="4" name="Slide Number Placeholder 3"/>
+          <p:cNvSpPr>
+            <a:spLocks noGrp="1"/>
+          </p:cNvSpPr>
+          <p:nvPr>
+            <p:ph type="sldNum" sz="quarter" idx="5"/>
+          </p:nvPr>
+        </p:nvSpPr>
+        <p:spPr/>
+        <p:txBody>
+          <a:bodyPr/>
+          <a:lstStyle/>
+          <a:p>
+            <a:fld id="{EC074461-D808-4EBD-B8B3-953FBFCC6ED3}" type="slidenum">
+              <a:rPr lang="en-US" smtClean="0"/>
+              <a:t>46</a:t>
+            </a:fld>
+            <a:endParaRPr lang="en-US"/>
+          </a:p>
+        </p:txBody>
+      </p:sp>
+    </p:spTree>
+    <p:extLst>
+      <p:ext uri="{BB962C8B-B14F-4D97-AF65-F5344CB8AC3E}">
+        <p14:creationId xmlns:p14="http://schemas.microsoft.com/office/powerpoint/2010/main" val="1014298612"/>
+      </p:ext>
+    </p:extLst>
+  </p:cSld>
+  <p:clrMapOvr>
+    <a:masterClrMapping/>
+  </p:clrMapOvr>
+</p:notes>
+</file>
+
+<file path=ppt/notesSlides/notesSlide47.xml><?xml version="1.0" encoding="utf-8"?>
+<p:notes xmlns:a="http://schemas.openxmlformats.org/drawingml/2006/main" xmlns:r="http://schemas.openxmlformats.org/officeDocument/2006/relationships" xmlns:p="http://schemas.openxmlformats.org/presentationml/2006/main">
+  <p:cSld>
+    <p:spTree>
+      <p:nvGrpSpPr>
+        <p:cNvPr id="1" name=""/>
+        <p:cNvGrpSpPr/>
+        <p:nvPr/>
+      </p:nvGrpSpPr>
+      <p:grpSpPr>
+        <a:xfrm>
+          <a:off x="0" y="0"/>
+          <a:ext cx="0" cy="0"/>
+          <a:chOff x="0" y="0"/>
+          <a:chExt cx="0" cy="0"/>
+        </a:xfrm>
+      </p:grpSpPr>
+      <p:sp>
+        <p:nvSpPr>
+          <p:cNvPr id="2" name="Slide Image Placeholder 1"/>
+          <p:cNvSpPr>
+            <a:spLocks noGrp="1" noRot="1" noChangeAspect="1"/>
+          </p:cNvSpPr>
+          <p:nvPr>
+            <p:ph type="sldImg"/>
+          </p:nvPr>
+        </p:nvSpPr>
+        <p:spPr/>
+      </p:sp>
+      <p:sp>
+        <p:nvSpPr>
+          <p:cNvPr id="3" name="Notes Placeholder 2"/>
+          <p:cNvSpPr>
+            <a:spLocks noGrp="1"/>
+          </p:cNvSpPr>
+          <p:nvPr>
+            <p:ph type="body" idx="1"/>
+          </p:nvPr>
+        </p:nvSpPr>
+        <p:spPr/>
+        <p:txBody>
+          <a:bodyPr/>
+          <a:lstStyle/>
+          <a:p>
+            <a:endParaRPr lang="en-US" dirty="0"/>
+          </a:p>
+        </p:txBody>
+      </p:sp>
+      <p:sp>
+        <p:nvSpPr>
+          <p:cNvPr id="4" name="Slide Number Placeholder 3"/>
+          <p:cNvSpPr>
+            <a:spLocks noGrp="1"/>
+          </p:cNvSpPr>
+          <p:nvPr>
+            <p:ph type="sldNum" sz="quarter" idx="10"/>
+          </p:nvPr>
+        </p:nvSpPr>
+        <p:spPr/>
+        <p:txBody>
+          <a:bodyPr/>
+          <a:lstStyle/>
+          <a:p>
+            <a:fld id="{2B57EC6A-F5A4-441D-B3C5-D1EF8312AF7C}" type="slidenum">
+              <a:rPr lang="en-US" smtClean="0"/>
+              <a:t>47</a:t>
+            </a:fld>
+            <a:endParaRPr lang="en-US"/>
+          </a:p>
+        </p:txBody>
+      </p:sp>
+    </p:spTree>
+    <p:extLst>
+      <p:ext uri="{BB962C8B-B14F-4D97-AF65-F5344CB8AC3E}">
+        <p14:creationId xmlns:p14="http://schemas.microsoft.com/office/powerpoint/2010/main" val="3610301256"/>
+      </p:ext>
+    </p:extLst>
+  </p:cSld>
+  <p:clrMapOvr>
+    <a:masterClrMapping/>
+  </p:clrMapOvr>
+</p:notes>
+</file>
+
+<file path=ppt/notesSlides/notesSlide48.xml><?xml version="1.0" encoding="utf-8"?>
+<p:notes xmlns:a="http://schemas.openxmlformats.org/drawingml/2006/main" xmlns:r="http://schemas.openxmlformats.org/officeDocument/2006/relationships" xmlns:p="http://schemas.openxmlformats.org/presentationml/2006/main">
+  <p:cSld>
+    <p:spTree>
+      <p:nvGrpSpPr>
+        <p:cNvPr id="1" name=""/>
+        <p:cNvGrpSpPr/>
+        <p:nvPr/>
+      </p:nvGrpSpPr>
+      <p:grpSpPr>
+        <a:xfrm>
+          <a:off x="0" y="0"/>
+          <a:ext cx="0" cy="0"/>
+          <a:chOff x="0" y="0"/>
+          <a:chExt cx="0" cy="0"/>
+        </a:xfrm>
+      </p:grpSpPr>
+      <p:sp>
+        <p:nvSpPr>
+          <p:cNvPr id="2" name="Slide Image Placeholder 1"/>
+          <p:cNvSpPr>
+            <a:spLocks noGrp="1" noRot="1" noChangeAspect="1"/>
+          </p:cNvSpPr>
+          <p:nvPr>
+            <p:ph type="sldImg"/>
+          </p:nvPr>
+        </p:nvSpPr>
+        <p:spPr/>
+      </p:sp>
+      <p:sp>
+        <p:nvSpPr>
+          <p:cNvPr id="3" name="Notes Placeholder 2"/>
+          <p:cNvSpPr>
+            <a:spLocks noGrp="1"/>
+          </p:cNvSpPr>
+          <p:nvPr>
+            <p:ph type="body" idx="1"/>
+          </p:nvPr>
+        </p:nvSpPr>
+        <p:spPr/>
+        <p:txBody>
+          <a:bodyPr/>
+          <a:lstStyle/>
+          <a:p>
+            <a:endParaRPr lang="en-US" dirty="0"/>
+          </a:p>
+        </p:txBody>
+      </p:sp>
+      <p:sp>
+        <p:nvSpPr>
+          <p:cNvPr id="4" name="Slide Number Placeholder 3"/>
+          <p:cNvSpPr>
+            <a:spLocks noGrp="1"/>
+          </p:cNvSpPr>
+          <p:nvPr>
+            <p:ph type="sldNum" sz="quarter" idx="10"/>
+          </p:nvPr>
+        </p:nvSpPr>
+        <p:spPr/>
+        <p:txBody>
+          <a:bodyPr/>
+          <a:lstStyle/>
+          <a:p>
+            <a:fld id="{2B57EC6A-F5A4-441D-B3C5-D1EF8312AF7C}" type="slidenum">
+              <a:rPr lang="en-US" smtClean="0"/>
+              <a:t>48</a:t>
+            </a:fld>
+            <a:endParaRPr lang="en-US"/>
+          </a:p>
+        </p:txBody>
+      </p:sp>
+    </p:spTree>
+    <p:extLst>
+      <p:ext uri="{BB962C8B-B14F-4D97-AF65-F5344CB8AC3E}">
+        <p14:creationId xmlns:p14="http://schemas.microsoft.com/office/powerpoint/2010/main" val="2378286796"/>
       </p:ext>
     </p:extLst>
   </p:cSld>
@@ -19089,22 +19854,14 @@
           </a:p>
           <a:p>
             <a:r>
-              <a:rPr lang="en-US"/>
-              <a:t>Results in I </a:t>
+              <a:rPr lang="en-US" dirty="0"/>
+              <a:t>Results in I see people start blindly accepting changes </a:t>
             </a:r>
+          </a:p>
+          <a:p>
             <a:r>
               <a:rPr lang="en-US" dirty="0"/>
-              <a:t>see people start blindly accepting changes </a:t>
-            </a:r>
-          </a:p>
-          <a:p>
-            <a:r>
-              <a:rPr lang="en-US"/>
-              <a:t>Can’t </a:t>
-            </a:r>
-            <a:r>
-              <a:rPr lang="en-US" dirty="0"/>
-              <a:t>TDD it because it relies on the final output</a:t>
+              <a:t>Can’t TDD it because it relies on the final output</a:t>
             </a:r>
           </a:p>
           <a:p>
@@ -20610,6 +21367,2876 @@
 <file path=ppt/slides/slide31.xml><?xml version="1.0" encoding="utf-8"?>
 <p:sld xmlns:a="http://schemas.openxmlformats.org/drawingml/2006/main" xmlns:r="http://schemas.openxmlformats.org/officeDocument/2006/relationships" xmlns:p="http://schemas.openxmlformats.org/presentationml/2006/main">
   <p:cSld>
+    <p:bg>
+      <p:bgPr>
+        <a:solidFill>
+          <a:srgbClr val="0F69B6"/>
+        </a:solidFill>
+        <a:effectLst/>
+      </p:bgPr>
+    </p:bg>
+    <p:spTree>
+      <p:nvGrpSpPr>
+        <p:cNvPr id="1" name=""/>
+        <p:cNvGrpSpPr/>
+        <p:nvPr/>
+      </p:nvGrpSpPr>
+      <p:grpSpPr>
+        <a:xfrm>
+          <a:off x="0" y="0"/>
+          <a:ext cx="0" cy="0"/>
+          <a:chOff x="0" y="0"/>
+          <a:chExt cx="0" cy="0"/>
+        </a:xfrm>
+      </p:grpSpPr>
+      <p:sp>
+        <p:nvSpPr>
+          <p:cNvPr id="2" name="Title 1">
+            <a:extLst>
+              <a:ext uri="{FF2B5EF4-FFF2-40B4-BE49-F238E27FC236}">
+                <a16:creationId xmlns:a16="http://schemas.microsoft.com/office/drawing/2014/main" id="{E8FE7171-AFDD-4862-9A69-284665CD3345}"/>
+              </a:ext>
+            </a:extLst>
+          </p:cNvPr>
+          <p:cNvSpPr>
+            <a:spLocks noGrp="1"/>
+          </p:cNvSpPr>
+          <p:nvPr>
+            <p:ph type="ctrTitle"/>
+          </p:nvPr>
+        </p:nvSpPr>
+        <p:spPr>
+          <a:xfrm>
+            <a:off x="0" y="0"/>
+            <a:ext cx="12192000" cy="6858000"/>
+          </a:xfrm>
+        </p:spPr>
+        <p:txBody>
+          <a:bodyPr anchor="ctr">
+            <a:normAutofit/>
+          </a:bodyPr>
+          <a:lstStyle/>
+          <a:p>
+            <a:r>
+              <a:rPr lang="en-US" sz="9600" b="1" dirty="0">
+                <a:solidFill>
+                  <a:schemeClr val="bg1"/>
+                </a:solidFill>
+                <a:latin typeface="+mn-lt"/>
+                <a:ea typeface="Open Sans" panose="020B0606030504020204" pitchFamily="34" charset="0"/>
+                <a:cs typeface="Open Sans" panose="020B0606030504020204" pitchFamily="34" charset="0"/>
+              </a:rPr>
+              <a:t>Slight TDD Detour</a:t>
+            </a:r>
+          </a:p>
+        </p:txBody>
+      </p:sp>
+    </p:spTree>
+    <p:extLst>
+      <p:ext uri="{BB962C8B-B14F-4D97-AF65-F5344CB8AC3E}">
+        <p14:creationId xmlns:p14="http://schemas.microsoft.com/office/powerpoint/2010/main" val="3625642416"/>
+      </p:ext>
+    </p:extLst>
+  </p:cSld>
+  <p:clrMapOvr>
+    <a:masterClrMapping/>
+  </p:clrMapOvr>
+</p:sld>
+</file>
+
+<file path=ppt/slides/slide32.xml><?xml version="1.0" encoding="utf-8"?>
+<p:sld xmlns:a="http://schemas.openxmlformats.org/drawingml/2006/main" xmlns:r="http://schemas.openxmlformats.org/officeDocument/2006/relationships" xmlns:p="http://schemas.openxmlformats.org/presentationml/2006/main">
+  <p:cSld>
+    <p:bg>
+      <p:bgPr>
+        <a:solidFill>
+          <a:srgbClr val="0F69B6"/>
+        </a:solidFill>
+        <a:effectLst/>
+      </p:bgPr>
+    </p:bg>
+    <p:spTree>
+      <p:nvGrpSpPr>
+        <p:cNvPr id="1" name=""/>
+        <p:cNvGrpSpPr/>
+        <p:nvPr/>
+      </p:nvGrpSpPr>
+      <p:grpSpPr>
+        <a:xfrm>
+          <a:off x="0" y="0"/>
+          <a:ext cx="0" cy="0"/>
+          <a:chOff x="0" y="0"/>
+          <a:chExt cx="0" cy="0"/>
+        </a:xfrm>
+      </p:grpSpPr>
+      <p:pic>
+        <p:nvPicPr>
+          <p:cNvPr id="2050" name="Picture 2">
+            <a:extLst>
+              <a:ext uri="{FF2B5EF4-FFF2-40B4-BE49-F238E27FC236}">
+                <a16:creationId xmlns:a16="http://schemas.microsoft.com/office/drawing/2014/main" id="{2AC5399C-C18B-8ED5-EBB5-0C7409165845}"/>
+              </a:ext>
+            </a:extLst>
+          </p:cNvPr>
+          <p:cNvPicPr>
+            <a:picLocks noChangeAspect="1" noChangeArrowheads="1"/>
+          </p:cNvPicPr>
+          <p:nvPr/>
+        </p:nvPicPr>
+        <p:blipFill>
+          <a:blip r:embed="rId3">
+            <a:duotone>
+              <a:schemeClr val="accent5">
+                <a:shade val="45000"/>
+                <a:satMod val="135000"/>
+              </a:schemeClr>
+              <a:prstClr val="white"/>
+            </a:duotone>
+            <a:extLst>
+              <a:ext uri="{28A0092B-C50C-407E-A947-70E740481C1C}">
+                <a14:useLocalDpi xmlns:a14="http://schemas.microsoft.com/office/drawing/2010/main" val="0"/>
+              </a:ext>
+            </a:extLst>
+          </a:blip>
+          <a:srcRect/>
+          <a:stretch>
+            <a:fillRect/>
+          </a:stretch>
+        </p:blipFill>
+        <p:spPr bwMode="auto">
+          <a:xfrm>
+            <a:off x="9042502" y="3090833"/>
+            <a:ext cx="3767167" cy="3767167"/>
+          </a:xfrm>
+          <a:prstGeom prst="rect">
+            <a:avLst/>
+          </a:prstGeom>
+          <a:noFill/>
+          <a:extLst>
+            <a:ext uri="{909E8E84-426E-40DD-AFC4-6F175D3DCCD1}">
+              <a14:hiddenFill xmlns:a14="http://schemas.microsoft.com/office/drawing/2010/main">
+                <a:solidFill>
+                  <a:srgbClr val="FFFFFF"/>
+                </a:solidFill>
+              </a14:hiddenFill>
+            </a:ext>
+          </a:extLst>
+        </p:spPr>
+      </p:pic>
+      <p:sp>
+        <p:nvSpPr>
+          <p:cNvPr id="6" name="Title 1">
+            <a:extLst>
+              <a:ext uri="{FF2B5EF4-FFF2-40B4-BE49-F238E27FC236}">
+                <a16:creationId xmlns:a16="http://schemas.microsoft.com/office/drawing/2014/main" id="{ACEB5D41-28A2-6A8B-02C8-131D45C6B954}"/>
+              </a:ext>
+            </a:extLst>
+          </p:cNvPr>
+          <p:cNvSpPr>
+            <a:spLocks noGrp="1"/>
+          </p:cNvSpPr>
+          <p:nvPr>
+            <p:ph type="ctrTitle"/>
+          </p:nvPr>
+        </p:nvSpPr>
+        <p:spPr>
+          <a:xfrm>
+            <a:off x="192946" y="1346752"/>
+            <a:ext cx="11568419" cy="5439941"/>
+          </a:xfrm>
+        </p:spPr>
+        <p:txBody>
+          <a:bodyPr>
+            <a:noAutofit/>
+          </a:bodyPr>
+          <a:lstStyle/>
+          <a:p>
+            <a:pPr marL="0" marR="0" lvl="0" indent="0" algn="l" defTabSz="914400" rtl="0" eaLnBrk="0" fontAlgn="base" latinLnBrk="0" hangingPunct="0">
+              <a:lnSpc>
+                <a:spcPct val="100000"/>
+              </a:lnSpc>
+              <a:spcBef>
+                <a:spcPct val="0"/>
+              </a:spcBef>
+              <a:spcAft>
+                <a:spcPct val="0"/>
+              </a:spcAft>
+              <a:buClrTx/>
+              <a:buSzTx/>
+              <a:buFontTx/>
+              <a:buNone/>
+              <a:tabLst/>
+            </a:pPr>
+            <a:r>
+              <a:rPr kumimoji="0" lang="en-US" altLang="en-US" sz="4800" b="1" i="0" u="none" strike="noStrike" cap="none" normalizeH="0" baseline="0" dirty="0">
+                <a:ln>
+                  <a:noFill/>
+                </a:ln>
+                <a:solidFill>
+                  <a:srgbClr val="FFFFFF"/>
+                </a:solidFill>
+                <a:effectLst/>
+                <a:latin typeface="+mn-lt"/>
+              </a:rPr>
+              <a:t>“Remove everything that has no relevance to the story. If you say in the first chapter that there is a rifle hanging on the wall, in the second or third chapter it absolutely must go off. If it's not going to be fired, </a:t>
+            </a:r>
+            <a:br>
+              <a:rPr kumimoji="0" lang="en-US" altLang="en-US" sz="4800" b="1" i="0" u="none" strike="noStrike" cap="none" normalizeH="0" baseline="0" dirty="0">
+                <a:ln>
+                  <a:noFill/>
+                </a:ln>
+                <a:solidFill>
+                  <a:srgbClr val="FFFFFF"/>
+                </a:solidFill>
+                <a:effectLst/>
+                <a:latin typeface="+mn-lt"/>
+              </a:rPr>
+            </a:br>
+            <a:r>
+              <a:rPr kumimoji="0" lang="en-US" altLang="en-US" sz="4800" b="1" i="0" u="none" strike="noStrike" cap="none" normalizeH="0" baseline="0" dirty="0">
+                <a:ln>
+                  <a:noFill/>
+                </a:ln>
+                <a:solidFill>
+                  <a:srgbClr val="FFFFFF"/>
+                </a:solidFill>
+                <a:effectLst/>
+                <a:latin typeface="+mn-lt"/>
+              </a:rPr>
+              <a:t>it shouldn't be hanging there.”</a:t>
+            </a:r>
+            <a:br>
+              <a:rPr kumimoji="0" lang="en-US" altLang="en-US" sz="4800" b="1" i="0" u="none" strike="noStrike" cap="none" normalizeH="0" baseline="0" dirty="0">
+                <a:ln>
+                  <a:noFill/>
+                </a:ln>
+                <a:solidFill>
+                  <a:srgbClr val="FFFFFF"/>
+                </a:solidFill>
+                <a:effectLst/>
+                <a:latin typeface="+mn-lt"/>
+              </a:rPr>
+            </a:br>
+            <a:br>
+              <a:rPr kumimoji="0" lang="en-US" altLang="en-US" sz="4800" b="1" i="0" u="none" strike="noStrike" cap="none" normalizeH="0" baseline="0" dirty="0">
+                <a:ln>
+                  <a:noFill/>
+                </a:ln>
+                <a:solidFill>
+                  <a:srgbClr val="FFFFFF"/>
+                </a:solidFill>
+                <a:effectLst/>
+                <a:latin typeface="+mn-lt"/>
+              </a:rPr>
+            </a:br>
+            <a:r>
+              <a:rPr kumimoji="0" lang="en-US" altLang="en-US" sz="4800" b="1" i="0" u="none" strike="noStrike" cap="none" normalizeH="0" baseline="0" dirty="0">
+                <a:ln>
+                  <a:noFill/>
+                </a:ln>
+                <a:solidFill>
+                  <a:srgbClr val="FFFFFF"/>
+                </a:solidFill>
+                <a:effectLst/>
+                <a:latin typeface="+mn-lt"/>
+              </a:rPr>
+              <a:t>						</a:t>
+            </a:r>
+            <a:r>
+              <a:rPr kumimoji="0" lang="en-US" altLang="en-US" sz="3600" b="1" i="0" u="none" strike="noStrike" cap="none" normalizeH="0" baseline="0" dirty="0">
+                <a:ln>
+                  <a:noFill/>
+                </a:ln>
+                <a:solidFill>
+                  <a:srgbClr val="FFFFFF"/>
+                </a:solidFill>
+                <a:effectLst/>
+                <a:latin typeface="+mn-lt"/>
+              </a:rPr>
+              <a:t>Anton Chekhov</a:t>
+            </a:r>
+          </a:p>
+        </p:txBody>
+      </p:sp>
+    </p:spTree>
+    <p:extLst>
+      <p:ext uri="{BB962C8B-B14F-4D97-AF65-F5344CB8AC3E}">
+        <p14:creationId xmlns:p14="http://schemas.microsoft.com/office/powerpoint/2010/main" val="2027956164"/>
+      </p:ext>
+    </p:extLst>
+  </p:cSld>
+  <p:clrMapOvr>
+    <a:masterClrMapping/>
+  </p:clrMapOvr>
+  <p:timing>
+    <p:tnLst>
+      <p:par>
+        <p:cTn id="1" dur="indefinite" restart="never" nodeType="tmRoot">
+          <p:childTnLst>
+            <p:seq concurrent="1" nextAc="seek">
+              <p:cTn id="2" dur="indefinite" nodeType="mainSeq">
+                <p:childTnLst>
+                  <p:par>
+                    <p:cTn id="3" fill="hold">
+                      <p:stCondLst>
+                        <p:cond delay="indefinite"/>
+                      </p:stCondLst>
+                      <p:childTnLst>
+                        <p:par>
+                          <p:cTn id="4" fill="hold">
+                            <p:stCondLst>
+                              <p:cond delay="0"/>
+                            </p:stCondLst>
+                            <p:childTnLst>
+                              <p:par>
+                                <p:cTn id="5" presetID="10" presetClass="entr" presetSubtype="0" fill="hold" grpId="0" nodeType="clickEffect">
+                                  <p:stCondLst>
+                                    <p:cond delay="0"/>
+                                  </p:stCondLst>
+                                  <p:childTnLst>
+                                    <p:set>
+                                      <p:cBhvr>
+                                        <p:cTn id="6" dur="1" fill="hold">
+                                          <p:stCondLst>
+                                            <p:cond delay="0"/>
+                                          </p:stCondLst>
+                                        </p:cTn>
+                                        <p:tgtEl>
+                                          <p:spTgt spid="6"/>
+                                        </p:tgtEl>
+                                        <p:attrNameLst>
+                                          <p:attrName>style.visibility</p:attrName>
+                                        </p:attrNameLst>
+                                      </p:cBhvr>
+                                      <p:to>
+                                        <p:strVal val="visible"/>
+                                      </p:to>
+                                    </p:set>
+                                    <p:animEffect transition="in" filter="fade">
+                                      <p:cBhvr>
+                                        <p:cTn id="7" dur="500"/>
+                                        <p:tgtEl>
+                                          <p:spTgt spid="6"/>
+                                        </p:tgtEl>
+                                      </p:cBhvr>
+                                    </p:animEffect>
+                                  </p:childTnLst>
+                                </p:cTn>
+                              </p:par>
+                            </p:childTnLst>
+                          </p:cTn>
+                        </p:par>
+                      </p:childTnLst>
+                    </p:cTn>
+                  </p:par>
+                </p:childTnLst>
+              </p:cTn>
+              <p:prevCondLst>
+                <p:cond evt="onPrev" delay="0">
+                  <p:tgtEl>
+                    <p:sldTgt/>
+                  </p:tgtEl>
+                </p:cond>
+              </p:prevCondLst>
+              <p:nextCondLst>
+                <p:cond evt="onNext" delay="0">
+                  <p:tgtEl>
+                    <p:sldTgt/>
+                  </p:tgtEl>
+                </p:cond>
+              </p:nextCondLst>
+            </p:seq>
+          </p:childTnLst>
+        </p:cTn>
+      </p:par>
+    </p:tnLst>
+    <p:bldLst>
+      <p:bldP spid="6" grpId="0"/>
+    </p:bldLst>
+  </p:timing>
+</p:sld>
+</file>
+
+<file path=ppt/slides/slide33.xml><?xml version="1.0" encoding="utf-8"?>
+<p:sld xmlns:a="http://schemas.openxmlformats.org/drawingml/2006/main" xmlns:r="http://schemas.openxmlformats.org/officeDocument/2006/relationships" xmlns:p="http://schemas.openxmlformats.org/presentationml/2006/main">
+  <p:cSld>
+    <p:spTree>
+      <p:nvGrpSpPr>
+        <p:cNvPr id="1" name=""/>
+        <p:cNvGrpSpPr/>
+        <p:nvPr/>
+      </p:nvGrpSpPr>
+      <p:grpSpPr>
+        <a:xfrm>
+          <a:off x="0" y="0"/>
+          <a:ext cx="0" cy="0"/>
+          <a:chOff x="0" y="0"/>
+          <a:chExt cx="0" cy="0"/>
+        </a:xfrm>
+      </p:grpSpPr>
+      <p:sp>
+        <p:nvSpPr>
+          <p:cNvPr id="2" name="Title 1"/>
+          <p:cNvSpPr>
+            <a:spLocks noGrp="1"/>
+          </p:cNvSpPr>
+          <p:nvPr>
+            <p:ph type="title"/>
+          </p:nvPr>
+        </p:nvSpPr>
+        <p:spPr/>
+        <p:txBody>
+          <a:bodyPr/>
+          <a:lstStyle/>
+          <a:p>
+            <a:r>
+              <a:rPr lang="en-US" dirty="0">
+                <a:solidFill>
+                  <a:schemeClr val="bg1">
+                    <a:lumMod val="65000"/>
+                  </a:schemeClr>
+                </a:solidFill>
+              </a:rPr>
+              <a:t>Chekhov’s Gun Applied to Testing</a:t>
+            </a:r>
+          </a:p>
+        </p:txBody>
+      </p:sp>
+      <p:pic>
+        <p:nvPicPr>
+          <p:cNvPr id="6" name="Picture 5">
+            <a:extLst>
+              <a:ext uri="{FF2B5EF4-FFF2-40B4-BE49-F238E27FC236}">
+                <a16:creationId xmlns:a16="http://schemas.microsoft.com/office/drawing/2014/main" id="{934CAD4D-5CAA-7960-E810-A844A566C04B}"/>
+              </a:ext>
+            </a:extLst>
+          </p:cNvPr>
+          <p:cNvPicPr>
+            <a:picLocks noChangeAspect="1"/>
+          </p:cNvPicPr>
+          <p:nvPr/>
+        </p:nvPicPr>
+        <p:blipFill>
+          <a:blip r:embed="rId3"/>
+          <a:stretch>
+            <a:fillRect/>
+          </a:stretch>
+        </p:blipFill>
+        <p:spPr>
+          <a:xfrm>
+            <a:off x="838200" y="1628017"/>
+            <a:ext cx="9922865" cy="3958834"/>
+          </a:xfrm>
+          <a:prstGeom prst="rect">
+            <a:avLst/>
+          </a:prstGeom>
+        </p:spPr>
+      </p:pic>
+      <p:grpSp>
+        <p:nvGrpSpPr>
+          <p:cNvPr id="7" name="Group 6">
+            <a:extLst>
+              <a:ext uri="{FF2B5EF4-FFF2-40B4-BE49-F238E27FC236}">
+                <a16:creationId xmlns:a16="http://schemas.microsoft.com/office/drawing/2014/main" id="{72B0E343-A635-9CD5-971D-3E2603B71959}"/>
+              </a:ext>
+            </a:extLst>
+          </p:cNvPr>
+          <p:cNvGrpSpPr/>
+          <p:nvPr/>
+        </p:nvGrpSpPr>
+        <p:grpSpPr>
+          <a:xfrm>
+            <a:off x="9970651" y="6185410"/>
+            <a:ext cx="2130724" cy="474323"/>
+            <a:chOff x="9970651" y="6185410"/>
+            <a:chExt cx="2130724" cy="474323"/>
+          </a:xfrm>
+        </p:grpSpPr>
+        <p:sp>
+          <p:nvSpPr>
+            <p:cNvPr id="8" name="Subtitle 2">
+              <a:extLst>
+                <a:ext uri="{FF2B5EF4-FFF2-40B4-BE49-F238E27FC236}">
+                  <a16:creationId xmlns:a16="http://schemas.microsoft.com/office/drawing/2014/main" id="{A9F98D58-55FB-1ACB-4A6B-B6B72BA233E2}"/>
+                </a:ext>
+              </a:extLst>
+            </p:cNvPr>
+            <p:cNvSpPr txBox="1">
+              <a:spLocks/>
+            </p:cNvSpPr>
+            <p:nvPr/>
+          </p:nvSpPr>
+          <p:spPr>
+            <a:xfrm>
+              <a:off x="10041147" y="6185410"/>
+              <a:ext cx="2060228" cy="474323"/>
+            </a:xfrm>
+            <a:prstGeom prst="rect">
+              <a:avLst/>
+            </a:prstGeom>
+          </p:spPr>
+          <p:txBody>
+            <a:bodyPr vert="horz" lIns="91440" tIns="45720" rIns="91440" bIns="45720" rtlCol="0">
+              <a:normAutofit/>
+            </a:bodyPr>
+            <a:lstStyle>
+              <a:lvl1pPr marL="0" indent="0" algn="ctr" defTabSz="914400" rtl="0" eaLnBrk="1" latinLnBrk="0" hangingPunct="1">
+                <a:lnSpc>
+                  <a:spcPct val="90000"/>
+                </a:lnSpc>
+                <a:spcBef>
+                  <a:spcPts val="1000"/>
+                </a:spcBef>
+                <a:buFont typeface="Arial" panose="020B0604020202020204" pitchFamily="34" charset="0"/>
+                <a:buNone/>
+                <a:defRPr sz="2400" kern="1200">
+                  <a:solidFill>
+                    <a:schemeClr val="tx1"/>
+                  </a:solidFill>
+                  <a:latin typeface="+mn-lt"/>
+                  <a:ea typeface="+mn-ea"/>
+                  <a:cs typeface="+mn-cs"/>
+                </a:defRPr>
+              </a:lvl1pPr>
+              <a:lvl2pPr marL="457200" indent="0" algn="ctr" defTabSz="914400" rtl="0" eaLnBrk="1" latinLnBrk="0" hangingPunct="1">
+                <a:lnSpc>
+                  <a:spcPct val="90000"/>
+                </a:lnSpc>
+                <a:spcBef>
+                  <a:spcPts val="500"/>
+                </a:spcBef>
+                <a:buFont typeface="Arial" panose="020B0604020202020204" pitchFamily="34" charset="0"/>
+                <a:buNone/>
+                <a:defRPr sz="2000" kern="1200">
+                  <a:solidFill>
+                    <a:schemeClr val="tx1"/>
+                  </a:solidFill>
+                  <a:latin typeface="+mn-lt"/>
+                  <a:ea typeface="+mn-ea"/>
+                  <a:cs typeface="+mn-cs"/>
+                </a:defRPr>
+              </a:lvl2pPr>
+              <a:lvl3pPr marL="914400" indent="0" algn="ctr" defTabSz="914400" rtl="0" eaLnBrk="1" latinLnBrk="0" hangingPunct="1">
+                <a:lnSpc>
+                  <a:spcPct val="90000"/>
+                </a:lnSpc>
+                <a:spcBef>
+                  <a:spcPts val="500"/>
+                </a:spcBef>
+                <a:buFont typeface="Arial" panose="020B0604020202020204" pitchFamily="34" charset="0"/>
+                <a:buNone/>
+                <a:defRPr sz="1800" kern="1200">
+                  <a:solidFill>
+                    <a:schemeClr val="tx1"/>
+                  </a:solidFill>
+                  <a:latin typeface="+mn-lt"/>
+                  <a:ea typeface="+mn-ea"/>
+                  <a:cs typeface="+mn-cs"/>
+                </a:defRPr>
+              </a:lvl3pPr>
+              <a:lvl4pPr marL="1371600" indent="0" algn="ctr" defTabSz="914400" rtl="0" eaLnBrk="1" latinLnBrk="0" hangingPunct="1">
+                <a:lnSpc>
+                  <a:spcPct val="90000"/>
+                </a:lnSpc>
+                <a:spcBef>
+                  <a:spcPts val="500"/>
+                </a:spcBef>
+                <a:buFont typeface="Arial" panose="020B0604020202020204" pitchFamily="34" charset="0"/>
+                <a:buNone/>
+                <a:defRPr sz="1600" kern="1200">
+                  <a:solidFill>
+                    <a:schemeClr val="tx1"/>
+                  </a:solidFill>
+                  <a:latin typeface="+mn-lt"/>
+                  <a:ea typeface="+mn-ea"/>
+                  <a:cs typeface="+mn-cs"/>
+                </a:defRPr>
+              </a:lvl4pPr>
+              <a:lvl5pPr marL="1828800" indent="0" algn="ctr" defTabSz="914400" rtl="0" eaLnBrk="1" latinLnBrk="0" hangingPunct="1">
+                <a:lnSpc>
+                  <a:spcPct val="90000"/>
+                </a:lnSpc>
+                <a:spcBef>
+                  <a:spcPts val="500"/>
+                </a:spcBef>
+                <a:buFont typeface="Arial" panose="020B0604020202020204" pitchFamily="34" charset="0"/>
+                <a:buNone/>
+                <a:defRPr sz="1600" kern="1200">
+                  <a:solidFill>
+                    <a:schemeClr val="tx1"/>
+                  </a:solidFill>
+                  <a:latin typeface="+mn-lt"/>
+                  <a:ea typeface="+mn-ea"/>
+                  <a:cs typeface="+mn-cs"/>
+                </a:defRPr>
+              </a:lvl5pPr>
+              <a:lvl6pPr marL="2286000" indent="0" algn="ctr" defTabSz="914400" rtl="0" eaLnBrk="1" latinLnBrk="0" hangingPunct="1">
+                <a:lnSpc>
+                  <a:spcPct val="90000"/>
+                </a:lnSpc>
+                <a:spcBef>
+                  <a:spcPts val="500"/>
+                </a:spcBef>
+                <a:buFont typeface="Arial" panose="020B0604020202020204" pitchFamily="34" charset="0"/>
+                <a:buNone/>
+                <a:defRPr sz="1600" kern="1200">
+                  <a:solidFill>
+                    <a:schemeClr val="tx1"/>
+                  </a:solidFill>
+                  <a:latin typeface="+mn-lt"/>
+                  <a:ea typeface="+mn-ea"/>
+                  <a:cs typeface="+mn-cs"/>
+                </a:defRPr>
+              </a:lvl6pPr>
+              <a:lvl7pPr marL="2743200" indent="0" algn="ctr" defTabSz="914400" rtl="0" eaLnBrk="1" latinLnBrk="0" hangingPunct="1">
+                <a:lnSpc>
+                  <a:spcPct val="90000"/>
+                </a:lnSpc>
+                <a:spcBef>
+                  <a:spcPts val="500"/>
+                </a:spcBef>
+                <a:buFont typeface="Arial" panose="020B0604020202020204" pitchFamily="34" charset="0"/>
+                <a:buNone/>
+                <a:defRPr sz="1600" kern="1200">
+                  <a:solidFill>
+                    <a:schemeClr val="tx1"/>
+                  </a:solidFill>
+                  <a:latin typeface="+mn-lt"/>
+                  <a:ea typeface="+mn-ea"/>
+                  <a:cs typeface="+mn-cs"/>
+                </a:defRPr>
+              </a:lvl7pPr>
+              <a:lvl8pPr marL="3200400" indent="0" algn="ctr" defTabSz="914400" rtl="0" eaLnBrk="1" latinLnBrk="0" hangingPunct="1">
+                <a:lnSpc>
+                  <a:spcPct val="90000"/>
+                </a:lnSpc>
+                <a:spcBef>
+                  <a:spcPts val="500"/>
+                </a:spcBef>
+                <a:buFont typeface="Arial" panose="020B0604020202020204" pitchFamily="34" charset="0"/>
+                <a:buNone/>
+                <a:defRPr sz="1600" kern="1200">
+                  <a:solidFill>
+                    <a:schemeClr val="tx1"/>
+                  </a:solidFill>
+                  <a:latin typeface="+mn-lt"/>
+                  <a:ea typeface="+mn-ea"/>
+                  <a:cs typeface="+mn-cs"/>
+                </a:defRPr>
+              </a:lvl8pPr>
+              <a:lvl9pPr marL="3657600" indent="0" algn="ctr" defTabSz="914400" rtl="0" eaLnBrk="1" latinLnBrk="0" hangingPunct="1">
+                <a:lnSpc>
+                  <a:spcPct val="90000"/>
+                </a:lnSpc>
+                <a:spcBef>
+                  <a:spcPts val="500"/>
+                </a:spcBef>
+                <a:buFont typeface="Arial" panose="020B0604020202020204" pitchFamily="34" charset="0"/>
+                <a:buNone/>
+                <a:defRPr sz="1600" kern="1200">
+                  <a:solidFill>
+                    <a:schemeClr val="tx1"/>
+                  </a:solidFill>
+                  <a:latin typeface="+mn-lt"/>
+                  <a:ea typeface="+mn-ea"/>
+                  <a:cs typeface="+mn-cs"/>
+                </a:defRPr>
+              </a:lvl9pPr>
+            </a:lstStyle>
+            <a:p>
+              <a:r>
+                <a:rPr lang="en-US" dirty="0" err="1">
+                  <a:solidFill>
+                    <a:schemeClr val="bg1">
+                      <a:lumMod val="65000"/>
+                    </a:schemeClr>
+                  </a:solidFill>
+                </a:rPr>
+                <a:t>scottsauber</a:t>
+              </a:r>
+              <a:endParaRPr lang="en-US" dirty="0">
+                <a:solidFill>
+                  <a:schemeClr val="bg1">
+                    <a:lumMod val="65000"/>
+                  </a:schemeClr>
+                </a:solidFill>
+              </a:endParaRPr>
+            </a:p>
+          </p:txBody>
+        </p:sp>
+        <p:sp>
+          <p:nvSpPr>
+            <p:cNvPr id="9" name="Rectangle 8">
+              <a:extLst>
+                <a:ext uri="{FF2B5EF4-FFF2-40B4-BE49-F238E27FC236}">
+                  <a16:creationId xmlns:a16="http://schemas.microsoft.com/office/drawing/2014/main" id="{D0BCC9F9-5874-40C7-442E-8640C6DEC092}"/>
+                </a:ext>
+              </a:extLst>
+            </p:cNvPr>
+            <p:cNvSpPr/>
+            <p:nvPr/>
+          </p:nvSpPr>
+          <p:spPr>
+            <a:xfrm>
+              <a:off x="9970651" y="6285411"/>
+              <a:ext cx="347472" cy="274320"/>
+            </a:xfrm>
+            <a:prstGeom prst="rect">
+              <a:avLst/>
+            </a:prstGeom>
+            <a:blipFill dpi="0" rotWithShape="1">
+              <a:blip r:embed="rId4">
+                <a:alphaModFix amt="50000"/>
+              </a:blip>
+              <a:srcRect/>
+              <a:stretch>
+                <a:fillRect/>
+              </a:stretch>
+            </a:blipFill>
+            <a:ln>
+              <a:noFill/>
+            </a:ln>
+          </p:spPr>
+          <p:style>
+            <a:lnRef idx="2">
+              <a:schemeClr val="accent1">
+                <a:shade val="50000"/>
+              </a:schemeClr>
+            </a:lnRef>
+            <a:fillRef idx="1">
+              <a:schemeClr val="accent1"/>
+            </a:fillRef>
+            <a:effectRef idx="0">
+              <a:schemeClr val="accent1"/>
+            </a:effectRef>
+            <a:fontRef idx="minor">
+              <a:schemeClr val="lt1"/>
+            </a:fontRef>
+          </p:style>
+          <p:txBody>
+            <a:bodyPr rtlCol="0" anchor="ctr"/>
+            <a:lstStyle/>
+            <a:p>
+              <a:pPr algn="ctr"/>
+              <a:endParaRPr lang="en-US"/>
+            </a:p>
+          </p:txBody>
+        </p:sp>
+      </p:grpSp>
+      <p:sp>
+        <p:nvSpPr>
+          <p:cNvPr id="3" name="Rectangle 2">
+            <a:extLst>
+              <a:ext uri="{FF2B5EF4-FFF2-40B4-BE49-F238E27FC236}">
+                <a16:creationId xmlns:a16="http://schemas.microsoft.com/office/drawing/2014/main" id="{B44CAB4F-2FC2-9B45-C397-D8D7B19EB025}"/>
+              </a:ext>
+            </a:extLst>
+          </p:cNvPr>
+          <p:cNvSpPr/>
+          <p:nvPr/>
+        </p:nvSpPr>
+        <p:spPr>
+          <a:xfrm>
+            <a:off x="1518687" y="3170583"/>
+            <a:ext cx="1686683" cy="273327"/>
+          </a:xfrm>
+          <a:prstGeom prst="rect">
+            <a:avLst/>
+          </a:prstGeom>
+          <a:noFill/>
+          <a:ln w="57150">
+            <a:solidFill>
+              <a:srgbClr val="FF0000"/>
+            </a:solidFill>
+          </a:ln>
+        </p:spPr>
+        <p:style>
+          <a:lnRef idx="2">
+            <a:schemeClr val="accent1">
+              <a:shade val="50000"/>
+            </a:schemeClr>
+          </a:lnRef>
+          <a:fillRef idx="1">
+            <a:schemeClr val="accent1"/>
+          </a:fillRef>
+          <a:effectRef idx="0">
+            <a:schemeClr val="accent1"/>
+          </a:effectRef>
+          <a:fontRef idx="minor">
+            <a:schemeClr val="lt1"/>
+          </a:fontRef>
+        </p:style>
+        <p:txBody>
+          <a:bodyPr rtlCol="0" anchor="ctr"/>
+          <a:lstStyle/>
+          <a:p>
+            <a:pPr algn="ctr"/>
+            <a:endParaRPr lang="en-US"/>
+          </a:p>
+        </p:txBody>
+      </p:sp>
+    </p:spTree>
+    <p:extLst>
+      <p:ext uri="{BB962C8B-B14F-4D97-AF65-F5344CB8AC3E}">
+        <p14:creationId xmlns:p14="http://schemas.microsoft.com/office/powerpoint/2010/main" val="2230444608"/>
+      </p:ext>
+    </p:extLst>
+  </p:cSld>
+  <p:clrMapOvr>
+    <a:masterClrMapping/>
+  </p:clrMapOvr>
+  <p:timing>
+    <p:tnLst>
+      <p:par>
+        <p:cTn id="1" dur="indefinite" restart="never" nodeType="tmRoot">
+          <p:childTnLst>
+            <p:seq concurrent="1" nextAc="seek">
+              <p:cTn id="2" dur="indefinite" nodeType="mainSeq">
+                <p:childTnLst>
+                  <p:par>
+                    <p:cTn id="3" fill="hold">
+                      <p:stCondLst>
+                        <p:cond delay="indefinite"/>
+                      </p:stCondLst>
+                      <p:childTnLst>
+                        <p:par>
+                          <p:cTn id="4" fill="hold">
+                            <p:stCondLst>
+                              <p:cond delay="0"/>
+                            </p:stCondLst>
+                            <p:childTnLst>
+                              <p:par>
+                                <p:cTn id="5" presetID="21" presetClass="entr" presetSubtype="1" fill="hold" grpId="0" nodeType="clickEffect">
+                                  <p:stCondLst>
+                                    <p:cond delay="0"/>
+                                  </p:stCondLst>
+                                  <p:childTnLst>
+                                    <p:set>
+                                      <p:cBhvr>
+                                        <p:cTn id="6" dur="1" fill="hold">
+                                          <p:stCondLst>
+                                            <p:cond delay="0"/>
+                                          </p:stCondLst>
+                                        </p:cTn>
+                                        <p:tgtEl>
+                                          <p:spTgt spid="3"/>
+                                        </p:tgtEl>
+                                        <p:attrNameLst>
+                                          <p:attrName>style.visibility</p:attrName>
+                                        </p:attrNameLst>
+                                      </p:cBhvr>
+                                      <p:to>
+                                        <p:strVal val="visible"/>
+                                      </p:to>
+                                    </p:set>
+                                    <p:animEffect transition="in" filter="wheel(1)">
+                                      <p:cBhvr>
+                                        <p:cTn id="7" dur="500"/>
+                                        <p:tgtEl>
+                                          <p:spTgt spid="3"/>
+                                        </p:tgtEl>
+                                      </p:cBhvr>
+                                    </p:animEffect>
+                                  </p:childTnLst>
+                                </p:cTn>
+                              </p:par>
+                            </p:childTnLst>
+                          </p:cTn>
+                        </p:par>
+                      </p:childTnLst>
+                    </p:cTn>
+                  </p:par>
+                </p:childTnLst>
+              </p:cTn>
+              <p:prevCondLst>
+                <p:cond evt="onPrev" delay="0">
+                  <p:tgtEl>
+                    <p:sldTgt/>
+                  </p:tgtEl>
+                </p:cond>
+              </p:prevCondLst>
+              <p:nextCondLst>
+                <p:cond evt="onNext" delay="0">
+                  <p:tgtEl>
+                    <p:sldTgt/>
+                  </p:tgtEl>
+                </p:cond>
+              </p:nextCondLst>
+            </p:seq>
+          </p:childTnLst>
+        </p:cTn>
+      </p:par>
+    </p:tnLst>
+    <p:bldLst>
+      <p:bldP spid="3" grpId="0" animBg="1"/>
+    </p:bldLst>
+  </p:timing>
+</p:sld>
+</file>
+
+<file path=ppt/slides/slide34.xml><?xml version="1.0" encoding="utf-8"?>
+<p:sld xmlns:a="http://schemas.openxmlformats.org/drawingml/2006/main" xmlns:r="http://schemas.openxmlformats.org/officeDocument/2006/relationships" xmlns:p="http://schemas.openxmlformats.org/presentationml/2006/main">
+  <p:cSld>
+    <p:spTree>
+      <p:nvGrpSpPr>
+        <p:cNvPr id="1" name=""/>
+        <p:cNvGrpSpPr/>
+        <p:nvPr/>
+      </p:nvGrpSpPr>
+      <p:grpSpPr>
+        <a:xfrm>
+          <a:off x="0" y="0"/>
+          <a:ext cx="0" cy="0"/>
+          <a:chOff x="0" y="0"/>
+          <a:chExt cx="0" cy="0"/>
+        </a:xfrm>
+      </p:grpSpPr>
+      <p:sp>
+        <p:nvSpPr>
+          <p:cNvPr id="2" name="Title 1"/>
+          <p:cNvSpPr>
+            <a:spLocks noGrp="1"/>
+          </p:cNvSpPr>
+          <p:nvPr>
+            <p:ph type="title"/>
+          </p:nvPr>
+        </p:nvSpPr>
+        <p:spPr/>
+        <p:txBody>
+          <a:bodyPr/>
+          <a:lstStyle/>
+          <a:p>
+            <a:r>
+              <a:rPr lang="en-US" dirty="0">
+                <a:solidFill>
+                  <a:schemeClr val="bg1">
+                    <a:lumMod val="65000"/>
+                  </a:schemeClr>
+                </a:solidFill>
+              </a:rPr>
+              <a:t>Chekhov’s Gun Applied to Testing</a:t>
+            </a:r>
+          </a:p>
+        </p:txBody>
+      </p:sp>
+      <p:pic>
+        <p:nvPicPr>
+          <p:cNvPr id="3" name="Picture 2">
+            <a:extLst>
+              <a:ext uri="{FF2B5EF4-FFF2-40B4-BE49-F238E27FC236}">
+                <a16:creationId xmlns:a16="http://schemas.microsoft.com/office/drawing/2014/main" id="{D8EFA6CD-6F12-A3AC-F9A6-A4C2854DAAAF}"/>
+              </a:ext>
+            </a:extLst>
+          </p:cNvPr>
+          <p:cNvPicPr>
+            <a:picLocks noChangeAspect="1"/>
+          </p:cNvPicPr>
+          <p:nvPr/>
+        </p:nvPicPr>
+        <p:blipFill>
+          <a:blip r:embed="rId3"/>
+          <a:stretch>
+            <a:fillRect/>
+          </a:stretch>
+        </p:blipFill>
+        <p:spPr>
+          <a:xfrm>
+            <a:off x="838200" y="1623576"/>
+            <a:ext cx="10759903" cy="3074259"/>
+          </a:xfrm>
+          <a:prstGeom prst="rect">
+            <a:avLst/>
+          </a:prstGeom>
+        </p:spPr>
+      </p:pic>
+      <p:grpSp>
+        <p:nvGrpSpPr>
+          <p:cNvPr id="4" name="Group 3">
+            <a:extLst>
+              <a:ext uri="{FF2B5EF4-FFF2-40B4-BE49-F238E27FC236}">
+                <a16:creationId xmlns:a16="http://schemas.microsoft.com/office/drawing/2014/main" id="{A1488E22-0CBC-98F8-82DC-D738CEB3FC6D}"/>
+              </a:ext>
+            </a:extLst>
+          </p:cNvPr>
+          <p:cNvGrpSpPr/>
+          <p:nvPr/>
+        </p:nvGrpSpPr>
+        <p:grpSpPr>
+          <a:xfrm>
+            <a:off x="9970651" y="6185410"/>
+            <a:ext cx="2130724" cy="474323"/>
+            <a:chOff x="9970651" y="6185410"/>
+            <a:chExt cx="2130724" cy="474323"/>
+          </a:xfrm>
+        </p:grpSpPr>
+        <p:sp>
+          <p:nvSpPr>
+            <p:cNvPr id="5" name="Subtitle 2">
+              <a:extLst>
+                <a:ext uri="{FF2B5EF4-FFF2-40B4-BE49-F238E27FC236}">
+                  <a16:creationId xmlns:a16="http://schemas.microsoft.com/office/drawing/2014/main" id="{5BB54C27-43DB-4533-302C-F5902CA3109B}"/>
+                </a:ext>
+              </a:extLst>
+            </p:cNvPr>
+            <p:cNvSpPr txBox="1">
+              <a:spLocks/>
+            </p:cNvSpPr>
+            <p:nvPr/>
+          </p:nvSpPr>
+          <p:spPr>
+            <a:xfrm>
+              <a:off x="10041147" y="6185410"/>
+              <a:ext cx="2060228" cy="474323"/>
+            </a:xfrm>
+            <a:prstGeom prst="rect">
+              <a:avLst/>
+            </a:prstGeom>
+          </p:spPr>
+          <p:txBody>
+            <a:bodyPr vert="horz" lIns="91440" tIns="45720" rIns="91440" bIns="45720" rtlCol="0">
+              <a:normAutofit/>
+            </a:bodyPr>
+            <a:lstStyle>
+              <a:lvl1pPr marL="0" indent="0" algn="ctr" defTabSz="914400" rtl="0" eaLnBrk="1" latinLnBrk="0" hangingPunct="1">
+                <a:lnSpc>
+                  <a:spcPct val="90000"/>
+                </a:lnSpc>
+                <a:spcBef>
+                  <a:spcPts val="1000"/>
+                </a:spcBef>
+                <a:buFont typeface="Arial" panose="020B0604020202020204" pitchFamily="34" charset="0"/>
+                <a:buNone/>
+                <a:defRPr sz="2400" kern="1200">
+                  <a:solidFill>
+                    <a:schemeClr val="tx1"/>
+                  </a:solidFill>
+                  <a:latin typeface="+mn-lt"/>
+                  <a:ea typeface="+mn-ea"/>
+                  <a:cs typeface="+mn-cs"/>
+                </a:defRPr>
+              </a:lvl1pPr>
+              <a:lvl2pPr marL="457200" indent="0" algn="ctr" defTabSz="914400" rtl="0" eaLnBrk="1" latinLnBrk="0" hangingPunct="1">
+                <a:lnSpc>
+                  <a:spcPct val="90000"/>
+                </a:lnSpc>
+                <a:spcBef>
+                  <a:spcPts val="500"/>
+                </a:spcBef>
+                <a:buFont typeface="Arial" panose="020B0604020202020204" pitchFamily="34" charset="0"/>
+                <a:buNone/>
+                <a:defRPr sz="2000" kern="1200">
+                  <a:solidFill>
+                    <a:schemeClr val="tx1"/>
+                  </a:solidFill>
+                  <a:latin typeface="+mn-lt"/>
+                  <a:ea typeface="+mn-ea"/>
+                  <a:cs typeface="+mn-cs"/>
+                </a:defRPr>
+              </a:lvl2pPr>
+              <a:lvl3pPr marL="914400" indent="0" algn="ctr" defTabSz="914400" rtl="0" eaLnBrk="1" latinLnBrk="0" hangingPunct="1">
+                <a:lnSpc>
+                  <a:spcPct val="90000"/>
+                </a:lnSpc>
+                <a:spcBef>
+                  <a:spcPts val="500"/>
+                </a:spcBef>
+                <a:buFont typeface="Arial" panose="020B0604020202020204" pitchFamily="34" charset="0"/>
+                <a:buNone/>
+                <a:defRPr sz="1800" kern="1200">
+                  <a:solidFill>
+                    <a:schemeClr val="tx1"/>
+                  </a:solidFill>
+                  <a:latin typeface="+mn-lt"/>
+                  <a:ea typeface="+mn-ea"/>
+                  <a:cs typeface="+mn-cs"/>
+                </a:defRPr>
+              </a:lvl3pPr>
+              <a:lvl4pPr marL="1371600" indent="0" algn="ctr" defTabSz="914400" rtl="0" eaLnBrk="1" latinLnBrk="0" hangingPunct="1">
+                <a:lnSpc>
+                  <a:spcPct val="90000"/>
+                </a:lnSpc>
+                <a:spcBef>
+                  <a:spcPts val="500"/>
+                </a:spcBef>
+                <a:buFont typeface="Arial" panose="020B0604020202020204" pitchFamily="34" charset="0"/>
+                <a:buNone/>
+                <a:defRPr sz="1600" kern="1200">
+                  <a:solidFill>
+                    <a:schemeClr val="tx1"/>
+                  </a:solidFill>
+                  <a:latin typeface="+mn-lt"/>
+                  <a:ea typeface="+mn-ea"/>
+                  <a:cs typeface="+mn-cs"/>
+                </a:defRPr>
+              </a:lvl4pPr>
+              <a:lvl5pPr marL="1828800" indent="0" algn="ctr" defTabSz="914400" rtl="0" eaLnBrk="1" latinLnBrk="0" hangingPunct="1">
+                <a:lnSpc>
+                  <a:spcPct val="90000"/>
+                </a:lnSpc>
+                <a:spcBef>
+                  <a:spcPts val="500"/>
+                </a:spcBef>
+                <a:buFont typeface="Arial" panose="020B0604020202020204" pitchFamily="34" charset="0"/>
+                <a:buNone/>
+                <a:defRPr sz="1600" kern="1200">
+                  <a:solidFill>
+                    <a:schemeClr val="tx1"/>
+                  </a:solidFill>
+                  <a:latin typeface="+mn-lt"/>
+                  <a:ea typeface="+mn-ea"/>
+                  <a:cs typeface="+mn-cs"/>
+                </a:defRPr>
+              </a:lvl5pPr>
+              <a:lvl6pPr marL="2286000" indent="0" algn="ctr" defTabSz="914400" rtl="0" eaLnBrk="1" latinLnBrk="0" hangingPunct="1">
+                <a:lnSpc>
+                  <a:spcPct val="90000"/>
+                </a:lnSpc>
+                <a:spcBef>
+                  <a:spcPts val="500"/>
+                </a:spcBef>
+                <a:buFont typeface="Arial" panose="020B0604020202020204" pitchFamily="34" charset="0"/>
+                <a:buNone/>
+                <a:defRPr sz="1600" kern="1200">
+                  <a:solidFill>
+                    <a:schemeClr val="tx1"/>
+                  </a:solidFill>
+                  <a:latin typeface="+mn-lt"/>
+                  <a:ea typeface="+mn-ea"/>
+                  <a:cs typeface="+mn-cs"/>
+                </a:defRPr>
+              </a:lvl6pPr>
+              <a:lvl7pPr marL="2743200" indent="0" algn="ctr" defTabSz="914400" rtl="0" eaLnBrk="1" latinLnBrk="0" hangingPunct="1">
+                <a:lnSpc>
+                  <a:spcPct val="90000"/>
+                </a:lnSpc>
+                <a:spcBef>
+                  <a:spcPts val="500"/>
+                </a:spcBef>
+                <a:buFont typeface="Arial" panose="020B0604020202020204" pitchFamily="34" charset="0"/>
+                <a:buNone/>
+                <a:defRPr sz="1600" kern="1200">
+                  <a:solidFill>
+                    <a:schemeClr val="tx1"/>
+                  </a:solidFill>
+                  <a:latin typeface="+mn-lt"/>
+                  <a:ea typeface="+mn-ea"/>
+                  <a:cs typeface="+mn-cs"/>
+                </a:defRPr>
+              </a:lvl7pPr>
+              <a:lvl8pPr marL="3200400" indent="0" algn="ctr" defTabSz="914400" rtl="0" eaLnBrk="1" latinLnBrk="0" hangingPunct="1">
+                <a:lnSpc>
+                  <a:spcPct val="90000"/>
+                </a:lnSpc>
+                <a:spcBef>
+                  <a:spcPts val="500"/>
+                </a:spcBef>
+                <a:buFont typeface="Arial" panose="020B0604020202020204" pitchFamily="34" charset="0"/>
+                <a:buNone/>
+                <a:defRPr sz="1600" kern="1200">
+                  <a:solidFill>
+                    <a:schemeClr val="tx1"/>
+                  </a:solidFill>
+                  <a:latin typeface="+mn-lt"/>
+                  <a:ea typeface="+mn-ea"/>
+                  <a:cs typeface="+mn-cs"/>
+                </a:defRPr>
+              </a:lvl8pPr>
+              <a:lvl9pPr marL="3657600" indent="0" algn="ctr" defTabSz="914400" rtl="0" eaLnBrk="1" latinLnBrk="0" hangingPunct="1">
+                <a:lnSpc>
+                  <a:spcPct val="90000"/>
+                </a:lnSpc>
+                <a:spcBef>
+                  <a:spcPts val="500"/>
+                </a:spcBef>
+                <a:buFont typeface="Arial" panose="020B0604020202020204" pitchFamily="34" charset="0"/>
+                <a:buNone/>
+                <a:defRPr sz="1600" kern="1200">
+                  <a:solidFill>
+                    <a:schemeClr val="tx1"/>
+                  </a:solidFill>
+                  <a:latin typeface="+mn-lt"/>
+                  <a:ea typeface="+mn-ea"/>
+                  <a:cs typeface="+mn-cs"/>
+                </a:defRPr>
+              </a:lvl9pPr>
+            </a:lstStyle>
+            <a:p>
+              <a:r>
+                <a:rPr lang="en-US" dirty="0" err="1">
+                  <a:solidFill>
+                    <a:schemeClr val="bg1">
+                      <a:lumMod val="65000"/>
+                    </a:schemeClr>
+                  </a:solidFill>
+                </a:rPr>
+                <a:t>scottsauber</a:t>
+              </a:r>
+              <a:endParaRPr lang="en-US" dirty="0">
+                <a:solidFill>
+                  <a:schemeClr val="bg1">
+                    <a:lumMod val="65000"/>
+                  </a:schemeClr>
+                </a:solidFill>
+              </a:endParaRPr>
+            </a:p>
+          </p:txBody>
+        </p:sp>
+        <p:sp>
+          <p:nvSpPr>
+            <p:cNvPr id="7" name="Rectangle 6">
+              <a:extLst>
+                <a:ext uri="{FF2B5EF4-FFF2-40B4-BE49-F238E27FC236}">
+                  <a16:creationId xmlns:a16="http://schemas.microsoft.com/office/drawing/2014/main" id="{5F6BD471-A3E3-D199-B949-D5B017809992}"/>
+                </a:ext>
+              </a:extLst>
+            </p:cNvPr>
+            <p:cNvSpPr/>
+            <p:nvPr/>
+          </p:nvSpPr>
+          <p:spPr>
+            <a:xfrm>
+              <a:off x="9970651" y="6285411"/>
+              <a:ext cx="347472" cy="274320"/>
+            </a:xfrm>
+            <a:prstGeom prst="rect">
+              <a:avLst/>
+            </a:prstGeom>
+            <a:blipFill dpi="0" rotWithShape="1">
+              <a:blip r:embed="rId4">
+                <a:alphaModFix amt="50000"/>
+              </a:blip>
+              <a:srcRect/>
+              <a:stretch>
+                <a:fillRect/>
+              </a:stretch>
+            </a:blipFill>
+            <a:ln>
+              <a:noFill/>
+            </a:ln>
+          </p:spPr>
+          <p:style>
+            <a:lnRef idx="2">
+              <a:schemeClr val="accent1">
+                <a:shade val="50000"/>
+              </a:schemeClr>
+            </a:lnRef>
+            <a:fillRef idx="1">
+              <a:schemeClr val="accent1"/>
+            </a:fillRef>
+            <a:effectRef idx="0">
+              <a:schemeClr val="accent1"/>
+            </a:effectRef>
+            <a:fontRef idx="minor">
+              <a:schemeClr val="lt1"/>
+            </a:fontRef>
+          </p:style>
+          <p:txBody>
+            <a:bodyPr rtlCol="0" anchor="ctr"/>
+            <a:lstStyle/>
+            <a:p>
+              <a:pPr algn="ctr"/>
+              <a:endParaRPr lang="en-US"/>
+            </a:p>
+          </p:txBody>
+        </p:sp>
+      </p:grpSp>
+      <p:sp>
+        <p:nvSpPr>
+          <p:cNvPr id="6" name="Rectangle 5">
+            <a:extLst>
+              <a:ext uri="{FF2B5EF4-FFF2-40B4-BE49-F238E27FC236}">
+                <a16:creationId xmlns:a16="http://schemas.microsoft.com/office/drawing/2014/main" id="{94B2DC20-C933-590E-DDCA-B44BDD809D97}"/>
+              </a:ext>
+            </a:extLst>
+          </p:cNvPr>
+          <p:cNvSpPr/>
+          <p:nvPr/>
+        </p:nvSpPr>
+        <p:spPr>
+          <a:xfrm>
+            <a:off x="1205605" y="2499128"/>
+            <a:ext cx="4091952" cy="567094"/>
+          </a:xfrm>
+          <a:prstGeom prst="rect">
+            <a:avLst/>
+          </a:prstGeom>
+          <a:noFill/>
+          <a:ln w="57150">
+            <a:solidFill>
+              <a:srgbClr val="FF0000"/>
+            </a:solidFill>
+          </a:ln>
+        </p:spPr>
+        <p:style>
+          <a:lnRef idx="2">
+            <a:schemeClr val="accent1">
+              <a:shade val="50000"/>
+            </a:schemeClr>
+          </a:lnRef>
+          <a:fillRef idx="1">
+            <a:schemeClr val="accent1"/>
+          </a:fillRef>
+          <a:effectRef idx="0">
+            <a:schemeClr val="accent1"/>
+          </a:effectRef>
+          <a:fontRef idx="minor">
+            <a:schemeClr val="lt1"/>
+          </a:fontRef>
+        </p:style>
+        <p:txBody>
+          <a:bodyPr rtlCol="0" anchor="ctr"/>
+          <a:lstStyle/>
+          <a:p>
+            <a:pPr algn="ctr"/>
+            <a:endParaRPr lang="en-US"/>
+          </a:p>
+        </p:txBody>
+      </p:sp>
+    </p:spTree>
+    <p:extLst>
+      <p:ext uri="{BB962C8B-B14F-4D97-AF65-F5344CB8AC3E}">
+        <p14:creationId xmlns:p14="http://schemas.microsoft.com/office/powerpoint/2010/main" val="4228365989"/>
+      </p:ext>
+    </p:extLst>
+  </p:cSld>
+  <p:clrMapOvr>
+    <a:masterClrMapping/>
+  </p:clrMapOvr>
+  <p:timing>
+    <p:tnLst>
+      <p:par>
+        <p:cTn id="1" dur="indefinite" restart="never" nodeType="tmRoot">
+          <p:childTnLst>
+            <p:seq concurrent="1" nextAc="seek">
+              <p:cTn id="2" dur="indefinite" nodeType="mainSeq">
+                <p:childTnLst>
+                  <p:par>
+                    <p:cTn id="3" fill="hold">
+                      <p:stCondLst>
+                        <p:cond delay="indefinite"/>
+                      </p:stCondLst>
+                      <p:childTnLst>
+                        <p:par>
+                          <p:cTn id="4" fill="hold">
+                            <p:stCondLst>
+                              <p:cond delay="0"/>
+                            </p:stCondLst>
+                            <p:childTnLst>
+                              <p:par>
+                                <p:cTn id="5" presetID="21" presetClass="entr" presetSubtype="1" fill="hold" grpId="0" nodeType="clickEffect">
+                                  <p:stCondLst>
+                                    <p:cond delay="0"/>
+                                  </p:stCondLst>
+                                  <p:childTnLst>
+                                    <p:set>
+                                      <p:cBhvr>
+                                        <p:cTn id="6" dur="1" fill="hold">
+                                          <p:stCondLst>
+                                            <p:cond delay="0"/>
+                                          </p:stCondLst>
+                                        </p:cTn>
+                                        <p:tgtEl>
+                                          <p:spTgt spid="6"/>
+                                        </p:tgtEl>
+                                        <p:attrNameLst>
+                                          <p:attrName>style.visibility</p:attrName>
+                                        </p:attrNameLst>
+                                      </p:cBhvr>
+                                      <p:to>
+                                        <p:strVal val="visible"/>
+                                      </p:to>
+                                    </p:set>
+                                    <p:animEffect transition="in" filter="wheel(1)">
+                                      <p:cBhvr>
+                                        <p:cTn id="7" dur="500"/>
+                                        <p:tgtEl>
+                                          <p:spTgt spid="6"/>
+                                        </p:tgtEl>
+                                      </p:cBhvr>
+                                    </p:animEffect>
+                                  </p:childTnLst>
+                                </p:cTn>
+                              </p:par>
+                            </p:childTnLst>
+                          </p:cTn>
+                        </p:par>
+                      </p:childTnLst>
+                    </p:cTn>
+                  </p:par>
+                </p:childTnLst>
+              </p:cTn>
+              <p:prevCondLst>
+                <p:cond evt="onPrev" delay="0">
+                  <p:tgtEl>
+                    <p:sldTgt/>
+                  </p:tgtEl>
+                </p:cond>
+              </p:prevCondLst>
+              <p:nextCondLst>
+                <p:cond evt="onNext" delay="0">
+                  <p:tgtEl>
+                    <p:sldTgt/>
+                  </p:tgtEl>
+                </p:cond>
+              </p:nextCondLst>
+            </p:seq>
+          </p:childTnLst>
+        </p:cTn>
+      </p:par>
+    </p:tnLst>
+    <p:bldLst>
+      <p:bldP spid="6" grpId="0" animBg="1"/>
+    </p:bldLst>
+  </p:timing>
+</p:sld>
+</file>
+
+<file path=ppt/slides/slide35.xml><?xml version="1.0" encoding="utf-8"?>
+<p:sld xmlns:a="http://schemas.openxmlformats.org/drawingml/2006/main" xmlns:r="http://schemas.openxmlformats.org/officeDocument/2006/relationships" xmlns:p="http://schemas.openxmlformats.org/presentationml/2006/main">
+  <p:cSld>
+    <p:spTree>
+      <p:nvGrpSpPr>
+        <p:cNvPr id="1" name=""/>
+        <p:cNvGrpSpPr/>
+        <p:nvPr/>
+      </p:nvGrpSpPr>
+      <p:grpSpPr>
+        <a:xfrm>
+          <a:off x="0" y="0"/>
+          <a:ext cx="0" cy="0"/>
+          <a:chOff x="0" y="0"/>
+          <a:chExt cx="0" cy="0"/>
+        </a:xfrm>
+      </p:grpSpPr>
+      <p:sp>
+        <p:nvSpPr>
+          <p:cNvPr id="2" name="Title 1"/>
+          <p:cNvSpPr>
+            <a:spLocks noGrp="1"/>
+          </p:cNvSpPr>
+          <p:nvPr>
+            <p:ph type="title"/>
+          </p:nvPr>
+        </p:nvSpPr>
+        <p:spPr/>
+        <p:txBody>
+          <a:bodyPr/>
+          <a:lstStyle/>
+          <a:p>
+            <a:r>
+              <a:rPr lang="en-US" dirty="0">
+                <a:solidFill>
+                  <a:schemeClr val="bg1">
+                    <a:lumMod val="65000"/>
+                  </a:schemeClr>
+                </a:solidFill>
+              </a:rPr>
+              <a:t>Chekhov’s Gun Applied to Testing</a:t>
+            </a:r>
+          </a:p>
+        </p:txBody>
+      </p:sp>
+      <p:pic>
+        <p:nvPicPr>
+          <p:cNvPr id="4" name="Picture 3">
+            <a:extLst>
+              <a:ext uri="{FF2B5EF4-FFF2-40B4-BE49-F238E27FC236}">
+                <a16:creationId xmlns:a16="http://schemas.microsoft.com/office/drawing/2014/main" id="{B83DB506-8488-902E-A355-AEE34B3001B1}"/>
+              </a:ext>
+            </a:extLst>
+          </p:cNvPr>
+          <p:cNvPicPr>
+            <a:picLocks noChangeAspect="1"/>
+          </p:cNvPicPr>
+          <p:nvPr/>
+        </p:nvPicPr>
+        <p:blipFill>
+          <a:blip r:embed="rId3"/>
+          <a:stretch>
+            <a:fillRect/>
+          </a:stretch>
+        </p:blipFill>
+        <p:spPr>
+          <a:xfrm>
+            <a:off x="838200" y="1611237"/>
+            <a:ext cx="11023432" cy="2751038"/>
+          </a:xfrm>
+          <a:prstGeom prst="rect">
+            <a:avLst/>
+          </a:prstGeom>
+        </p:spPr>
+      </p:pic>
+      <p:grpSp>
+        <p:nvGrpSpPr>
+          <p:cNvPr id="5" name="Group 4">
+            <a:extLst>
+              <a:ext uri="{FF2B5EF4-FFF2-40B4-BE49-F238E27FC236}">
+                <a16:creationId xmlns:a16="http://schemas.microsoft.com/office/drawing/2014/main" id="{BFA6246E-5D7B-6A3C-B02B-EAF2D15899C1}"/>
+              </a:ext>
+            </a:extLst>
+          </p:cNvPr>
+          <p:cNvGrpSpPr/>
+          <p:nvPr/>
+        </p:nvGrpSpPr>
+        <p:grpSpPr>
+          <a:xfrm>
+            <a:off x="9970651" y="6185410"/>
+            <a:ext cx="2130724" cy="474323"/>
+            <a:chOff x="9970651" y="6185410"/>
+            <a:chExt cx="2130724" cy="474323"/>
+          </a:xfrm>
+        </p:grpSpPr>
+        <p:sp>
+          <p:nvSpPr>
+            <p:cNvPr id="6" name="Subtitle 2">
+              <a:extLst>
+                <a:ext uri="{FF2B5EF4-FFF2-40B4-BE49-F238E27FC236}">
+                  <a16:creationId xmlns:a16="http://schemas.microsoft.com/office/drawing/2014/main" id="{7277FBCD-4B61-1AF6-B039-7F24F9957C44}"/>
+                </a:ext>
+              </a:extLst>
+            </p:cNvPr>
+            <p:cNvSpPr txBox="1">
+              <a:spLocks/>
+            </p:cNvSpPr>
+            <p:nvPr/>
+          </p:nvSpPr>
+          <p:spPr>
+            <a:xfrm>
+              <a:off x="10041147" y="6185410"/>
+              <a:ext cx="2060228" cy="474323"/>
+            </a:xfrm>
+            <a:prstGeom prst="rect">
+              <a:avLst/>
+            </a:prstGeom>
+          </p:spPr>
+          <p:txBody>
+            <a:bodyPr vert="horz" lIns="91440" tIns="45720" rIns="91440" bIns="45720" rtlCol="0">
+              <a:normAutofit/>
+            </a:bodyPr>
+            <a:lstStyle>
+              <a:lvl1pPr marL="0" indent="0" algn="ctr" defTabSz="914400" rtl="0" eaLnBrk="1" latinLnBrk="0" hangingPunct="1">
+                <a:lnSpc>
+                  <a:spcPct val="90000"/>
+                </a:lnSpc>
+                <a:spcBef>
+                  <a:spcPts val="1000"/>
+                </a:spcBef>
+                <a:buFont typeface="Arial" panose="020B0604020202020204" pitchFamily="34" charset="0"/>
+                <a:buNone/>
+                <a:defRPr sz="2400" kern="1200">
+                  <a:solidFill>
+                    <a:schemeClr val="tx1"/>
+                  </a:solidFill>
+                  <a:latin typeface="+mn-lt"/>
+                  <a:ea typeface="+mn-ea"/>
+                  <a:cs typeface="+mn-cs"/>
+                </a:defRPr>
+              </a:lvl1pPr>
+              <a:lvl2pPr marL="457200" indent="0" algn="ctr" defTabSz="914400" rtl="0" eaLnBrk="1" latinLnBrk="0" hangingPunct="1">
+                <a:lnSpc>
+                  <a:spcPct val="90000"/>
+                </a:lnSpc>
+                <a:spcBef>
+                  <a:spcPts val="500"/>
+                </a:spcBef>
+                <a:buFont typeface="Arial" panose="020B0604020202020204" pitchFamily="34" charset="0"/>
+                <a:buNone/>
+                <a:defRPr sz="2000" kern="1200">
+                  <a:solidFill>
+                    <a:schemeClr val="tx1"/>
+                  </a:solidFill>
+                  <a:latin typeface="+mn-lt"/>
+                  <a:ea typeface="+mn-ea"/>
+                  <a:cs typeface="+mn-cs"/>
+                </a:defRPr>
+              </a:lvl2pPr>
+              <a:lvl3pPr marL="914400" indent="0" algn="ctr" defTabSz="914400" rtl="0" eaLnBrk="1" latinLnBrk="0" hangingPunct="1">
+                <a:lnSpc>
+                  <a:spcPct val="90000"/>
+                </a:lnSpc>
+                <a:spcBef>
+                  <a:spcPts val="500"/>
+                </a:spcBef>
+                <a:buFont typeface="Arial" panose="020B0604020202020204" pitchFamily="34" charset="0"/>
+                <a:buNone/>
+                <a:defRPr sz="1800" kern="1200">
+                  <a:solidFill>
+                    <a:schemeClr val="tx1"/>
+                  </a:solidFill>
+                  <a:latin typeface="+mn-lt"/>
+                  <a:ea typeface="+mn-ea"/>
+                  <a:cs typeface="+mn-cs"/>
+                </a:defRPr>
+              </a:lvl3pPr>
+              <a:lvl4pPr marL="1371600" indent="0" algn="ctr" defTabSz="914400" rtl="0" eaLnBrk="1" latinLnBrk="0" hangingPunct="1">
+                <a:lnSpc>
+                  <a:spcPct val="90000"/>
+                </a:lnSpc>
+                <a:spcBef>
+                  <a:spcPts val="500"/>
+                </a:spcBef>
+                <a:buFont typeface="Arial" panose="020B0604020202020204" pitchFamily="34" charset="0"/>
+                <a:buNone/>
+                <a:defRPr sz="1600" kern="1200">
+                  <a:solidFill>
+                    <a:schemeClr val="tx1"/>
+                  </a:solidFill>
+                  <a:latin typeface="+mn-lt"/>
+                  <a:ea typeface="+mn-ea"/>
+                  <a:cs typeface="+mn-cs"/>
+                </a:defRPr>
+              </a:lvl4pPr>
+              <a:lvl5pPr marL="1828800" indent="0" algn="ctr" defTabSz="914400" rtl="0" eaLnBrk="1" latinLnBrk="0" hangingPunct="1">
+                <a:lnSpc>
+                  <a:spcPct val="90000"/>
+                </a:lnSpc>
+                <a:spcBef>
+                  <a:spcPts val="500"/>
+                </a:spcBef>
+                <a:buFont typeface="Arial" panose="020B0604020202020204" pitchFamily="34" charset="0"/>
+                <a:buNone/>
+                <a:defRPr sz="1600" kern="1200">
+                  <a:solidFill>
+                    <a:schemeClr val="tx1"/>
+                  </a:solidFill>
+                  <a:latin typeface="+mn-lt"/>
+                  <a:ea typeface="+mn-ea"/>
+                  <a:cs typeface="+mn-cs"/>
+                </a:defRPr>
+              </a:lvl5pPr>
+              <a:lvl6pPr marL="2286000" indent="0" algn="ctr" defTabSz="914400" rtl="0" eaLnBrk="1" latinLnBrk="0" hangingPunct="1">
+                <a:lnSpc>
+                  <a:spcPct val="90000"/>
+                </a:lnSpc>
+                <a:spcBef>
+                  <a:spcPts val="500"/>
+                </a:spcBef>
+                <a:buFont typeface="Arial" panose="020B0604020202020204" pitchFamily="34" charset="0"/>
+                <a:buNone/>
+                <a:defRPr sz="1600" kern="1200">
+                  <a:solidFill>
+                    <a:schemeClr val="tx1"/>
+                  </a:solidFill>
+                  <a:latin typeface="+mn-lt"/>
+                  <a:ea typeface="+mn-ea"/>
+                  <a:cs typeface="+mn-cs"/>
+                </a:defRPr>
+              </a:lvl6pPr>
+              <a:lvl7pPr marL="2743200" indent="0" algn="ctr" defTabSz="914400" rtl="0" eaLnBrk="1" latinLnBrk="0" hangingPunct="1">
+                <a:lnSpc>
+                  <a:spcPct val="90000"/>
+                </a:lnSpc>
+                <a:spcBef>
+                  <a:spcPts val="500"/>
+                </a:spcBef>
+                <a:buFont typeface="Arial" panose="020B0604020202020204" pitchFamily="34" charset="0"/>
+                <a:buNone/>
+                <a:defRPr sz="1600" kern="1200">
+                  <a:solidFill>
+                    <a:schemeClr val="tx1"/>
+                  </a:solidFill>
+                  <a:latin typeface="+mn-lt"/>
+                  <a:ea typeface="+mn-ea"/>
+                  <a:cs typeface="+mn-cs"/>
+                </a:defRPr>
+              </a:lvl7pPr>
+              <a:lvl8pPr marL="3200400" indent="0" algn="ctr" defTabSz="914400" rtl="0" eaLnBrk="1" latinLnBrk="0" hangingPunct="1">
+                <a:lnSpc>
+                  <a:spcPct val="90000"/>
+                </a:lnSpc>
+                <a:spcBef>
+                  <a:spcPts val="500"/>
+                </a:spcBef>
+                <a:buFont typeface="Arial" panose="020B0604020202020204" pitchFamily="34" charset="0"/>
+                <a:buNone/>
+                <a:defRPr sz="1600" kern="1200">
+                  <a:solidFill>
+                    <a:schemeClr val="tx1"/>
+                  </a:solidFill>
+                  <a:latin typeface="+mn-lt"/>
+                  <a:ea typeface="+mn-ea"/>
+                  <a:cs typeface="+mn-cs"/>
+                </a:defRPr>
+              </a:lvl8pPr>
+              <a:lvl9pPr marL="3657600" indent="0" algn="ctr" defTabSz="914400" rtl="0" eaLnBrk="1" latinLnBrk="0" hangingPunct="1">
+                <a:lnSpc>
+                  <a:spcPct val="90000"/>
+                </a:lnSpc>
+                <a:spcBef>
+                  <a:spcPts val="500"/>
+                </a:spcBef>
+                <a:buFont typeface="Arial" panose="020B0604020202020204" pitchFamily="34" charset="0"/>
+                <a:buNone/>
+                <a:defRPr sz="1600" kern="1200">
+                  <a:solidFill>
+                    <a:schemeClr val="tx1"/>
+                  </a:solidFill>
+                  <a:latin typeface="+mn-lt"/>
+                  <a:ea typeface="+mn-ea"/>
+                  <a:cs typeface="+mn-cs"/>
+                </a:defRPr>
+              </a:lvl9pPr>
+            </a:lstStyle>
+            <a:p>
+              <a:r>
+                <a:rPr lang="en-US" dirty="0" err="1">
+                  <a:solidFill>
+                    <a:schemeClr val="bg1">
+                      <a:lumMod val="65000"/>
+                    </a:schemeClr>
+                  </a:solidFill>
+                </a:rPr>
+                <a:t>scottsauber</a:t>
+              </a:r>
+              <a:endParaRPr lang="en-US" dirty="0">
+                <a:solidFill>
+                  <a:schemeClr val="bg1">
+                    <a:lumMod val="65000"/>
+                  </a:schemeClr>
+                </a:solidFill>
+              </a:endParaRPr>
+            </a:p>
+          </p:txBody>
+        </p:sp>
+        <p:sp>
+          <p:nvSpPr>
+            <p:cNvPr id="7" name="Rectangle 6">
+              <a:extLst>
+                <a:ext uri="{FF2B5EF4-FFF2-40B4-BE49-F238E27FC236}">
+                  <a16:creationId xmlns:a16="http://schemas.microsoft.com/office/drawing/2014/main" id="{11521F5F-8E3C-F603-D1F9-C136B2D38A17}"/>
+                </a:ext>
+              </a:extLst>
+            </p:cNvPr>
+            <p:cNvSpPr/>
+            <p:nvPr/>
+          </p:nvSpPr>
+          <p:spPr>
+            <a:xfrm>
+              <a:off x="9970651" y="6285411"/>
+              <a:ext cx="347472" cy="274320"/>
+            </a:xfrm>
+            <a:prstGeom prst="rect">
+              <a:avLst/>
+            </a:prstGeom>
+            <a:blipFill dpi="0" rotWithShape="1">
+              <a:blip r:embed="rId4">
+                <a:alphaModFix amt="50000"/>
+              </a:blip>
+              <a:srcRect/>
+              <a:stretch>
+                <a:fillRect/>
+              </a:stretch>
+            </a:blipFill>
+            <a:ln>
+              <a:noFill/>
+            </a:ln>
+          </p:spPr>
+          <p:style>
+            <a:lnRef idx="2">
+              <a:schemeClr val="accent1">
+                <a:shade val="50000"/>
+              </a:schemeClr>
+            </a:lnRef>
+            <a:fillRef idx="1">
+              <a:schemeClr val="accent1"/>
+            </a:fillRef>
+            <a:effectRef idx="0">
+              <a:schemeClr val="accent1"/>
+            </a:effectRef>
+            <a:fontRef idx="minor">
+              <a:schemeClr val="lt1"/>
+            </a:fontRef>
+          </p:style>
+          <p:txBody>
+            <a:bodyPr rtlCol="0" anchor="ctr"/>
+            <a:lstStyle/>
+            <a:p>
+              <a:pPr algn="ctr"/>
+              <a:endParaRPr lang="en-US"/>
+            </a:p>
+          </p:txBody>
+        </p:sp>
+      </p:grpSp>
+      <p:sp>
+        <p:nvSpPr>
+          <p:cNvPr id="3" name="Rectangle 2">
+            <a:extLst>
+              <a:ext uri="{FF2B5EF4-FFF2-40B4-BE49-F238E27FC236}">
+                <a16:creationId xmlns:a16="http://schemas.microsoft.com/office/drawing/2014/main" id="{1EF68BA8-D627-7710-8750-BBBDA74540F9}"/>
+              </a:ext>
+            </a:extLst>
+          </p:cNvPr>
+          <p:cNvSpPr/>
+          <p:nvPr/>
+        </p:nvSpPr>
+        <p:spPr>
+          <a:xfrm>
+            <a:off x="1205605" y="2499128"/>
+            <a:ext cx="2807899" cy="282400"/>
+          </a:xfrm>
+          <a:prstGeom prst="rect">
+            <a:avLst/>
+          </a:prstGeom>
+          <a:noFill/>
+          <a:ln w="57150">
+            <a:solidFill>
+              <a:srgbClr val="FF0000"/>
+            </a:solidFill>
+          </a:ln>
+        </p:spPr>
+        <p:style>
+          <a:lnRef idx="2">
+            <a:schemeClr val="accent1">
+              <a:shade val="50000"/>
+            </a:schemeClr>
+          </a:lnRef>
+          <a:fillRef idx="1">
+            <a:schemeClr val="accent1"/>
+          </a:fillRef>
+          <a:effectRef idx="0">
+            <a:schemeClr val="accent1"/>
+          </a:effectRef>
+          <a:fontRef idx="minor">
+            <a:schemeClr val="lt1"/>
+          </a:fontRef>
+        </p:style>
+        <p:txBody>
+          <a:bodyPr rtlCol="0" anchor="ctr"/>
+          <a:lstStyle/>
+          <a:p>
+            <a:pPr algn="ctr"/>
+            <a:endParaRPr lang="en-US"/>
+          </a:p>
+        </p:txBody>
+      </p:sp>
+    </p:spTree>
+    <p:extLst>
+      <p:ext uri="{BB962C8B-B14F-4D97-AF65-F5344CB8AC3E}">
+        <p14:creationId xmlns:p14="http://schemas.microsoft.com/office/powerpoint/2010/main" val="1394498458"/>
+      </p:ext>
+    </p:extLst>
+  </p:cSld>
+  <p:clrMapOvr>
+    <a:masterClrMapping/>
+  </p:clrMapOvr>
+  <p:timing>
+    <p:tnLst>
+      <p:par>
+        <p:cTn id="1" dur="indefinite" restart="never" nodeType="tmRoot">
+          <p:childTnLst>
+            <p:seq concurrent="1" nextAc="seek">
+              <p:cTn id="2" dur="indefinite" nodeType="mainSeq">
+                <p:childTnLst>
+                  <p:par>
+                    <p:cTn id="3" fill="hold">
+                      <p:stCondLst>
+                        <p:cond delay="indefinite"/>
+                      </p:stCondLst>
+                      <p:childTnLst>
+                        <p:par>
+                          <p:cTn id="4" fill="hold">
+                            <p:stCondLst>
+                              <p:cond delay="0"/>
+                            </p:stCondLst>
+                            <p:childTnLst>
+                              <p:par>
+                                <p:cTn id="5" presetID="21" presetClass="entr" presetSubtype="1" fill="hold" grpId="0" nodeType="clickEffect">
+                                  <p:stCondLst>
+                                    <p:cond delay="0"/>
+                                  </p:stCondLst>
+                                  <p:childTnLst>
+                                    <p:set>
+                                      <p:cBhvr>
+                                        <p:cTn id="6" dur="1" fill="hold">
+                                          <p:stCondLst>
+                                            <p:cond delay="0"/>
+                                          </p:stCondLst>
+                                        </p:cTn>
+                                        <p:tgtEl>
+                                          <p:spTgt spid="3"/>
+                                        </p:tgtEl>
+                                        <p:attrNameLst>
+                                          <p:attrName>style.visibility</p:attrName>
+                                        </p:attrNameLst>
+                                      </p:cBhvr>
+                                      <p:to>
+                                        <p:strVal val="visible"/>
+                                      </p:to>
+                                    </p:set>
+                                    <p:animEffect transition="in" filter="wheel(1)">
+                                      <p:cBhvr>
+                                        <p:cTn id="7" dur="500"/>
+                                        <p:tgtEl>
+                                          <p:spTgt spid="3"/>
+                                        </p:tgtEl>
+                                      </p:cBhvr>
+                                    </p:animEffect>
+                                  </p:childTnLst>
+                                </p:cTn>
+                              </p:par>
+                            </p:childTnLst>
+                          </p:cTn>
+                        </p:par>
+                      </p:childTnLst>
+                    </p:cTn>
+                  </p:par>
+                </p:childTnLst>
+              </p:cTn>
+              <p:prevCondLst>
+                <p:cond evt="onPrev" delay="0">
+                  <p:tgtEl>
+                    <p:sldTgt/>
+                  </p:tgtEl>
+                </p:cond>
+              </p:prevCondLst>
+              <p:nextCondLst>
+                <p:cond evt="onNext" delay="0">
+                  <p:tgtEl>
+                    <p:sldTgt/>
+                  </p:tgtEl>
+                </p:cond>
+              </p:nextCondLst>
+            </p:seq>
+          </p:childTnLst>
+        </p:cTn>
+      </p:par>
+    </p:tnLst>
+    <p:bldLst>
+      <p:bldP spid="3" grpId="0" animBg="1"/>
+    </p:bldLst>
+  </p:timing>
+</p:sld>
+</file>
+
+<file path=ppt/slides/slide36.xml><?xml version="1.0" encoding="utf-8"?>
+<p:sld xmlns:a="http://schemas.openxmlformats.org/drawingml/2006/main" xmlns:r="http://schemas.openxmlformats.org/officeDocument/2006/relationships" xmlns:p="http://schemas.openxmlformats.org/presentationml/2006/main">
+  <p:cSld>
+    <p:spTree>
+      <p:nvGrpSpPr>
+        <p:cNvPr id="1" name=""/>
+        <p:cNvGrpSpPr/>
+        <p:nvPr/>
+      </p:nvGrpSpPr>
+      <p:grpSpPr>
+        <a:xfrm>
+          <a:off x="0" y="0"/>
+          <a:ext cx="0" cy="0"/>
+          <a:chOff x="0" y="0"/>
+          <a:chExt cx="0" cy="0"/>
+        </a:xfrm>
+      </p:grpSpPr>
+      <p:sp>
+        <p:nvSpPr>
+          <p:cNvPr id="2" name="Title 1"/>
+          <p:cNvSpPr>
+            <a:spLocks noGrp="1"/>
+          </p:cNvSpPr>
+          <p:nvPr>
+            <p:ph type="title"/>
+          </p:nvPr>
+        </p:nvSpPr>
+        <p:spPr/>
+        <p:txBody>
+          <a:bodyPr/>
+          <a:lstStyle/>
+          <a:p>
+            <a:r>
+              <a:rPr lang="en-US" dirty="0">
+                <a:solidFill>
+                  <a:schemeClr val="bg1">
+                    <a:lumMod val="65000"/>
+                  </a:schemeClr>
+                </a:solidFill>
+              </a:rPr>
+              <a:t>Chekhov’s Gun Applied to Testing</a:t>
+            </a:r>
+          </a:p>
+        </p:txBody>
+      </p:sp>
+      <p:pic>
+        <p:nvPicPr>
+          <p:cNvPr id="3" name="Picture 2">
+            <a:extLst>
+              <a:ext uri="{FF2B5EF4-FFF2-40B4-BE49-F238E27FC236}">
+                <a16:creationId xmlns:a16="http://schemas.microsoft.com/office/drawing/2014/main" id="{86A79F40-B059-86EA-AABF-E72A68709CC1}"/>
+              </a:ext>
+            </a:extLst>
+          </p:cNvPr>
+          <p:cNvPicPr>
+            <a:picLocks noChangeAspect="1"/>
+          </p:cNvPicPr>
+          <p:nvPr/>
+        </p:nvPicPr>
+        <p:blipFill>
+          <a:blip r:embed="rId3"/>
+          <a:stretch>
+            <a:fillRect/>
+          </a:stretch>
+        </p:blipFill>
+        <p:spPr>
+          <a:xfrm>
+            <a:off x="838200" y="1601665"/>
+            <a:ext cx="11001743" cy="2801370"/>
+          </a:xfrm>
+          <a:prstGeom prst="rect">
+            <a:avLst/>
+          </a:prstGeom>
+        </p:spPr>
+      </p:pic>
+      <p:grpSp>
+        <p:nvGrpSpPr>
+          <p:cNvPr id="6" name="Group 5">
+            <a:extLst>
+              <a:ext uri="{FF2B5EF4-FFF2-40B4-BE49-F238E27FC236}">
+                <a16:creationId xmlns:a16="http://schemas.microsoft.com/office/drawing/2014/main" id="{F60C324A-0336-8155-AE49-0623B8858F76}"/>
+              </a:ext>
+            </a:extLst>
+          </p:cNvPr>
+          <p:cNvGrpSpPr/>
+          <p:nvPr/>
+        </p:nvGrpSpPr>
+        <p:grpSpPr>
+          <a:xfrm>
+            <a:off x="9970651" y="6185410"/>
+            <a:ext cx="2130724" cy="474323"/>
+            <a:chOff x="9970651" y="6185410"/>
+            <a:chExt cx="2130724" cy="474323"/>
+          </a:xfrm>
+        </p:grpSpPr>
+        <p:sp>
+          <p:nvSpPr>
+            <p:cNvPr id="7" name="Subtitle 2">
+              <a:extLst>
+                <a:ext uri="{FF2B5EF4-FFF2-40B4-BE49-F238E27FC236}">
+                  <a16:creationId xmlns:a16="http://schemas.microsoft.com/office/drawing/2014/main" id="{EC185816-8FF9-2116-E8E3-E5D035D36201}"/>
+                </a:ext>
+              </a:extLst>
+            </p:cNvPr>
+            <p:cNvSpPr txBox="1">
+              <a:spLocks/>
+            </p:cNvSpPr>
+            <p:nvPr/>
+          </p:nvSpPr>
+          <p:spPr>
+            <a:xfrm>
+              <a:off x="10041147" y="6185410"/>
+              <a:ext cx="2060228" cy="474323"/>
+            </a:xfrm>
+            <a:prstGeom prst="rect">
+              <a:avLst/>
+            </a:prstGeom>
+          </p:spPr>
+          <p:txBody>
+            <a:bodyPr vert="horz" lIns="91440" tIns="45720" rIns="91440" bIns="45720" rtlCol="0">
+              <a:normAutofit/>
+            </a:bodyPr>
+            <a:lstStyle>
+              <a:lvl1pPr marL="0" indent="0" algn="ctr" defTabSz="914400" rtl="0" eaLnBrk="1" latinLnBrk="0" hangingPunct="1">
+                <a:lnSpc>
+                  <a:spcPct val="90000"/>
+                </a:lnSpc>
+                <a:spcBef>
+                  <a:spcPts val="1000"/>
+                </a:spcBef>
+                <a:buFont typeface="Arial" panose="020B0604020202020204" pitchFamily="34" charset="0"/>
+                <a:buNone/>
+                <a:defRPr sz="2400" kern="1200">
+                  <a:solidFill>
+                    <a:schemeClr val="tx1"/>
+                  </a:solidFill>
+                  <a:latin typeface="+mn-lt"/>
+                  <a:ea typeface="+mn-ea"/>
+                  <a:cs typeface="+mn-cs"/>
+                </a:defRPr>
+              </a:lvl1pPr>
+              <a:lvl2pPr marL="457200" indent="0" algn="ctr" defTabSz="914400" rtl="0" eaLnBrk="1" latinLnBrk="0" hangingPunct="1">
+                <a:lnSpc>
+                  <a:spcPct val="90000"/>
+                </a:lnSpc>
+                <a:spcBef>
+                  <a:spcPts val="500"/>
+                </a:spcBef>
+                <a:buFont typeface="Arial" panose="020B0604020202020204" pitchFamily="34" charset="0"/>
+                <a:buNone/>
+                <a:defRPr sz="2000" kern="1200">
+                  <a:solidFill>
+                    <a:schemeClr val="tx1"/>
+                  </a:solidFill>
+                  <a:latin typeface="+mn-lt"/>
+                  <a:ea typeface="+mn-ea"/>
+                  <a:cs typeface="+mn-cs"/>
+                </a:defRPr>
+              </a:lvl2pPr>
+              <a:lvl3pPr marL="914400" indent="0" algn="ctr" defTabSz="914400" rtl="0" eaLnBrk="1" latinLnBrk="0" hangingPunct="1">
+                <a:lnSpc>
+                  <a:spcPct val="90000"/>
+                </a:lnSpc>
+                <a:spcBef>
+                  <a:spcPts val="500"/>
+                </a:spcBef>
+                <a:buFont typeface="Arial" panose="020B0604020202020204" pitchFamily="34" charset="0"/>
+                <a:buNone/>
+                <a:defRPr sz="1800" kern="1200">
+                  <a:solidFill>
+                    <a:schemeClr val="tx1"/>
+                  </a:solidFill>
+                  <a:latin typeface="+mn-lt"/>
+                  <a:ea typeface="+mn-ea"/>
+                  <a:cs typeface="+mn-cs"/>
+                </a:defRPr>
+              </a:lvl3pPr>
+              <a:lvl4pPr marL="1371600" indent="0" algn="ctr" defTabSz="914400" rtl="0" eaLnBrk="1" latinLnBrk="0" hangingPunct="1">
+                <a:lnSpc>
+                  <a:spcPct val="90000"/>
+                </a:lnSpc>
+                <a:spcBef>
+                  <a:spcPts val="500"/>
+                </a:spcBef>
+                <a:buFont typeface="Arial" panose="020B0604020202020204" pitchFamily="34" charset="0"/>
+                <a:buNone/>
+                <a:defRPr sz="1600" kern="1200">
+                  <a:solidFill>
+                    <a:schemeClr val="tx1"/>
+                  </a:solidFill>
+                  <a:latin typeface="+mn-lt"/>
+                  <a:ea typeface="+mn-ea"/>
+                  <a:cs typeface="+mn-cs"/>
+                </a:defRPr>
+              </a:lvl4pPr>
+              <a:lvl5pPr marL="1828800" indent="0" algn="ctr" defTabSz="914400" rtl="0" eaLnBrk="1" latinLnBrk="0" hangingPunct="1">
+                <a:lnSpc>
+                  <a:spcPct val="90000"/>
+                </a:lnSpc>
+                <a:spcBef>
+                  <a:spcPts val="500"/>
+                </a:spcBef>
+                <a:buFont typeface="Arial" panose="020B0604020202020204" pitchFamily="34" charset="0"/>
+                <a:buNone/>
+                <a:defRPr sz="1600" kern="1200">
+                  <a:solidFill>
+                    <a:schemeClr val="tx1"/>
+                  </a:solidFill>
+                  <a:latin typeface="+mn-lt"/>
+                  <a:ea typeface="+mn-ea"/>
+                  <a:cs typeface="+mn-cs"/>
+                </a:defRPr>
+              </a:lvl5pPr>
+              <a:lvl6pPr marL="2286000" indent="0" algn="ctr" defTabSz="914400" rtl="0" eaLnBrk="1" latinLnBrk="0" hangingPunct="1">
+                <a:lnSpc>
+                  <a:spcPct val="90000"/>
+                </a:lnSpc>
+                <a:spcBef>
+                  <a:spcPts val="500"/>
+                </a:spcBef>
+                <a:buFont typeface="Arial" panose="020B0604020202020204" pitchFamily="34" charset="0"/>
+                <a:buNone/>
+                <a:defRPr sz="1600" kern="1200">
+                  <a:solidFill>
+                    <a:schemeClr val="tx1"/>
+                  </a:solidFill>
+                  <a:latin typeface="+mn-lt"/>
+                  <a:ea typeface="+mn-ea"/>
+                  <a:cs typeface="+mn-cs"/>
+                </a:defRPr>
+              </a:lvl6pPr>
+              <a:lvl7pPr marL="2743200" indent="0" algn="ctr" defTabSz="914400" rtl="0" eaLnBrk="1" latinLnBrk="0" hangingPunct="1">
+                <a:lnSpc>
+                  <a:spcPct val="90000"/>
+                </a:lnSpc>
+                <a:spcBef>
+                  <a:spcPts val="500"/>
+                </a:spcBef>
+                <a:buFont typeface="Arial" panose="020B0604020202020204" pitchFamily="34" charset="0"/>
+                <a:buNone/>
+                <a:defRPr sz="1600" kern="1200">
+                  <a:solidFill>
+                    <a:schemeClr val="tx1"/>
+                  </a:solidFill>
+                  <a:latin typeface="+mn-lt"/>
+                  <a:ea typeface="+mn-ea"/>
+                  <a:cs typeface="+mn-cs"/>
+                </a:defRPr>
+              </a:lvl7pPr>
+              <a:lvl8pPr marL="3200400" indent="0" algn="ctr" defTabSz="914400" rtl="0" eaLnBrk="1" latinLnBrk="0" hangingPunct="1">
+                <a:lnSpc>
+                  <a:spcPct val="90000"/>
+                </a:lnSpc>
+                <a:spcBef>
+                  <a:spcPts val="500"/>
+                </a:spcBef>
+                <a:buFont typeface="Arial" panose="020B0604020202020204" pitchFamily="34" charset="0"/>
+                <a:buNone/>
+                <a:defRPr sz="1600" kern="1200">
+                  <a:solidFill>
+                    <a:schemeClr val="tx1"/>
+                  </a:solidFill>
+                  <a:latin typeface="+mn-lt"/>
+                  <a:ea typeface="+mn-ea"/>
+                  <a:cs typeface="+mn-cs"/>
+                </a:defRPr>
+              </a:lvl8pPr>
+              <a:lvl9pPr marL="3657600" indent="0" algn="ctr" defTabSz="914400" rtl="0" eaLnBrk="1" latinLnBrk="0" hangingPunct="1">
+                <a:lnSpc>
+                  <a:spcPct val="90000"/>
+                </a:lnSpc>
+                <a:spcBef>
+                  <a:spcPts val="500"/>
+                </a:spcBef>
+                <a:buFont typeface="Arial" panose="020B0604020202020204" pitchFamily="34" charset="0"/>
+                <a:buNone/>
+                <a:defRPr sz="1600" kern="1200">
+                  <a:solidFill>
+                    <a:schemeClr val="tx1"/>
+                  </a:solidFill>
+                  <a:latin typeface="+mn-lt"/>
+                  <a:ea typeface="+mn-ea"/>
+                  <a:cs typeface="+mn-cs"/>
+                </a:defRPr>
+              </a:lvl9pPr>
+            </a:lstStyle>
+            <a:p>
+              <a:r>
+                <a:rPr lang="en-US" dirty="0" err="1">
+                  <a:solidFill>
+                    <a:schemeClr val="bg1">
+                      <a:lumMod val="65000"/>
+                    </a:schemeClr>
+                  </a:solidFill>
+                </a:rPr>
+                <a:t>scottsauber</a:t>
+              </a:r>
+              <a:endParaRPr lang="en-US" dirty="0">
+                <a:solidFill>
+                  <a:schemeClr val="bg1">
+                    <a:lumMod val="65000"/>
+                  </a:schemeClr>
+                </a:solidFill>
+              </a:endParaRPr>
+            </a:p>
+          </p:txBody>
+        </p:sp>
+        <p:sp>
+          <p:nvSpPr>
+            <p:cNvPr id="8" name="Rectangle 7">
+              <a:extLst>
+                <a:ext uri="{FF2B5EF4-FFF2-40B4-BE49-F238E27FC236}">
+                  <a16:creationId xmlns:a16="http://schemas.microsoft.com/office/drawing/2014/main" id="{46D100CB-5CA3-7983-8B34-78566599AF24}"/>
+                </a:ext>
+              </a:extLst>
+            </p:cNvPr>
+            <p:cNvSpPr/>
+            <p:nvPr/>
+          </p:nvSpPr>
+          <p:spPr>
+            <a:xfrm>
+              <a:off x="9970651" y="6285411"/>
+              <a:ext cx="347472" cy="274320"/>
+            </a:xfrm>
+            <a:prstGeom prst="rect">
+              <a:avLst/>
+            </a:prstGeom>
+            <a:blipFill dpi="0" rotWithShape="1">
+              <a:blip r:embed="rId4">
+                <a:alphaModFix amt="50000"/>
+              </a:blip>
+              <a:srcRect/>
+              <a:stretch>
+                <a:fillRect/>
+              </a:stretch>
+            </a:blipFill>
+            <a:ln>
+              <a:noFill/>
+            </a:ln>
+          </p:spPr>
+          <p:style>
+            <a:lnRef idx="2">
+              <a:schemeClr val="accent1">
+                <a:shade val="50000"/>
+              </a:schemeClr>
+            </a:lnRef>
+            <a:fillRef idx="1">
+              <a:schemeClr val="accent1"/>
+            </a:fillRef>
+            <a:effectRef idx="0">
+              <a:schemeClr val="accent1"/>
+            </a:effectRef>
+            <a:fontRef idx="minor">
+              <a:schemeClr val="lt1"/>
+            </a:fontRef>
+          </p:style>
+          <p:txBody>
+            <a:bodyPr rtlCol="0" anchor="ctr"/>
+            <a:lstStyle/>
+            <a:p>
+              <a:pPr algn="ctr"/>
+              <a:endParaRPr lang="en-US"/>
+            </a:p>
+          </p:txBody>
+        </p:sp>
+      </p:grpSp>
+      <p:sp>
+        <p:nvSpPr>
+          <p:cNvPr id="4" name="Rectangle 3">
+            <a:extLst>
+              <a:ext uri="{FF2B5EF4-FFF2-40B4-BE49-F238E27FC236}">
+                <a16:creationId xmlns:a16="http://schemas.microsoft.com/office/drawing/2014/main" id="{06F4DDA4-B4B2-B48B-6B3F-EC874C693E5B}"/>
+              </a:ext>
+            </a:extLst>
+          </p:cNvPr>
+          <p:cNvSpPr/>
+          <p:nvPr/>
+        </p:nvSpPr>
+        <p:spPr>
+          <a:xfrm>
+            <a:off x="2607320" y="3063099"/>
+            <a:ext cx="2035861" cy="326204"/>
+          </a:xfrm>
+          <a:prstGeom prst="rect">
+            <a:avLst/>
+          </a:prstGeom>
+          <a:noFill/>
+          <a:ln w="57150">
+            <a:solidFill>
+              <a:srgbClr val="FF0000"/>
+            </a:solidFill>
+          </a:ln>
+        </p:spPr>
+        <p:style>
+          <a:lnRef idx="2">
+            <a:schemeClr val="accent1">
+              <a:shade val="50000"/>
+            </a:schemeClr>
+          </a:lnRef>
+          <a:fillRef idx="1">
+            <a:schemeClr val="accent1"/>
+          </a:fillRef>
+          <a:effectRef idx="0">
+            <a:schemeClr val="accent1"/>
+          </a:effectRef>
+          <a:fontRef idx="minor">
+            <a:schemeClr val="lt1"/>
+          </a:fontRef>
+        </p:style>
+        <p:txBody>
+          <a:bodyPr rtlCol="0" anchor="ctr"/>
+          <a:lstStyle/>
+          <a:p>
+            <a:pPr algn="ctr"/>
+            <a:endParaRPr lang="en-US"/>
+          </a:p>
+        </p:txBody>
+      </p:sp>
+    </p:spTree>
+    <p:extLst>
+      <p:ext uri="{BB962C8B-B14F-4D97-AF65-F5344CB8AC3E}">
+        <p14:creationId xmlns:p14="http://schemas.microsoft.com/office/powerpoint/2010/main" val="4012049521"/>
+      </p:ext>
+    </p:extLst>
+  </p:cSld>
+  <p:clrMapOvr>
+    <a:masterClrMapping/>
+  </p:clrMapOvr>
+  <p:timing>
+    <p:tnLst>
+      <p:par>
+        <p:cTn id="1" dur="indefinite" restart="never" nodeType="tmRoot">
+          <p:childTnLst>
+            <p:seq concurrent="1" nextAc="seek">
+              <p:cTn id="2" dur="indefinite" nodeType="mainSeq">
+                <p:childTnLst>
+                  <p:par>
+                    <p:cTn id="3" fill="hold">
+                      <p:stCondLst>
+                        <p:cond delay="indefinite"/>
+                      </p:stCondLst>
+                      <p:childTnLst>
+                        <p:par>
+                          <p:cTn id="4" fill="hold">
+                            <p:stCondLst>
+                              <p:cond delay="0"/>
+                            </p:stCondLst>
+                            <p:childTnLst>
+                              <p:par>
+                                <p:cTn id="5" presetID="21" presetClass="entr" presetSubtype="1" fill="hold" grpId="0" nodeType="clickEffect">
+                                  <p:stCondLst>
+                                    <p:cond delay="0"/>
+                                  </p:stCondLst>
+                                  <p:childTnLst>
+                                    <p:set>
+                                      <p:cBhvr>
+                                        <p:cTn id="6" dur="1" fill="hold">
+                                          <p:stCondLst>
+                                            <p:cond delay="0"/>
+                                          </p:stCondLst>
+                                        </p:cTn>
+                                        <p:tgtEl>
+                                          <p:spTgt spid="4"/>
+                                        </p:tgtEl>
+                                        <p:attrNameLst>
+                                          <p:attrName>style.visibility</p:attrName>
+                                        </p:attrNameLst>
+                                      </p:cBhvr>
+                                      <p:to>
+                                        <p:strVal val="visible"/>
+                                      </p:to>
+                                    </p:set>
+                                    <p:animEffect transition="in" filter="wheel(1)">
+                                      <p:cBhvr>
+                                        <p:cTn id="7" dur="500"/>
+                                        <p:tgtEl>
+                                          <p:spTgt spid="4"/>
+                                        </p:tgtEl>
+                                      </p:cBhvr>
+                                    </p:animEffect>
+                                  </p:childTnLst>
+                                </p:cTn>
+                              </p:par>
+                            </p:childTnLst>
+                          </p:cTn>
+                        </p:par>
+                      </p:childTnLst>
+                    </p:cTn>
+                  </p:par>
+                </p:childTnLst>
+              </p:cTn>
+              <p:prevCondLst>
+                <p:cond evt="onPrev" delay="0">
+                  <p:tgtEl>
+                    <p:sldTgt/>
+                  </p:tgtEl>
+                </p:cond>
+              </p:prevCondLst>
+              <p:nextCondLst>
+                <p:cond evt="onNext" delay="0">
+                  <p:tgtEl>
+                    <p:sldTgt/>
+                  </p:tgtEl>
+                </p:cond>
+              </p:nextCondLst>
+            </p:seq>
+          </p:childTnLst>
+        </p:cTn>
+      </p:par>
+    </p:tnLst>
+    <p:bldLst>
+      <p:bldP spid="4" grpId="0" animBg="1"/>
+    </p:bldLst>
+  </p:timing>
+</p:sld>
+</file>
+
+<file path=ppt/slides/slide37.xml><?xml version="1.0" encoding="utf-8"?>
+<p:sld xmlns:a="http://schemas.openxmlformats.org/drawingml/2006/main" xmlns:r="http://schemas.openxmlformats.org/officeDocument/2006/relationships" xmlns:p="http://schemas.openxmlformats.org/presentationml/2006/main">
+  <p:cSld>
+    <p:spTree>
+      <p:nvGrpSpPr>
+        <p:cNvPr id="1" name=""/>
+        <p:cNvGrpSpPr/>
+        <p:nvPr/>
+      </p:nvGrpSpPr>
+      <p:grpSpPr>
+        <a:xfrm>
+          <a:off x="0" y="0"/>
+          <a:ext cx="0" cy="0"/>
+          <a:chOff x="0" y="0"/>
+          <a:chExt cx="0" cy="0"/>
+        </a:xfrm>
+      </p:grpSpPr>
+      <p:sp>
+        <p:nvSpPr>
+          <p:cNvPr id="2" name="Title 1"/>
+          <p:cNvSpPr>
+            <a:spLocks noGrp="1"/>
+          </p:cNvSpPr>
+          <p:nvPr>
+            <p:ph type="title"/>
+          </p:nvPr>
+        </p:nvSpPr>
+        <p:spPr/>
+        <p:txBody>
+          <a:bodyPr/>
+          <a:lstStyle/>
+          <a:p>
+            <a:r>
+              <a:rPr lang="en-US" dirty="0">
+                <a:solidFill>
+                  <a:schemeClr val="bg1">
+                    <a:lumMod val="65000"/>
+                  </a:schemeClr>
+                </a:solidFill>
+              </a:rPr>
+              <a:t>Chekhov’s Gun Applied to Testing</a:t>
+            </a:r>
+          </a:p>
+        </p:txBody>
+      </p:sp>
+      <p:pic>
+        <p:nvPicPr>
+          <p:cNvPr id="4" name="Picture 3">
+            <a:extLst>
+              <a:ext uri="{FF2B5EF4-FFF2-40B4-BE49-F238E27FC236}">
+                <a16:creationId xmlns:a16="http://schemas.microsoft.com/office/drawing/2014/main" id="{BCFE5EDB-AF6C-8CF9-D389-D8EFA2212DBB}"/>
+              </a:ext>
+            </a:extLst>
+          </p:cNvPr>
+          <p:cNvPicPr>
+            <a:picLocks noChangeAspect="1"/>
+          </p:cNvPicPr>
+          <p:nvPr/>
+        </p:nvPicPr>
+        <p:blipFill>
+          <a:blip r:embed="rId3"/>
+          <a:stretch>
+            <a:fillRect/>
+          </a:stretch>
+        </p:blipFill>
+        <p:spPr>
+          <a:xfrm>
+            <a:off x="838200" y="4278911"/>
+            <a:ext cx="8719550" cy="2220256"/>
+          </a:xfrm>
+          <a:prstGeom prst="rect">
+            <a:avLst/>
+          </a:prstGeom>
+        </p:spPr>
+      </p:pic>
+      <p:pic>
+        <p:nvPicPr>
+          <p:cNvPr id="5" name="Picture 4">
+            <a:extLst>
+              <a:ext uri="{FF2B5EF4-FFF2-40B4-BE49-F238E27FC236}">
+                <a16:creationId xmlns:a16="http://schemas.microsoft.com/office/drawing/2014/main" id="{43B5AAC5-8D84-FFB0-AEE5-C90404C91709}"/>
+              </a:ext>
+            </a:extLst>
+          </p:cNvPr>
+          <p:cNvPicPr>
+            <a:picLocks noChangeAspect="1"/>
+          </p:cNvPicPr>
+          <p:nvPr/>
+        </p:nvPicPr>
+        <p:blipFill>
+          <a:blip r:embed="rId4"/>
+          <a:stretch>
+            <a:fillRect/>
+          </a:stretch>
+        </p:blipFill>
+        <p:spPr>
+          <a:xfrm>
+            <a:off x="838200" y="1543480"/>
+            <a:ext cx="6696017" cy="2671448"/>
+          </a:xfrm>
+          <a:prstGeom prst="rect">
+            <a:avLst/>
+          </a:prstGeom>
+        </p:spPr>
+      </p:pic>
+      <p:grpSp>
+        <p:nvGrpSpPr>
+          <p:cNvPr id="9" name="Group 8">
+            <a:extLst>
+              <a:ext uri="{FF2B5EF4-FFF2-40B4-BE49-F238E27FC236}">
+                <a16:creationId xmlns:a16="http://schemas.microsoft.com/office/drawing/2014/main" id="{5471CB04-EAAE-70B9-C4B5-D1B509942CD3}"/>
+              </a:ext>
+            </a:extLst>
+          </p:cNvPr>
+          <p:cNvGrpSpPr/>
+          <p:nvPr/>
+        </p:nvGrpSpPr>
+        <p:grpSpPr>
+          <a:xfrm>
+            <a:off x="9970651" y="6185410"/>
+            <a:ext cx="2130724" cy="474323"/>
+            <a:chOff x="9970651" y="6185410"/>
+            <a:chExt cx="2130724" cy="474323"/>
+          </a:xfrm>
+        </p:grpSpPr>
+        <p:sp>
+          <p:nvSpPr>
+            <p:cNvPr id="10" name="Subtitle 2">
+              <a:extLst>
+                <a:ext uri="{FF2B5EF4-FFF2-40B4-BE49-F238E27FC236}">
+                  <a16:creationId xmlns:a16="http://schemas.microsoft.com/office/drawing/2014/main" id="{47D04CDB-D5EF-9A88-3773-158096EDF173}"/>
+                </a:ext>
+              </a:extLst>
+            </p:cNvPr>
+            <p:cNvSpPr txBox="1">
+              <a:spLocks/>
+            </p:cNvSpPr>
+            <p:nvPr/>
+          </p:nvSpPr>
+          <p:spPr>
+            <a:xfrm>
+              <a:off x="10041147" y="6185410"/>
+              <a:ext cx="2060228" cy="474323"/>
+            </a:xfrm>
+            <a:prstGeom prst="rect">
+              <a:avLst/>
+            </a:prstGeom>
+          </p:spPr>
+          <p:txBody>
+            <a:bodyPr vert="horz" lIns="91440" tIns="45720" rIns="91440" bIns="45720" rtlCol="0">
+              <a:normAutofit/>
+            </a:bodyPr>
+            <a:lstStyle>
+              <a:lvl1pPr marL="0" indent="0" algn="ctr" defTabSz="914400" rtl="0" eaLnBrk="1" latinLnBrk="0" hangingPunct="1">
+                <a:lnSpc>
+                  <a:spcPct val="90000"/>
+                </a:lnSpc>
+                <a:spcBef>
+                  <a:spcPts val="1000"/>
+                </a:spcBef>
+                <a:buFont typeface="Arial" panose="020B0604020202020204" pitchFamily="34" charset="0"/>
+                <a:buNone/>
+                <a:defRPr sz="2400" kern="1200">
+                  <a:solidFill>
+                    <a:schemeClr val="tx1"/>
+                  </a:solidFill>
+                  <a:latin typeface="+mn-lt"/>
+                  <a:ea typeface="+mn-ea"/>
+                  <a:cs typeface="+mn-cs"/>
+                </a:defRPr>
+              </a:lvl1pPr>
+              <a:lvl2pPr marL="457200" indent="0" algn="ctr" defTabSz="914400" rtl="0" eaLnBrk="1" latinLnBrk="0" hangingPunct="1">
+                <a:lnSpc>
+                  <a:spcPct val="90000"/>
+                </a:lnSpc>
+                <a:spcBef>
+                  <a:spcPts val="500"/>
+                </a:spcBef>
+                <a:buFont typeface="Arial" panose="020B0604020202020204" pitchFamily="34" charset="0"/>
+                <a:buNone/>
+                <a:defRPr sz="2000" kern="1200">
+                  <a:solidFill>
+                    <a:schemeClr val="tx1"/>
+                  </a:solidFill>
+                  <a:latin typeface="+mn-lt"/>
+                  <a:ea typeface="+mn-ea"/>
+                  <a:cs typeface="+mn-cs"/>
+                </a:defRPr>
+              </a:lvl2pPr>
+              <a:lvl3pPr marL="914400" indent="0" algn="ctr" defTabSz="914400" rtl="0" eaLnBrk="1" latinLnBrk="0" hangingPunct="1">
+                <a:lnSpc>
+                  <a:spcPct val="90000"/>
+                </a:lnSpc>
+                <a:spcBef>
+                  <a:spcPts val="500"/>
+                </a:spcBef>
+                <a:buFont typeface="Arial" panose="020B0604020202020204" pitchFamily="34" charset="0"/>
+                <a:buNone/>
+                <a:defRPr sz="1800" kern="1200">
+                  <a:solidFill>
+                    <a:schemeClr val="tx1"/>
+                  </a:solidFill>
+                  <a:latin typeface="+mn-lt"/>
+                  <a:ea typeface="+mn-ea"/>
+                  <a:cs typeface="+mn-cs"/>
+                </a:defRPr>
+              </a:lvl3pPr>
+              <a:lvl4pPr marL="1371600" indent="0" algn="ctr" defTabSz="914400" rtl="0" eaLnBrk="1" latinLnBrk="0" hangingPunct="1">
+                <a:lnSpc>
+                  <a:spcPct val="90000"/>
+                </a:lnSpc>
+                <a:spcBef>
+                  <a:spcPts val="500"/>
+                </a:spcBef>
+                <a:buFont typeface="Arial" panose="020B0604020202020204" pitchFamily="34" charset="0"/>
+                <a:buNone/>
+                <a:defRPr sz="1600" kern="1200">
+                  <a:solidFill>
+                    <a:schemeClr val="tx1"/>
+                  </a:solidFill>
+                  <a:latin typeface="+mn-lt"/>
+                  <a:ea typeface="+mn-ea"/>
+                  <a:cs typeface="+mn-cs"/>
+                </a:defRPr>
+              </a:lvl4pPr>
+              <a:lvl5pPr marL="1828800" indent="0" algn="ctr" defTabSz="914400" rtl="0" eaLnBrk="1" latinLnBrk="0" hangingPunct="1">
+                <a:lnSpc>
+                  <a:spcPct val="90000"/>
+                </a:lnSpc>
+                <a:spcBef>
+                  <a:spcPts val="500"/>
+                </a:spcBef>
+                <a:buFont typeface="Arial" panose="020B0604020202020204" pitchFamily="34" charset="0"/>
+                <a:buNone/>
+                <a:defRPr sz="1600" kern="1200">
+                  <a:solidFill>
+                    <a:schemeClr val="tx1"/>
+                  </a:solidFill>
+                  <a:latin typeface="+mn-lt"/>
+                  <a:ea typeface="+mn-ea"/>
+                  <a:cs typeface="+mn-cs"/>
+                </a:defRPr>
+              </a:lvl5pPr>
+              <a:lvl6pPr marL="2286000" indent="0" algn="ctr" defTabSz="914400" rtl="0" eaLnBrk="1" latinLnBrk="0" hangingPunct="1">
+                <a:lnSpc>
+                  <a:spcPct val="90000"/>
+                </a:lnSpc>
+                <a:spcBef>
+                  <a:spcPts val="500"/>
+                </a:spcBef>
+                <a:buFont typeface="Arial" panose="020B0604020202020204" pitchFamily="34" charset="0"/>
+                <a:buNone/>
+                <a:defRPr sz="1600" kern="1200">
+                  <a:solidFill>
+                    <a:schemeClr val="tx1"/>
+                  </a:solidFill>
+                  <a:latin typeface="+mn-lt"/>
+                  <a:ea typeface="+mn-ea"/>
+                  <a:cs typeface="+mn-cs"/>
+                </a:defRPr>
+              </a:lvl6pPr>
+              <a:lvl7pPr marL="2743200" indent="0" algn="ctr" defTabSz="914400" rtl="0" eaLnBrk="1" latinLnBrk="0" hangingPunct="1">
+                <a:lnSpc>
+                  <a:spcPct val="90000"/>
+                </a:lnSpc>
+                <a:spcBef>
+                  <a:spcPts val="500"/>
+                </a:spcBef>
+                <a:buFont typeface="Arial" panose="020B0604020202020204" pitchFamily="34" charset="0"/>
+                <a:buNone/>
+                <a:defRPr sz="1600" kern="1200">
+                  <a:solidFill>
+                    <a:schemeClr val="tx1"/>
+                  </a:solidFill>
+                  <a:latin typeface="+mn-lt"/>
+                  <a:ea typeface="+mn-ea"/>
+                  <a:cs typeface="+mn-cs"/>
+                </a:defRPr>
+              </a:lvl7pPr>
+              <a:lvl8pPr marL="3200400" indent="0" algn="ctr" defTabSz="914400" rtl="0" eaLnBrk="1" latinLnBrk="0" hangingPunct="1">
+                <a:lnSpc>
+                  <a:spcPct val="90000"/>
+                </a:lnSpc>
+                <a:spcBef>
+                  <a:spcPts val="500"/>
+                </a:spcBef>
+                <a:buFont typeface="Arial" panose="020B0604020202020204" pitchFamily="34" charset="0"/>
+                <a:buNone/>
+                <a:defRPr sz="1600" kern="1200">
+                  <a:solidFill>
+                    <a:schemeClr val="tx1"/>
+                  </a:solidFill>
+                  <a:latin typeface="+mn-lt"/>
+                  <a:ea typeface="+mn-ea"/>
+                  <a:cs typeface="+mn-cs"/>
+                </a:defRPr>
+              </a:lvl8pPr>
+              <a:lvl9pPr marL="3657600" indent="0" algn="ctr" defTabSz="914400" rtl="0" eaLnBrk="1" latinLnBrk="0" hangingPunct="1">
+                <a:lnSpc>
+                  <a:spcPct val="90000"/>
+                </a:lnSpc>
+                <a:spcBef>
+                  <a:spcPts val="500"/>
+                </a:spcBef>
+                <a:buFont typeface="Arial" panose="020B0604020202020204" pitchFamily="34" charset="0"/>
+                <a:buNone/>
+                <a:defRPr sz="1600" kern="1200">
+                  <a:solidFill>
+                    <a:schemeClr val="tx1"/>
+                  </a:solidFill>
+                  <a:latin typeface="+mn-lt"/>
+                  <a:ea typeface="+mn-ea"/>
+                  <a:cs typeface="+mn-cs"/>
+                </a:defRPr>
+              </a:lvl9pPr>
+            </a:lstStyle>
+            <a:p>
+              <a:r>
+                <a:rPr lang="en-US" dirty="0" err="1">
+                  <a:solidFill>
+                    <a:schemeClr val="bg1">
+                      <a:lumMod val="65000"/>
+                    </a:schemeClr>
+                  </a:solidFill>
+                </a:rPr>
+                <a:t>scottsauber</a:t>
+              </a:r>
+              <a:endParaRPr lang="en-US" dirty="0">
+                <a:solidFill>
+                  <a:schemeClr val="bg1">
+                    <a:lumMod val="65000"/>
+                  </a:schemeClr>
+                </a:solidFill>
+              </a:endParaRPr>
+            </a:p>
+          </p:txBody>
+        </p:sp>
+        <p:sp>
+          <p:nvSpPr>
+            <p:cNvPr id="11" name="Rectangle 10">
+              <a:extLst>
+                <a:ext uri="{FF2B5EF4-FFF2-40B4-BE49-F238E27FC236}">
+                  <a16:creationId xmlns:a16="http://schemas.microsoft.com/office/drawing/2014/main" id="{68952D55-F743-8C72-6FAD-ED97609A0227}"/>
+                </a:ext>
+              </a:extLst>
+            </p:cNvPr>
+            <p:cNvSpPr/>
+            <p:nvPr/>
+          </p:nvSpPr>
+          <p:spPr>
+            <a:xfrm>
+              <a:off x="9970651" y="6285411"/>
+              <a:ext cx="347472" cy="274320"/>
+            </a:xfrm>
+            <a:prstGeom prst="rect">
+              <a:avLst/>
+            </a:prstGeom>
+            <a:blipFill dpi="0" rotWithShape="1">
+              <a:blip r:embed="rId5">
+                <a:alphaModFix amt="50000"/>
+              </a:blip>
+              <a:srcRect/>
+              <a:stretch>
+                <a:fillRect/>
+              </a:stretch>
+            </a:blipFill>
+            <a:ln>
+              <a:noFill/>
+            </a:ln>
+          </p:spPr>
+          <p:style>
+            <a:lnRef idx="2">
+              <a:schemeClr val="accent1">
+                <a:shade val="50000"/>
+              </a:schemeClr>
+            </a:lnRef>
+            <a:fillRef idx="1">
+              <a:schemeClr val="accent1"/>
+            </a:fillRef>
+            <a:effectRef idx="0">
+              <a:schemeClr val="accent1"/>
+            </a:effectRef>
+            <a:fontRef idx="minor">
+              <a:schemeClr val="lt1"/>
+            </a:fontRef>
+          </p:style>
+          <p:txBody>
+            <a:bodyPr rtlCol="0" anchor="ctr"/>
+            <a:lstStyle/>
+            <a:p>
+              <a:pPr algn="ctr"/>
+              <a:endParaRPr lang="en-US"/>
+            </a:p>
+          </p:txBody>
+        </p:sp>
+      </p:grpSp>
+    </p:spTree>
+    <p:extLst>
+      <p:ext uri="{BB962C8B-B14F-4D97-AF65-F5344CB8AC3E}">
+        <p14:creationId xmlns:p14="http://schemas.microsoft.com/office/powerpoint/2010/main" val="378309190"/>
+      </p:ext>
+    </p:extLst>
+  </p:cSld>
+  <p:clrMapOvr>
+    <a:masterClrMapping/>
+  </p:clrMapOvr>
+</p:sld>
+</file>
+
+<file path=ppt/slides/slide38.xml><?xml version="1.0" encoding="utf-8"?>
+<p:sld xmlns:a="http://schemas.openxmlformats.org/drawingml/2006/main" xmlns:r="http://schemas.openxmlformats.org/officeDocument/2006/relationships" xmlns:p="http://schemas.openxmlformats.org/presentationml/2006/main">
+  <p:cSld>
     <p:spTree>
       <p:nvGrpSpPr>
         <p:cNvPr id="1" name=""/>
@@ -21468,7 +25095,725 @@
 </p:sld>
 </file>
 
-<file path=ppt/slides/slide32.xml><?xml version="1.0" encoding="utf-8"?>
+<file path=ppt/slides/slide39.xml><?xml version="1.0" encoding="utf-8"?>
+<p:sld xmlns:a="http://schemas.openxmlformats.org/drawingml/2006/main" xmlns:r="http://schemas.openxmlformats.org/officeDocument/2006/relationships" xmlns:p="http://schemas.openxmlformats.org/presentationml/2006/main">
+  <p:cSld>
+    <p:bg>
+      <p:bgPr>
+        <a:solidFill>
+          <a:srgbClr val="0F69B6"/>
+        </a:solidFill>
+        <a:effectLst/>
+      </p:bgPr>
+    </p:bg>
+    <p:spTree>
+      <p:nvGrpSpPr>
+        <p:cNvPr id="1" name=""/>
+        <p:cNvGrpSpPr/>
+        <p:nvPr/>
+      </p:nvGrpSpPr>
+      <p:grpSpPr>
+        <a:xfrm>
+          <a:off x="0" y="0"/>
+          <a:ext cx="0" cy="0"/>
+          <a:chOff x="0" y="0"/>
+          <a:chExt cx="0" cy="0"/>
+        </a:xfrm>
+      </p:grpSpPr>
+      <p:sp>
+        <p:nvSpPr>
+          <p:cNvPr id="2" name="Title 1">
+            <a:extLst>
+              <a:ext uri="{FF2B5EF4-FFF2-40B4-BE49-F238E27FC236}">
+                <a16:creationId xmlns:a16="http://schemas.microsoft.com/office/drawing/2014/main" id="{E8FE7171-AFDD-4862-9A69-284665CD3345}"/>
+              </a:ext>
+            </a:extLst>
+          </p:cNvPr>
+          <p:cNvSpPr>
+            <a:spLocks noGrp="1"/>
+          </p:cNvSpPr>
+          <p:nvPr>
+            <p:ph type="ctrTitle"/>
+          </p:nvPr>
+        </p:nvSpPr>
+        <p:spPr>
+          <a:xfrm>
+            <a:off x="0" y="0"/>
+            <a:ext cx="12192000" cy="6858000"/>
+          </a:xfrm>
+        </p:spPr>
+        <p:txBody>
+          <a:bodyPr anchor="ctr">
+            <a:normAutofit/>
+          </a:bodyPr>
+          <a:lstStyle/>
+          <a:p>
+            <a:r>
+              <a:rPr lang="en-US" sz="9600" b="1" dirty="0">
+                <a:solidFill>
+                  <a:schemeClr val="bg1"/>
+                </a:solidFill>
+                <a:latin typeface="+mn-lt"/>
+                <a:ea typeface="Open Sans" panose="020B0606030504020204" pitchFamily="34" charset="0"/>
+                <a:cs typeface="Open Sans" panose="020B0606030504020204" pitchFamily="34" charset="0"/>
+              </a:rPr>
+              <a:t>&lt;/ </a:t>
+            </a:r>
+            <a:r>
+              <a:rPr lang="en-US" sz="9600" b="1" dirty="0" err="1">
+                <a:solidFill>
+                  <a:schemeClr val="bg1"/>
+                </a:solidFill>
+                <a:latin typeface="+mn-lt"/>
+                <a:ea typeface="Open Sans" panose="020B0606030504020204" pitchFamily="34" charset="0"/>
+                <a:cs typeface="Open Sans" panose="020B0606030504020204" pitchFamily="34" charset="0"/>
+              </a:rPr>
+              <a:t>ChekhovsGun</a:t>
+            </a:r>
+            <a:r>
+              <a:rPr lang="en-US" sz="9600" b="1" dirty="0">
+                <a:solidFill>
+                  <a:schemeClr val="bg1"/>
+                </a:solidFill>
+                <a:latin typeface="+mn-lt"/>
+                <a:ea typeface="Open Sans" panose="020B0606030504020204" pitchFamily="34" charset="0"/>
+                <a:cs typeface="Open Sans" panose="020B0606030504020204" pitchFamily="34" charset="0"/>
+              </a:rPr>
+              <a:t>&gt;</a:t>
+            </a:r>
+          </a:p>
+        </p:txBody>
+      </p:sp>
+    </p:spTree>
+    <p:extLst>
+      <p:ext uri="{BB962C8B-B14F-4D97-AF65-F5344CB8AC3E}">
+        <p14:creationId xmlns:p14="http://schemas.microsoft.com/office/powerpoint/2010/main" val="841951821"/>
+      </p:ext>
+    </p:extLst>
+  </p:cSld>
+  <p:clrMapOvr>
+    <a:masterClrMapping/>
+  </p:clrMapOvr>
+</p:sld>
+</file>
+
+<file path=ppt/slides/slide4.xml><?xml version="1.0" encoding="utf-8"?>
+<p:sld xmlns:a="http://schemas.openxmlformats.org/drawingml/2006/main" xmlns:r="http://schemas.openxmlformats.org/officeDocument/2006/relationships" xmlns:p="http://schemas.openxmlformats.org/presentationml/2006/main">
+  <p:cSld>
+    <p:spTree>
+      <p:nvGrpSpPr>
+        <p:cNvPr id="1" name=""/>
+        <p:cNvGrpSpPr/>
+        <p:nvPr/>
+      </p:nvGrpSpPr>
+      <p:grpSpPr>
+        <a:xfrm>
+          <a:off x="0" y="0"/>
+          <a:ext cx="0" cy="0"/>
+          <a:chOff x="0" y="0"/>
+          <a:chExt cx="0" cy="0"/>
+        </a:xfrm>
+      </p:grpSpPr>
+      <p:sp>
+        <p:nvSpPr>
+          <p:cNvPr id="2" name="Title 1"/>
+          <p:cNvSpPr>
+            <a:spLocks noGrp="1"/>
+          </p:cNvSpPr>
+          <p:nvPr>
+            <p:ph type="title"/>
+          </p:nvPr>
+        </p:nvSpPr>
+        <p:spPr/>
+        <p:txBody>
+          <a:bodyPr/>
+          <a:lstStyle/>
+          <a:p>
+            <a:r>
+              <a:rPr lang="en-US" dirty="0">
+                <a:solidFill>
+                  <a:schemeClr val="bg1">
+                    <a:lumMod val="65000"/>
+                  </a:schemeClr>
+                </a:solidFill>
+              </a:rPr>
+              <a:t>Goals</a:t>
+            </a:r>
+          </a:p>
+        </p:txBody>
+      </p:sp>
+      <p:sp>
+        <p:nvSpPr>
+          <p:cNvPr id="3" name="Content Placeholder 2"/>
+          <p:cNvSpPr>
+            <a:spLocks noGrp="1"/>
+          </p:cNvSpPr>
+          <p:nvPr>
+            <p:ph idx="1"/>
+          </p:nvPr>
+        </p:nvSpPr>
+        <p:spPr>
+          <a:xfrm>
+            <a:off x="838200" y="1825625"/>
+            <a:ext cx="10515600" cy="4834108"/>
+          </a:xfrm>
+        </p:spPr>
+        <p:txBody>
+          <a:bodyPr>
+            <a:normAutofit/>
+          </a:bodyPr>
+          <a:lstStyle/>
+          <a:p>
+            <a:r>
+              <a:rPr lang="en-US" dirty="0"/>
+              <a:t>Learn “best practices</a:t>
+            </a:r>
+            <a:r>
+              <a:rPr lang="en-US" baseline="30000" dirty="0"/>
+              <a:t>*</a:t>
+            </a:r>
+            <a:r>
+              <a:rPr lang="en-US" dirty="0"/>
+              <a:t>” for writing frontend tests</a:t>
+            </a:r>
+          </a:p>
+          <a:p>
+            <a:r>
+              <a:rPr lang="en-US" dirty="0"/>
+              <a:t>Share with .NET community testing learnings from React community</a:t>
+            </a:r>
+          </a:p>
+          <a:p>
+            <a:r>
+              <a:rPr lang="en-US" dirty="0"/>
+              <a:t>Learn how to TDD (with </a:t>
+            </a:r>
+            <a:r>
+              <a:rPr lang="en-US" dirty="0" err="1"/>
+              <a:t>Blazor</a:t>
+            </a:r>
+            <a:r>
+              <a:rPr lang="en-US" dirty="0"/>
+              <a:t>!)</a:t>
+            </a:r>
+          </a:p>
+          <a:p>
+            <a:endParaRPr lang="en-US" dirty="0"/>
+          </a:p>
+          <a:p>
+            <a:endParaRPr lang="en-US" dirty="0"/>
+          </a:p>
+          <a:p>
+            <a:endParaRPr lang="en-US" dirty="0"/>
+          </a:p>
+          <a:p>
+            <a:endParaRPr lang="en-US" dirty="0"/>
+          </a:p>
+          <a:p>
+            <a:endParaRPr lang="en-US" dirty="0"/>
+          </a:p>
+          <a:p>
+            <a:pPr marL="0" indent="0">
+              <a:buNone/>
+            </a:pPr>
+            <a:endParaRPr lang="en-US" sz="1600" dirty="0"/>
+          </a:p>
+          <a:p>
+            <a:pPr marL="0" indent="0">
+              <a:buNone/>
+            </a:pPr>
+            <a:r>
+              <a:rPr lang="en-US" sz="1600" dirty="0"/>
+              <a:t>* Synonym for “Just My Opinions” and I’ll probably find a way I like better in the future</a:t>
+            </a:r>
+          </a:p>
+        </p:txBody>
+      </p:sp>
+      <p:grpSp>
+        <p:nvGrpSpPr>
+          <p:cNvPr id="8" name="Group 7">
+            <a:extLst>
+              <a:ext uri="{FF2B5EF4-FFF2-40B4-BE49-F238E27FC236}">
+                <a16:creationId xmlns:a16="http://schemas.microsoft.com/office/drawing/2014/main" id="{E239A9CE-C7EB-4E97-86E4-7038185B0547}"/>
+              </a:ext>
+            </a:extLst>
+          </p:cNvPr>
+          <p:cNvGrpSpPr/>
+          <p:nvPr/>
+        </p:nvGrpSpPr>
+        <p:grpSpPr>
+          <a:xfrm>
+            <a:off x="9970651" y="6185410"/>
+            <a:ext cx="2130724" cy="474323"/>
+            <a:chOff x="9970651" y="6185410"/>
+            <a:chExt cx="2130724" cy="474323"/>
+          </a:xfrm>
+        </p:grpSpPr>
+        <p:sp>
+          <p:nvSpPr>
+            <p:cNvPr id="9" name="Subtitle 2">
+              <a:extLst>
+                <a:ext uri="{FF2B5EF4-FFF2-40B4-BE49-F238E27FC236}">
+                  <a16:creationId xmlns:a16="http://schemas.microsoft.com/office/drawing/2014/main" id="{2229353B-AF80-4FA1-A290-889FFCA819EF}"/>
+                </a:ext>
+              </a:extLst>
+            </p:cNvPr>
+            <p:cNvSpPr txBox="1">
+              <a:spLocks/>
+            </p:cNvSpPr>
+            <p:nvPr/>
+          </p:nvSpPr>
+          <p:spPr>
+            <a:xfrm>
+              <a:off x="10041147" y="6185410"/>
+              <a:ext cx="2060228" cy="474323"/>
+            </a:xfrm>
+            <a:prstGeom prst="rect">
+              <a:avLst/>
+            </a:prstGeom>
+          </p:spPr>
+          <p:txBody>
+            <a:bodyPr vert="horz" lIns="91440" tIns="45720" rIns="91440" bIns="45720" rtlCol="0">
+              <a:normAutofit/>
+            </a:bodyPr>
+            <a:lstStyle>
+              <a:lvl1pPr marL="0" indent="0" algn="ctr" defTabSz="914400" rtl="0" eaLnBrk="1" latinLnBrk="0" hangingPunct="1">
+                <a:lnSpc>
+                  <a:spcPct val="90000"/>
+                </a:lnSpc>
+                <a:spcBef>
+                  <a:spcPts val="1000"/>
+                </a:spcBef>
+                <a:buFont typeface="Arial" panose="020B0604020202020204" pitchFamily="34" charset="0"/>
+                <a:buNone/>
+                <a:defRPr sz="2400" kern="1200">
+                  <a:solidFill>
+                    <a:schemeClr val="tx1"/>
+                  </a:solidFill>
+                  <a:latin typeface="+mn-lt"/>
+                  <a:ea typeface="+mn-ea"/>
+                  <a:cs typeface="+mn-cs"/>
+                </a:defRPr>
+              </a:lvl1pPr>
+              <a:lvl2pPr marL="457200" indent="0" algn="ctr" defTabSz="914400" rtl="0" eaLnBrk="1" latinLnBrk="0" hangingPunct="1">
+                <a:lnSpc>
+                  <a:spcPct val="90000"/>
+                </a:lnSpc>
+                <a:spcBef>
+                  <a:spcPts val="500"/>
+                </a:spcBef>
+                <a:buFont typeface="Arial" panose="020B0604020202020204" pitchFamily="34" charset="0"/>
+                <a:buNone/>
+                <a:defRPr sz="2000" kern="1200">
+                  <a:solidFill>
+                    <a:schemeClr val="tx1"/>
+                  </a:solidFill>
+                  <a:latin typeface="+mn-lt"/>
+                  <a:ea typeface="+mn-ea"/>
+                  <a:cs typeface="+mn-cs"/>
+                </a:defRPr>
+              </a:lvl2pPr>
+              <a:lvl3pPr marL="914400" indent="0" algn="ctr" defTabSz="914400" rtl="0" eaLnBrk="1" latinLnBrk="0" hangingPunct="1">
+                <a:lnSpc>
+                  <a:spcPct val="90000"/>
+                </a:lnSpc>
+                <a:spcBef>
+                  <a:spcPts val="500"/>
+                </a:spcBef>
+                <a:buFont typeface="Arial" panose="020B0604020202020204" pitchFamily="34" charset="0"/>
+                <a:buNone/>
+                <a:defRPr sz="1800" kern="1200">
+                  <a:solidFill>
+                    <a:schemeClr val="tx1"/>
+                  </a:solidFill>
+                  <a:latin typeface="+mn-lt"/>
+                  <a:ea typeface="+mn-ea"/>
+                  <a:cs typeface="+mn-cs"/>
+                </a:defRPr>
+              </a:lvl3pPr>
+              <a:lvl4pPr marL="1371600" indent="0" algn="ctr" defTabSz="914400" rtl="0" eaLnBrk="1" latinLnBrk="0" hangingPunct="1">
+                <a:lnSpc>
+                  <a:spcPct val="90000"/>
+                </a:lnSpc>
+                <a:spcBef>
+                  <a:spcPts val="500"/>
+                </a:spcBef>
+                <a:buFont typeface="Arial" panose="020B0604020202020204" pitchFamily="34" charset="0"/>
+                <a:buNone/>
+                <a:defRPr sz="1600" kern="1200">
+                  <a:solidFill>
+                    <a:schemeClr val="tx1"/>
+                  </a:solidFill>
+                  <a:latin typeface="+mn-lt"/>
+                  <a:ea typeface="+mn-ea"/>
+                  <a:cs typeface="+mn-cs"/>
+                </a:defRPr>
+              </a:lvl4pPr>
+              <a:lvl5pPr marL="1828800" indent="0" algn="ctr" defTabSz="914400" rtl="0" eaLnBrk="1" latinLnBrk="0" hangingPunct="1">
+                <a:lnSpc>
+                  <a:spcPct val="90000"/>
+                </a:lnSpc>
+                <a:spcBef>
+                  <a:spcPts val="500"/>
+                </a:spcBef>
+                <a:buFont typeface="Arial" panose="020B0604020202020204" pitchFamily="34" charset="0"/>
+                <a:buNone/>
+                <a:defRPr sz="1600" kern="1200">
+                  <a:solidFill>
+                    <a:schemeClr val="tx1"/>
+                  </a:solidFill>
+                  <a:latin typeface="+mn-lt"/>
+                  <a:ea typeface="+mn-ea"/>
+                  <a:cs typeface="+mn-cs"/>
+                </a:defRPr>
+              </a:lvl5pPr>
+              <a:lvl6pPr marL="2286000" indent="0" algn="ctr" defTabSz="914400" rtl="0" eaLnBrk="1" latinLnBrk="0" hangingPunct="1">
+                <a:lnSpc>
+                  <a:spcPct val="90000"/>
+                </a:lnSpc>
+                <a:spcBef>
+                  <a:spcPts val="500"/>
+                </a:spcBef>
+                <a:buFont typeface="Arial" panose="020B0604020202020204" pitchFamily="34" charset="0"/>
+                <a:buNone/>
+                <a:defRPr sz="1600" kern="1200">
+                  <a:solidFill>
+                    <a:schemeClr val="tx1"/>
+                  </a:solidFill>
+                  <a:latin typeface="+mn-lt"/>
+                  <a:ea typeface="+mn-ea"/>
+                  <a:cs typeface="+mn-cs"/>
+                </a:defRPr>
+              </a:lvl6pPr>
+              <a:lvl7pPr marL="2743200" indent="0" algn="ctr" defTabSz="914400" rtl="0" eaLnBrk="1" latinLnBrk="0" hangingPunct="1">
+                <a:lnSpc>
+                  <a:spcPct val="90000"/>
+                </a:lnSpc>
+                <a:spcBef>
+                  <a:spcPts val="500"/>
+                </a:spcBef>
+                <a:buFont typeface="Arial" panose="020B0604020202020204" pitchFamily="34" charset="0"/>
+                <a:buNone/>
+                <a:defRPr sz="1600" kern="1200">
+                  <a:solidFill>
+                    <a:schemeClr val="tx1"/>
+                  </a:solidFill>
+                  <a:latin typeface="+mn-lt"/>
+                  <a:ea typeface="+mn-ea"/>
+                  <a:cs typeface="+mn-cs"/>
+                </a:defRPr>
+              </a:lvl7pPr>
+              <a:lvl8pPr marL="3200400" indent="0" algn="ctr" defTabSz="914400" rtl="0" eaLnBrk="1" latinLnBrk="0" hangingPunct="1">
+                <a:lnSpc>
+                  <a:spcPct val="90000"/>
+                </a:lnSpc>
+                <a:spcBef>
+                  <a:spcPts val="500"/>
+                </a:spcBef>
+                <a:buFont typeface="Arial" panose="020B0604020202020204" pitchFamily="34" charset="0"/>
+                <a:buNone/>
+                <a:defRPr sz="1600" kern="1200">
+                  <a:solidFill>
+                    <a:schemeClr val="tx1"/>
+                  </a:solidFill>
+                  <a:latin typeface="+mn-lt"/>
+                  <a:ea typeface="+mn-ea"/>
+                  <a:cs typeface="+mn-cs"/>
+                </a:defRPr>
+              </a:lvl8pPr>
+              <a:lvl9pPr marL="3657600" indent="0" algn="ctr" defTabSz="914400" rtl="0" eaLnBrk="1" latinLnBrk="0" hangingPunct="1">
+                <a:lnSpc>
+                  <a:spcPct val="90000"/>
+                </a:lnSpc>
+                <a:spcBef>
+                  <a:spcPts val="500"/>
+                </a:spcBef>
+                <a:buFont typeface="Arial" panose="020B0604020202020204" pitchFamily="34" charset="0"/>
+                <a:buNone/>
+                <a:defRPr sz="1600" kern="1200">
+                  <a:solidFill>
+                    <a:schemeClr val="tx1"/>
+                  </a:solidFill>
+                  <a:latin typeface="+mn-lt"/>
+                  <a:ea typeface="+mn-ea"/>
+                  <a:cs typeface="+mn-cs"/>
+                </a:defRPr>
+              </a:lvl9pPr>
+            </a:lstStyle>
+            <a:p>
+              <a:r>
+                <a:rPr lang="en-US" dirty="0" err="1">
+                  <a:solidFill>
+                    <a:schemeClr val="bg1">
+                      <a:lumMod val="65000"/>
+                    </a:schemeClr>
+                  </a:solidFill>
+                </a:rPr>
+                <a:t>scottsauber</a:t>
+              </a:r>
+              <a:endParaRPr lang="en-US" dirty="0">
+                <a:solidFill>
+                  <a:schemeClr val="bg1">
+                    <a:lumMod val="65000"/>
+                  </a:schemeClr>
+                </a:solidFill>
+              </a:endParaRPr>
+            </a:p>
+          </p:txBody>
+        </p:sp>
+        <p:sp>
+          <p:nvSpPr>
+            <p:cNvPr id="10" name="Rectangle 9">
+              <a:extLst>
+                <a:ext uri="{FF2B5EF4-FFF2-40B4-BE49-F238E27FC236}">
+                  <a16:creationId xmlns:a16="http://schemas.microsoft.com/office/drawing/2014/main" id="{8AA5A6B6-4F71-4CAB-A81F-16ECC8919324}"/>
+                </a:ext>
+              </a:extLst>
+            </p:cNvPr>
+            <p:cNvSpPr/>
+            <p:nvPr/>
+          </p:nvSpPr>
+          <p:spPr>
+            <a:xfrm>
+              <a:off x="9970651" y="6285411"/>
+              <a:ext cx="347472" cy="274320"/>
+            </a:xfrm>
+            <a:prstGeom prst="rect">
+              <a:avLst/>
+            </a:prstGeom>
+            <a:blipFill dpi="0" rotWithShape="1">
+              <a:blip r:embed="rId3">
+                <a:alphaModFix amt="50000"/>
+              </a:blip>
+              <a:srcRect/>
+              <a:stretch>
+                <a:fillRect/>
+              </a:stretch>
+            </a:blipFill>
+            <a:ln>
+              <a:noFill/>
+            </a:ln>
+          </p:spPr>
+          <p:style>
+            <a:lnRef idx="2">
+              <a:schemeClr val="accent1">
+                <a:shade val="50000"/>
+              </a:schemeClr>
+            </a:lnRef>
+            <a:fillRef idx="1">
+              <a:schemeClr val="accent1"/>
+            </a:fillRef>
+            <a:effectRef idx="0">
+              <a:schemeClr val="accent1"/>
+            </a:effectRef>
+            <a:fontRef idx="minor">
+              <a:schemeClr val="lt1"/>
+            </a:fontRef>
+          </p:style>
+          <p:txBody>
+            <a:bodyPr rtlCol="0" anchor="ctr"/>
+            <a:lstStyle/>
+            <a:p>
+              <a:pPr algn="ctr"/>
+              <a:endParaRPr lang="en-US"/>
+            </a:p>
+          </p:txBody>
+        </p:sp>
+      </p:grpSp>
+    </p:spTree>
+    <p:extLst>
+      <p:ext uri="{BB962C8B-B14F-4D97-AF65-F5344CB8AC3E}">
+        <p14:creationId xmlns:p14="http://schemas.microsoft.com/office/powerpoint/2010/main" val="1047538425"/>
+      </p:ext>
+    </p:extLst>
+  </p:cSld>
+  <p:clrMapOvr>
+    <a:masterClrMapping/>
+  </p:clrMapOvr>
+</p:sld>
+</file>
+
+<file path=ppt/slides/slide40.xml><?xml version="1.0" encoding="utf-8"?>
+<p:sld xmlns:a="http://schemas.openxmlformats.org/drawingml/2006/main" xmlns:r="http://schemas.openxmlformats.org/officeDocument/2006/relationships" xmlns:p="http://schemas.openxmlformats.org/presentationml/2006/main">
+  <p:cSld>
+    <p:spTree>
+      <p:nvGrpSpPr>
+        <p:cNvPr id="1" name=""/>
+        <p:cNvGrpSpPr/>
+        <p:nvPr/>
+      </p:nvGrpSpPr>
+      <p:grpSpPr>
+        <a:xfrm>
+          <a:off x="0" y="0"/>
+          <a:ext cx="0" cy="0"/>
+          <a:chOff x="0" y="0"/>
+          <a:chExt cx="0" cy="0"/>
+        </a:xfrm>
+      </p:grpSpPr>
+      <p:sp>
+        <p:nvSpPr>
+          <p:cNvPr id="4" name="Rectangle 3">
+            <a:extLst>
+              <a:ext uri="{FF2B5EF4-FFF2-40B4-BE49-F238E27FC236}">
+                <a16:creationId xmlns:a16="http://schemas.microsoft.com/office/drawing/2014/main" id="{60E0AF11-A4C9-45AA-A06E-24045DF01CE8}"/>
+              </a:ext>
+            </a:extLst>
+          </p:cNvPr>
+          <p:cNvSpPr/>
+          <p:nvPr/>
+        </p:nvSpPr>
+        <p:spPr>
+          <a:xfrm>
+            <a:off x="-19458" y="-6059"/>
+            <a:ext cx="12211458" cy="6864059"/>
+          </a:xfrm>
+          <a:prstGeom prst="rect">
+            <a:avLst/>
+          </a:prstGeom>
+          <a:solidFill>
+            <a:srgbClr val="0F69B6"/>
+          </a:solidFill>
+          <a:ln>
+            <a:noFill/>
+          </a:ln>
+        </p:spPr>
+        <p:style>
+          <a:lnRef idx="2">
+            <a:schemeClr val="accent1">
+              <a:shade val="50000"/>
+            </a:schemeClr>
+          </a:lnRef>
+          <a:fillRef idx="1">
+            <a:schemeClr val="accent1"/>
+          </a:fillRef>
+          <a:effectRef idx="0">
+            <a:schemeClr val="accent1"/>
+          </a:effectRef>
+          <a:fontRef idx="minor">
+            <a:schemeClr val="lt1"/>
+          </a:fontRef>
+        </p:style>
+        <p:txBody>
+          <a:bodyPr rtlCol="0" anchor="ctr"/>
+          <a:lstStyle/>
+          <a:p>
+            <a:pPr algn="ctr"/>
+            <a:endParaRPr lang="en-GB"/>
+          </a:p>
+        </p:txBody>
+      </p:sp>
+      <p:sp>
+        <p:nvSpPr>
+          <p:cNvPr id="2" name="Title 1">
+            <a:extLst>
+              <a:ext uri="{FF2B5EF4-FFF2-40B4-BE49-F238E27FC236}">
+                <a16:creationId xmlns:a16="http://schemas.microsoft.com/office/drawing/2014/main" id="{23961254-86DC-4239-85AC-F87EEB565B01}"/>
+              </a:ext>
+            </a:extLst>
+          </p:cNvPr>
+          <p:cNvSpPr>
+            <a:spLocks noGrp="1"/>
+          </p:cNvSpPr>
+          <p:nvPr>
+            <p:ph type="title"/>
+          </p:nvPr>
+        </p:nvSpPr>
+        <p:spPr>
+          <a:xfrm>
+            <a:off x="-19457" y="365125"/>
+            <a:ext cx="8871627" cy="6027511"/>
+          </a:xfrm>
+        </p:spPr>
+        <p:txBody>
+          <a:bodyPr>
+            <a:normAutofit/>
+          </a:bodyPr>
+          <a:lstStyle/>
+          <a:p>
+            <a:pPr algn="ctr"/>
+            <a:r>
+              <a:rPr lang="en-US" sz="10000" dirty="0">
+                <a:solidFill>
+                  <a:schemeClr val="bg1"/>
+                </a:solidFill>
+                <a:latin typeface="+mn-lt"/>
+              </a:rPr>
+              <a:t>Live Coding!</a:t>
+            </a:r>
+          </a:p>
+        </p:txBody>
+      </p:sp>
+      <p:pic>
+        <p:nvPicPr>
+          <p:cNvPr id="3" name="Picture 2" descr="Bootstrap+Blazor essentials - DEV Community">
+            <a:extLst>
+              <a:ext uri="{FF2B5EF4-FFF2-40B4-BE49-F238E27FC236}">
+                <a16:creationId xmlns:a16="http://schemas.microsoft.com/office/drawing/2014/main" id="{A22EF284-3473-628A-F45D-443967773296}"/>
+              </a:ext>
+            </a:extLst>
+          </p:cNvPr>
+          <p:cNvPicPr>
+            <a:picLocks noChangeAspect="1" noChangeArrowheads="1"/>
+          </p:cNvPicPr>
+          <p:nvPr/>
+        </p:nvPicPr>
+        <p:blipFill>
+          <a:blip r:embed="rId3">
+            <a:clrChange>
+              <a:clrFrom>
+                <a:srgbClr val="6F43A4"/>
+              </a:clrFrom>
+              <a:clrTo>
+                <a:srgbClr val="6F43A4">
+                  <a:alpha val="0"/>
+                </a:srgbClr>
+              </a:clrTo>
+            </a:clrChange>
+            <a:extLst>
+              <a:ext uri="{28A0092B-C50C-407E-A947-70E740481C1C}">
+                <a14:useLocalDpi xmlns:a14="http://schemas.microsoft.com/office/drawing/2010/main" val="0"/>
+              </a:ext>
+            </a:extLst>
+          </a:blip>
+          <a:srcRect/>
+          <a:stretch>
+            <a:fillRect/>
+          </a:stretch>
+        </p:blipFill>
+        <p:spPr bwMode="auto">
+          <a:xfrm>
+            <a:off x="9203862" y="4065593"/>
+            <a:ext cx="2792407" cy="2792407"/>
+          </a:xfrm>
+          <a:prstGeom prst="rect">
+            <a:avLst/>
+          </a:prstGeom>
+          <a:noFill/>
+          <a:extLst>
+            <a:ext uri="{909E8E84-426E-40DD-AFC4-6F175D3DCCD1}">
+              <a14:hiddenFill xmlns:a14="http://schemas.microsoft.com/office/drawing/2010/main">
+                <a:solidFill>
+                  <a:srgbClr val="FFFFFF"/>
+                </a:solidFill>
+              </a14:hiddenFill>
+            </a:ext>
+          </a:extLst>
+        </p:spPr>
+      </p:pic>
+    </p:spTree>
+    <p:extLst>
+      <p:ext uri="{BB962C8B-B14F-4D97-AF65-F5344CB8AC3E}">
+        <p14:creationId xmlns:p14="http://schemas.microsoft.com/office/powerpoint/2010/main" val="4056506291"/>
+      </p:ext>
+    </p:extLst>
+  </p:cSld>
+  <p:clrMapOvr>
+    <a:masterClrMapping/>
+  </p:clrMapOvr>
+</p:sld>
+</file>
+
+<file path=ppt/slides/slide41.xml><?xml version="1.0" encoding="utf-8"?>
 <p:sld xmlns:a="http://schemas.openxmlformats.org/drawingml/2006/main" xmlns:r="http://schemas.openxmlformats.org/officeDocument/2006/relationships" xmlns:p="http://schemas.openxmlformats.org/presentationml/2006/main">
   <p:cSld>
     <p:spTree>
@@ -22134,7 +26479,7 @@
 </p:sld>
 </file>
 
-<file path=ppt/slides/slide33.xml><?xml version="1.0" encoding="utf-8"?>
+<file path=ppt/slides/slide42.xml><?xml version="1.0" encoding="utf-8"?>
 <p:sld xmlns:a="http://schemas.openxmlformats.org/drawingml/2006/main" xmlns:r="http://schemas.openxmlformats.org/officeDocument/2006/relationships" xmlns:p="http://schemas.openxmlformats.org/presentationml/2006/main">
   <p:cSld>
     <p:spTree>
@@ -22321,7 +26666,7 @@
 </p:sld>
 </file>
 
-<file path=ppt/slides/slide34.xml><?xml version="1.0" encoding="utf-8"?>
+<file path=ppt/slides/slide43.xml><?xml version="1.0" encoding="utf-8"?>
 <p:sld xmlns:a="http://schemas.openxmlformats.org/drawingml/2006/main" xmlns:r="http://schemas.openxmlformats.org/officeDocument/2006/relationships" xmlns:p="http://schemas.openxmlformats.org/presentationml/2006/main">
   <p:cSld>
     <p:spTree>
@@ -22491,7 +26836,7 @@
 </p:sld>
 </file>
 
-<file path=ppt/slides/slide35.xml><?xml version="1.0" encoding="utf-8"?>
+<file path=ppt/slides/slide44.xml><?xml version="1.0" encoding="utf-8"?>
 <p:sld xmlns:a="http://schemas.openxmlformats.org/drawingml/2006/main" xmlns:r="http://schemas.openxmlformats.org/officeDocument/2006/relationships" xmlns:p="http://schemas.openxmlformats.org/presentationml/2006/main">
   <p:cSld>
     <p:spTree>
@@ -22659,7 +27004,7 @@
 </p:sld>
 </file>
 
-<file path=ppt/slides/slide36.xml><?xml version="1.0" encoding="utf-8"?>
+<file path=ppt/slides/slide45.xml><?xml version="1.0" encoding="utf-8"?>
 <p:sld xmlns:a="http://schemas.openxmlformats.org/drawingml/2006/main" xmlns:r="http://schemas.openxmlformats.org/officeDocument/2006/relationships" xmlns:p="http://schemas.openxmlformats.org/presentationml/2006/main">
   <p:cSld>
     <p:spTree>
@@ -22846,7 +27191,7 @@
 </p:sld>
 </file>
 
-<file path=ppt/slides/slide37.xml><?xml version="1.0" encoding="utf-8"?>
+<file path=ppt/slides/slide46.xml><?xml version="1.0" encoding="utf-8"?>
 <p:sld xmlns:a="http://schemas.openxmlformats.org/drawingml/2006/main" xmlns:r="http://schemas.openxmlformats.org/officeDocument/2006/relationships" xmlns:p="http://schemas.openxmlformats.org/presentationml/2006/main">
   <p:cSld>
     <p:spTree>
@@ -23003,7 +27348,7 @@
 </p:sld>
 </file>
 
-<file path=ppt/slides/slide38.xml><?xml version="1.0" encoding="utf-8"?>
+<file path=ppt/slides/slide47.xml><?xml version="1.0" encoding="utf-8"?>
 <p:sld xmlns:a="http://schemas.openxmlformats.org/drawingml/2006/main" xmlns:r="http://schemas.openxmlformats.org/officeDocument/2006/relationships" xmlns:p="http://schemas.openxmlformats.org/presentationml/2006/main">
   <p:cSld>
     <p:spTree>
@@ -23412,7 +27757,7 @@
 </p:sld>
 </file>
 
-<file path=ppt/slides/slide39.xml><?xml version="1.0" encoding="utf-8"?>
+<file path=ppt/slides/slide48.xml><?xml version="1.0" encoding="utf-8"?>
 <p:sld xmlns:a="http://schemas.openxmlformats.org/drawingml/2006/main" xmlns:r="http://schemas.openxmlformats.org/officeDocument/2006/relationships" xmlns:p="http://schemas.openxmlformats.org/presentationml/2006/main">
   <p:cSld>
     <p:spTree>
@@ -23872,443 +28217,7 @@
 </p:sld>
 </file>
 
-<file path=ppt/slides/slide4.xml><?xml version="1.0" encoding="utf-8"?>
-<p:sld xmlns:a="http://schemas.openxmlformats.org/drawingml/2006/main" xmlns:r="http://schemas.openxmlformats.org/officeDocument/2006/relationships" xmlns:p="http://schemas.openxmlformats.org/presentationml/2006/main">
-  <p:cSld>
-    <p:spTree>
-      <p:nvGrpSpPr>
-        <p:cNvPr id="1" name=""/>
-        <p:cNvGrpSpPr/>
-        <p:nvPr/>
-      </p:nvGrpSpPr>
-      <p:grpSpPr>
-        <a:xfrm>
-          <a:off x="0" y="0"/>
-          <a:ext cx="0" cy="0"/>
-          <a:chOff x="0" y="0"/>
-          <a:chExt cx="0" cy="0"/>
-        </a:xfrm>
-      </p:grpSpPr>
-      <p:sp>
-        <p:nvSpPr>
-          <p:cNvPr id="2" name="Title 1"/>
-          <p:cNvSpPr>
-            <a:spLocks noGrp="1"/>
-          </p:cNvSpPr>
-          <p:nvPr>
-            <p:ph type="title"/>
-          </p:nvPr>
-        </p:nvSpPr>
-        <p:spPr/>
-        <p:txBody>
-          <a:bodyPr/>
-          <a:lstStyle/>
-          <a:p>
-            <a:r>
-              <a:rPr lang="en-US" dirty="0">
-                <a:solidFill>
-                  <a:schemeClr val="bg1">
-                    <a:lumMod val="65000"/>
-                  </a:schemeClr>
-                </a:solidFill>
-              </a:rPr>
-              <a:t>Goals</a:t>
-            </a:r>
-          </a:p>
-        </p:txBody>
-      </p:sp>
-      <p:sp>
-        <p:nvSpPr>
-          <p:cNvPr id="3" name="Content Placeholder 2"/>
-          <p:cNvSpPr>
-            <a:spLocks noGrp="1"/>
-          </p:cNvSpPr>
-          <p:nvPr>
-            <p:ph idx="1"/>
-          </p:nvPr>
-        </p:nvSpPr>
-        <p:spPr>
-          <a:xfrm>
-            <a:off x="838200" y="1825625"/>
-            <a:ext cx="10515600" cy="4834108"/>
-          </a:xfrm>
-        </p:spPr>
-        <p:txBody>
-          <a:bodyPr>
-            <a:normAutofit/>
-          </a:bodyPr>
-          <a:lstStyle/>
-          <a:p>
-            <a:r>
-              <a:rPr lang="en-US" dirty="0"/>
-              <a:t>Learn “best practices</a:t>
-            </a:r>
-            <a:r>
-              <a:rPr lang="en-US" baseline="30000" dirty="0"/>
-              <a:t>*</a:t>
-            </a:r>
-            <a:r>
-              <a:rPr lang="en-US" dirty="0"/>
-              <a:t>” for writing frontend tests</a:t>
-            </a:r>
-          </a:p>
-          <a:p>
-            <a:r>
-              <a:rPr lang="en-US" dirty="0"/>
-              <a:t>Share with .NET community testing learnings from React community</a:t>
-            </a:r>
-          </a:p>
-          <a:p>
-            <a:r>
-              <a:rPr lang="en-US" dirty="0"/>
-              <a:t>Learn how to TDD (with </a:t>
-            </a:r>
-            <a:r>
-              <a:rPr lang="en-US" dirty="0" err="1"/>
-              <a:t>Blazor</a:t>
-            </a:r>
-            <a:r>
-              <a:rPr lang="en-US" dirty="0"/>
-              <a:t>!)</a:t>
-            </a:r>
-          </a:p>
-          <a:p>
-            <a:endParaRPr lang="en-US" dirty="0"/>
-          </a:p>
-          <a:p>
-            <a:endParaRPr lang="en-US" dirty="0"/>
-          </a:p>
-          <a:p>
-            <a:endParaRPr lang="en-US" dirty="0"/>
-          </a:p>
-          <a:p>
-            <a:endParaRPr lang="en-US" dirty="0"/>
-          </a:p>
-          <a:p>
-            <a:endParaRPr lang="en-US" dirty="0"/>
-          </a:p>
-          <a:p>
-            <a:pPr marL="0" indent="0">
-              <a:buNone/>
-            </a:pPr>
-            <a:endParaRPr lang="en-US" sz="1600" dirty="0"/>
-          </a:p>
-          <a:p>
-            <a:pPr marL="0" indent="0">
-              <a:buNone/>
-            </a:pPr>
-            <a:r>
-              <a:rPr lang="en-US" sz="1600" dirty="0"/>
-              <a:t>* Synonym for “Just My Opinions” and I’ll probably find a way I like better in the future</a:t>
-            </a:r>
-          </a:p>
-        </p:txBody>
-      </p:sp>
-      <p:grpSp>
-        <p:nvGrpSpPr>
-          <p:cNvPr id="8" name="Group 7">
-            <a:extLst>
-              <a:ext uri="{FF2B5EF4-FFF2-40B4-BE49-F238E27FC236}">
-                <a16:creationId xmlns:a16="http://schemas.microsoft.com/office/drawing/2014/main" id="{E239A9CE-C7EB-4E97-86E4-7038185B0547}"/>
-              </a:ext>
-            </a:extLst>
-          </p:cNvPr>
-          <p:cNvGrpSpPr/>
-          <p:nvPr/>
-        </p:nvGrpSpPr>
-        <p:grpSpPr>
-          <a:xfrm>
-            <a:off x="9970651" y="6185410"/>
-            <a:ext cx="2130724" cy="474323"/>
-            <a:chOff x="9970651" y="6185410"/>
-            <a:chExt cx="2130724" cy="474323"/>
-          </a:xfrm>
-        </p:grpSpPr>
-        <p:sp>
-          <p:nvSpPr>
-            <p:cNvPr id="9" name="Subtitle 2">
-              <a:extLst>
-                <a:ext uri="{FF2B5EF4-FFF2-40B4-BE49-F238E27FC236}">
-                  <a16:creationId xmlns:a16="http://schemas.microsoft.com/office/drawing/2014/main" id="{2229353B-AF80-4FA1-A290-889FFCA819EF}"/>
-                </a:ext>
-              </a:extLst>
-            </p:cNvPr>
-            <p:cNvSpPr txBox="1">
-              <a:spLocks/>
-            </p:cNvSpPr>
-            <p:nvPr/>
-          </p:nvSpPr>
-          <p:spPr>
-            <a:xfrm>
-              <a:off x="10041147" y="6185410"/>
-              <a:ext cx="2060228" cy="474323"/>
-            </a:xfrm>
-            <a:prstGeom prst="rect">
-              <a:avLst/>
-            </a:prstGeom>
-          </p:spPr>
-          <p:txBody>
-            <a:bodyPr vert="horz" lIns="91440" tIns="45720" rIns="91440" bIns="45720" rtlCol="0">
-              <a:normAutofit/>
-            </a:bodyPr>
-            <a:lstStyle>
-              <a:lvl1pPr marL="0" indent="0" algn="ctr" defTabSz="914400" rtl="0" eaLnBrk="1" latinLnBrk="0" hangingPunct="1">
-                <a:lnSpc>
-                  <a:spcPct val="90000"/>
-                </a:lnSpc>
-                <a:spcBef>
-                  <a:spcPts val="1000"/>
-                </a:spcBef>
-                <a:buFont typeface="Arial" panose="020B0604020202020204" pitchFamily="34" charset="0"/>
-                <a:buNone/>
-                <a:defRPr sz="2400" kern="1200">
-                  <a:solidFill>
-                    <a:schemeClr val="tx1"/>
-                  </a:solidFill>
-                  <a:latin typeface="+mn-lt"/>
-                  <a:ea typeface="+mn-ea"/>
-                  <a:cs typeface="+mn-cs"/>
-                </a:defRPr>
-              </a:lvl1pPr>
-              <a:lvl2pPr marL="457200" indent="0" algn="ctr" defTabSz="914400" rtl="0" eaLnBrk="1" latinLnBrk="0" hangingPunct="1">
-                <a:lnSpc>
-                  <a:spcPct val="90000"/>
-                </a:lnSpc>
-                <a:spcBef>
-                  <a:spcPts val="500"/>
-                </a:spcBef>
-                <a:buFont typeface="Arial" panose="020B0604020202020204" pitchFamily="34" charset="0"/>
-                <a:buNone/>
-                <a:defRPr sz="2000" kern="1200">
-                  <a:solidFill>
-                    <a:schemeClr val="tx1"/>
-                  </a:solidFill>
-                  <a:latin typeface="+mn-lt"/>
-                  <a:ea typeface="+mn-ea"/>
-                  <a:cs typeface="+mn-cs"/>
-                </a:defRPr>
-              </a:lvl2pPr>
-              <a:lvl3pPr marL="914400" indent="0" algn="ctr" defTabSz="914400" rtl="0" eaLnBrk="1" latinLnBrk="0" hangingPunct="1">
-                <a:lnSpc>
-                  <a:spcPct val="90000"/>
-                </a:lnSpc>
-                <a:spcBef>
-                  <a:spcPts val="500"/>
-                </a:spcBef>
-                <a:buFont typeface="Arial" panose="020B0604020202020204" pitchFamily="34" charset="0"/>
-                <a:buNone/>
-                <a:defRPr sz="1800" kern="1200">
-                  <a:solidFill>
-                    <a:schemeClr val="tx1"/>
-                  </a:solidFill>
-                  <a:latin typeface="+mn-lt"/>
-                  <a:ea typeface="+mn-ea"/>
-                  <a:cs typeface="+mn-cs"/>
-                </a:defRPr>
-              </a:lvl3pPr>
-              <a:lvl4pPr marL="1371600" indent="0" algn="ctr" defTabSz="914400" rtl="0" eaLnBrk="1" latinLnBrk="0" hangingPunct="1">
-                <a:lnSpc>
-                  <a:spcPct val="90000"/>
-                </a:lnSpc>
-                <a:spcBef>
-                  <a:spcPts val="500"/>
-                </a:spcBef>
-                <a:buFont typeface="Arial" panose="020B0604020202020204" pitchFamily="34" charset="0"/>
-                <a:buNone/>
-                <a:defRPr sz="1600" kern="1200">
-                  <a:solidFill>
-                    <a:schemeClr val="tx1"/>
-                  </a:solidFill>
-                  <a:latin typeface="+mn-lt"/>
-                  <a:ea typeface="+mn-ea"/>
-                  <a:cs typeface="+mn-cs"/>
-                </a:defRPr>
-              </a:lvl4pPr>
-              <a:lvl5pPr marL="1828800" indent="0" algn="ctr" defTabSz="914400" rtl="0" eaLnBrk="1" latinLnBrk="0" hangingPunct="1">
-                <a:lnSpc>
-                  <a:spcPct val="90000"/>
-                </a:lnSpc>
-                <a:spcBef>
-                  <a:spcPts val="500"/>
-                </a:spcBef>
-                <a:buFont typeface="Arial" panose="020B0604020202020204" pitchFamily="34" charset="0"/>
-                <a:buNone/>
-                <a:defRPr sz="1600" kern="1200">
-                  <a:solidFill>
-                    <a:schemeClr val="tx1"/>
-                  </a:solidFill>
-                  <a:latin typeface="+mn-lt"/>
-                  <a:ea typeface="+mn-ea"/>
-                  <a:cs typeface="+mn-cs"/>
-                </a:defRPr>
-              </a:lvl5pPr>
-              <a:lvl6pPr marL="2286000" indent="0" algn="ctr" defTabSz="914400" rtl="0" eaLnBrk="1" latinLnBrk="0" hangingPunct="1">
-                <a:lnSpc>
-                  <a:spcPct val="90000"/>
-                </a:lnSpc>
-                <a:spcBef>
-                  <a:spcPts val="500"/>
-                </a:spcBef>
-                <a:buFont typeface="Arial" panose="020B0604020202020204" pitchFamily="34" charset="0"/>
-                <a:buNone/>
-                <a:defRPr sz="1600" kern="1200">
-                  <a:solidFill>
-                    <a:schemeClr val="tx1"/>
-                  </a:solidFill>
-                  <a:latin typeface="+mn-lt"/>
-                  <a:ea typeface="+mn-ea"/>
-                  <a:cs typeface="+mn-cs"/>
-                </a:defRPr>
-              </a:lvl6pPr>
-              <a:lvl7pPr marL="2743200" indent="0" algn="ctr" defTabSz="914400" rtl="0" eaLnBrk="1" latinLnBrk="0" hangingPunct="1">
-                <a:lnSpc>
-                  <a:spcPct val="90000"/>
-                </a:lnSpc>
-                <a:spcBef>
-                  <a:spcPts val="500"/>
-                </a:spcBef>
-                <a:buFont typeface="Arial" panose="020B0604020202020204" pitchFamily="34" charset="0"/>
-                <a:buNone/>
-                <a:defRPr sz="1600" kern="1200">
-                  <a:solidFill>
-                    <a:schemeClr val="tx1"/>
-                  </a:solidFill>
-                  <a:latin typeface="+mn-lt"/>
-                  <a:ea typeface="+mn-ea"/>
-                  <a:cs typeface="+mn-cs"/>
-                </a:defRPr>
-              </a:lvl7pPr>
-              <a:lvl8pPr marL="3200400" indent="0" algn="ctr" defTabSz="914400" rtl="0" eaLnBrk="1" latinLnBrk="0" hangingPunct="1">
-                <a:lnSpc>
-                  <a:spcPct val="90000"/>
-                </a:lnSpc>
-                <a:spcBef>
-                  <a:spcPts val="500"/>
-                </a:spcBef>
-                <a:buFont typeface="Arial" panose="020B0604020202020204" pitchFamily="34" charset="0"/>
-                <a:buNone/>
-                <a:defRPr sz="1600" kern="1200">
-                  <a:solidFill>
-                    <a:schemeClr val="tx1"/>
-                  </a:solidFill>
-                  <a:latin typeface="+mn-lt"/>
-                  <a:ea typeface="+mn-ea"/>
-                  <a:cs typeface="+mn-cs"/>
-                </a:defRPr>
-              </a:lvl8pPr>
-              <a:lvl9pPr marL="3657600" indent="0" algn="ctr" defTabSz="914400" rtl="0" eaLnBrk="1" latinLnBrk="0" hangingPunct="1">
-                <a:lnSpc>
-                  <a:spcPct val="90000"/>
-                </a:lnSpc>
-                <a:spcBef>
-                  <a:spcPts val="500"/>
-                </a:spcBef>
-                <a:buFont typeface="Arial" panose="020B0604020202020204" pitchFamily="34" charset="0"/>
-                <a:buNone/>
-                <a:defRPr sz="1600" kern="1200">
-                  <a:solidFill>
-                    <a:schemeClr val="tx1"/>
-                  </a:solidFill>
-                  <a:latin typeface="+mn-lt"/>
-                  <a:ea typeface="+mn-ea"/>
-                  <a:cs typeface="+mn-cs"/>
-                </a:defRPr>
-              </a:lvl9pPr>
-            </a:lstStyle>
-            <a:p>
-              <a:r>
-                <a:rPr lang="en-US" dirty="0" err="1">
-                  <a:solidFill>
-                    <a:schemeClr val="bg1">
-                      <a:lumMod val="65000"/>
-                    </a:schemeClr>
-                  </a:solidFill>
-                </a:rPr>
-                <a:t>scottsauber</a:t>
-              </a:r>
-              <a:endParaRPr lang="en-US" dirty="0">
-                <a:solidFill>
-                  <a:schemeClr val="bg1">
-                    <a:lumMod val="65000"/>
-                  </a:schemeClr>
-                </a:solidFill>
-              </a:endParaRPr>
-            </a:p>
-          </p:txBody>
-        </p:sp>
-        <p:sp>
-          <p:nvSpPr>
-            <p:cNvPr id="10" name="Rectangle 9">
-              <a:extLst>
-                <a:ext uri="{FF2B5EF4-FFF2-40B4-BE49-F238E27FC236}">
-                  <a16:creationId xmlns:a16="http://schemas.microsoft.com/office/drawing/2014/main" id="{8AA5A6B6-4F71-4CAB-A81F-16ECC8919324}"/>
-                </a:ext>
-              </a:extLst>
-            </p:cNvPr>
-            <p:cNvSpPr/>
-            <p:nvPr/>
-          </p:nvSpPr>
-          <p:spPr>
-            <a:xfrm>
-              <a:off x="9970651" y="6285411"/>
-              <a:ext cx="347472" cy="274320"/>
-            </a:xfrm>
-            <a:prstGeom prst="rect">
-              <a:avLst/>
-            </a:prstGeom>
-            <a:blipFill dpi="0" rotWithShape="1">
-              <a:blip r:embed="rId3">
-                <a:alphaModFix amt="50000"/>
-              </a:blip>
-              <a:srcRect/>
-              <a:stretch>
-                <a:fillRect/>
-              </a:stretch>
-            </a:blipFill>
-            <a:ln>
-              <a:noFill/>
-            </a:ln>
-          </p:spPr>
-          <p:style>
-            <a:lnRef idx="2">
-              <a:schemeClr val="accent1">
-                <a:shade val="50000"/>
-              </a:schemeClr>
-            </a:lnRef>
-            <a:fillRef idx="1">
-              <a:schemeClr val="accent1"/>
-            </a:fillRef>
-            <a:effectRef idx="0">
-              <a:schemeClr val="accent1"/>
-            </a:effectRef>
-            <a:fontRef idx="minor">
-              <a:schemeClr val="lt1"/>
-            </a:fontRef>
-          </p:style>
-          <p:txBody>
-            <a:bodyPr rtlCol="0" anchor="ctr"/>
-            <a:lstStyle/>
-            <a:p>
-              <a:pPr algn="ctr"/>
-              <a:endParaRPr lang="en-US"/>
-            </a:p>
-          </p:txBody>
-        </p:sp>
-      </p:grpSp>
-    </p:spTree>
-    <p:extLst>
-      <p:ext uri="{BB962C8B-B14F-4D97-AF65-F5344CB8AC3E}">
-        <p14:creationId xmlns:p14="http://schemas.microsoft.com/office/powerpoint/2010/main" val="1047538425"/>
-      </p:ext>
-    </p:extLst>
-  </p:cSld>
-  <p:clrMapOvr>
-    <a:masterClrMapping/>
-  </p:clrMapOvr>
-</p:sld>
-</file>
-
-<file path=ppt/slides/slide40.xml><?xml version="1.0" encoding="utf-8"?>
+<file path=ppt/slides/slide49.xml><?xml version="1.0" encoding="utf-8"?>
 <p:sld xmlns:a="http://schemas.openxmlformats.org/drawingml/2006/main" xmlns:r="http://schemas.openxmlformats.org/officeDocument/2006/relationships" xmlns:p="http://schemas.openxmlformats.org/presentationml/2006/main">
   <p:cSld>
     <p:bg>
@@ -24924,631 +28833,6 @@
     <p:extLst>
       <p:ext uri="{BB962C8B-B14F-4D97-AF65-F5344CB8AC3E}">
         <p14:creationId xmlns:p14="http://schemas.microsoft.com/office/powerpoint/2010/main" val="18194758"/>
-      </p:ext>
-    </p:extLst>
-  </p:cSld>
-  <p:clrMapOvr>
-    <a:masterClrMapping/>
-  </p:clrMapOvr>
-</p:sld>
-</file>
-
-<file path=ppt/slides/slide41.xml><?xml version="1.0" encoding="utf-8"?>
-<p:sld xmlns:a="http://schemas.openxmlformats.org/drawingml/2006/main" xmlns:r="http://schemas.openxmlformats.org/officeDocument/2006/relationships" xmlns:p="http://schemas.openxmlformats.org/presentationml/2006/main">
-  <p:cSld>
-    <p:bg>
-      <p:bgPr>
-        <a:solidFill>
-          <a:srgbClr val="0F69B6"/>
-        </a:solidFill>
-        <a:effectLst/>
-      </p:bgPr>
-    </p:bg>
-    <p:spTree>
-      <p:nvGrpSpPr>
-        <p:cNvPr id="1" name=""/>
-        <p:cNvGrpSpPr/>
-        <p:nvPr/>
-      </p:nvGrpSpPr>
-      <p:grpSpPr>
-        <a:xfrm>
-          <a:off x="0" y="0"/>
-          <a:ext cx="0" cy="0"/>
-          <a:chOff x="0" y="0"/>
-          <a:chExt cx="0" cy="0"/>
-        </a:xfrm>
-      </p:grpSpPr>
-      <p:sp>
-        <p:nvSpPr>
-          <p:cNvPr id="2" name="Title 1">
-            <a:extLst>
-              <a:ext uri="{FF2B5EF4-FFF2-40B4-BE49-F238E27FC236}">
-                <a16:creationId xmlns:a16="http://schemas.microsoft.com/office/drawing/2014/main" id="{23961254-86DC-4239-85AC-F87EEB565B01}"/>
-              </a:ext>
-            </a:extLst>
-          </p:cNvPr>
-          <p:cNvSpPr>
-            <a:spLocks noGrp="1"/>
-          </p:cNvSpPr>
-          <p:nvPr>
-            <p:ph type="title"/>
-          </p:nvPr>
-        </p:nvSpPr>
-        <p:spPr>
-          <a:xfrm>
-            <a:off x="838200" y="365125"/>
-            <a:ext cx="10515600" cy="6027511"/>
-          </a:xfrm>
-        </p:spPr>
-        <p:txBody>
-          <a:bodyPr>
-            <a:normAutofit/>
-          </a:bodyPr>
-          <a:lstStyle/>
-          <a:p>
-            <a:pPr algn="ctr"/>
-            <a:r>
-              <a:rPr lang="en-US" sz="7200" dirty="0">
-                <a:solidFill>
-                  <a:schemeClr val="bg1"/>
-                </a:solidFill>
-                <a:latin typeface="+mn-lt"/>
-              </a:rPr>
-              <a:t>Thanks!</a:t>
-            </a:r>
-          </a:p>
-        </p:txBody>
-      </p:sp>
-      <p:grpSp>
-        <p:nvGrpSpPr>
-          <p:cNvPr id="3" name="Group 2">
-            <a:extLst>
-              <a:ext uri="{FF2B5EF4-FFF2-40B4-BE49-F238E27FC236}">
-                <a16:creationId xmlns:a16="http://schemas.microsoft.com/office/drawing/2014/main" id="{0F381A94-E835-401F-8754-98A5CE4F653E}"/>
-              </a:ext>
-            </a:extLst>
-          </p:cNvPr>
-          <p:cNvGrpSpPr/>
-          <p:nvPr/>
-        </p:nvGrpSpPr>
-        <p:grpSpPr>
-          <a:xfrm>
-            <a:off x="9970651" y="6185410"/>
-            <a:ext cx="2130724" cy="474323"/>
-            <a:chOff x="9970651" y="6185410"/>
-            <a:chExt cx="2130724" cy="474323"/>
-          </a:xfrm>
-        </p:grpSpPr>
-        <p:sp>
-          <p:nvSpPr>
-            <p:cNvPr id="4" name="Subtitle 2">
-              <a:extLst>
-                <a:ext uri="{FF2B5EF4-FFF2-40B4-BE49-F238E27FC236}">
-                  <a16:creationId xmlns:a16="http://schemas.microsoft.com/office/drawing/2014/main" id="{1FEE5B04-A7D7-426F-94EB-E84743F35CA0}"/>
-                </a:ext>
-              </a:extLst>
-            </p:cNvPr>
-            <p:cNvSpPr txBox="1">
-              <a:spLocks/>
-            </p:cNvSpPr>
-            <p:nvPr/>
-          </p:nvSpPr>
-          <p:spPr>
-            <a:xfrm>
-              <a:off x="10041147" y="6185410"/>
-              <a:ext cx="2060228" cy="474323"/>
-            </a:xfrm>
-            <a:prstGeom prst="rect">
-              <a:avLst/>
-            </a:prstGeom>
-          </p:spPr>
-          <p:txBody>
-            <a:bodyPr vert="horz" lIns="91440" tIns="45720" rIns="91440" bIns="45720" rtlCol="0">
-              <a:normAutofit/>
-            </a:bodyPr>
-            <a:lstStyle>
-              <a:lvl1pPr marL="0" indent="0" algn="ctr" defTabSz="914400" rtl="0" eaLnBrk="1" latinLnBrk="0" hangingPunct="1">
-                <a:lnSpc>
-                  <a:spcPct val="90000"/>
-                </a:lnSpc>
-                <a:spcBef>
-                  <a:spcPts val="1000"/>
-                </a:spcBef>
-                <a:buFont typeface="Arial" panose="020B0604020202020204" pitchFamily="34" charset="0"/>
-                <a:buNone/>
-                <a:defRPr sz="2400" kern="1200">
-                  <a:solidFill>
-                    <a:schemeClr val="tx1"/>
-                  </a:solidFill>
-                  <a:latin typeface="+mn-lt"/>
-                  <a:ea typeface="+mn-ea"/>
-                  <a:cs typeface="+mn-cs"/>
-                </a:defRPr>
-              </a:lvl1pPr>
-              <a:lvl2pPr marL="457200" indent="0" algn="ctr" defTabSz="914400" rtl="0" eaLnBrk="1" latinLnBrk="0" hangingPunct="1">
-                <a:lnSpc>
-                  <a:spcPct val="90000"/>
-                </a:lnSpc>
-                <a:spcBef>
-                  <a:spcPts val="500"/>
-                </a:spcBef>
-                <a:buFont typeface="Arial" panose="020B0604020202020204" pitchFamily="34" charset="0"/>
-                <a:buNone/>
-                <a:defRPr sz="2000" kern="1200">
-                  <a:solidFill>
-                    <a:schemeClr val="tx1"/>
-                  </a:solidFill>
-                  <a:latin typeface="+mn-lt"/>
-                  <a:ea typeface="+mn-ea"/>
-                  <a:cs typeface="+mn-cs"/>
-                </a:defRPr>
-              </a:lvl2pPr>
-              <a:lvl3pPr marL="914400" indent="0" algn="ctr" defTabSz="914400" rtl="0" eaLnBrk="1" latinLnBrk="0" hangingPunct="1">
-                <a:lnSpc>
-                  <a:spcPct val="90000"/>
-                </a:lnSpc>
-                <a:spcBef>
-                  <a:spcPts val="500"/>
-                </a:spcBef>
-                <a:buFont typeface="Arial" panose="020B0604020202020204" pitchFamily="34" charset="0"/>
-                <a:buNone/>
-                <a:defRPr sz="1800" kern="1200">
-                  <a:solidFill>
-                    <a:schemeClr val="tx1"/>
-                  </a:solidFill>
-                  <a:latin typeface="+mn-lt"/>
-                  <a:ea typeface="+mn-ea"/>
-                  <a:cs typeface="+mn-cs"/>
-                </a:defRPr>
-              </a:lvl3pPr>
-              <a:lvl4pPr marL="1371600" indent="0" algn="ctr" defTabSz="914400" rtl="0" eaLnBrk="1" latinLnBrk="0" hangingPunct="1">
-                <a:lnSpc>
-                  <a:spcPct val="90000"/>
-                </a:lnSpc>
-                <a:spcBef>
-                  <a:spcPts val="500"/>
-                </a:spcBef>
-                <a:buFont typeface="Arial" panose="020B0604020202020204" pitchFamily="34" charset="0"/>
-                <a:buNone/>
-                <a:defRPr sz="1600" kern="1200">
-                  <a:solidFill>
-                    <a:schemeClr val="tx1"/>
-                  </a:solidFill>
-                  <a:latin typeface="+mn-lt"/>
-                  <a:ea typeface="+mn-ea"/>
-                  <a:cs typeface="+mn-cs"/>
-                </a:defRPr>
-              </a:lvl4pPr>
-              <a:lvl5pPr marL="1828800" indent="0" algn="ctr" defTabSz="914400" rtl="0" eaLnBrk="1" latinLnBrk="0" hangingPunct="1">
-                <a:lnSpc>
-                  <a:spcPct val="90000"/>
-                </a:lnSpc>
-                <a:spcBef>
-                  <a:spcPts val="500"/>
-                </a:spcBef>
-                <a:buFont typeface="Arial" panose="020B0604020202020204" pitchFamily="34" charset="0"/>
-                <a:buNone/>
-                <a:defRPr sz="1600" kern="1200">
-                  <a:solidFill>
-                    <a:schemeClr val="tx1"/>
-                  </a:solidFill>
-                  <a:latin typeface="+mn-lt"/>
-                  <a:ea typeface="+mn-ea"/>
-                  <a:cs typeface="+mn-cs"/>
-                </a:defRPr>
-              </a:lvl5pPr>
-              <a:lvl6pPr marL="2286000" indent="0" algn="ctr" defTabSz="914400" rtl="0" eaLnBrk="1" latinLnBrk="0" hangingPunct="1">
-                <a:lnSpc>
-                  <a:spcPct val="90000"/>
-                </a:lnSpc>
-                <a:spcBef>
-                  <a:spcPts val="500"/>
-                </a:spcBef>
-                <a:buFont typeface="Arial" panose="020B0604020202020204" pitchFamily="34" charset="0"/>
-                <a:buNone/>
-                <a:defRPr sz="1600" kern="1200">
-                  <a:solidFill>
-                    <a:schemeClr val="tx1"/>
-                  </a:solidFill>
-                  <a:latin typeface="+mn-lt"/>
-                  <a:ea typeface="+mn-ea"/>
-                  <a:cs typeface="+mn-cs"/>
-                </a:defRPr>
-              </a:lvl6pPr>
-              <a:lvl7pPr marL="2743200" indent="0" algn="ctr" defTabSz="914400" rtl="0" eaLnBrk="1" latinLnBrk="0" hangingPunct="1">
-                <a:lnSpc>
-                  <a:spcPct val="90000"/>
-                </a:lnSpc>
-                <a:spcBef>
-                  <a:spcPts val="500"/>
-                </a:spcBef>
-                <a:buFont typeface="Arial" panose="020B0604020202020204" pitchFamily="34" charset="0"/>
-                <a:buNone/>
-                <a:defRPr sz="1600" kern="1200">
-                  <a:solidFill>
-                    <a:schemeClr val="tx1"/>
-                  </a:solidFill>
-                  <a:latin typeface="+mn-lt"/>
-                  <a:ea typeface="+mn-ea"/>
-                  <a:cs typeface="+mn-cs"/>
-                </a:defRPr>
-              </a:lvl7pPr>
-              <a:lvl8pPr marL="3200400" indent="0" algn="ctr" defTabSz="914400" rtl="0" eaLnBrk="1" latinLnBrk="0" hangingPunct="1">
-                <a:lnSpc>
-                  <a:spcPct val="90000"/>
-                </a:lnSpc>
-                <a:spcBef>
-                  <a:spcPts val="500"/>
-                </a:spcBef>
-                <a:buFont typeface="Arial" panose="020B0604020202020204" pitchFamily="34" charset="0"/>
-                <a:buNone/>
-                <a:defRPr sz="1600" kern="1200">
-                  <a:solidFill>
-                    <a:schemeClr val="tx1"/>
-                  </a:solidFill>
-                  <a:latin typeface="+mn-lt"/>
-                  <a:ea typeface="+mn-ea"/>
-                  <a:cs typeface="+mn-cs"/>
-                </a:defRPr>
-              </a:lvl8pPr>
-              <a:lvl9pPr marL="3657600" indent="0" algn="ctr" defTabSz="914400" rtl="0" eaLnBrk="1" latinLnBrk="0" hangingPunct="1">
-                <a:lnSpc>
-                  <a:spcPct val="90000"/>
-                </a:lnSpc>
-                <a:spcBef>
-                  <a:spcPts val="500"/>
-                </a:spcBef>
-                <a:buFont typeface="Arial" panose="020B0604020202020204" pitchFamily="34" charset="0"/>
-                <a:buNone/>
-                <a:defRPr sz="1600" kern="1200">
-                  <a:solidFill>
-                    <a:schemeClr val="tx1"/>
-                  </a:solidFill>
-                  <a:latin typeface="+mn-lt"/>
-                  <a:ea typeface="+mn-ea"/>
-                  <a:cs typeface="+mn-cs"/>
-                </a:defRPr>
-              </a:lvl9pPr>
-            </a:lstStyle>
-            <a:p>
-              <a:r>
-                <a:rPr lang="en-US" dirty="0" err="1">
-                  <a:solidFill>
-                    <a:schemeClr val="bg1"/>
-                  </a:solidFill>
-                </a:rPr>
-                <a:t>scottsauber</a:t>
-              </a:r>
-              <a:endParaRPr lang="en-US" dirty="0">
-                <a:solidFill>
-                  <a:schemeClr val="bg1"/>
-                </a:solidFill>
-              </a:endParaRPr>
-            </a:p>
-          </p:txBody>
-        </p:sp>
-        <p:sp>
-          <p:nvSpPr>
-            <p:cNvPr id="5" name="Rectangle 4">
-              <a:extLst>
-                <a:ext uri="{FF2B5EF4-FFF2-40B4-BE49-F238E27FC236}">
-                  <a16:creationId xmlns:a16="http://schemas.microsoft.com/office/drawing/2014/main" id="{C87BD344-A325-4101-B1B8-02978970E4E3}"/>
-                </a:ext>
-              </a:extLst>
-            </p:cNvPr>
-            <p:cNvSpPr/>
-            <p:nvPr/>
-          </p:nvSpPr>
-          <p:spPr>
-            <a:xfrm>
-              <a:off x="9970651" y="6285411"/>
-              <a:ext cx="347472" cy="274320"/>
-            </a:xfrm>
-            <a:prstGeom prst="rect">
-              <a:avLst/>
-            </a:prstGeom>
-            <a:blipFill dpi="0" rotWithShape="1">
-              <a:blip r:embed="rId2">
-                <a:alphaModFix amt="50000"/>
-              </a:blip>
-              <a:srcRect/>
-              <a:stretch>
-                <a:fillRect/>
-              </a:stretch>
-            </a:blipFill>
-            <a:ln>
-              <a:noFill/>
-            </a:ln>
-          </p:spPr>
-          <p:style>
-            <a:lnRef idx="2">
-              <a:schemeClr val="accent1">
-                <a:shade val="50000"/>
-              </a:schemeClr>
-            </a:lnRef>
-            <a:fillRef idx="1">
-              <a:schemeClr val="accent1"/>
-            </a:fillRef>
-            <a:effectRef idx="0">
-              <a:schemeClr val="accent1"/>
-            </a:effectRef>
-            <a:fontRef idx="minor">
-              <a:schemeClr val="lt1"/>
-            </a:fontRef>
-          </p:style>
-          <p:txBody>
-            <a:bodyPr rtlCol="0" anchor="ctr"/>
-            <a:lstStyle/>
-            <a:p>
-              <a:pPr algn="ctr"/>
-              <a:endParaRPr lang="en-US"/>
-            </a:p>
-          </p:txBody>
-        </p:sp>
-      </p:grpSp>
-      <p:sp>
-        <p:nvSpPr>
-          <p:cNvPr id="7" name="Subtitle 2">
-            <a:extLst>
-              <a:ext uri="{FF2B5EF4-FFF2-40B4-BE49-F238E27FC236}">
-                <a16:creationId xmlns:a16="http://schemas.microsoft.com/office/drawing/2014/main" id="{FD62362D-55B2-4103-A7AF-54CC41B415B4}"/>
-              </a:ext>
-            </a:extLst>
-          </p:cNvPr>
-          <p:cNvSpPr txBox="1">
-            <a:spLocks/>
-          </p:cNvSpPr>
-          <p:nvPr/>
-        </p:nvSpPr>
-        <p:spPr>
-          <a:xfrm>
-            <a:off x="90625" y="3418380"/>
-            <a:ext cx="12192000" cy="3371040"/>
-          </a:xfrm>
-          <a:prstGeom prst="rect">
-            <a:avLst/>
-          </a:prstGeom>
-        </p:spPr>
-        <p:txBody>
-          <a:bodyPr vert="horz" lIns="91440" tIns="45720" rIns="91440" bIns="45720" rtlCol="0">
-            <a:normAutofit/>
-          </a:bodyPr>
-          <a:lstStyle>
-            <a:lvl1pPr marL="228600" indent="-228600" algn="l" defTabSz="914400" rtl="0" eaLnBrk="1" latinLnBrk="0" hangingPunct="1">
-              <a:lnSpc>
-                <a:spcPct val="90000"/>
-              </a:lnSpc>
-              <a:spcBef>
-                <a:spcPts val="1000"/>
-              </a:spcBef>
-              <a:buFont typeface="Arial" panose="020B0604020202020204" pitchFamily="34" charset="0"/>
-              <a:buChar char="•"/>
-              <a:defRPr sz="2800" kern="1200">
-                <a:solidFill>
-                  <a:schemeClr val="tx1"/>
-                </a:solidFill>
-                <a:latin typeface="+mn-lt"/>
-                <a:ea typeface="+mn-ea"/>
-                <a:cs typeface="+mn-cs"/>
-              </a:defRPr>
-            </a:lvl1pPr>
-            <a:lvl2pPr marL="685800" indent="-228600" algn="l" defTabSz="914400" rtl="0" eaLnBrk="1" latinLnBrk="0" hangingPunct="1">
-              <a:lnSpc>
-                <a:spcPct val="90000"/>
-              </a:lnSpc>
-              <a:spcBef>
-                <a:spcPts val="500"/>
-              </a:spcBef>
-              <a:buFont typeface="Arial" panose="020B0604020202020204" pitchFamily="34" charset="0"/>
-              <a:buChar char="•"/>
-              <a:defRPr sz="2400" kern="1200">
-                <a:solidFill>
-                  <a:schemeClr val="tx1"/>
-                </a:solidFill>
-                <a:latin typeface="+mn-lt"/>
-                <a:ea typeface="+mn-ea"/>
-                <a:cs typeface="+mn-cs"/>
-              </a:defRPr>
-            </a:lvl2pPr>
-            <a:lvl3pPr marL="1143000" indent="-228600" algn="l" defTabSz="914400" rtl="0" eaLnBrk="1" latinLnBrk="0" hangingPunct="1">
-              <a:lnSpc>
-                <a:spcPct val="90000"/>
-              </a:lnSpc>
-              <a:spcBef>
-                <a:spcPts val="500"/>
-              </a:spcBef>
-              <a:buFont typeface="Arial" panose="020B0604020202020204" pitchFamily="34" charset="0"/>
-              <a:buChar char="•"/>
-              <a:defRPr sz="2000" kern="1200">
-                <a:solidFill>
-                  <a:schemeClr val="tx1"/>
-                </a:solidFill>
-                <a:latin typeface="+mn-lt"/>
-                <a:ea typeface="+mn-ea"/>
-                <a:cs typeface="+mn-cs"/>
-              </a:defRPr>
-            </a:lvl3pPr>
-            <a:lvl4pPr marL="1600200" indent="-228600" algn="l" defTabSz="914400" rtl="0" eaLnBrk="1" latinLnBrk="0" hangingPunct="1">
-              <a:lnSpc>
-                <a:spcPct val="90000"/>
-              </a:lnSpc>
-              <a:spcBef>
-                <a:spcPts val="500"/>
-              </a:spcBef>
-              <a:buFont typeface="Arial" panose="020B0604020202020204" pitchFamily="34" charset="0"/>
-              <a:buChar char="•"/>
-              <a:defRPr sz="1800" kern="1200">
-                <a:solidFill>
-                  <a:schemeClr val="tx1"/>
-                </a:solidFill>
-                <a:latin typeface="+mn-lt"/>
-                <a:ea typeface="+mn-ea"/>
-                <a:cs typeface="+mn-cs"/>
-              </a:defRPr>
-            </a:lvl4pPr>
-            <a:lvl5pPr marL="2057400" indent="-228600" algn="l" defTabSz="914400" rtl="0" eaLnBrk="1" latinLnBrk="0" hangingPunct="1">
-              <a:lnSpc>
-                <a:spcPct val="90000"/>
-              </a:lnSpc>
-              <a:spcBef>
-                <a:spcPts val="500"/>
-              </a:spcBef>
-              <a:buFont typeface="Arial" panose="020B0604020202020204" pitchFamily="34" charset="0"/>
-              <a:buChar char="•"/>
-              <a:defRPr sz="1800" kern="1200">
-                <a:solidFill>
-                  <a:schemeClr val="tx1"/>
-                </a:solidFill>
-                <a:latin typeface="+mn-lt"/>
-                <a:ea typeface="+mn-ea"/>
-                <a:cs typeface="+mn-cs"/>
-              </a:defRPr>
-            </a:lvl5pPr>
-            <a:lvl6pPr marL="2514600" indent="-228600" algn="l" defTabSz="914400" rtl="0" eaLnBrk="1" latinLnBrk="0" hangingPunct="1">
-              <a:lnSpc>
-                <a:spcPct val="90000"/>
-              </a:lnSpc>
-              <a:spcBef>
-                <a:spcPts val="500"/>
-              </a:spcBef>
-              <a:buFont typeface="Arial" panose="020B0604020202020204" pitchFamily="34" charset="0"/>
-              <a:buChar char="•"/>
-              <a:defRPr sz="1800" kern="1200">
-                <a:solidFill>
-                  <a:schemeClr val="tx1"/>
-                </a:solidFill>
-                <a:latin typeface="+mn-lt"/>
-                <a:ea typeface="+mn-ea"/>
-                <a:cs typeface="+mn-cs"/>
-              </a:defRPr>
-            </a:lvl6pPr>
-            <a:lvl7pPr marL="2971800" indent="-228600" algn="l" defTabSz="914400" rtl="0" eaLnBrk="1" latinLnBrk="0" hangingPunct="1">
-              <a:lnSpc>
-                <a:spcPct val="90000"/>
-              </a:lnSpc>
-              <a:spcBef>
-                <a:spcPts val="500"/>
-              </a:spcBef>
-              <a:buFont typeface="Arial" panose="020B0604020202020204" pitchFamily="34" charset="0"/>
-              <a:buChar char="•"/>
-              <a:defRPr sz="1800" kern="1200">
-                <a:solidFill>
-                  <a:schemeClr val="tx1"/>
-                </a:solidFill>
-                <a:latin typeface="+mn-lt"/>
-                <a:ea typeface="+mn-ea"/>
-                <a:cs typeface="+mn-cs"/>
-              </a:defRPr>
-            </a:lvl7pPr>
-            <a:lvl8pPr marL="3429000" indent="-228600" algn="l" defTabSz="914400" rtl="0" eaLnBrk="1" latinLnBrk="0" hangingPunct="1">
-              <a:lnSpc>
-                <a:spcPct val="90000"/>
-              </a:lnSpc>
-              <a:spcBef>
-                <a:spcPts val="500"/>
-              </a:spcBef>
-              <a:buFont typeface="Arial" panose="020B0604020202020204" pitchFamily="34" charset="0"/>
-              <a:buChar char="•"/>
-              <a:defRPr sz="1800" kern="1200">
-                <a:solidFill>
-                  <a:schemeClr val="tx1"/>
-                </a:solidFill>
-                <a:latin typeface="+mn-lt"/>
-                <a:ea typeface="+mn-ea"/>
-                <a:cs typeface="+mn-cs"/>
-              </a:defRPr>
-            </a:lvl8pPr>
-            <a:lvl9pPr marL="3886200" indent="-228600" algn="l" defTabSz="914400" rtl="0" eaLnBrk="1" latinLnBrk="0" hangingPunct="1">
-              <a:lnSpc>
-                <a:spcPct val="90000"/>
-              </a:lnSpc>
-              <a:spcBef>
-                <a:spcPts val="500"/>
-              </a:spcBef>
-              <a:buFont typeface="Arial" panose="020B0604020202020204" pitchFamily="34" charset="0"/>
-              <a:buChar char="•"/>
-              <a:defRPr sz="1800" kern="1200">
-                <a:solidFill>
-                  <a:schemeClr val="tx1"/>
-                </a:solidFill>
-                <a:latin typeface="+mn-lt"/>
-                <a:ea typeface="+mn-ea"/>
-                <a:cs typeface="+mn-cs"/>
-              </a:defRPr>
-            </a:lvl9pPr>
-          </a:lstStyle>
-          <a:p>
-            <a:pPr marL="0" indent="0">
-              <a:buNone/>
-            </a:pPr>
-            <a:endParaRPr lang="en-US" sz="3600" dirty="0">
-              <a:solidFill>
-                <a:schemeClr val="bg1"/>
-              </a:solidFill>
-              <a:ea typeface="Open Sans" panose="020B0606030504020204" pitchFamily="34" charset="0"/>
-              <a:cs typeface="Open Sans" panose="020B0606030504020204" pitchFamily="34" charset="0"/>
-            </a:endParaRPr>
-          </a:p>
-          <a:p>
-            <a:endParaRPr lang="en-US" sz="4000" dirty="0">
-              <a:solidFill>
-                <a:schemeClr val="bg1"/>
-              </a:solidFill>
-              <a:ea typeface="Open Sans" panose="020B0606030504020204" pitchFamily="34" charset="0"/>
-              <a:cs typeface="Open Sans" panose="020B0606030504020204" pitchFamily="34" charset="0"/>
-            </a:endParaRPr>
-          </a:p>
-          <a:p>
-            <a:endParaRPr lang="en-US" dirty="0">
-              <a:solidFill>
-                <a:schemeClr val="bg1"/>
-              </a:solidFill>
-              <a:ea typeface="Open Sans" panose="020B0606030504020204" pitchFamily="34" charset="0"/>
-              <a:cs typeface="Open Sans" panose="020B0606030504020204" pitchFamily="34" charset="0"/>
-            </a:endParaRPr>
-          </a:p>
-          <a:p>
-            <a:endParaRPr lang="en-US" dirty="0">
-              <a:solidFill>
-                <a:schemeClr val="bg1"/>
-              </a:solidFill>
-              <a:ea typeface="Open Sans" panose="020B0606030504020204" pitchFamily="34" charset="0"/>
-              <a:cs typeface="Open Sans" panose="020B0606030504020204" pitchFamily="34" charset="0"/>
-            </a:endParaRPr>
-          </a:p>
-          <a:p>
-            <a:pPr marL="0" indent="0">
-              <a:buNone/>
-            </a:pPr>
-            <a:endParaRPr lang="en-US" dirty="0">
-              <a:solidFill>
-                <a:schemeClr val="bg1"/>
-              </a:solidFill>
-              <a:ea typeface="Open Sans" panose="020B0606030504020204" pitchFamily="34" charset="0"/>
-              <a:cs typeface="Open Sans" panose="020B0606030504020204" pitchFamily="34" charset="0"/>
-            </a:endParaRPr>
-          </a:p>
-          <a:p>
-            <a:pPr marL="0" indent="0">
-              <a:buNone/>
-            </a:pPr>
-            <a:r>
-              <a:rPr lang="en-US" dirty="0">
-                <a:solidFill>
-                  <a:schemeClr val="bg1"/>
-                </a:solidFill>
-                <a:ea typeface="Open Sans" panose="020B0606030504020204" pitchFamily="34" charset="0"/>
-                <a:cs typeface="Open Sans" panose="020B0606030504020204" pitchFamily="34" charset="0"/>
-              </a:rPr>
-              <a:t>Slides up at scottsauber.com</a:t>
-            </a:r>
-          </a:p>
-        </p:txBody>
-      </p:sp>
-    </p:spTree>
-    <p:extLst>
-      <p:ext uri="{BB962C8B-B14F-4D97-AF65-F5344CB8AC3E}">
-        <p14:creationId xmlns:p14="http://schemas.microsoft.com/office/powerpoint/2010/main" val="3253755786"/>
       </p:ext>
     </p:extLst>
   </p:cSld>
@@ -26672,6 +29956,631 @@
       <p:bldP spid="3" grpId="0" uiExpand="1" build="p"/>
     </p:bldLst>
   </p:timing>
+</p:sld>
+</file>
+
+<file path=ppt/slides/slide50.xml><?xml version="1.0" encoding="utf-8"?>
+<p:sld xmlns:a="http://schemas.openxmlformats.org/drawingml/2006/main" xmlns:r="http://schemas.openxmlformats.org/officeDocument/2006/relationships" xmlns:p="http://schemas.openxmlformats.org/presentationml/2006/main">
+  <p:cSld>
+    <p:bg>
+      <p:bgPr>
+        <a:solidFill>
+          <a:srgbClr val="0F69B6"/>
+        </a:solidFill>
+        <a:effectLst/>
+      </p:bgPr>
+    </p:bg>
+    <p:spTree>
+      <p:nvGrpSpPr>
+        <p:cNvPr id="1" name=""/>
+        <p:cNvGrpSpPr/>
+        <p:nvPr/>
+      </p:nvGrpSpPr>
+      <p:grpSpPr>
+        <a:xfrm>
+          <a:off x="0" y="0"/>
+          <a:ext cx="0" cy="0"/>
+          <a:chOff x="0" y="0"/>
+          <a:chExt cx="0" cy="0"/>
+        </a:xfrm>
+      </p:grpSpPr>
+      <p:sp>
+        <p:nvSpPr>
+          <p:cNvPr id="2" name="Title 1">
+            <a:extLst>
+              <a:ext uri="{FF2B5EF4-FFF2-40B4-BE49-F238E27FC236}">
+                <a16:creationId xmlns:a16="http://schemas.microsoft.com/office/drawing/2014/main" id="{23961254-86DC-4239-85AC-F87EEB565B01}"/>
+              </a:ext>
+            </a:extLst>
+          </p:cNvPr>
+          <p:cNvSpPr>
+            <a:spLocks noGrp="1"/>
+          </p:cNvSpPr>
+          <p:nvPr>
+            <p:ph type="title"/>
+          </p:nvPr>
+        </p:nvSpPr>
+        <p:spPr>
+          <a:xfrm>
+            <a:off x="838200" y="365125"/>
+            <a:ext cx="10515600" cy="6027511"/>
+          </a:xfrm>
+        </p:spPr>
+        <p:txBody>
+          <a:bodyPr>
+            <a:normAutofit/>
+          </a:bodyPr>
+          <a:lstStyle/>
+          <a:p>
+            <a:pPr algn="ctr"/>
+            <a:r>
+              <a:rPr lang="en-US" sz="7200" dirty="0">
+                <a:solidFill>
+                  <a:schemeClr val="bg1"/>
+                </a:solidFill>
+                <a:latin typeface="+mn-lt"/>
+              </a:rPr>
+              <a:t>Thanks!</a:t>
+            </a:r>
+          </a:p>
+        </p:txBody>
+      </p:sp>
+      <p:grpSp>
+        <p:nvGrpSpPr>
+          <p:cNvPr id="3" name="Group 2">
+            <a:extLst>
+              <a:ext uri="{FF2B5EF4-FFF2-40B4-BE49-F238E27FC236}">
+                <a16:creationId xmlns:a16="http://schemas.microsoft.com/office/drawing/2014/main" id="{0F381A94-E835-401F-8754-98A5CE4F653E}"/>
+              </a:ext>
+            </a:extLst>
+          </p:cNvPr>
+          <p:cNvGrpSpPr/>
+          <p:nvPr/>
+        </p:nvGrpSpPr>
+        <p:grpSpPr>
+          <a:xfrm>
+            <a:off x="9970651" y="6185410"/>
+            <a:ext cx="2130724" cy="474323"/>
+            <a:chOff x="9970651" y="6185410"/>
+            <a:chExt cx="2130724" cy="474323"/>
+          </a:xfrm>
+        </p:grpSpPr>
+        <p:sp>
+          <p:nvSpPr>
+            <p:cNvPr id="4" name="Subtitle 2">
+              <a:extLst>
+                <a:ext uri="{FF2B5EF4-FFF2-40B4-BE49-F238E27FC236}">
+                  <a16:creationId xmlns:a16="http://schemas.microsoft.com/office/drawing/2014/main" id="{1FEE5B04-A7D7-426F-94EB-E84743F35CA0}"/>
+                </a:ext>
+              </a:extLst>
+            </p:cNvPr>
+            <p:cNvSpPr txBox="1">
+              <a:spLocks/>
+            </p:cNvSpPr>
+            <p:nvPr/>
+          </p:nvSpPr>
+          <p:spPr>
+            <a:xfrm>
+              <a:off x="10041147" y="6185410"/>
+              <a:ext cx="2060228" cy="474323"/>
+            </a:xfrm>
+            <a:prstGeom prst="rect">
+              <a:avLst/>
+            </a:prstGeom>
+          </p:spPr>
+          <p:txBody>
+            <a:bodyPr vert="horz" lIns="91440" tIns="45720" rIns="91440" bIns="45720" rtlCol="0">
+              <a:normAutofit/>
+            </a:bodyPr>
+            <a:lstStyle>
+              <a:lvl1pPr marL="0" indent="0" algn="ctr" defTabSz="914400" rtl="0" eaLnBrk="1" latinLnBrk="0" hangingPunct="1">
+                <a:lnSpc>
+                  <a:spcPct val="90000"/>
+                </a:lnSpc>
+                <a:spcBef>
+                  <a:spcPts val="1000"/>
+                </a:spcBef>
+                <a:buFont typeface="Arial" panose="020B0604020202020204" pitchFamily="34" charset="0"/>
+                <a:buNone/>
+                <a:defRPr sz="2400" kern="1200">
+                  <a:solidFill>
+                    <a:schemeClr val="tx1"/>
+                  </a:solidFill>
+                  <a:latin typeface="+mn-lt"/>
+                  <a:ea typeface="+mn-ea"/>
+                  <a:cs typeface="+mn-cs"/>
+                </a:defRPr>
+              </a:lvl1pPr>
+              <a:lvl2pPr marL="457200" indent="0" algn="ctr" defTabSz="914400" rtl="0" eaLnBrk="1" latinLnBrk="0" hangingPunct="1">
+                <a:lnSpc>
+                  <a:spcPct val="90000"/>
+                </a:lnSpc>
+                <a:spcBef>
+                  <a:spcPts val="500"/>
+                </a:spcBef>
+                <a:buFont typeface="Arial" panose="020B0604020202020204" pitchFamily="34" charset="0"/>
+                <a:buNone/>
+                <a:defRPr sz="2000" kern="1200">
+                  <a:solidFill>
+                    <a:schemeClr val="tx1"/>
+                  </a:solidFill>
+                  <a:latin typeface="+mn-lt"/>
+                  <a:ea typeface="+mn-ea"/>
+                  <a:cs typeface="+mn-cs"/>
+                </a:defRPr>
+              </a:lvl2pPr>
+              <a:lvl3pPr marL="914400" indent="0" algn="ctr" defTabSz="914400" rtl="0" eaLnBrk="1" latinLnBrk="0" hangingPunct="1">
+                <a:lnSpc>
+                  <a:spcPct val="90000"/>
+                </a:lnSpc>
+                <a:spcBef>
+                  <a:spcPts val="500"/>
+                </a:spcBef>
+                <a:buFont typeface="Arial" panose="020B0604020202020204" pitchFamily="34" charset="0"/>
+                <a:buNone/>
+                <a:defRPr sz="1800" kern="1200">
+                  <a:solidFill>
+                    <a:schemeClr val="tx1"/>
+                  </a:solidFill>
+                  <a:latin typeface="+mn-lt"/>
+                  <a:ea typeface="+mn-ea"/>
+                  <a:cs typeface="+mn-cs"/>
+                </a:defRPr>
+              </a:lvl3pPr>
+              <a:lvl4pPr marL="1371600" indent="0" algn="ctr" defTabSz="914400" rtl="0" eaLnBrk="1" latinLnBrk="0" hangingPunct="1">
+                <a:lnSpc>
+                  <a:spcPct val="90000"/>
+                </a:lnSpc>
+                <a:spcBef>
+                  <a:spcPts val="500"/>
+                </a:spcBef>
+                <a:buFont typeface="Arial" panose="020B0604020202020204" pitchFamily="34" charset="0"/>
+                <a:buNone/>
+                <a:defRPr sz="1600" kern="1200">
+                  <a:solidFill>
+                    <a:schemeClr val="tx1"/>
+                  </a:solidFill>
+                  <a:latin typeface="+mn-lt"/>
+                  <a:ea typeface="+mn-ea"/>
+                  <a:cs typeface="+mn-cs"/>
+                </a:defRPr>
+              </a:lvl4pPr>
+              <a:lvl5pPr marL="1828800" indent="0" algn="ctr" defTabSz="914400" rtl="0" eaLnBrk="1" latinLnBrk="0" hangingPunct="1">
+                <a:lnSpc>
+                  <a:spcPct val="90000"/>
+                </a:lnSpc>
+                <a:spcBef>
+                  <a:spcPts val="500"/>
+                </a:spcBef>
+                <a:buFont typeface="Arial" panose="020B0604020202020204" pitchFamily="34" charset="0"/>
+                <a:buNone/>
+                <a:defRPr sz="1600" kern="1200">
+                  <a:solidFill>
+                    <a:schemeClr val="tx1"/>
+                  </a:solidFill>
+                  <a:latin typeface="+mn-lt"/>
+                  <a:ea typeface="+mn-ea"/>
+                  <a:cs typeface="+mn-cs"/>
+                </a:defRPr>
+              </a:lvl5pPr>
+              <a:lvl6pPr marL="2286000" indent="0" algn="ctr" defTabSz="914400" rtl="0" eaLnBrk="1" latinLnBrk="0" hangingPunct="1">
+                <a:lnSpc>
+                  <a:spcPct val="90000"/>
+                </a:lnSpc>
+                <a:spcBef>
+                  <a:spcPts val="500"/>
+                </a:spcBef>
+                <a:buFont typeface="Arial" panose="020B0604020202020204" pitchFamily="34" charset="0"/>
+                <a:buNone/>
+                <a:defRPr sz="1600" kern="1200">
+                  <a:solidFill>
+                    <a:schemeClr val="tx1"/>
+                  </a:solidFill>
+                  <a:latin typeface="+mn-lt"/>
+                  <a:ea typeface="+mn-ea"/>
+                  <a:cs typeface="+mn-cs"/>
+                </a:defRPr>
+              </a:lvl6pPr>
+              <a:lvl7pPr marL="2743200" indent="0" algn="ctr" defTabSz="914400" rtl="0" eaLnBrk="1" latinLnBrk="0" hangingPunct="1">
+                <a:lnSpc>
+                  <a:spcPct val="90000"/>
+                </a:lnSpc>
+                <a:spcBef>
+                  <a:spcPts val="500"/>
+                </a:spcBef>
+                <a:buFont typeface="Arial" panose="020B0604020202020204" pitchFamily="34" charset="0"/>
+                <a:buNone/>
+                <a:defRPr sz="1600" kern="1200">
+                  <a:solidFill>
+                    <a:schemeClr val="tx1"/>
+                  </a:solidFill>
+                  <a:latin typeface="+mn-lt"/>
+                  <a:ea typeface="+mn-ea"/>
+                  <a:cs typeface="+mn-cs"/>
+                </a:defRPr>
+              </a:lvl7pPr>
+              <a:lvl8pPr marL="3200400" indent="0" algn="ctr" defTabSz="914400" rtl="0" eaLnBrk="1" latinLnBrk="0" hangingPunct="1">
+                <a:lnSpc>
+                  <a:spcPct val="90000"/>
+                </a:lnSpc>
+                <a:spcBef>
+                  <a:spcPts val="500"/>
+                </a:spcBef>
+                <a:buFont typeface="Arial" panose="020B0604020202020204" pitchFamily="34" charset="0"/>
+                <a:buNone/>
+                <a:defRPr sz="1600" kern="1200">
+                  <a:solidFill>
+                    <a:schemeClr val="tx1"/>
+                  </a:solidFill>
+                  <a:latin typeface="+mn-lt"/>
+                  <a:ea typeface="+mn-ea"/>
+                  <a:cs typeface="+mn-cs"/>
+                </a:defRPr>
+              </a:lvl8pPr>
+              <a:lvl9pPr marL="3657600" indent="0" algn="ctr" defTabSz="914400" rtl="0" eaLnBrk="1" latinLnBrk="0" hangingPunct="1">
+                <a:lnSpc>
+                  <a:spcPct val="90000"/>
+                </a:lnSpc>
+                <a:spcBef>
+                  <a:spcPts val="500"/>
+                </a:spcBef>
+                <a:buFont typeface="Arial" panose="020B0604020202020204" pitchFamily="34" charset="0"/>
+                <a:buNone/>
+                <a:defRPr sz="1600" kern="1200">
+                  <a:solidFill>
+                    <a:schemeClr val="tx1"/>
+                  </a:solidFill>
+                  <a:latin typeface="+mn-lt"/>
+                  <a:ea typeface="+mn-ea"/>
+                  <a:cs typeface="+mn-cs"/>
+                </a:defRPr>
+              </a:lvl9pPr>
+            </a:lstStyle>
+            <a:p>
+              <a:r>
+                <a:rPr lang="en-US" dirty="0" err="1">
+                  <a:solidFill>
+                    <a:schemeClr val="bg1"/>
+                  </a:solidFill>
+                </a:rPr>
+                <a:t>scottsauber</a:t>
+              </a:r>
+              <a:endParaRPr lang="en-US" dirty="0">
+                <a:solidFill>
+                  <a:schemeClr val="bg1"/>
+                </a:solidFill>
+              </a:endParaRPr>
+            </a:p>
+          </p:txBody>
+        </p:sp>
+        <p:sp>
+          <p:nvSpPr>
+            <p:cNvPr id="5" name="Rectangle 4">
+              <a:extLst>
+                <a:ext uri="{FF2B5EF4-FFF2-40B4-BE49-F238E27FC236}">
+                  <a16:creationId xmlns:a16="http://schemas.microsoft.com/office/drawing/2014/main" id="{C87BD344-A325-4101-B1B8-02978970E4E3}"/>
+                </a:ext>
+              </a:extLst>
+            </p:cNvPr>
+            <p:cNvSpPr/>
+            <p:nvPr/>
+          </p:nvSpPr>
+          <p:spPr>
+            <a:xfrm>
+              <a:off x="9970651" y="6285411"/>
+              <a:ext cx="347472" cy="274320"/>
+            </a:xfrm>
+            <a:prstGeom prst="rect">
+              <a:avLst/>
+            </a:prstGeom>
+            <a:blipFill dpi="0" rotWithShape="1">
+              <a:blip r:embed="rId2">
+                <a:alphaModFix amt="50000"/>
+              </a:blip>
+              <a:srcRect/>
+              <a:stretch>
+                <a:fillRect/>
+              </a:stretch>
+            </a:blipFill>
+            <a:ln>
+              <a:noFill/>
+            </a:ln>
+          </p:spPr>
+          <p:style>
+            <a:lnRef idx="2">
+              <a:schemeClr val="accent1">
+                <a:shade val="50000"/>
+              </a:schemeClr>
+            </a:lnRef>
+            <a:fillRef idx="1">
+              <a:schemeClr val="accent1"/>
+            </a:fillRef>
+            <a:effectRef idx="0">
+              <a:schemeClr val="accent1"/>
+            </a:effectRef>
+            <a:fontRef idx="minor">
+              <a:schemeClr val="lt1"/>
+            </a:fontRef>
+          </p:style>
+          <p:txBody>
+            <a:bodyPr rtlCol="0" anchor="ctr"/>
+            <a:lstStyle/>
+            <a:p>
+              <a:pPr algn="ctr"/>
+              <a:endParaRPr lang="en-US"/>
+            </a:p>
+          </p:txBody>
+        </p:sp>
+      </p:grpSp>
+      <p:sp>
+        <p:nvSpPr>
+          <p:cNvPr id="7" name="Subtitle 2">
+            <a:extLst>
+              <a:ext uri="{FF2B5EF4-FFF2-40B4-BE49-F238E27FC236}">
+                <a16:creationId xmlns:a16="http://schemas.microsoft.com/office/drawing/2014/main" id="{FD62362D-55B2-4103-A7AF-54CC41B415B4}"/>
+              </a:ext>
+            </a:extLst>
+          </p:cNvPr>
+          <p:cNvSpPr txBox="1">
+            <a:spLocks/>
+          </p:cNvSpPr>
+          <p:nvPr/>
+        </p:nvSpPr>
+        <p:spPr>
+          <a:xfrm>
+            <a:off x="90625" y="3418380"/>
+            <a:ext cx="12192000" cy="3371040"/>
+          </a:xfrm>
+          <a:prstGeom prst="rect">
+            <a:avLst/>
+          </a:prstGeom>
+        </p:spPr>
+        <p:txBody>
+          <a:bodyPr vert="horz" lIns="91440" tIns="45720" rIns="91440" bIns="45720" rtlCol="0">
+            <a:normAutofit/>
+          </a:bodyPr>
+          <a:lstStyle>
+            <a:lvl1pPr marL="228600" indent="-228600" algn="l" defTabSz="914400" rtl="0" eaLnBrk="1" latinLnBrk="0" hangingPunct="1">
+              <a:lnSpc>
+                <a:spcPct val="90000"/>
+              </a:lnSpc>
+              <a:spcBef>
+                <a:spcPts val="1000"/>
+              </a:spcBef>
+              <a:buFont typeface="Arial" panose="020B0604020202020204" pitchFamily="34" charset="0"/>
+              <a:buChar char="•"/>
+              <a:defRPr sz="2800" kern="1200">
+                <a:solidFill>
+                  <a:schemeClr val="tx1"/>
+                </a:solidFill>
+                <a:latin typeface="+mn-lt"/>
+                <a:ea typeface="+mn-ea"/>
+                <a:cs typeface="+mn-cs"/>
+              </a:defRPr>
+            </a:lvl1pPr>
+            <a:lvl2pPr marL="685800" indent="-228600" algn="l" defTabSz="914400" rtl="0" eaLnBrk="1" latinLnBrk="0" hangingPunct="1">
+              <a:lnSpc>
+                <a:spcPct val="90000"/>
+              </a:lnSpc>
+              <a:spcBef>
+                <a:spcPts val="500"/>
+              </a:spcBef>
+              <a:buFont typeface="Arial" panose="020B0604020202020204" pitchFamily="34" charset="0"/>
+              <a:buChar char="•"/>
+              <a:defRPr sz="2400" kern="1200">
+                <a:solidFill>
+                  <a:schemeClr val="tx1"/>
+                </a:solidFill>
+                <a:latin typeface="+mn-lt"/>
+                <a:ea typeface="+mn-ea"/>
+                <a:cs typeface="+mn-cs"/>
+              </a:defRPr>
+            </a:lvl2pPr>
+            <a:lvl3pPr marL="1143000" indent="-228600" algn="l" defTabSz="914400" rtl="0" eaLnBrk="1" latinLnBrk="0" hangingPunct="1">
+              <a:lnSpc>
+                <a:spcPct val="90000"/>
+              </a:lnSpc>
+              <a:spcBef>
+                <a:spcPts val="500"/>
+              </a:spcBef>
+              <a:buFont typeface="Arial" panose="020B0604020202020204" pitchFamily="34" charset="0"/>
+              <a:buChar char="•"/>
+              <a:defRPr sz="2000" kern="1200">
+                <a:solidFill>
+                  <a:schemeClr val="tx1"/>
+                </a:solidFill>
+                <a:latin typeface="+mn-lt"/>
+                <a:ea typeface="+mn-ea"/>
+                <a:cs typeface="+mn-cs"/>
+              </a:defRPr>
+            </a:lvl3pPr>
+            <a:lvl4pPr marL="1600200" indent="-228600" algn="l" defTabSz="914400" rtl="0" eaLnBrk="1" latinLnBrk="0" hangingPunct="1">
+              <a:lnSpc>
+                <a:spcPct val="90000"/>
+              </a:lnSpc>
+              <a:spcBef>
+                <a:spcPts val="500"/>
+              </a:spcBef>
+              <a:buFont typeface="Arial" panose="020B0604020202020204" pitchFamily="34" charset="0"/>
+              <a:buChar char="•"/>
+              <a:defRPr sz="1800" kern="1200">
+                <a:solidFill>
+                  <a:schemeClr val="tx1"/>
+                </a:solidFill>
+                <a:latin typeface="+mn-lt"/>
+                <a:ea typeface="+mn-ea"/>
+                <a:cs typeface="+mn-cs"/>
+              </a:defRPr>
+            </a:lvl4pPr>
+            <a:lvl5pPr marL="2057400" indent="-228600" algn="l" defTabSz="914400" rtl="0" eaLnBrk="1" latinLnBrk="0" hangingPunct="1">
+              <a:lnSpc>
+                <a:spcPct val="90000"/>
+              </a:lnSpc>
+              <a:spcBef>
+                <a:spcPts val="500"/>
+              </a:spcBef>
+              <a:buFont typeface="Arial" panose="020B0604020202020204" pitchFamily="34" charset="0"/>
+              <a:buChar char="•"/>
+              <a:defRPr sz="1800" kern="1200">
+                <a:solidFill>
+                  <a:schemeClr val="tx1"/>
+                </a:solidFill>
+                <a:latin typeface="+mn-lt"/>
+                <a:ea typeface="+mn-ea"/>
+                <a:cs typeface="+mn-cs"/>
+              </a:defRPr>
+            </a:lvl5pPr>
+            <a:lvl6pPr marL="2514600" indent="-228600" algn="l" defTabSz="914400" rtl="0" eaLnBrk="1" latinLnBrk="0" hangingPunct="1">
+              <a:lnSpc>
+                <a:spcPct val="90000"/>
+              </a:lnSpc>
+              <a:spcBef>
+                <a:spcPts val="500"/>
+              </a:spcBef>
+              <a:buFont typeface="Arial" panose="020B0604020202020204" pitchFamily="34" charset="0"/>
+              <a:buChar char="•"/>
+              <a:defRPr sz="1800" kern="1200">
+                <a:solidFill>
+                  <a:schemeClr val="tx1"/>
+                </a:solidFill>
+                <a:latin typeface="+mn-lt"/>
+                <a:ea typeface="+mn-ea"/>
+                <a:cs typeface="+mn-cs"/>
+              </a:defRPr>
+            </a:lvl6pPr>
+            <a:lvl7pPr marL="2971800" indent="-228600" algn="l" defTabSz="914400" rtl="0" eaLnBrk="1" latinLnBrk="0" hangingPunct="1">
+              <a:lnSpc>
+                <a:spcPct val="90000"/>
+              </a:lnSpc>
+              <a:spcBef>
+                <a:spcPts val="500"/>
+              </a:spcBef>
+              <a:buFont typeface="Arial" panose="020B0604020202020204" pitchFamily="34" charset="0"/>
+              <a:buChar char="•"/>
+              <a:defRPr sz="1800" kern="1200">
+                <a:solidFill>
+                  <a:schemeClr val="tx1"/>
+                </a:solidFill>
+                <a:latin typeface="+mn-lt"/>
+                <a:ea typeface="+mn-ea"/>
+                <a:cs typeface="+mn-cs"/>
+              </a:defRPr>
+            </a:lvl7pPr>
+            <a:lvl8pPr marL="3429000" indent="-228600" algn="l" defTabSz="914400" rtl="0" eaLnBrk="1" latinLnBrk="0" hangingPunct="1">
+              <a:lnSpc>
+                <a:spcPct val="90000"/>
+              </a:lnSpc>
+              <a:spcBef>
+                <a:spcPts val="500"/>
+              </a:spcBef>
+              <a:buFont typeface="Arial" panose="020B0604020202020204" pitchFamily="34" charset="0"/>
+              <a:buChar char="•"/>
+              <a:defRPr sz="1800" kern="1200">
+                <a:solidFill>
+                  <a:schemeClr val="tx1"/>
+                </a:solidFill>
+                <a:latin typeface="+mn-lt"/>
+                <a:ea typeface="+mn-ea"/>
+                <a:cs typeface="+mn-cs"/>
+              </a:defRPr>
+            </a:lvl8pPr>
+            <a:lvl9pPr marL="3886200" indent="-228600" algn="l" defTabSz="914400" rtl="0" eaLnBrk="1" latinLnBrk="0" hangingPunct="1">
+              <a:lnSpc>
+                <a:spcPct val="90000"/>
+              </a:lnSpc>
+              <a:spcBef>
+                <a:spcPts val="500"/>
+              </a:spcBef>
+              <a:buFont typeface="Arial" panose="020B0604020202020204" pitchFamily="34" charset="0"/>
+              <a:buChar char="•"/>
+              <a:defRPr sz="1800" kern="1200">
+                <a:solidFill>
+                  <a:schemeClr val="tx1"/>
+                </a:solidFill>
+                <a:latin typeface="+mn-lt"/>
+                <a:ea typeface="+mn-ea"/>
+                <a:cs typeface="+mn-cs"/>
+              </a:defRPr>
+            </a:lvl9pPr>
+          </a:lstStyle>
+          <a:p>
+            <a:pPr marL="0" indent="0">
+              <a:buNone/>
+            </a:pPr>
+            <a:endParaRPr lang="en-US" sz="3600" dirty="0">
+              <a:solidFill>
+                <a:schemeClr val="bg1"/>
+              </a:solidFill>
+              <a:ea typeface="Open Sans" panose="020B0606030504020204" pitchFamily="34" charset="0"/>
+              <a:cs typeface="Open Sans" panose="020B0606030504020204" pitchFamily="34" charset="0"/>
+            </a:endParaRPr>
+          </a:p>
+          <a:p>
+            <a:endParaRPr lang="en-US" sz="4000" dirty="0">
+              <a:solidFill>
+                <a:schemeClr val="bg1"/>
+              </a:solidFill>
+              <a:ea typeface="Open Sans" panose="020B0606030504020204" pitchFamily="34" charset="0"/>
+              <a:cs typeface="Open Sans" panose="020B0606030504020204" pitchFamily="34" charset="0"/>
+            </a:endParaRPr>
+          </a:p>
+          <a:p>
+            <a:endParaRPr lang="en-US" dirty="0">
+              <a:solidFill>
+                <a:schemeClr val="bg1"/>
+              </a:solidFill>
+              <a:ea typeface="Open Sans" panose="020B0606030504020204" pitchFamily="34" charset="0"/>
+              <a:cs typeface="Open Sans" panose="020B0606030504020204" pitchFamily="34" charset="0"/>
+            </a:endParaRPr>
+          </a:p>
+          <a:p>
+            <a:endParaRPr lang="en-US" dirty="0">
+              <a:solidFill>
+                <a:schemeClr val="bg1"/>
+              </a:solidFill>
+              <a:ea typeface="Open Sans" panose="020B0606030504020204" pitchFamily="34" charset="0"/>
+              <a:cs typeface="Open Sans" panose="020B0606030504020204" pitchFamily="34" charset="0"/>
+            </a:endParaRPr>
+          </a:p>
+          <a:p>
+            <a:pPr marL="0" indent="0">
+              <a:buNone/>
+            </a:pPr>
+            <a:endParaRPr lang="en-US" dirty="0">
+              <a:solidFill>
+                <a:schemeClr val="bg1"/>
+              </a:solidFill>
+              <a:ea typeface="Open Sans" panose="020B0606030504020204" pitchFamily="34" charset="0"/>
+              <a:cs typeface="Open Sans" panose="020B0606030504020204" pitchFamily="34" charset="0"/>
+            </a:endParaRPr>
+          </a:p>
+          <a:p>
+            <a:pPr marL="0" indent="0">
+              <a:buNone/>
+            </a:pPr>
+            <a:r>
+              <a:rPr lang="en-US" dirty="0">
+                <a:solidFill>
+                  <a:schemeClr val="bg1"/>
+                </a:solidFill>
+                <a:ea typeface="Open Sans" panose="020B0606030504020204" pitchFamily="34" charset="0"/>
+                <a:cs typeface="Open Sans" panose="020B0606030504020204" pitchFamily="34" charset="0"/>
+              </a:rPr>
+              <a:t>Slides up at scottsauber.com</a:t>
+            </a:r>
+          </a:p>
+        </p:txBody>
+      </p:sp>
+    </p:spTree>
+    <p:extLst>
+      <p:ext uri="{BB962C8B-B14F-4D97-AF65-F5344CB8AC3E}">
+        <p14:creationId xmlns:p14="http://schemas.microsoft.com/office/powerpoint/2010/main" val="3253755786"/>
+      </p:ext>
+    </p:extLst>
+  </p:cSld>
+  <p:clrMapOvr>
+    <a:masterClrMapping/>
+  </p:clrMapOvr>
 </p:sld>
 </file>
 

--- a/2023-11-09-JetBrains-TDDWithBlazor/TDD with Blazor.pptx
+++ b/2023-11-09-JetBrains-TDDWithBlazor/TDD with Blazor.pptx
@@ -45,8 +45,8 @@
     <p:sldId id="523" r:id="rId36"/>
     <p:sldId id="524" r:id="rId37"/>
     <p:sldId id="525" r:id="rId38"/>
-    <p:sldId id="399" r:id="rId39"/>
-    <p:sldId id="529" r:id="rId40"/>
+    <p:sldId id="529" r:id="rId39"/>
+    <p:sldId id="399" r:id="rId40"/>
     <p:sldId id="528" r:id="rId41"/>
     <p:sldId id="379" r:id="rId42"/>
     <p:sldId id="380" r:id="rId43"/>
@@ -3172,7 +3172,7 @@
             <a:spLocks noGrp="1"/>
           </p:cNvSpPr>
           <p:nvPr>
-            <p:ph type="sldNum" sz="quarter" idx="10"/>
+            <p:ph type="sldNum" sz="quarter" idx="5"/>
           </p:nvPr>
         </p:nvSpPr>
         <p:spPr/>
@@ -3180,7 +3180,7 @@
           <a:bodyPr/>
           <a:lstStyle/>
           <a:p>
-            <a:fld id="{2B57EC6A-F5A4-441D-B3C5-D1EF8312AF7C}" type="slidenum">
+            <a:fld id="{EACEE071-6BA9-400B-8DDD-7178D39C29B3}" type="slidenum">
               <a:rPr lang="en-US" smtClean="0"/>
               <a:t>38</a:t>
             </a:fld>
@@ -3191,7 +3191,7 @@
     </p:spTree>
     <p:extLst>
       <p:ext uri="{BB962C8B-B14F-4D97-AF65-F5344CB8AC3E}">
-        <p14:creationId xmlns:p14="http://schemas.microsoft.com/office/powerpoint/2010/main" val="2442105547"/>
+        <p14:creationId xmlns:p14="http://schemas.microsoft.com/office/powerpoint/2010/main" val="2585994090"/>
       </p:ext>
     </p:extLst>
   </p:cSld>
@@ -3256,7 +3256,7 @@
             <a:spLocks noGrp="1"/>
           </p:cNvSpPr>
           <p:nvPr>
-            <p:ph type="sldNum" sz="quarter" idx="5"/>
+            <p:ph type="sldNum" sz="quarter" idx="10"/>
           </p:nvPr>
         </p:nvSpPr>
         <p:spPr/>
@@ -3264,7 +3264,7 @@
           <a:bodyPr/>
           <a:lstStyle/>
           <a:p>
-            <a:fld id="{EACEE071-6BA9-400B-8DDD-7178D39C29B3}" type="slidenum">
+            <a:fld id="{2B57EC6A-F5A4-441D-B3C5-D1EF8312AF7C}" type="slidenum">
               <a:rPr lang="en-US" smtClean="0"/>
               <a:t>39</a:t>
             </a:fld>
@@ -3275,7 +3275,7 @@
     </p:spTree>
     <p:extLst>
       <p:ext uri="{BB962C8B-B14F-4D97-AF65-F5344CB8AC3E}">
-        <p14:creationId xmlns:p14="http://schemas.microsoft.com/office/powerpoint/2010/main" val="2585994090"/>
+        <p14:creationId xmlns:p14="http://schemas.microsoft.com/office/powerpoint/2010/main" val="2442105547"/>
       </p:ext>
     </p:extLst>
   </p:cSld>
@@ -4145,6 +4145,90 @@
     <p:extLst>
       <p:ext uri="{BB962C8B-B14F-4D97-AF65-F5344CB8AC3E}">
         <p14:creationId xmlns:p14="http://schemas.microsoft.com/office/powerpoint/2010/main" val="2378286796"/>
+      </p:ext>
+    </p:extLst>
+  </p:cSld>
+  <p:clrMapOvr>
+    <a:masterClrMapping/>
+  </p:clrMapOvr>
+</p:notes>
+</file>
+
+<file path=ppt/notesSlides/notesSlide49.xml><?xml version="1.0" encoding="utf-8"?>
+<p:notes xmlns:a="http://schemas.openxmlformats.org/drawingml/2006/main" xmlns:r="http://schemas.openxmlformats.org/officeDocument/2006/relationships" xmlns:p="http://schemas.openxmlformats.org/presentationml/2006/main">
+  <p:cSld>
+    <p:spTree>
+      <p:nvGrpSpPr>
+        <p:cNvPr id="1" name=""/>
+        <p:cNvGrpSpPr/>
+        <p:nvPr/>
+      </p:nvGrpSpPr>
+      <p:grpSpPr>
+        <a:xfrm>
+          <a:off x="0" y="0"/>
+          <a:ext cx="0" cy="0"/>
+          <a:chOff x="0" y="0"/>
+          <a:chExt cx="0" cy="0"/>
+        </a:xfrm>
+      </p:grpSpPr>
+      <p:sp>
+        <p:nvSpPr>
+          <p:cNvPr id="2" name="Slide Image Placeholder 1"/>
+          <p:cNvSpPr>
+            <a:spLocks noGrp="1" noRot="1" noChangeAspect="1"/>
+          </p:cNvSpPr>
+          <p:nvPr>
+            <p:ph type="sldImg"/>
+          </p:nvPr>
+        </p:nvSpPr>
+        <p:spPr/>
+      </p:sp>
+      <p:sp>
+        <p:nvSpPr>
+          <p:cNvPr id="3" name="Notes Placeholder 2"/>
+          <p:cNvSpPr>
+            <a:spLocks noGrp="1"/>
+          </p:cNvSpPr>
+          <p:nvPr>
+            <p:ph type="body" idx="1"/>
+          </p:nvPr>
+        </p:nvSpPr>
+        <p:spPr/>
+        <p:txBody>
+          <a:bodyPr/>
+          <a:lstStyle/>
+          <a:p>
+            <a:endParaRPr lang="en-US" dirty="0"/>
+          </a:p>
+        </p:txBody>
+      </p:sp>
+      <p:sp>
+        <p:nvSpPr>
+          <p:cNvPr id="4" name="Slide Number Placeholder 3"/>
+          <p:cNvSpPr>
+            <a:spLocks noGrp="1"/>
+          </p:cNvSpPr>
+          <p:nvPr>
+            <p:ph type="sldNum" sz="quarter" idx="5"/>
+          </p:nvPr>
+        </p:nvSpPr>
+        <p:spPr/>
+        <p:txBody>
+          <a:bodyPr/>
+          <a:lstStyle/>
+          <a:p>
+            <a:fld id="{EC074461-D808-4EBD-B8B3-953FBFCC6ED3}" type="slidenum">
+              <a:rPr lang="en-US" smtClean="0"/>
+              <a:t>49</a:t>
+            </a:fld>
+            <a:endParaRPr lang="en-US"/>
+          </a:p>
+        </p:txBody>
+      </p:sp>
+    </p:spTree>
+    <p:extLst>
+      <p:ext uri="{BB962C8B-B14F-4D97-AF65-F5344CB8AC3E}">
+        <p14:creationId xmlns:p14="http://schemas.microsoft.com/office/powerpoint/2010/main" val="3748444724"/>
       </p:ext>
     </p:extLst>
   </p:cSld>
@@ -24237,6 +24321,108 @@
 <file path=ppt/slides/slide38.xml><?xml version="1.0" encoding="utf-8"?>
 <p:sld xmlns:a="http://schemas.openxmlformats.org/drawingml/2006/main" xmlns:r="http://schemas.openxmlformats.org/officeDocument/2006/relationships" xmlns:p="http://schemas.openxmlformats.org/presentationml/2006/main">
   <p:cSld>
+    <p:bg>
+      <p:bgPr>
+        <a:solidFill>
+          <a:srgbClr val="0F69B6"/>
+        </a:solidFill>
+        <a:effectLst/>
+      </p:bgPr>
+    </p:bg>
+    <p:spTree>
+      <p:nvGrpSpPr>
+        <p:cNvPr id="1" name=""/>
+        <p:cNvGrpSpPr/>
+        <p:nvPr/>
+      </p:nvGrpSpPr>
+      <p:grpSpPr>
+        <a:xfrm>
+          <a:off x="0" y="0"/>
+          <a:ext cx="0" cy="0"/>
+          <a:chOff x="0" y="0"/>
+          <a:chExt cx="0" cy="0"/>
+        </a:xfrm>
+      </p:grpSpPr>
+      <p:sp>
+        <p:nvSpPr>
+          <p:cNvPr id="2" name="Title 1">
+            <a:extLst>
+              <a:ext uri="{FF2B5EF4-FFF2-40B4-BE49-F238E27FC236}">
+                <a16:creationId xmlns:a16="http://schemas.microsoft.com/office/drawing/2014/main" id="{E8FE7171-AFDD-4862-9A69-284665CD3345}"/>
+              </a:ext>
+            </a:extLst>
+          </p:cNvPr>
+          <p:cNvSpPr>
+            <a:spLocks noGrp="1"/>
+          </p:cNvSpPr>
+          <p:nvPr>
+            <p:ph type="ctrTitle"/>
+          </p:nvPr>
+        </p:nvSpPr>
+        <p:spPr>
+          <a:xfrm>
+            <a:off x="0" y="0"/>
+            <a:ext cx="12192000" cy="6858000"/>
+          </a:xfrm>
+        </p:spPr>
+        <p:txBody>
+          <a:bodyPr anchor="ctr">
+            <a:normAutofit/>
+          </a:bodyPr>
+          <a:lstStyle/>
+          <a:p>
+            <a:r>
+              <a:rPr lang="en-US" sz="9600" b="1" dirty="0">
+                <a:solidFill>
+                  <a:schemeClr val="bg1"/>
+                </a:solidFill>
+                <a:latin typeface="+mn-lt"/>
+                <a:ea typeface="Open Sans" panose="020B0606030504020204" pitchFamily="34" charset="0"/>
+                <a:cs typeface="Open Sans" panose="020B0606030504020204" pitchFamily="34" charset="0"/>
+              </a:rPr>
+              <a:t>&lt;/ </a:t>
+            </a:r>
+            <a:r>
+              <a:rPr lang="en-US" sz="9600" b="1" dirty="0" err="1">
+                <a:solidFill>
+                  <a:schemeClr val="bg1"/>
+                </a:solidFill>
+                <a:latin typeface="+mn-lt"/>
+                <a:ea typeface="Open Sans" panose="020B0606030504020204" pitchFamily="34" charset="0"/>
+                <a:cs typeface="Open Sans" panose="020B0606030504020204" pitchFamily="34" charset="0"/>
+              </a:rPr>
+              <a:t>ChekhovsGun</a:t>
+            </a:r>
+            <a:r>
+              <a:rPr lang="en-US" sz="9600" b="1" dirty="0">
+                <a:solidFill>
+                  <a:schemeClr val="bg1"/>
+                </a:solidFill>
+                <a:latin typeface="+mn-lt"/>
+                <a:ea typeface="Open Sans" panose="020B0606030504020204" pitchFamily="34" charset="0"/>
+                <a:cs typeface="Open Sans" panose="020B0606030504020204" pitchFamily="34" charset="0"/>
+              </a:rPr>
+              <a:t>&gt;</a:t>
+            </a:r>
+          </a:p>
+        </p:txBody>
+      </p:sp>
+    </p:spTree>
+    <p:extLst>
+      <p:ext uri="{BB962C8B-B14F-4D97-AF65-F5344CB8AC3E}">
+        <p14:creationId xmlns:p14="http://schemas.microsoft.com/office/powerpoint/2010/main" val="841951821"/>
+      </p:ext>
+    </p:extLst>
+  </p:cSld>
+  <p:clrMapOvr>
+    <a:masterClrMapping/>
+  </p:clrMapOvr>
+</p:sld>
+</file>
+
+<file path=ppt/slides/slide39.xml><?xml version="1.0" encoding="utf-8"?>
+<p:sld xmlns:a="http://schemas.openxmlformats.org/drawingml/2006/main" xmlns:r="http://schemas.openxmlformats.org/officeDocument/2006/relationships" xmlns:p="http://schemas.openxmlformats.org/presentationml/2006/main">
+  <p:cSld>
     <p:spTree>
       <p:nvGrpSpPr>
         <p:cNvPr id="1" name=""/>
@@ -25095,108 +25281,6 @@
 </p:sld>
 </file>
 
-<file path=ppt/slides/slide39.xml><?xml version="1.0" encoding="utf-8"?>
-<p:sld xmlns:a="http://schemas.openxmlformats.org/drawingml/2006/main" xmlns:r="http://schemas.openxmlformats.org/officeDocument/2006/relationships" xmlns:p="http://schemas.openxmlformats.org/presentationml/2006/main">
-  <p:cSld>
-    <p:bg>
-      <p:bgPr>
-        <a:solidFill>
-          <a:srgbClr val="0F69B6"/>
-        </a:solidFill>
-        <a:effectLst/>
-      </p:bgPr>
-    </p:bg>
-    <p:spTree>
-      <p:nvGrpSpPr>
-        <p:cNvPr id="1" name=""/>
-        <p:cNvGrpSpPr/>
-        <p:nvPr/>
-      </p:nvGrpSpPr>
-      <p:grpSpPr>
-        <a:xfrm>
-          <a:off x="0" y="0"/>
-          <a:ext cx="0" cy="0"/>
-          <a:chOff x="0" y="0"/>
-          <a:chExt cx="0" cy="0"/>
-        </a:xfrm>
-      </p:grpSpPr>
-      <p:sp>
-        <p:nvSpPr>
-          <p:cNvPr id="2" name="Title 1">
-            <a:extLst>
-              <a:ext uri="{FF2B5EF4-FFF2-40B4-BE49-F238E27FC236}">
-                <a16:creationId xmlns:a16="http://schemas.microsoft.com/office/drawing/2014/main" id="{E8FE7171-AFDD-4862-9A69-284665CD3345}"/>
-              </a:ext>
-            </a:extLst>
-          </p:cNvPr>
-          <p:cNvSpPr>
-            <a:spLocks noGrp="1"/>
-          </p:cNvSpPr>
-          <p:nvPr>
-            <p:ph type="ctrTitle"/>
-          </p:nvPr>
-        </p:nvSpPr>
-        <p:spPr>
-          <a:xfrm>
-            <a:off x="0" y="0"/>
-            <a:ext cx="12192000" cy="6858000"/>
-          </a:xfrm>
-        </p:spPr>
-        <p:txBody>
-          <a:bodyPr anchor="ctr">
-            <a:normAutofit/>
-          </a:bodyPr>
-          <a:lstStyle/>
-          <a:p>
-            <a:r>
-              <a:rPr lang="en-US" sz="9600" b="1" dirty="0">
-                <a:solidFill>
-                  <a:schemeClr val="bg1"/>
-                </a:solidFill>
-                <a:latin typeface="+mn-lt"/>
-                <a:ea typeface="Open Sans" panose="020B0606030504020204" pitchFamily="34" charset="0"/>
-                <a:cs typeface="Open Sans" panose="020B0606030504020204" pitchFamily="34" charset="0"/>
-              </a:rPr>
-              <a:t>&lt;/ </a:t>
-            </a:r>
-            <a:r>
-              <a:rPr lang="en-US" sz="9600" b="1" dirty="0" err="1">
-                <a:solidFill>
-                  <a:schemeClr val="bg1"/>
-                </a:solidFill>
-                <a:latin typeface="+mn-lt"/>
-                <a:ea typeface="Open Sans" panose="020B0606030504020204" pitchFamily="34" charset="0"/>
-                <a:cs typeface="Open Sans" panose="020B0606030504020204" pitchFamily="34" charset="0"/>
-              </a:rPr>
-              <a:t>ChekhovsGun</a:t>
-            </a:r>
-            <a:r>
-              <a:rPr lang="en-US" sz="9600" b="1" dirty="0">
-                <a:solidFill>
-                  <a:schemeClr val="bg1"/>
-                </a:solidFill>
-                <a:latin typeface="+mn-lt"/>
-                <a:ea typeface="Open Sans" panose="020B0606030504020204" pitchFamily="34" charset="0"/>
-                <a:cs typeface="Open Sans" panose="020B0606030504020204" pitchFamily="34" charset="0"/>
-              </a:rPr>
-              <a:t>&gt;</a:t>
-            </a:r>
-          </a:p>
-        </p:txBody>
-      </p:sp>
-    </p:spTree>
-    <p:extLst>
-      <p:ext uri="{BB962C8B-B14F-4D97-AF65-F5344CB8AC3E}">
-        <p14:creationId xmlns:p14="http://schemas.microsoft.com/office/powerpoint/2010/main" val="841951821"/>
-      </p:ext>
-    </p:extLst>
-  </p:cSld>
-  <p:clrMapOvr>
-    <a:masterClrMapping/>
-  </p:clrMapOvr>
-</p:sld>
-</file>
-
 <file path=ppt/slides/slide4.xml><?xml version="1.0" encoding="utf-8"?>
 <p:sld xmlns:a="http://schemas.openxmlformats.org/drawingml/2006/main" xmlns:r="http://schemas.openxmlformats.org/officeDocument/2006/relationships" xmlns:p="http://schemas.openxmlformats.org/presentationml/2006/main">
   <p:cSld>
@@ -27423,14 +27507,24 @@
           <a:p>
             <a:r>
               <a:rPr lang="en-US" dirty="0"/>
-              <a:t>How to test React</a:t>
+              <a:t>How to test </a:t>
             </a:r>
+            <a:r>
+              <a:rPr lang="en-US" dirty="0" err="1"/>
+              <a:t>Blazor</a:t>
+            </a:r>
+            <a:endParaRPr lang="en-US" dirty="0"/>
           </a:p>
           <a:p>
             <a:r>
               <a:rPr lang="en-US" dirty="0"/>
-              <a:t>What to test in React</a:t>
+              <a:t>What to test in </a:t>
             </a:r>
+            <a:r>
+              <a:rPr lang="en-US" dirty="0" err="1"/>
+              <a:t>Blazor</a:t>
+            </a:r>
+            <a:endParaRPr lang="en-US" dirty="0"/>
           </a:p>
           <a:p>
             <a:r>
@@ -28280,6 +28374,23 @@
               </a:rPr>
               <a:t>Questions?</a:t>
             </a:r>
+            <a:br>
+              <a:rPr lang="en-US" sz="7200" dirty="0">
+                <a:solidFill>
+                  <a:schemeClr val="bg1"/>
+                </a:solidFill>
+                <a:latin typeface="+mn-lt"/>
+              </a:rPr>
+            </a:br>
+            <a:r>
+              <a:rPr lang="en-US" sz="2000" dirty="0">
+                <a:solidFill>
+                  <a:schemeClr val="bg1"/>
+                </a:solidFill>
+                <a:latin typeface="+mn-lt"/>
+              </a:rPr>
+              <a:t>Email: ssauber@leantechniques.com</a:t>
+            </a:r>
           </a:p>
         </p:txBody>
       </p:sp>
@@ -28532,7 +28643,7 @@
               <a:avLst/>
             </a:prstGeom>
             <a:blipFill dpi="0" rotWithShape="1">
-              <a:blip r:embed="rId2">
+              <a:blip r:embed="rId3">
                 <a:alphaModFix amt="50000"/>
               </a:blip>
               <a:srcRect/>
